--- a/spring16/slidesS16/confidence-vs-prediction.pptx
+++ b/spring16/slidesS16/confidence-vs-prediction.pptx
@@ -5,27 +5,33 @@
     <p:sldMasterId id="2147483650" r:id="rId1"/>
   </p:sldMasterIdLst>
   <p:notesMasterIdLst>
-    <p:notesMasterId r:id="rId12"/>
+    <p:notesMasterId r:id="rId18"/>
   </p:notesMasterIdLst>
   <p:handoutMasterIdLst>
-    <p:handoutMasterId r:id="rId13"/>
+    <p:handoutMasterId r:id="rId19"/>
   </p:handoutMasterIdLst>
   <p:sldIdLst>
     <p:sldId id="322" r:id="rId2"/>
     <p:sldId id="426" r:id="rId3"/>
-    <p:sldId id="427" r:id="rId4"/>
-    <p:sldId id="419" r:id="rId5"/>
-    <p:sldId id="420" r:id="rId6"/>
-    <p:sldId id="421" r:id="rId7"/>
-    <p:sldId id="422" r:id="rId8"/>
-    <p:sldId id="423" r:id="rId9"/>
-    <p:sldId id="424" r:id="rId10"/>
-    <p:sldId id="425" r:id="rId11"/>
+    <p:sldId id="433" r:id="rId4"/>
+    <p:sldId id="427" r:id="rId5"/>
+    <p:sldId id="431" r:id="rId6"/>
+    <p:sldId id="429" r:id="rId7"/>
+    <p:sldId id="432" r:id="rId8"/>
+    <p:sldId id="430" r:id="rId9"/>
+    <p:sldId id="434" r:id="rId10"/>
+    <p:sldId id="419" r:id="rId11"/>
+    <p:sldId id="420" r:id="rId12"/>
+    <p:sldId id="421" r:id="rId13"/>
+    <p:sldId id="422" r:id="rId14"/>
+    <p:sldId id="423" r:id="rId15"/>
+    <p:sldId id="424" r:id="rId16"/>
+    <p:sldId id="425" r:id="rId17"/>
   </p:sldIdLst>
   <p:sldSz cx="9144000" cy="6858000" type="screen4x3"/>
   <p:notesSz cx="9601200" cy="7315200"/>
   <p:custDataLst>
-    <p:tags r:id="rId15"/>
+    <p:tags r:id="rId21"/>
   </p:custDataLst>
   <p:defaultTextStyle>
     <a:defPPr>
@@ -982,7 +988,7 @@
                 <a:latin typeface="Arial" charset="0"/>
               </a:rPr>
               <a:pPr/>
-              <a:t>4</a:t>
+              <a:t>10</a:t>
             </a:fld>
             <a:endParaRPr lang="en-US" smtClean="0">
               <a:latin typeface="Arial" charset="0"/>
@@ -1076,7 +1082,7 @@
                 <a:latin typeface="Arial" charset="0"/>
               </a:rPr>
               <a:pPr/>
-              <a:t>5</a:t>
+              <a:t>11</a:t>
             </a:fld>
             <a:endParaRPr lang="en-US" smtClean="0">
               <a:latin typeface="Arial" charset="0"/>
@@ -1170,7 +1176,7 @@
                 <a:latin typeface="Arial" charset="0"/>
               </a:rPr>
               <a:pPr/>
-              <a:t>6</a:t>
+              <a:t>12</a:t>
             </a:fld>
             <a:endParaRPr lang="en-US" smtClean="0">
               <a:latin typeface="Arial" charset="0"/>
@@ -1264,7 +1270,7 @@
                 <a:latin typeface="Arial" charset="0"/>
               </a:rPr>
               <a:pPr/>
-              <a:t>7</a:t>
+              <a:t>13</a:t>
             </a:fld>
             <a:endParaRPr lang="en-US" smtClean="0">
               <a:latin typeface="Arial" charset="0"/>
@@ -1358,7 +1364,7 @@
                 <a:latin typeface="Arial" charset="0"/>
               </a:rPr>
               <a:pPr/>
-              <a:t>8</a:t>
+              <a:t>14</a:t>
             </a:fld>
             <a:endParaRPr lang="en-US" smtClean="0">
               <a:latin typeface="Arial" charset="0"/>
@@ -1486,7 +1492,7 @@
               <a:pPr>
                 <a:defRPr/>
               </a:pPr>
-              <a:t>9</a:t>
+              <a:t>15</a:t>
             </a:fld>
             <a:endParaRPr lang="en-US"/>
           </a:p>
@@ -1573,7 +1579,7 @@
               <a:pPr>
                 <a:defRPr/>
               </a:pPr>
-              <a:t>10</a:t>
+              <a:t>16</a:t>
             </a:fld>
             <a:endParaRPr lang="en-US"/>
           </a:p>
@@ -3094,1221 +3100,6 @@
       </p:grpSpPr>
       <p:sp>
         <p:nvSpPr>
-          <p:cNvPr id="3" name="Content Placeholder 2"/>
-          <p:cNvSpPr>
-            <a:spLocks noGrp="1"/>
-          </p:cNvSpPr>
-          <p:nvPr>
-            <p:ph idx="1"/>
-          </p:nvPr>
-        </p:nvSpPr>
-        <p:spPr>
-          <a:xfrm>
-            <a:off x="152400" y="1066800"/>
-            <a:ext cx="8839200" cy="5334000"/>
-          </a:xfrm>
-        </p:spPr>
-        <p:txBody>
-          <a:bodyPr/>
-          <a:lstStyle/>
-          <a:p>
-            <a:r>
-              <a:rPr lang="en-US" sz="4800" dirty="0" smtClean="0">
-                <a:solidFill>
-                  <a:srgbClr val="006600"/>
-                </a:solidFill>
-              </a:rPr>
-              <a:t>Moral:</a:t>
-            </a:r>
-            <a:r>
-              <a:rPr lang="en-US" sz="4800" dirty="0" smtClean="0"/>
-              <a:t> </a:t>
-            </a:r>
-            <a:r>
-              <a:rPr lang="en-US" sz="4800" dirty="0"/>
-              <a:t>Also ask “Why am I</a:t>
-            </a:r>
-          </a:p>
-          <a:p>
-            <a:r>
-              <a:rPr lang="en-US" sz="4800" dirty="0"/>
-              <a:t>hearing about this particular </a:t>
-            </a:r>
-          </a:p>
-          <a:p>
-            <a:r>
-              <a:rPr lang="en-US" sz="4800" dirty="0"/>
-              <a:t>experiment?  How many </a:t>
-            </a:r>
-          </a:p>
-          <a:p>
-            <a:r>
-              <a:rPr lang="en-US" sz="4800" dirty="0"/>
-              <a:t>others were tried and not</a:t>
-            </a:r>
-          </a:p>
-          <a:p>
-            <a:r>
-              <a:rPr lang="en-US" sz="4800" dirty="0"/>
-              <a:t>reported?” </a:t>
-            </a:r>
-            <a:endParaRPr lang="en-US" sz="4800" dirty="0" smtClean="0"/>
-          </a:p>
-          <a:p>
-            <a:pPr algn="ctr"/>
-            <a:r>
-              <a:rPr lang="en-US" sz="4800" dirty="0"/>
-              <a:t>See </a:t>
-            </a:r>
-            <a:r>
-              <a:rPr lang="en-US" sz="4800" dirty="0">
-                <a:solidFill>
-                  <a:srgbClr val="660066"/>
-                </a:solidFill>
-              </a:rPr>
-              <a:t>http://</a:t>
-            </a:r>
-            <a:r>
-              <a:rPr lang="en-US" sz="4800" dirty="0" err="1">
-                <a:solidFill>
-                  <a:srgbClr val="660066"/>
-                </a:solidFill>
-              </a:rPr>
-              <a:t>xkcd.com</a:t>
-            </a:r>
-            <a:r>
-              <a:rPr lang="en-US" sz="4800" dirty="0">
-                <a:solidFill>
-                  <a:srgbClr val="660066"/>
-                </a:solidFill>
-              </a:rPr>
-              <a:t>/882/</a:t>
-            </a:r>
-          </a:p>
-        </p:txBody>
-      </p:sp>
-      <p:sp>
-        <p:nvSpPr>
-          <p:cNvPr id="4" name="Slide Number Placeholder 3"/>
-          <p:cNvSpPr>
-            <a:spLocks noGrp="1"/>
-          </p:cNvSpPr>
-          <p:nvPr>
-            <p:ph type="sldNum" sz="quarter" idx="10"/>
-          </p:nvPr>
-        </p:nvSpPr>
-        <p:spPr/>
-        <p:txBody>
-          <a:bodyPr/>
-          <a:lstStyle/>
-          <a:p>
-            <a:pPr>
-              <a:defRPr/>
-            </a:pPr>
-            <a:r>
-              <a:rPr lang="en-US" dirty="0" smtClean="0"/>
-              <a:t>testing.</a:t>
-            </a:r>
-            <a:fld id="{E78F4000-603A-43A9-9772-EA15786EFD2C}" type="slidenum">
-              <a:rPr lang="en-US" smtClean="0"/>
-              <a:pPr>
-                <a:defRPr/>
-              </a:pPr>
-              <a:t>10</a:t>
-            </a:fld>
-            <a:endParaRPr lang="en-US" dirty="0"/>
-          </a:p>
-        </p:txBody>
-      </p:sp>
-      <p:sp>
-        <p:nvSpPr>
-          <p:cNvPr id="7" name="Rectangle 3"/>
-          <p:cNvSpPr>
-            <a:spLocks noGrp="1" noChangeArrowheads="1"/>
-          </p:cNvSpPr>
-          <p:nvPr>
-            <p:ph type="title"/>
-          </p:nvPr>
-        </p:nvSpPr>
-        <p:spPr>
-          <a:xfrm>
-            <a:off x="1905000" y="228600"/>
-            <a:ext cx="5334000" cy="990600"/>
-          </a:xfrm>
-          <a:noFill/>
-        </p:spPr>
-        <p:txBody>
-          <a:bodyPr/>
-          <a:lstStyle/>
-          <a:p>
-            <a:pPr eaLnBrk="1" hangingPunct="1"/>
-            <a:r>
-              <a:rPr lang="en-US" sz="4800" dirty="0" smtClean="0">
-                <a:solidFill>
-                  <a:srgbClr val="0006FE"/>
-                </a:solidFill>
-              </a:rPr>
-              <a:t>Confidence</a:t>
-            </a:r>
-          </a:p>
-        </p:txBody>
-      </p:sp>
-    </p:spTree>
-    <p:extLst>
-      <p:ext uri="{BB962C8B-B14F-4D97-AF65-F5344CB8AC3E}">
-        <p14:creationId xmlns:p14="http://schemas.microsoft.com/office/powerpoint/2010/main" val="1527608813"/>
-      </p:ext>
-    </p:extLst>
-  </p:cSld>
-  <p:clrMapOvr>
-    <a:masterClrMapping/>
-  </p:clrMapOvr>
-  <p:transition xmlns:p14="http://schemas.microsoft.com/office/powerpoint/2010/main">
-    <p:fade/>
-  </p:transition>
-  <p:timing>
-    <p:tnLst>
-      <p:par>
-        <p:cTn xmlns:p14="http://schemas.microsoft.com/office/powerpoint/2010/main" id="1" dur="indefinite" restart="never" nodeType="tmRoot">
-          <p:childTnLst>
-            <p:seq concurrent="1" nextAc="seek">
-              <p:cTn id="2" dur="indefinite" nodeType="mainSeq">
-                <p:childTnLst>
-                  <p:par>
-                    <p:cTn id="3" fill="hold">
-                      <p:stCondLst>
-                        <p:cond delay="indefinite"/>
-                      </p:stCondLst>
-                      <p:childTnLst>
-                        <p:par>
-                          <p:cTn id="4" fill="hold">
-                            <p:stCondLst>
-                              <p:cond delay="0"/>
-                            </p:stCondLst>
-                            <p:childTnLst>
-                              <p:par>
-                                <p:cTn id="5" presetID="10" presetClass="entr" presetSubtype="0" fill="hold" nodeType="clickEffect">
-                                  <p:stCondLst>
-                                    <p:cond delay="0"/>
-                                  </p:stCondLst>
-                                  <p:childTnLst>
-                                    <p:set>
-                                      <p:cBhvr>
-                                        <p:cTn id="6" dur="1" fill="hold">
-                                          <p:stCondLst>
-                                            <p:cond delay="0"/>
-                                          </p:stCondLst>
-                                        </p:cTn>
-                                        <p:tgtEl>
-                                          <p:spTgt spid="3">
-                                            <p:txEl>
-                                              <p:pRg st="5" end="5"/>
-                                            </p:txEl>
-                                          </p:spTgt>
-                                        </p:tgtEl>
-                                        <p:attrNameLst>
-                                          <p:attrName>style.visibility</p:attrName>
-                                        </p:attrNameLst>
-                                      </p:cBhvr>
-                                      <p:to>
-                                        <p:strVal val="visible"/>
-                                      </p:to>
-                                    </p:set>
-                                    <p:animEffect transition="in" filter="fade">
-                                      <p:cBhvr>
-                                        <p:cTn id="7" dur="500"/>
-                                        <p:tgtEl>
-                                          <p:spTgt spid="3">
-                                            <p:txEl>
-                                              <p:pRg st="5" end="5"/>
-                                            </p:txEl>
-                                          </p:spTgt>
-                                        </p:tgtEl>
-                                      </p:cBhvr>
-                                    </p:animEffect>
-                                  </p:childTnLst>
-                                </p:cTn>
-                              </p:par>
-                            </p:childTnLst>
-                          </p:cTn>
-                        </p:par>
-                      </p:childTnLst>
-                    </p:cTn>
-                  </p:par>
-                </p:childTnLst>
-              </p:cTn>
-              <p:prevCondLst>
-                <p:cond evt="onPrev" delay="0">
-                  <p:tgtEl>
-                    <p:sldTgt/>
-                  </p:tgtEl>
-                </p:cond>
-              </p:prevCondLst>
-              <p:nextCondLst>
-                <p:cond evt="onNext" delay="0">
-                  <p:tgtEl>
-                    <p:sldTgt/>
-                  </p:tgtEl>
-                </p:cond>
-              </p:nextCondLst>
-            </p:seq>
-          </p:childTnLst>
-        </p:cTn>
-      </p:par>
-    </p:tnLst>
-  </p:timing>
-</p:sld>
-</file>
-
-<file path=ppt/slides/slide2.xml><?xml version="1.0" encoding="utf-8"?>
-<p:sld xmlns:a="http://schemas.openxmlformats.org/drawingml/2006/main" xmlns:r="http://schemas.openxmlformats.org/officeDocument/2006/relationships" xmlns:p="http://schemas.openxmlformats.org/presentationml/2006/main">
-  <p:cSld>
-    <p:spTree>
-      <p:nvGrpSpPr>
-        <p:cNvPr id="1" name=""/>
-        <p:cNvGrpSpPr/>
-        <p:nvPr/>
-      </p:nvGrpSpPr>
-      <p:grpSpPr>
-        <a:xfrm>
-          <a:off x="0" y="0"/>
-          <a:ext cx="0" cy="0"/>
-          <a:chOff x="0" y="0"/>
-          <a:chExt cx="0" cy="0"/>
-        </a:xfrm>
-      </p:grpSpPr>
-      <p:sp>
-        <p:nvSpPr>
-          <p:cNvPr id="2" name="Slide Number Placeholder 1"/>
-          <p:cNvSpPr>
-            <a:spLocks noGrp="1"/>
-          </p:cNvSpPr>
-          <p:nvPr>
-            <p:ph type="sldNum" sz="quarter" idx="10"/>
-          </p:nvPr>
-        </p:nvSpPr>
-        <p:spPr/>
-        <p:txBody>
-          <a:bodyPr/>
-          <a:lstStyle/>
-          <a:p>
-            <a:pPr>
-              <a:defRPr/>
-            </a:pPr>
-            <a:r>
-              <a:rPr lang="en-US" smtClean="0"/>
-              <a:t>testing.</a:t>
-            </a:r>
-            <a:fld id="{B6F1E441-844C-41E3-A135-77978BB3664F}" type="slidenum">
-              <a:rPr lang="en-US" smtClean="0"/>
-              <a:pPr>
-                <a:defRPr/>
-              </a:pPr>
-              <a:t>2</a:t>
-            </a:fld>
-            <a:endParaRPr lang="en-US" dirty="0"/>
-          </a:p>
-        </p:txBody>
-      </p:sp>
-      <p:sp>
-        <p:nvSpPr>
-          <p:cNvPr id="3" name="Rectangle 3"/>
-          <p:cNvSpPr txBox="1">
-            <a:spLocks noChangeArrowheads="1"/>
-          </p:cNvSpPr>
-          <p:nvPr/>
-        </p:nvSpPr>
-        <p:spPr>
-          <a:xfrm>
-            <a:off x="1295400" y="304800"/>
-            <a:ext cx="7277100" cy="990600"/>
-          </a:xfrm>
-          <a:prstGeom prst="rect">
-            <a:avLst/>
-          </a:prstGeom>
-          <a:noFill/>
-        </p:spPr>
-        <p:txBody>
-          <a:bodyPr/>
-          <a:lstStyle>
-            <a:lvl1pPr algn="l" rtl="0" eaLnBrk="0" fontAlgn="base" hangingPunct="0">
-              <a:spcBef>
-                <a:spcPct val="0"/>
-              </a:spcBef>
-              <a:spcAft>
-                <a:spcPct val="0"/>
-              </a:spcAft>
-              <a:defRPr sz="4000" b="1">
-                <a:solidFill>
-                  <a:schemeClr val="tx2"/>
-                </a:solidFill>
-                <a:latin typeface="Comic Sans MS" pitchFamily="66" charset="0"/>
-                <a:ea typeface="+mj-ea"/>
-                <a:cs typeface="+mj-cs"/>
-              </a:defRPr>
-            </a:lvl1pPr>
-            <a:lvl2pPr algn="l" rtl="0" eaLnBrk="0" fontAlgn="base" hangingPunct="0">
-              <a:spcBef>
-                <a:spcPct val="0"/>
-              </a:spcBef>
-              <a:spcAft>
-                <a:spcPct val="0"/>
-              </a:spcAft>
-              <a:defRPr sz="4000" b="1">
-                <a:solidFill>
-                  <a:schemeClr val="tx2"/>
-                </a:solidFill>
-                <a:latin typeface="Comic Sans MS" pitchFamily="66" charset="0"/>
-              </a:defRPr>
-            </a:lvl2pPr>
-            <a:lvl3pPr algn="l" rtl="0" eaLnBrk="0" fontAlgn="base" hangingPunct="0">
-              <a:spcBef>
-                <a:spcPct val="0"/>
-              </a:spcBef>
-              <a:spcAft>
-                <a:spcPct val="0"/>
-              </a:spcAft>
-              <a:defRPr sz="4000" b="1">
-                <a:solidFill>
-                  <a:schemeClr val="tx2"/>
-                </a:solidFill>
-                <a:latin typeface="Comic Sans MS" pitchFamily="66" charset="0"/>
-              </a:defRPr>
-            </a:lvl3pPr>
-            <a:lvl4pPr algn="l" rtl="0" eaLnBrk="0" fontAlgn="base" hangingPunct="0">
-              <a:spcBef>
-                <a:spcPct val="0"/>
-              </a:spcBef>
-              <a:spcAft>
-                <a:spcPct val="0"/>
-              </a:spcAft>
-              <a:defRPr sz="4000" b="1">
-                <a:solidFill>
-                  <a:schemeClr val="tx2"/>
-                </a:solidFill>
-                <a:latin typeface="Comic Sans MS" pitchFamily="66" charset="0"/>
-              </a:defRPr>
-            </a:lvl4pPr>
-            <a:lvl5pPr algn="l" rtl="0" eaLnBrk="0" fontAlgn="base" hangingPunct="0">
-              <a:spcBef>
-                <a:spcPct val="0"/>
-              </a:spcBef>
-              <a:spcAft>
-                <a:spcPct val="0"/>
-              </a:spcAft>
-              <a:defRPr sz="4000" b="1">
-                <a:solidFill>
-                  <a:schemeClr val="tx2"/>
-                </a:solidFill>
-                <a:latin typeface="Comic Sans MS" pitchFamily="66" charset="0"/>
-              </a:defRPr>
-            </a:lvl5pPr>
-            <a:lvl6pPr marL="457200" algn="l" rtl="0" fontAlgn="base">
-              <a:spcBef>
-                <a:spcPct val="0"/>
-              </a:spcBef>
-              <a:spcAft>
-                <a:spcPct val="0"/>
-              </a:spcAft>
-              <a:defRPr sz="4000" b="1">
-                <a:solidFill>
-                  <a:schemeClr val="tx2"/>
-                </a:solidFill>
-                <a:latin typeface="Times New Roman" pitchFamily="18" charset="0"/>
-              </a:defRPr>
-            </a:lvl6pPr>
-            <a:lvl7pPr marL="914400" algn="l" rtl="0" fontAlgn="base">
-              <a:spcBef>
-                <a:spcPct val="0"/>
-              </a:spcBef>
-              <a:spcAft>
-                <a:spcPct val="0"/>
-              </a:spcAft>
-              <a:defRPr sz="4000" b="1">
-                <a:solidFill>
-                  <a:schemeClr val="tx2"/>
-                </a:solidFill>
-                <a:latin typeface="Times New Roman" pitchFamily="18" charset="0"/>
-              </a:defRPr>
-            </a:lvl7pPr>
-            <a:lvl8pPr marL="1371600" algn="l" rtl="0" fontAlgn="base">
-              <a:spcBef>
-                <a:spcPct val="0"/>
-              </a:spcBef>
-              <a:spcAft>
-                <a:spcPct val="0"/>
-              </a:spcAft>
-              <a:defRPr sz="4000" b="1">
-                <a:solidFill>
-                  <a:schemeClr val="tx2"/>
-                </a:solidFill>
-                <a:latin typeface="Times New Roman" pitchFamily="18" charset="0"/>
-              </a:defRPr>
-            </a:lvl8pPr>
-            <a:lvl9pPr marL="1828800" algn="l" rtl="0" fontAlgn="base">
-              <a:spcBef>
-                <a:spcPct val="0"/>
-              </a:spcBef>
-              <a:spcAft>
-                <a:spcPct val="0"/>
-              </a:spcAft>
-              <a:defRPr sz="4000" b="1">
-                <a:solidFill>
-                  <a:schemeClr val="tx2"/>
-                </a:solidFill>
-                <a:latin typeface="Times New Roman" pitchFamily="18" charset="0"/>
-              </a:defRPr>
-            </a:lvl9pPr>
-          </a:lstStyle>
-          <a:p>
-            <a:pPr eaLnBrk="1" hangingPunct="1"/>
-            <a:r>
-              <a:rPr lang="en-US" sz="4800" dirty="0" smtClean="0">
-                <a:solidFill>
-                  <a:schemeClr val="tx1"/>
-                </a:solidFill>
-              </a:rPr>
-              <a:t>Confirming the TB test</a:t>
-            </a:r>
-            <a:endParaRPr lang="en-US" sz="4800" dirty="0" smtClean="0">
-              <a:solidFill>
-                <a:schemeClr val="tx1"/>
-              </a:solidFill>
-            </a:endParaRPr>
-          </a:p>
-        </p:txBody>
-      </p:sp>
-      <p:sp>
-        <p:nvSpPr>
-          <p:cNvPr id="4" name="TextBox 3"/>
-          <p:cNvSpPr txBox="1"/>
-          <p:nvPr/>
-        </p:nvSpPr>
-        <p:spPr>
-          <a:xfrm>
-            <a:off x="762000" y="1161395"/>
-            <a:ext cx="7648648" cy="4401205"/>
-          </a:xfrm>
-          <a:prstGeom prst="rect">
-            <a:avLst/>
-          </a:prstGeom>
-          <a:noFill/>
-        </p:spPr>
-        <p:txBody>
-          <a:bodyPr wrap="none" rtlCol="0">
-            <a:spAutoFit/>
-          </a:bodyPr>
-          <a:lstStyle/>
-          <a:p>
-            <a:r>
-              <a:rPr lang="en-US" sz="4000" dirty="0" smtClean="0">
-                <a:latin typeface="Comic Sans MS"/>
-                <a:cs typeface="Comic Sans MS"/>
-              </a:rPr>
-              <a:t>Lab offers alternative TB test.</a:t>
-            </a:r>
-          </a:p>
-          <a:p>
-            <a:r>
-              <a:rPr lang="en-US" sz="4000" dirty="0" smtClean="0">
-                <a:latin typeface="Comic Sans MS"/>
-                <a:cs typeface="Comic Sans MS"/>
-              </a:rPr>
-              <a:t>Managers believe their test is</a:t>
-            </a:r>
-          </a:p>
-          <a:p>
-            <a:r>
-              <a:rPr lang="en-US" sz="4000" dirty="0" smtClean="0">
-                <a:latin typeface="Comic Sans MS"/>
-                <a:cs typeface="Comic Sans MS"/>
-              </a:rPr>
-              <a:t>95% accurate.  Also, it is</a:t>
-            </a:r>
-          </a:p>
-          <a:p>
-            <a:r>
-              <a:rPr lang="en-US" sz="4000" dirty="0" smtClean="0">
-                <a:latin typeface="Comic Sans MS"/>
-                <a:cs typeface="Comic Sans MS"/>
-              </a:rPr>
-              <a:t>independent of the prior 98%</a:t>
-            </a:r>
-          </a:p>
-          <a:p>
-            <a:r>
-              <a:rPr lang="en-US" sz="4000" dirty="0" smtClean="0">
-                <a:latin typeface="Comic Sans MS"/>
-                <a:cs typeface="Comic Sans MS"/>
-              </a:rPr>
-              <a:t>accurate test, so useful for</a:t>
-            </a:r>
-          </a:p>
-          <a:p>
-            <a:r>
-              <a:rPr lang="en-US" sz="4000" dirty="0" smtClean="0">
-                <a:latin typeface="Comic Sans MS"/>
-                <a:cs typeface="Comic Sans MS"/>
-              </a:rPr>
-              <a:t>confirming diagnoses.</a:t>
-            </a:r>
-            <a:endParaRPr lang="en-US" sz="4000" dirty="0">
-              <a:latin typeface="Comic Sans MS"/>
-              <a:cs typeface="Comic Sans MS"/>
-            </a:endParaRPr>
-          </a:p>
-        </p:txBody>
-      </p:sp>
-    </p:spTree>
-    <p:extLst>
-      <p:ext uri="{BB962C8B-B14F-4D97-AF65-F5344CB8AC3E}">
-        <p14:creationId xmlns:p14="http://schemas.microsoft.com/office/powerpoint/2010/main" val="1835250539"/>
-      </p:ext>
-    </p:extLst>
-  </p:cSld>
-  <p:clrMapOvr>
-    <a:masterClrMapping/>
-  </p:clrMapOvr>
-  <mc:AlternateContent xmlns:mc="http://schemas.openxmlformats.org/markup-compatibility/2006" xmlns:p14="http://schemas.microsoft.com/office/powerpoint/2010/main">
-    <mc:Choice Requires="p14">
-      <p:transition spd="slow" p14:dur="900" advClick="0">
-        <p:fade/>
-      </p:transition>
-    </mc:Choice>
-    <mc:Fallback xmlns="">
-      <p:transition xmlns:p14="http://schemas.microsoft.com/office/powerpoint/2010/main" spd="slow" advClick="0">
-        <p:fade/>
-      </p:transition>
-    </mc:Fallback>
-  </mc:AlternateContent>
-  <p:timing>
-    <p:tnLst>
-      <p:par>
-        <p:cTn xmlns:p14="http://schemas.microsoft.com/office/powerpoint/2010/main" id="1" dur="indefinite" restart="never" nodeType="tmRoot"/>
-      </p:par>
-    </p:tnLst>
-  </p:timing>
-</p:sld>
-</file>
-
-<file path=ppt/slides/slide3.xml><?xml version="1.0" encoding="utf-8"?>
-<p:sld xmlns:a="http://schemas.openxmlformats.org/drawingml/2006/main" xmlns:r="http://schemas.openxmlformats.org/officeDocument/2006/relationships" xmlns:p="http://schemas.openxmlformats.org/presentationml/2006/main">
-  <p:cSld>
-    <p:spTree>
-      <p:nvGrpSpPr>
-        <p:cNvPr id="1" name=""/>
-        <p:cNvGrpSpPr/>
-        <p:nvPr/>
-      </p:nvGrpSpPr>
-      <p:grpSpPr>
-        <a:xfrm>
-          <a:off x="0" y="0"/>
-          <a:ext cx="0" cy="0"/>
-          <a:chOff x="0" y="0"/>
-          <a:chExt cx="0" cy="0"/>
-        </a:xfrm>
-      </p:grpSpPr>
-      <p:sp>
-        <p:nvSpPr>
-          <p:cNvPr id="2" name="Slide Number Placeholder 1"/>
-          <p:cNvSpPr>
-            <a:spLocks noGrp="1"/>
-          </p:cNvSpPr>
-          <p:nvPr>
-            <p:ph type="sldNum" sz="quarter" idx="10"/>
-          </p:nvPr>
-        </p:nvSpPr>
-        <p:spPr/>
-        <p:txBody>
-          <a:bodyPr/>
-          <a:lstStyle/>
-          <a:p>
-            <a:pPr>
-              <a:defRPr/>
-            </a:pPr>
-            <a:r>
-              <a:rPr lang="en-US" smtClean="0"/>
-              <a:t>testing.</a:t>
-            </a:r>
-            <a:fld id="{B6F1E441-844C-41E3-A135-77978BB3664F}" type="slidenum">
-              <a:rPr lang="en-US" smtClean="0"/>
-              <a:pPr>
-                <a:defRPr/>
-              </a:pPr>
-              <a:t>3</a:t>
-            </a:fld>
-            <a:endParaRPr lang="en-US" dirty="0"/>
-          </a:p>
-        </p:txBody>
-      </p:sp>
-      <p:sp>
-        <p:nvSpPr>
-          <p:cNvPr id="3" name="Rectangle 3"/>
-          <p:cNvSpPr txBox="1">
-            <a:spLocks noChangeArrowheads="1"/>
-          </p:cNvSpPr>
-          <p:nvPr/>
-        </p:nvSpPr>
-        <p:spPr>
-          <a:xfrm>
-            <a:off x="1295400" y="304800"/>
-            <a:ext cx="7277100" cy="990600"/>
-          </a:xfrm>
-          <a:prstGeom prst="rect">
-            <a:avLst/>
-          </a:prstGeom>
-          <a:noFill/>
-        </p:spPr>
-        <p:txBody>
-          <a:bodyPr/>
-          <a:lstStyle>
-            <a:lvl1pPr algn="l" rtl="0" eaLnBrk="0" fontAlgn="base" hangingPunct="0">
-              <a:spcBef>
-                <a:spcPct val="0"/>
-              </a:spcBef>
-              <a:spcAft>
-                <a:spcPct val="0"/>
-              </a:spcAft>
-              <a:defRPr sz="4000" b="1">
-                <a:solidFill>
-                  <a:schemeClr val="tx2"/>
-                </a:solidFill>
-                <a:latin typeface="Comic Sans MS" pitchFamily="66" charset="0"/>
-                <a:ea typeface="+mj-ea"/>
-                <a:cs typeface="+mj-cs"/>
-              </a:defRPr>
-            </a:lvl1pPr>
-            <a:lvl2pPr algn="l" rtl="0" eaLnBrk="0" fontAlgn="base" hangingPunct="0">
-              <a:spcBef>
-                <a:spcPct val="0"/>
-              </a:spcBef>
-              <a:spcAft>
-                <a:spcPct val="0"/>
-              </a:spcAft>
-              <a:defRPr sz="4000" b="1">
-                <a:solidFill>
-                  <a:schemeClr val="tx2"/>
-                </a:solidFill>
-                <a:latin typeface="Comic Sans MS" pitchFamily="66" charset="0"/>
-              </a:defRPr>
-            </a:lvl2pPr>
-            <a:lvl3pPr algn="l" rtl="0" eaLnBrk="0" fontAlgn="base" hangingPunct="0">
-              <a:spcBef>
-                <a:spcPct val="0"/>
-              </a:spcBef>
-              <a:spcAft>
-                <a:spcPct val="0"/>
-              </a:spcAft>
-              <a:defRPr sz="4000" b="1">
-                <a:solidFill>
-                  <a:schemeClr val="tx2"/>
-                </a:solidFill>
-                <a:latin typeface="Comic Sans MS" pitchFamily="66" charset="0"/>
-              </a:defRPr>
-            </a:lvl3pPr>
-            <a:lvl4pPr algn="l" rtl="0" eaLnBrk="0" fontAlgn="base" hangingPunct="0">
-              <a:spcBef>
-                <a:spcPct val="0"/>
-              </a:spcBef>
-              <a:spcAft>
-                <a:spcPct val="0"/>
-              </a:spcAft>
-              <a:defRPr sz="4000" b="1">
-                <a:solidFill>
-                  <a:schemeClr val="tx2"/>
-                </a:solidFill>
-                <a:latin typeface="Comic Sans MS" pitchFamily="66" charset="0"/>
-              </a:defRPr>
-            </a:lvl4pPr>
-            <a:lvl5pPr algn="l" rtl="0" eaLnBrk="0" fontAlgn="base" hangingPunct="0">
-              <a:spcBef>
-                <a:spcPct val="0"/>
-              </a:spcBef>
-              <a:spcAft>
-                <a:spcPct val="0"/>
-              </a:spcAft>
-              <a:defRPr sz="4000" b="1">
-                <a:solidFill>
-                  <a:schemeClr val="tx2"/>
-                </a:solidFill>
-                <a:latin typeface="Comic Sans MS" pitchFamily="66" charset="0"/>
-              </a:defRPr>
-            </a:lvl5pPr>
-            <a:lvl6pPr marL="457200" algn="l" rtl="0" fontAlgn="base">
-              <a:spcBef>
-                <a:spcPct val="0"/>
-              </a:spcBef>
-              <a:spcAft>
-                <a:spcPct val="0"/>
-              </a:spcAft>
-              <a:defRPr sz="4000" b="1">
-                <a:solidFill>
-                  <a:schemeClr val="tx2"/>
-                </a:solidFill>
-                <a:latin typeface="Times New Roman" pitchFamily="18" charset="0"/>
-              </a:defRPr>
-            </a:lvl6pPr>
-            <a:lvl7pPr marL="914400" algn="l" rtl="0" fontAlgn="base">
-              <a:spcBef>
-                <a:spcPct val="0"/>
-              </a:spcBef>
-              <a:spcAft>
-                <a:spcPct val="0"/>
-              </a:spcAft>
-              <a:defRPr sz="4000" b="1">
-                <a:solidFill>
-                  <a:schemeClr val="tx2"/>
-                </a:solidFill>
-                <a:latin typeface="Times New Roman" pitchFamily="18" charset="0"/>
-              </a:defRPr>
-            </a:lvl7pPr>
-            <a:lvl8pPr marL="1371600" algn="l" rtl="0" fontAlgn="base">
-              <a:spcBef>
-                <a:spcPct val="0"/>
-              </a:spcBef>
-              <a:spcAft>
-                <a:spcPct val="0"/>
-              </a:spcAft>
-              <a:defRPr sz="4000" b="1">
-                <a:solidFill>
-                  <a:schemeClr val="tx2"/>
-                </a:solidFill>
-                <a:latin typeface="Times New Roman" pitchFamily="18" charset="0"/>
-              </a:defRPr>
-            </a:lvl8pPr>
-            <a:lvl9pPr marL="1828800" algn="l" rtl="0" fontAlgn="base">
-              <a:spcBef>
-                <a:spcPct val="0"/>
-              </a:spcBef>
-              <a:spcAft>
-                <a:spcPct val="0"/>
-              </a:spcAft>
-              <a:defRPr sz="4000" b="1">
-                <a:solidFill>
-                  <a:schemeClr val="tx2"/>
-                </a:solidFill>
-                <a:latin typeface="Times New Roman" pitchFamily="18" charset="0"/>
-              </a:defRPr>
-            </a:lvl9pPr>
-          </a:lstStyle>
-          <a:p>
-            <a:pPr eaLnBrk="1" hangingPunct="1"/>
-            <a:r>
-              <a:rPr lang="en-US" sz="4800" dirty="0" smtClean="0">
-                <a:solidFill>
-                  <a:schemeClr val="tx1"/>
-                </a:solidFill>
-              </a:rPr>
-              <a:t>Confirming the TB test</a:t>
-            </a:r>
-            <a:endParaRPr lang="en-US" sz="4800" dirty="0" smtClean="0">
-              <a:solidFill>
-                <a:schemeClr val="tx1"/>
-              </a:solidFill>
-            </a:endParaRPr>
-          </a:p>
-        </p:txBody>
-      </p:sp>
-      <p:sp>
-        <p:nvSpPr>
-          <p:cNvPr id="4" name="TextBox 3"/>
-          <p:cNvSpPr txBox="1"/>
-          <p:nvPr/>
-        </p:nvSpPr>
-        <p:spPr>
-          <a:xfrm>
-            <a:off x="291597" y="1327959"/>
-            <a:ext cx="8878452" cy="5139869"/>
-          </a:xfrm>
-          <a:prstGeom prst="rect">
-            <a:avLst/>
-          </a:prstGeom>
-          <a:noFill/>
-        </p:spPr>
-        <p:txBody>
-          <a:bodyPr wrap="none" rtlCol="0">
-            <a:spAutoFit/>
-          </a:bodyPr>
-          <a:lstStyle/>
-          <a:p>
-            <a:r>
-              <a:rPr lang="en-US" sz="4000" dirty="0" smtClean="0">
-                <a:latin typeface="Comic Sans MS"/>
-                <a:cs typeface="Comic Sans MS"/>
-              </a:rPr>
-              <a:t>Managers think that since prior</a:t>
-            </a:r>
-          </a:p>
-          <a:p>
-            <a:r>
-              <a:rPr lang="en-US" sz="4000" dirty="0" smtClean="0">
-                <a:latin typeface="Comic Sans MS"/>
-                <a:cs typeface="Comic Sans MS"/>
-              </a:rPr>
-              <a:t>test is 98% correct, their retests</a:t>
-            </a:r>
-          </a:p>
-          <a:p>
-            <a:r>
-              <a:rPr lang="en-US" sz="4000" dirty="0" smtClean="0">
-                <a:latin typeface="Comic Sans MS"/>
-                <a:cs typeface="Comic Sans MS"/>
-              </a:rPr>
-              <a:t>should show about 2% errors. </a:t>
-            </a:r>
-          </a:p>
-          <a:p>
-            <a:r>
-              <a:rPr lang="en-US" sz="4000" dirty="0" smtClean="0">
-                <a:latin typeface="Comic Sans MS"/>
-                <a:cs typeface="Comic Sans MS"/>
-              </a:rPr>
-              <a:t>(Actually 2 +- (0.95 </a:t>
-            </a:r>
-            <a:r>
-              <a:rPr lang="en-US" sz="4000" dirty="0" smtClean="0">
-                <a:solidFill>
-                  <a:prstClr val="black"/>
-                </a:solidFill>
-                <a:latin typeface="AmericanTypewriter-Light"/>
-              </a:rPr>
-              <a:t>⋅ </a:t>
-            </a:r>
-            <a:r>
-              <a:rPr lang="en-US" sz="4000" dirty="0" smtClean="0">
-                <a:solidFill>
-                  <a:prstClr val="black"/>
-                </a:solidFill>
-                <a:latin typeface="Comic Sans MS"/>
-                <a:cs typeface="Comic Sans MS"/>
-              </a:rPr>
-              <a:t>2)%).</a:t>
-            </a:r>
-          </a:p>
-          <a:p>
-            <a:r>
-              <a:rPr lang="en-US" sz="4000" dirty="0" smtClean="0">
-                <a:solidFill>
-                  <a:prstClr val="black"/>
-                </a:solidFill>
-                <a:latin typeface="Comic Sans MS"/>
-                <a:cs typeface="Comic Sans MS"/>
-              </a:rPr>
-              <a:t>They are upset when nearly all their</a:t>
-            </a:r>
-          </a:p>
-          <a:p>
-            <a:r>
-              <a:rPr lang="en-US" sz="4000" dirty="0" smtClean="0">
-                <a:solidFill>
-                  <a:prstClr val="black"/>
-                </a:solidFill>
-                <a:latin typeface="Comic Sans MS"/>
-                <a:cs typeface="Comic Sans MS"/>
-              </a:rPr>
-              <a:t>retests reveal mistakes by the prior</a:t>
-            </a:r>
-          </a:p>
-          <a:p>
-            <a:r>
-              <a:rPr lang="en-US" sz="4000" dirty="0" smtClean="0">
-                <a:solidFill>
-                  <a:prstClr val="black"/>
-                </a:solidFill>
-                <a:latin typeface="Comic Sans MS"/>
-                <a:cs typeface="Comic Sans MS"/>
-              </a:rPr>
-              <a:t>test.</a:t>
-            </a:r>
-            <a:endParaRPr lang="en-US" sz="4000" dirty="0">
-              <a:latin typeface="Comic Sans MS"/>
-              <a:cs typeface="Comic Sans MS"/>
-            </a:endParaRPr>
-          </a:p>
-        </p:txBody>
-      </p:sp>
-    </p:spTree>
-    <p:extLst>
-      <p:ext uri="{BB962C8B-B14F-4D97-AF65-F5344CB8AC3E}">
-        <p14:creationId xmlns:p14="http://schemas.microsoft.com/office/powerpoint/2010/main" val="3890357326"/>
-      </p:ext>
-    </p:extLst>
-  </p:cSld>
-  <p:clrMapOvr>
-    <a:masterClrMapping/>
-  </p:clrMapOvr>
-  <mc:AlternateContent xmlns:mc="http://schemas.openxmlformats.org/markup-compatibility/2006" xmlns:p14="http://schemas.microsoft.com/office/powerpoint/2010/main">
-    <mc:Choice Requires="p14">
-      <p:transition spd="slow" p14:dur="900" advClick="0">
-        <p:fade/>
-      </p:transition>
-    </mc:Choice>
-    <mc:Fallback xmlns="">
-      <p:transition xmlns:p14="http://schemas.microsoft.com/office/powerpoint/2010/main" spd="slow" advClick="0">
-        <p:fade/>
-      </p:transition>
-    </mc:Fallback>
-  </mc:AlternateContent>
-  <p:timing>
-    <p:tnLst>
-      <p:par>
-        <p:cTn xmlns:p14="http://schemas.microsoft.com/office/powerpoint/2010/main" id="1" dur="indefinite" restart="never" nodeType="tmRoot">
-          <p:childTnLst>
-            <p:seq concurrent="1" nextAc="seek">
-              <p:cTn id="2" dur="indefinite" nodeType="mainSeq">
-                <p:childTnLst>
-                  <p:par>
-                    <p:cTn id="3" fill="hold">
-                      <p:stCondLst>
-                        <p:cond delay="indefinite"/>
-                      </p:stCondLst>
-                      <p:childTnLst>
-                        <p:par>
-                          <p:cTn id="4" fill="hold">
-                            <p:stCondLst>
-                              <p:cond delay="0"/>
-                            </p:stCondLst>
-                            <p:childTnLst>
-                              <p:par>
-                                <p:cTn id="5" presetID="10" presetClass="entr" presetSubtype="0" fill="hold" nodeType="clickEffect">
-                                  <p:stCondLst>
-                                    <p:cond delay="0"/>
-                                  </p:stCondLst>
-                                  <p:childTnLst>
-                                    <p:set>
-                                      <p:cBhvr>
-                                        <p:cTn id="6" dur="1" fill="hold">
-                                          <p:stCondLst>
-                                            <p:cond delay="0"/>
-                                          </p:stCondLst>
-                                        </p:cTn>
-                                        <p:tgtEl>
-                                          <p:spTgt spid="4">
-                                            <p:txEl>
-                                              <p:pRg st="3" end="3"/>
-                                            </p:txEl>
-                                          </p:spTgt>
-                                        </p:tgtEl>
-                                        <p:attrNameLst>
-                                          <p:attrName>style.visibility</p:attrName>
-                                        </p:attrNameLst>
-                                      </p:cBhvr>
-                                      <p:to>
-                                        <p:strVal val="visible"/>
-                                      </p:to>
-                                    </p:set>
-                                    <p:animEffect transition="in" filter="fade">
-                                      <p:cBhvr>
-                                        <p:cTn id="7" dur="500"/>
-                                        <p:tgtEl>
-                                          <p:spTgt spid="4">
-                                            <p:txEl>
-                                              <p:pRg st="3" end="3"/>
-                                            </p:txEl>
-                                          </p:spTgt>
-                                        </p:tgtEl>
-                                      </p:cBhvr>
-                                    </p:animEffect>
-                                  </p:childTnLst>
-                                </p:cTn>
-                              </p:par>
-                            </p:childTnLst>
-                          </p:cTn>
-                        </p:par>
-                      </p:childTnLst>
-                    </p:cTn>
-                  </p:par>
-                  <p:par>
-                    <p:cTn id="8" fill="hold">
-                      <p:stCondLst>
-                        <p:cond delay="indefinite"/>
-                      </p:stCondLst>
-                      <p:childTnLst>
-                        <p:par>
-                          <p:cTn id="9" fill="hold">
-                            <p:stCondLst>
-                              <p:cond delay="0"/>
-                            </p:stCondLst>
-                            <p:childTnLst>
-                              <p:par>
-                                <p:cTn id="10" presetID="10" presetClass="entr" presetSubtype="0" fill="hold" nodeType="clickEffect">
-                                  <p:stCondLst>
-                                    <p:cond delay="0"/>
-                                  </p:stCondLst>
-                                  <p:childTnLst>
-                                    <p:set>
-                                      <p:cBhvr>
-                                        <p:cTn id="11" dur="1" fill="hold">
-                                          <p:stCondLst>
-                                            <p:cond delay="0"/>
-                                          </p:stCondLst>
-                                        </p:cTn>
-                                        <p:tgtEl>
-                                          <p:spTgt spid="4">
-                                            <p:txEl>
-                                              <p:pRg st="4" end="4"/>
-                                            </p:txEl>
-                                          </p:spTgt>
-                                        </p:tgtEl>
-                                        <p:attrNameLst>
-                                          <p:attrName>style.visibility</p:attrName>
-                                        </p:attrNameLst>
-                                      </p:cBhvr>
-                                      <p:to>
-                                        <p:strVal val="visible"/>
-                                      </p:to>
-                                    </p:set>
-                                    <p:animEffect transition="in" filter="fade">
-                                      <p:cBhvr>
-                                        <p:cTn id="12" dur="500"/>
-                                        <p:tgtEl>
-                                          <p:spTgt spid="4">
-                                            <p:txEl>
-                                              <p:pRg st="4" end="4"/>
-                                            </p:txEl>
-                                          </p:spTgt>
-                                        </p:tgtEl>
-                                      </p:cBhvr>
-                                    </p:animEffect>
-                                  </p:childTnLst>
-                                </p:cTn>
-                              </p:par>
-                              <p:par>
-                                <p:cTn id="13" presetID="10" presetClass="entr" presetSubtype="0" fill="hold" nodeType="withEffect">
-                                  <p:stCondLst>
-                                    <p:cond delay="0"/>
-                                  </p:stCondLst>
-                                  <p:childTnLst>
-                                    <p:set>
-                                      <p:cBhvr>
-                                        <p:cTn id="14" dur="1" fill="hold">
-                                          <p:stCondLst>
-                                            <p:cond delay="0"/>
-                                          </p:stCondLst>
-                                        </p:cTn>
-                                        <p:tgtEl>
-                                          <p:spTgt spid="4">
-                                            <p:txEl>
-                                              <p:pRg st="5" end="5"/>
-                                            </p:txEl>
-                                          </p:spTgt>
-                                        </p:tgtEl>
-                                        <p:attrNameLst>
-                                          <p:attrName>style.visibility</p:attrName>
-                                        </p:attrNameLst>
-                                      </p:cBhvr>
-                                      <p:to>
-                                        <p:strVal val="visible"/>
-                                      </p:to>
-                                    </p:set>
-                                    <p:animEffect transition="in" filter="fade">
-                                      <p:cBhvr>
-                                        <p:cTn id="15" dur="500"/>
-                                        <p:tgtEl>
-                                          <p:spTgt spid="4">
-                                            <p:txEl>
-                                              <p:pRg st="5" end="5"/>
-                                            </p:txEl>
-                                          </p:spTgt>
-                                        </p:tgtEl>
-                                      </p:cBhvr>
-                                    </p:animEffect>
-                                  </p:childTnLst>
-                                </p:cTn>
-                              </p:par>
-                              <p:par>
-                                <p:cTn id="16" presetID="10" presetClass="entr" presetSubtype="0" fill="hold" nodeType="withEffect">
-                                  <p:stCondLst>
-                                    <p:cond delay="0"/>
-                                  </p:stCondLst>
-                                  <p:childTnLst>
-                                    <p:set>
-                                      <p:cBhvr>
-                                        <p:cTn id="17" dur="1" fill="hold">
-                                          <p:stCondLst>
-                                            <p:cond delay="0"/>
-                                          </p:stCondLst>
-                                        </p:cTn>
-                                        <p:tgtEl>
-                                          <p:spTgt spid="4">
-                                            <p:txEl>
-                                              <p:pRg st="6" end="6"/>
-                                            </p:txEl>
-                                          </p:spTgt>
-                                        </p:tgtEl>
-                                        <p:attrNameLst>
-                                          <p:attrName>style.visibility</p:attrName>
-                                        </p:attrNameLst>
-                                      </p:cBhvr>
-                                      <p:to>
-                                        <p:strVal val="visible"/>
-                                      </p:to>
-                                    </p:set>
-                                    <p:animEffect transition="in" filter="fade">
-                                      <p:cBhvr>
-                                        <p:cTn id="18" dur="500"/>
-                                        <p:tgtEl>
-                                          <p:spTgt spid="4">
-                                            <p:txEl>
-                                              <p:pRg st="6" end="6"/>
-                                            </p:txEl>
-                                          </p:spTgt>
-                                        </p:tgtEl>
-                                      </p:cBhvr>
-                                    </p:animEffect>
-                                  </p:childTnLst>
-                                </p:cTn>
-                              </p:par>
-                            </p:childTnLst>
-                          </p:cTn>
-                        </p:par>
-                      </p:childTnLst>
-                    </p:cTn>
-                  </p:par>
-                </p:childTnLst>
-              </p:cTn>
-              <p:prevCondLst>
-                <p:cond evt="onPrev" delay="0">
-                  <p:tgtEl>
-                    <p:sldTgt/>
-                  </p:tgtEl>
-                </p:cond>
-              </p:prevCondLst>
-              <p:nextCondLst>
-                <p:cond evt="onNext" delay="0">
-                  <p:tgtEl>
-                    <p:sldTgt/>
-                  </p:tgtEl>
-                </p:cond>
-              </p:nextCondLst>
-            </p:seq>
-          </p:childTnLst>
-        </p:cTn>
-      </p:par>
-    </p:tnLst>
-  </p:timing>
-</p:sld>
-</file>
-
-<file path=ppt/slides/slide4.xml><?xml version="1.0" encoding="utf-8"?>
-<p:sld xmlns:a="http://schemas.openxmlformats.org/drawingml/2006/main" xmlns:r="http://schemas.openxmlformats.org/officeDocument/2006/relationships" xmlns:p="http://schemas.openxmlformats.org/presentationml/2006/main">
-  <p:cSld>
-    <p:spTree>
-      <p:nvGrpSpPr>
-        <p:cNvPr id="1" name=""/>
-        <p:cNvGrpSpPr/>
-        <p:nvPr/>
-      </p:nvGrpSpPr>
-      <p:grpSpPr>
-        <a:xfrm>
-          <a:off x="0" y="0"/>
-          <a:ext cx="0" cy="0"/>
-          <a:chOff x="0" y="0"/>
-          <a:chExt cx="0" cy="0"/>
-        </a:xfrm>
-      </p:grpSpPr>
-      <p:sp>
-        <p:nvSpPr>
           <p:cNvPr id="30722" name="Slide Number Placeholder 3"/>
           <p:cNvSpPr>
             <a:spLocks noGrp="1"/>
@@ -4334,7 +3125,7 @@
               <a:pPr>
                 <a:defRPr/>
               </a:pPr>
-              <a:t>4</a:t>
+              <a:t>10</a:t>
             </a:fld>
             <a:endParaRPr lang="en-US" dirty="0"/>
           </a:p>
@@ -4778,13 +3569,13 @@
   <p:clrMapOvr>
     <a:masterClrMapping/>
   </p:clrMapOvr>
-  <mc:AlternateContent xmlns:mc="http://schemas.openxmlformats.org/markup-compatibility/2006">
-    <mc:Choice xmlns:p14="http://schemas.microsoft.com/office/powerpoint/2010/main" Requires="p14">
+  <mc:AlternateContent xmlns:mc="http://schemas.openxmlformats.org/markup-compatibility/2006" xmlns:p14="http://schemas.microsoft.com/office/powerpoint/2010/main">
+    <mc:Choice Requires="p14">
       <p:transition spd="slow" p14:dur="1200" advClick="0">
         <p:fade thruBlk="1"/>
       </p:transition>
     </mc:Choice>
-    <mc:Fallback>
+    <mc:Fallback xmlns="">
       <p:transition xmlns:p14="http://schemas.microsoft.com/office/powerpoint/2010/main" spd="slow" advClick="0">
         <p:fade thruBlk="1"/>
       </p:transition>
@@ -5313,7 +4104,7 @@
 </p:sld>
 </file>
 
-<file path=ppt/slides/slide5.xml><?xml version="1.0" encoding="utf-8"?>
+<file path=ppt/slides/slide11.xml><?xml version="1.0" encoding="utf-8"?>
 <p:sld xmlns:a="http://schemas.openxmlformats.org/drawingml/2006/main" xmlns:r="http://schemas.openxmlformats.org/officeDocument/2006/relationships" xmlns:p="http://schemas.openxmlformats.org/presentationml/2006/main">
   <p:cSld>
     <p:spTree>
@@ -5357,7 +4148,7 @@
               <a:pPr>
                 <a:defRPr/>
               </a:pPr>
-              <a:t>5</a:t>
+              <a:t>11</a:t>
             </a:fld>
             <a:endParaRPr lang="en-US" dirty="0"/>
           </a:p>
@@ -5686,7 +4477,7 @@
 </p:sld>
 </file>
 
-<file path=ppt/slides/slide6.xml><?xml version="1.0" encoding="utf-8"?>
+<file path=ppt/slides/slide12.xml><?xml version="1.0" encoding="utf-8"?>
 <p:sld xmlns:a="http://schemas.openxmlformats.org/drawingml/2006/main" xmlns:r="http://schemas.openxmlformats.org/officeDocument/2006/relationships" xmlns:p="http://schemas.openxmlformats.org/presentationml/2006/main">
   <p:cSld>
     <p:spTree>
@@ -5730,7 +4521,7 @@
               <a:pPr>
                 <a:defRPr/>
               </a:pPr>
-              <a:t>6</a:t>
+              <a:t>12</a:t>
             </a:fld>
             <a:endParaRPr lang="en-US" dirty="0"/>
           </a:p>
@@ -6285,7 +5076,7 @@
 </p:sld>
 </file>
 
-<file path=ppt/slides/slide7.xml><?xml version="1.0" encoding="utf-8"?>
+<file path=ppt/slides/slide13.xml><?xml version="1.0" encoding="utf-8"?>
 <p:sld xmlns:a="http://schemas.openxmlformats.org/drawingml/2006/main" xmlns:r="http://schemas.openxmlformats.org/officeDocument/2006/relationships" xmlns:p="http://schemas.openxmlformats.org/presentationml/2006/main">
   <p:cSld>
     <p:spTree>
@@ -6329,7 +5120,7 @@
               <a:pPr>
                 <a:defRPr/>
               </a:pPr>
-              <a:t>7</a:t>
+              <a:t>13</a:t>
             </a:fld>
             <a:endParaRPr lang="en-US" dirty="0"/>
           </a:p>
@@ -6534,7 +5325,7 @@
 </p:sld>
 </file>
 
-<file path=ppt/slides/slide8.xml><?xml version="1.0" encoding="utf-8"?>
+<file path=ppt/slides/slide14.xml><?xml version="1.0" encoding="utf-8"?>
 <p:sld xmlns:a="http://schemas.openxmlformats.org/drawingml/2006/main" xmlns:r="http://schemas.openxmlformats.org/officeDocument/2006/relationships" xmlns:p="http://schemas.openxmlformats.org/presentationml/2006/main">
   <p:cSld>
     <p:spTree>
@@ -6578,7 +5369,7 @@
               <a:pPr>
                 <a:defRPr/>
               </a:pPr>
-              <a:t>8</a:t>
+              <a:t>14</a:t>
             </a:fld>
             <a:endParaRPr lang="en-US" dirty="0"/>
           </a:p>
@@ -6875,13 +5666,13 @@
   <p:clrMapOvr>
     <a:masterClrMapping/>
   </p:clrMapOvr>
-  <mc:AlternateContent xmlns:mc="http://schemas.openxmlformats.org/markup-compatibility/2006">
-    <mc:Choice xmlns:p14="http://schemas.microsoft.com/office/powerpoint/2010/main" Requires="p14">
+  <mc:AlternateContent xmlns:mc="http://schemas.openxmlformats.org/markup-compatibility/2006" xmlns:p14="http://schemas.microsoft.com/office/powerpoint/2010/main">
+    <mc:Choice Requires="p14">
       <p:transition spd="med" p14:dur="700" advClick="0">
         <p:fade/>
       </p:transition>
     </mc:Choice>
-    <mc:Fallback>
+    <mc:Fallback xmlns="">
       <p:transition xmlns:p14="http://schemas.microsoft.com/office/powerpoint/2010/main" spd="med" advClick="0">
         <p:fade/>
       </p:transition>
@@ -7121,7 +5912,7 @@
 </p:sld>
 </file>
 
-<file path=ppt/slides/slide9.xml><?xml version="1.0" encoding="utf-8"?>
+<file path=ppt/slides/slide15.xml><?xml version="1.0" encoding="utf-8"?>
 <p:sld xmlns:a="http://schemas.openxmlformats.org/drawingml/2006/main" xmlns:r="http://schemas.openxmlformats.org/officeDocument/2006/relationships" xmlns:p="http://schemas.openxmlformats.org/presentationml/2006/main">
   <p:cSld>
     <p:spTree>
@@ -7245,7 +6036,7 @@
               <a:pPr>
                 <a:defRPr/>
               </a:pPr>
-              <a:t>9</a:t>
+              <a:t>15</a:t>
             </a:fld>
             <a:endParaRPr lang="en-US" dirty="0"/>
           </a:p>
@@ -7458,6 +6249,4534 @@
     <p:bldLst>
       <p:bldP spid="6" grpId="0"/>
     </p:bldLst>
+  </p:timing>
+</p:sld>
+</file>
+
+<file path=ppt/slides/slide16.xml><?xml version="1.0" encoding="utf-8"?>
+<p:sld xmlns:a="http://schemas.openxmlformats.org/drawingml/2006/main" xmlns:r="http://schemas.openxmlformats.org/officeDocument/2006/relationships" xmlns:p="http://schemas.openxmlformats.org/presentationml/2006/main">
+  <p:cSld>
+    <p:spTree>
+      <p:nvGrpSpPr>
+        <p:cNvPr id="1" name=""/>
+        <p:cNvGrpSpPr/>
+        <p:nvPr/>
+      </p:nvGrpSpPr>
+      <p:grpSpPr>
+        <a:xfrm>
+          <a:off x="0" y="0"/>
+          <a:ext cx="0" cy="0"/>
+          <a:chOff x="0" y="0"/>
+          <a:chExt cx="0" cy="0"/>
+        </a:xfrm>
+      </p:grpSpPr>
+      <p:sp>
+        <p:nvSpPr>
+          <p:cNvPr id="3" name="Content Placeholder 2"/>
+          <p:cNvSpPr>
+            <a:spLocks noGrp="1"/>
+          </p:cNvSpPr>
+          <p:nvPr>
+            <p:ph idx="1"/>
+          </p:nvPr>
+        </p:nvSpPr>
+        <p:spPr>
+          <a:xfrm>
+            <a:off x="152400" y="1066800"/>
+            <a:ext cx="8839200" cy="5334000"/>
+          </a:xfrm>
+        </p:spPr>
+        <p:txBody>
+          <a:bodyPr/>
+          <a:lstStyle/>
+          <a:p>
+            <a:r>
+              <a:rPr lang="en-US" sz="4800" dirty="0" smtClean="0">
+                <a:solidFill>
+                  <a:srgbClr val="006600"/>
+                </a:solidFill>
+              </a:rPr>
+              <a:t>Moral:</a:t>
+            </a:r>
+            <a:r>
+              <a:rPr lang="en-US" sz="4800" dirty="0" smtClean="0"/>
+              <a:t> </a:t>
+            </a:r>
+            <a:r>
+              <a:rPr lang="en-US" sz="4800" dirty="0"/>
+              <a:t>Also ask “Why am I</a:t>
+            </a:r>
+          </a:p>
+          <a:p>
+            <a:r>
+              <a:rPr lang="en-US" sz="4800" dirty="0"/>
+              <a:t>hearing about this particular </a:t>
+            </a:r>
+          </a:p>
+          <a:p>
+            <a:r>
+              <a:rPr lang="en-US" sz="4800" dirty="0"/>
+              <a:t>experiment?  How many </a:t>
+            </a:r>
+          </a:p>
+          <a:p>
+            <a:r>
+              <a:rPr lang="en-US" sz="4800" dirty="0"/>
+              <a:t>others were tried and not</a:t>
+            </a:r>
+          </a:p>
+          <a:p>
+            <a:r>
+              <a:rPr lang="en-US" sz="4800" dirty="0"/>
+              <a:t>reported?” </a:t>
+            </a:r>
+            <a:endParaRPr lang="en-US" sz="4800" dirty="0" smtClean="0"/>
+          </a:p>
+          <a:p>
+            <a:pPr algn="ctr"/>
+            <a:r>
+              <a:rPr lang="en-US" sz="4800" dirty="0"/>
+              <a:t>See </a:t>
+            </a:r>
+            <a:r>
+              <a:rPr lang="en-US" sz="4800" dirty="0">
+                <a:solidFill>
+                  <a:srgbClr val="660066"/>
+                </a:solidFill>
+              </a:rPr>
+              <a:t>http://</a:t>
+            </a:r>
+            <a:r>
+              <a:rPr lang="en-US" sz="4800" dirty="0" err="1">
+                <a:solidFill>
+                  <a:srgbClr val="660066"/>
+                </a:solidFill>
+              </a:rPr>
+              <a:t>xkcd.com</a:t>
+            </a:r>
+            <a:r>
+              <a:rPr lang="en-US" sz="4800" dirty="0">
+                <a:solidFill>
+                  <a:srgbClr val="660066"/>
+                </a:solidFill>
+              </a:rPr>
+              <a:t>/882/</a:t>
+            </a:r>
+          </a:p>
+        </p:txBody>
+      </p:sp>
+      <p:sp>
+        <p:nvSpPr>
+          <p:cNvPr id="4" name="Slide Number Placeholder 3"/>
+          <p:cNvSpPr>
+            <a:spLocks noGrp="1"/>
+          </p:cNvSpPr>
+          <p:nvPr>
+            <p:ph type="sldNum" sz="quarter" idx="10"/>
+          </p:nvPr>
+        </p:nvSpPr>
+        <p:spPr/>
+        <p:txBody>
+          <a:bodyPr/>
+          <a:lstStyle/>
+          <a:p>
+            <a:pPr>
+              <a:defRPr/>
+            </a:pPr>
+            <a:r>
+              <a:rPr lang="en-US" dirty="0" smtClean="0"/>
+              <a:t>testing.</a:t>
+            </a:r>
+            <a:fld id="{E78F4000-603A-43A9-9772-EA15786EFD2C}" type="slidenum">
+              <a:rPr lang="en-US" smtClean="0"/>
+              <a:pPr>
+                <a:defRPr/>
+              </a:pPr>
+              <a:t>16</a:t>
+            </a:fld>
+            <a:endParaRPr lang="en-US" dirty="0"/>
+          </a:p>
+        </p:txBody>
+      </p:sp>
+      <p:sp>
+        <p:nvSpPr>
+          <p:cNvPr id="7" name="Rectangle 3"/>
+          <p:cNvSpPr>
+            <a:spLocks noGrp="1" noChangeArrowheads="1"/>
+          </p:cNvSpPr>
+          <p:nvPr>
+            <p:ph type="title"/>
+          </p:nvPr>
+        </p:nvSpPr>
+        <p:spPr>
+          <a:xfrm>
+            <a:off x="1905000" y="228600"/>
+            <a:ext cx="5334000" cy="990600"/>
+          </a:xfrm>
+          <a:noFill/>
+        </p:spPr>
+        <p:txBody>
+          <a:bodyPr/>
+          <a:lstStyle/>
+          <a:p>
+            <a:pPr eaLnBrk="1" hangingPunct="1"/>
+            <a:r>
+              <a:rPr lang="en-US" sz="4800" dirty="0" smtClean="0">
+                <a:solidFill>
+                  <a:srgbClr val="0006FE"/>
+                </a:solidFill>
+              </a:rPr>
+              <a:t>Confidence</a:t>
+            </a:r>
+          </a:p>
+        </p:txBody>
+      </p:sp>
+    </p:spTree>
+    <p:extLst>
+      <p:ext uri="{BB962C8B-B14F-4D97-AF65-F5344CB8AC3E}">
+        <p14:creationId xmlns:p14="http://schemas.microsoft.com/office/powerpoint/2010/main" val="1527608813"/>
+      </p:ext>
+    </p:extLst>
+  </p:cSld>
+  <p:clrMapOvr>
+    <a:masterClrMapping/>
+  </p:clrMapOvr>
+  <p:transition xmlns:p14="http://schemas.microsoft.com/office/powerpoint/2010/main">
+    <p:fade/>
+  </p:transition>
+  <p:timing>
+    <p:tnLst>
+      <p:par>
+        <p:cTn xmlns:p14="http://schemas.microsoft.com/office/powerpoint/2010/main" id="1" dur="indefinite" restart="never" nodeType="tmRoot">
+          <p:childTnLst>
+            <p:seq concurrent="1" nextAc="seek">
+              <p:cTn id="2" dur="indefinite" nodeType="mainSeq">
+                <p:childTnLst>
+                  <p:par>
+                    <p:cTn id="3" fill="hold">
+                      <p:stCondLst>
+                        <p:cond delay="indefinite"/>
+                      </p:stCondLst>
+                      <p:childTnLst>
+                        <p:par>
+                          <p:cTn id="4" fill="hold">
+                            <p:stCondLst>
+                              <p:cond delay="0"/>
+                            </p:stCondLst>
+                            <p:childTnLst>
+                              <p:par>
+                                <p:cTn id="5" presetID="10" presetClass="entr" presetSubtype="0" fill="hold" nodeType="clickEffect">
+                                  <p:stCondLst>
+                                    <p:cond delay="0"/>
+                                  </p:stCondLst>
+                                  <p:childTnLst>
+                                    <p:set>
+                                      <p:cBhvr>
+                                        <p:cTn id="6" dur="1" fill="hold">
+                                          <p:stCondLst>
+                                            <p:cond delay="0"/>
+                                          </p:stCondLst>
+                                        </p:cTn>
+                                        <p:tgtEl>
+                                          <p:spTgt spid="3">
+                                            <p:txEl>
+                                              <p:pRg st="5" end="5"/>
+                                            </p:txEl>
+                                          </p:spTgt>
+                                        </p:tgtEl>
+                                        <p:attrNameLst>
+                                          <p:attrName>style.visibility</p:attrName>
+                                        </p:attrNameLst>
+                                      </p:cBhvr>
+                                      <p:to>
+                                        <p:strVal val="visible"/>
+                                      </p:to>
+                                    </p:set>
+                                    <p:animEffect transition="in" filter="fade">
+                                      <p:cBhvr>
+                                        <p:cTn id="7" dur="500"/>
+                                        <p:tgtEl>
+                                          <p:spTgt spid="3">
+                                            <p:txEl>
+                                              <p:pRg st="5" end="5"/>
+                                            </p:txEl>
+                                          </p:spTgt>
+                                        </p:tgtEl>
+                                      </p:cBhvr>
+                                    </p:animEffect>
+                                  </p:childTnLst>
+                                </p:cTn>
+                              </p:par>
+                            </p:childTnLst>
+                          </p:cTn>
+                        </p:par>
+                      </p:childTnLst>
+                    </p:cTn>
+                  </p:par>
+                </p:childTnLst>
+              </p:cTn>
+              <p:prevCondLst>
+                <p:cond evt="onPrev" delay="0">
+                  <p:tgtEl>
+                    <p:sldTgt/>
+                  </p:tgtEl>
+                </p:cond>
+              </p:prevCondLst>
+              <p:nextCondLst>
+                <p:cond evt="onNext" delay="0">
+                  <p:tgtEl>
+                    <p:sldTgt/>
+                  </p:tgtEl>
+                </p:cond>
+              </p:nextCondLst>
+            </p:seq>
+          </p:childTnLst>
+        </p:cTn>
+      </p:par>
+    </p:tnLst>
+  </p:timing>
+</p:sld>
+</file>
+
+<file path=ppt/slides/slide2.xml><?xml version="1.0" encoding="utf-8"?>
+<p:sld xmlns:a="http://schemas.openxmlformats.org/drawingml/2006/main" xmlns:r="http://schemas.openxmlformats.org/officeDocument/2006/relationships" xmlns:p="http://schemas.openxmlformats.org/presentationml/2006/main">
+  <p:cSld>
+    <p:spTree>
+      <p:nvGrpSpPr>
+        <p:cNvPr id="1" name=""/>
+        <p:cNvGrpSpPr/>
+        <p:nvPr/>
+      </p:nvGrpSpPr>
+      <p:grpSpPr>
+        <a:xfrm>
+          <a:off x="0" y="0"/>
+          <a:ext cx="0" cy="0"/>
+          <a:chOff x="0" y="0"/>
+          <a:chExt cx="0" cy="0"/>
+        </a:xfrm>
+      </p:grpSpPr>
+      <p:sp>
+        <p:nvSpPr>
+          <p:cNvPr id="2" name="Slide Number Placeholder 1"/>
+          <p:cNvSpPr>
+            <a:spLocks noGrp="1"/>
+          </p:cNvSpPr>
+          <p:nvPr>
+            <p:ph type="sldNum" sz="quarter" idx="10"/>
+          </p:nvPr>
+        </p:nvSpPr>
+        <p:spPr/>
+        <p:txBody>
+          <a:bodyPr/>
+          <a:lstStyle/>
+          <a:p>
+            <a:pPr>
+              <a:defRPr/>
+            </a:pPr>
+            <a:r>
+              <a:rPr lang="en-US" smtClean="0"/>
+              <a:t>testing.</a:t>
+            </a:r>
+            <a:fld id="{B6F1E441-844C-41E3-A135-77978BB3664F}" type="slidenum">
+              <a:rPr lang="en-US" smtClean="0"/>
+              <a:pPr>
+                <a:defRPr/>
+              </a:pPr>
+              <a:t>2</a:t>
+            </a:fld>
+            <a:endParaRPr lang="en-US" dirty="0"/>
+          </a:p>
+        </p:txBody>
+      </p:sp>
+      <p:sp>
+        <p:nvSpPr>
+          <p:cNvPr id="3" name="Rectangle 3"/>
+          <p:cNvSpPr txBox="1">
+            <a:spLocks noChangeArrowheads="1"/>
+          </p:cNvSpPr>
+          <p:nvPr/>
+        </p:nvSpPr>
+        <p:spPr>
+          <a:xfrm>
+            <a:off x="2133600" y="304800"/>
+            <a:ext cx="5334000" cy="990600"/>
+          </a:xfrm>
+          <a:prstGeom prst="rect">
+            <a:avLst/>
+          </a:prstGeom>
+          <a:noFill/>
+        </p:spPr>
+        <p:txBody>
+          <a:bodyPr/>
+          <a:lstStyle>
+            <a:lvl1pPr algn="l" rtl="0" eaLnBrk="0" fontAlgn="base" hangingPunct="0">
+              <a:spcBef>
+                <a:spcPct val="0"/>
+              </a:spcBef>
+              <a:spcAft>
+                <a:spcPct val="0"/>
+              </a:spcAft>
+              <a:defRPr sz="4000" b="1">
+                <a:solidFill>
+                  <a:schemeClr val="tx2"/>
+                </a:solidFill>
+                <a:latin typeface="Comic Sans MS" pitchFamily="66" charset="0"/>
+                <a:ea typeface="+mj-ea"/>
+                <a:cs typeface="+mj-cs"/>
+              </a:defRPr>
+            </a:lvl1pPr>
+            <a:lvl2pPr algn="l" rtl="0" eaLnBrk="0" fontAlgn="base" hangingPunct="0">
+              <a:spcBef>
+                <a:spcPct val="0"/>
+              </a:spcBef>
+              <a:spcAft>
+                <a:spcPct val="0"/>
+              </a:spcAft>
+              <a:defRPr sz="4000" b="1">
+                <a:solidFill>
+                  <a:schemeClr val="tx2"/>
+                </a:solidFill>
+                <a:latin typeface="Comic Sans MS" pitchFamily="66" charset="0"/>
+              </a:defRPr>
+            </a:lvl2pPr>
+            <a:lvl3pPr algn="l" rtl="0" eaLnBrk="0" fontAlgn="base" hangingPunct="0">
+              <a:spcBef>
+                <a:spcPct val="0"/>
+              </a:spcBef>
+              <a:spcAft>
+                <a:spcPct val="0"/>
+              </a:spcAft>
+              <a:defRPr sz="4000" b="1">
+                <a:solidFill>
+                  <a:schemeClr val="tx2"/>
+                </a:solidFill>
+                <a:latin typeface="Comic Sans MS" pitchFamily="66" charset="0"/>
+              </a:defRPr>
+            </a:lvl3pPr>
+            <a:lvl4pPr algn="l" rtl="0" eaLnBrk="0" fontAlgn="base" hangingPunct="0">
+              <a:spcBef>
+                <a:spcPct val="0"/>
+              </a:spcBef>
+              <a:spcAft>
+                <a:spcPct val="0"/>
+              </a:spcAft>
+              <a:defRPr sz="4000" b="1">
+                <a:solidFill>
+                  <a:schemeClr val="tx2"/>
+                </a:solidFill>
+                <a:latin typeface="Comic Sans MS" pitchFamily="66" charset="0"/>
+              </a:defRPr>
+            </a:lvl4pPr>
+            <a:lvl5pPr algn="l" rtl="0" eaLnBrk="0" fontAlgn="base" hangingPunct="0">
+              <a:spcBef>
+                <a:spcPct val="0"/>
+              </a:spcBef>
+              <a:spcAft>
+                <a:spcPct val="0"/>
+              </a:spcAft>
+              <a:defRPr sz="4000" b="1">
+                <a:solidFill>
+                  <a:schemeClr val="tx2"/>
+                </a:solidFill>
+                <a:latin typeface="Comic Sans MS" pitchFamily="66" charset="0"/>
+              </a:defRPr>
+            </a:lvl5pPr>
+            <a:lvl6pPr marL="457200" algn="l" rtl="0" fontAlgn="base">
+              <a:spcBef>
+                <a:spcPct val="0"/>
+              </a:spcBef>
+              <a:spcAft>
+                <a:spcPct val="0"/>
+              </a:spcAft>
+              <a:defRPr sz="4000" b="1">
+                <a:solidFill>
+                  <a:schemeClr val="tx2"/>
+                </a:solidFill>
+                <a:latin typeface="Times New Roman" pitchFamily="18" charset="0"/>
+              </a:defRPr>
+            </a:lvl6pPr>
+            <a:lvl7pPr marL="914400" algn="l" rtl="0" fontAlgn="base">
+              <a:spcBef>
+                <a:spcPct val="0"/>
+              </a:spcBef>
+              <a:spcAft>
+                <a:spcPct val="0"/>
+              </a:spcAft>
+              <a:defRPr sz="4000" b="1">
+                <a:solidFill>
+                  <a:schemeClr val="tx2"/>
+                </a:solidFill>
+                <a:latin typeface="Times New Roman" pitchFamily="18" charset="0"/>
+              </a:defRPr>
+            </a:lvl7pPr>
+            <a:lvl8pPr marL="1371600" algn="l" rtl="0" fontAlgn="base">
+              <a:spcBef>
+                <a:spcPct val="0"/>
+              </a:spcBef>
+              <a:spcAft>
+                <a:spcPct val="0"/>
+              </a:spcAft>
+              <a:defRPr sz="4000" b="1">
+                <a:solidFill>
+                  <a:schemeClr val="tx2"/>
+                </a:solidFill>
+                <a:latin typeface="Times New Roman" pitchFamily="18" charset="0"/>
+              </a:defRPr>
+            </a:lvl8pPr>
+            <a:lvl9pPr marL="1828800" algn="l" rtl="0" fontAlgn="base">
+              <a:spcBef>
+                <a:spcPct val="0"/>
+              </a:spcBef>
+              <a:spcAft>
+                <a:spcPct val="0"/>
+              </a:spcAft>
+              <a:defRPr sz="4000" b="1">
+                <a:solidFill>
+                  <a:schemeClr val="tx2"/>
+                </a:solidFill>
+                <a:latin typeface="Times New Roman" pitchFamily="18" charset="0"/>
+              </a:defRPr>
+            </a:lvl9pPr>
+          </a:lstStyle>
+          <a:p>
+            <a:pPr eaLnBrk="1" hangingPunct="1"/>
+            <a:r>
+              <a:rPr lang="en-US" sz="4800" dirty="0" smtClean="0">
+                <a:solidFill>
+                  <a:schemeClr val="tx1"/>
+                </a:solidFill>
+              </a:rPr>
+              <a:t>TB LAB test</a:t>
+            </a:r>
+          </a:p>
+        </p:txBody>
+      </p:sp>
+      <p:sp>
+        <p:nvSpPr>
+          <p:cNvPr id="4" name="TextBox 3"/>
+          <p:cNvSpPr txBox="1"/>
+          <p:nvPr/>
+        </p:nvSpPr>
+        <p:spPr>
+          <a:xfrm>
+            <a:off x="609600" y="1161395"/>
+            <a:ext cx="7648648" cy="2185214"/>
+          </a:xfrm>
+          <a:prstGeom prst="rect">
+            <a:avLst/>
+          </a:prstGeom>
+          <a:noFill/>
+        </p:spPr>
+        <p:txBody>
+          <a:bodyPr wrap="none" rtlCol="0">
+            <a:spAutoFit/>
+          </a:bodyPr>
+          <a:lstStyle/>
+          <a:p>
+            <a:r>
+              <a:rPr lang="en-US" sz="4000" dirty="0" smtClean="0">
+                <a:latin typeface="Comic Sans MS"/>
+                <a:cs typeface="Comic Sans MS"/>
+              </a:rPr>
+              <a:t>Lab offers alternative TB test.</a:t>
+            </a:r>
+          </a:p>
+          <a:p>
+            <a:r>
+              <a:rPr lang="en-US" sz="4000" dirty="0" smtClean="0">
+                <a:latin typeface="Comic Sans MS"/>
+                <a:cs typeface="Comic Sans MS"/>
+              </a:rPr>
+              <a:t>Managers believe their test is</a:t>
+            </a:r>
+          </a:p>
+          <a:p>
+            <a:r>
+              <a:rPr lang="en-US" sz="4000" dirty="0" smtClean="0">
+                <a:latin typeface="Comic Sans MS"/>
+                <a:cs typeface="Comic Sans MS"/>
+              </a:rPr>
+              <a:t>95% accurate.</a:t>
+            </a:r>
+            <a:endParaRPr lang="en-US" sz="4000" dirty="0">
+              <a:latin typeface="Comic Sans MS"/>
+              <a:cs typeface="Comic Sans MS"/>
+            </a:endParaRPr>
+          </a:p>
+        </p:txBody>
+      </p:sp>
+    </p:spTree>
+    <p:extLst>
+      <p:ext uri="{BB962C8B-B14F-4D97-AF65-F5344CB8AC3E}">
+        <p14:creationId xmlns:p14="http://schemas.microsoft.com/office/powerpoint/2010/main" val="1835250539"/>
+      </p:ext>
+    </p:extLst>
+  </p:cSld>
+  <p:clrMapOvr>
+    <a:masterClrMapping/>
+  </p:clrMapOvr>
+  <p:transition xmlns:p14="http://schemas.microsoft.com/office/powerpoint/2010/main" spd="slow" advClick="0">
+    <p:fade thruBlk="1"/>
+  </p:transition>
+  <p:timing>
+    <p:tnLst>
+      <p:par>
+        <p:cTn xmlns:p14="http://schemas.microsoft.com/office/powerpoint/2010/main" id="1" dur="indefinite" restart="never" nodeType="tmRoot">
+          <p:childTnLst>
+            <p:seq concurrent="1" nextAc="seek">
+              <p:cTn id="2" dur="indefinite" nodeType="mainSeq">
+                <p:childTnLst>
+                  <p:par>
+                    <p:cTn id="3" fill="hold">
+                      <p:stCondLst>
+                        <p:cond delay="indefinite"/>
+                      </p:stCondLst>
+                      <p:childTnLst>
+                        <p:par>
+                          <p:cTn id="4" fill="hold">
+                            <p:stCondLst>
+                              <p:cond delay="0"/>
+                            </p:stCondLst>
+                            <p:childTnLst>
+                              <p:par>
+                                <p:cTn id="5" presetID="10" presetClass="entr" presetSubtype="0" fill="hold" nodeType="clickEffect">
+                                  <p:stCondLst>
+                                    <p:cond delay="0"/>
+                                  </p:stCondLst>
+                                  <p:childTnLst>
+                                    <p:set>
+                                      <p:cBhvr>
+                                        <p:cTn id="6" dur="1" fill="hold">
+                                          <p:stCondLst>
+                                            <p:cond delay="0"/>
+                                          </p:stCondLst>
+                                        </p:cTn>
+                                        <p:tgtEl>
+                                          <p:spTgt spid="4">
+                                            <p:txEl>
+                                              <p:pRg st="1" end="1"/>
+                                            </p:txEl>
+                                          </p:spTgt>
+                                        </p:tgtEl>
+                                        <p:attrNameLst>
+                                          <p:attrName>style.visibility</p:attrName>
+                                        </p:attrNameLst>
+                                      </p:cBhvr>
+                                      <p:to>
+                                        <p:strVal val="visible"/>
+                                      </p:to>
+                                    </p:set>
+                                    <p:animEffect transition="in" filter="fade">
+                                      <p:cBhvr>
+                                        <p:cTn id="7" dur="500"/>
+                                        <p:tgtEl>
+                                          <p:spTgt spid="4">
+                                            <p:txEl>
+                                              <p:pRg st="1" end="1"/>
+                                            </p:txEl>
+                                          </p:spTgt>
+                                        </p:tgtEl>
+                                      </p:cBhvr>
+                                    </p:animEffect>
+                                  </p:childTnLst>
+                                </p:cTn>
+                              </p:par>
+                              <p:par>
+                                <p:cTn id="8" presetID="10" presetClass="entr" presetSubtype="0" fill="hold" nodeType="withEffect">
+                                  <p:stCondLst>
+                                    <p:cond delay="0"/>
+                                  </p:stCondLst>
+                                  <p:childTnLst>
+                                    <p:set>
+                                      <p:cBhvr>
+                                        <p:cTn id="9" dur="1" fill="hold">
+                                          <p:stCondLst>
+                                            <p:cond delay="0"/>
+                                          </p:stCondLst>
+                                        </p:cTn>
+                                        <p:tgtEl>
+                                          <p:spTgt spid="4">
+                                            <p:txEl>
+                                              <p:pRg st="2" end="2"/>
+                                            </p:txEl>
+                                          </p:spTgt>
+                                        </p:tgtEl>
+                                        <p:attrNameLst>
+                                          <p:attrName>style.visibility</p:attrName>
+                                        </p:attrNameLst>
+                                      </p:cBhvr>
+                                      <p:to>
+                                        <p:strVal val="visible"/>
+                                      </p:to>
+                                    </p:set>
+                                    <p:animEffect transition="in" filter="fade">
+                                      <p:cBhvr>
+                                        <p:cTn id="10" dur="500"/>
+                                        <p:tgtEl>
+                                          <p:spTgt spid="4">
+                                            <p:txEl>
+                                              <p:pRg st="2" end="2"/>
+                                            </p:txEl>
+                                          </p:spTgt>
+                                        </p:tgtEl>
+                                      </p:cBhvr>
+                                    </p:animEffect>
+                                  </p:childTnLst>
+                                </p:cTn>
+                              </p:par>
+                            </p:childTnLst>
+                          </p:cTn>
+                        </p:par>
+                      </p:childTnLst>
+                    </p:cTn>
+                  </p:par>
+                </p:childTnLst>
+              </p:cTn>
+              <p:prevCondLst>
+                <p:cond evt="onPrev" delay="0">
+                  <p:tgtEl>
+                    <p:sldTgt/>
+                  </p:tgtEl>
+                </p:cond>
+              </p:prevCondLst>
+              <p:nextCondLst>
+                <p:cond evt="onNext" delay="0">
+                  <p:tgtEl>
+                    <p:sldTgt/>
+                  </p:tgtEl>
+                </p:cond>
+              </p:nextCondLst>
+            </p:seq>
+          </p:childTnLst>
+        </p:cTn>
+      </p:par>
+    </p:tnLst>
+  </p:timing>
+</p:sld>
+</file>
+
+<file path=ppt/slides/slide3.xml><?xml version="1.0" encoding="utf-8"?>
+<p:sld xmlns:a="http://schemas.openxmlformats.org/drawingml/2006/main" xmlns:r="http://schemas.openxmlformats.org/officeDocument/2006/relationships" xmlns:p="http://schemas.openxmlformats.org/presentationml/2006/main">
+  <p:cSld>
+    <p:spTree>
+      <p:nvGrpSpPr>
+        <p:cNvPr id="1" name=""/>
+        <p:cNvGrpSpPr/>
+        <p:nvPr/>
+      </p:nvGrpSpPr>
+      <p:grpSpPr>
+        <a:xfrm>
+          <a:off x="0" y="0"/>
+          <a:ext cx="0" cy="0"/>
+          <a:chOff x="0" y="0"/>
+          <a:chExt cx="0" cy="0"/>
+        </a:xfrm>
+      </p:grpSpPr>
+      <p:sp>
+        <p:nvSpPr>
+          <p:cNvPr id="2" name="Slide Number Placeholder 1"/>
+          <p:cNvSpPr>
+            <a:spLocks noGrp="1"/>
+          </p:cNvSpPr>
+          <p:nvPr>
+            <p:ph type="sldNum" sz="quarter" idx="10"/>
+          </p:nvPr>
+        </p:nvSpPr>
+        <p:spPr/>
+        <p:txBody>
+          <a:bodyPr/>
+          <a:lstStyle/>
+          <a:p>
+            <a:pPr>
+              <a:defRPr/>
+            </a:pPr>
+            <a:r>
+              <a:rPr lang="en-US" smtClean="0"/>
+              <a:t>testing.</a:t>
+            </a:r>
+            <a:fld id="{B6F1E441-844C-41E3-A135-77978BB3664F}" type="slidenum">
+              <a:rPr lang="en-US" smtClean="0"/>
+              <a:pPr>
+                <a:defRPr/>
+              </a:pPr>
+              <a:t>3</a:t>
+            </a:fld>
+            <a:endParaRPr lang="en-US" dirty="0"/>
+          </a:p>
+        </p:txBody>
+      </p:sp>
+      <p:sp>
+        <p:nvSpPr>
+          <p:cNvPr id="3" name="Rectangle 3"/>
+          <p:cNvSpPr txBox="1">
+            <a:spLocks noChangeArrowheads="1"/>
+          </p:cNvSpPr>
+          <p:nvPr/>
+        </p:nvSpPr>
+        <p:spPr>
+          <a:xfrm>
+            <a:off x="2133600" y="304800"/>
+            <a:ext cx="5334000" cy="990600"/>
+          </a:xfrm>
+          <a:prstGeom prst="rect">
+            <a:avLst/>
+          </a:prstGeom>
+          <a:noFill/>
+        </p:spPr>
+        <p:txBody>
+          <a:bodyPr/>
+          <a:lstStyle>
+            <a:lvl1pPr algn="l" rtl="0" eaLnBrk="0" fontAlgn="base" hangingPunct="0">
+              <a:spcBef>
+                <a:spcPct val="0"/>
+              </a:spcBef>
+              <a:spcAft>
+                <a:spcPct val="0"/>
+              </a:spcAft>
+              <a:defRPr sz="4000" b="1">
+                <a:solidFill>
+                  <a:schemeClr val="tx2"/>
+                </a:solidFill>
+                <a:latin typeface="Comic Sans MS" pitchFamily="66" charset="0"/>
+                <a:ea typeface="+mj-ea"/>
+                <a:cs typeface="+mj-cs"/>
+              </a:defRPr>
+            </a:lvl1pPr>
+            <a:lvl2pPr algn="l" rtl="0" eaLnBrk="0" fontAlgn="base" hangingPunct="0">
+              <a:spcBef>
+                <a:spcPct val="0"/>
+              </a:spcBef>
+              <a:spcAft>
+                <a:spcPct val="0"/>
+              </a:spcAft>
+              <a:defRPr sz="4000" b="1">
+                <a:solidFill>
+                  <a:schemeClr val="tx2"/>
+                </a:solidFill>
+                <a:latin typeface="Comic Sans MS" pitchFamily="66" charset="0"/>
+              </a:defRPr>
+            </a:lvl2pPr>
+            <a:lvl3pPr algn="l" rtl="0" eaLnBrk="0" fontAlgn="base" hangingPunct="0">
+              <a:spcBef>
+                <a:spcPct val="0"/>
+              </a:spcBef>
+              <a:spcAft>
+                <a:spcPct val="0"/>
+              </a:spcAft>
+              <a:defRPr sz="4000" b="1">
+                <a:solidFill>
+                  <a:schemeClr val="tx2"/>
+                </a:solidFill>
+                <a:latin typeface="Comic Sans MS" pitchFamily="66" charset="0"/>
+              </a:defRPr>
+            </a:lvl3pPr>
+            <a:lvl4pPr algn="l" rtl="0" eaLnBrk="0" fontAlgn="base" hangingPunct="0">
+              <a:spcBef>
+                <a:spcPct val="0"/>
+              </a:spcBef>
+              <a:spcAft>
+                <a:spcPct val="0"/>
+              </a:spcAft>
+              <a:defRPr sz="4000" b="1">
+                <a:solidFill>
+                  <a:schemeClr val="tx2"/>
+                </a:solidFill>
+                <a:latin typeface="Comic Sans MS" pitchFamily="66" charset="0"/>
+              </a:defRPr>
+            </a:lvl4pPr>
+            <a:lvl5pPr algn="l" rtl="0" eaLnBrk="0" fontAlgn="base" hangingPunct="0">
+              <a:spcBef>
+                <a:spcPct val="0"/>
+              </a:spcBef>
+              <a:spcAft>
+                <a:spcPct val="0"/>
+              </a:spcAft>
+              <a:defRPr sz="4000" b="1">
+                <a:solidFill>
+                  <a:schemeClr val="tx2"/>
+                </a:solidFill>
+                <a:latin typeface="Comic Sans MS" pitchFamily="66" charset="0"/>
+              </a:defRPr>
+            </a:lvl5pPr>
+            <a:lvl6pPr marL="457200" algn="l" rtl="0" fontAlgn="base">
+              <a:spcBef>
+                <a:spcPct val="0"/>
+              </a:spcBef>
+              <a:spcAft>
+                <a:spcPct val="0"/>
+              </a:spcAft>
+              <a:defRPr sz="4000" b="1">
+                <a:solidFill>
+                  <a:schemeClr val="tx2"/>
+                </a:solidFill>
+                <a:latin typeface="Times New Roman" pitchFamily="18" charset="0"/>
+              </a:defRPr>
+            </a:lvl6pPr>
+            <a:lvl7pPr marL="914400" algn="l" rtl="0" fontAlgn="base">
+              <a:spcBef>
+                <a:spcPct val="0"/>
+              </a:spcBef>
+              <a:spcAft>
+                <a:spcPct val="0"/>
+              </a:spcAft>
+              <a:defRPr sz="4000" b="1">
+                <a:solidFill>
+                  <a:schemeClr val="tx2"/>
+                </a:solidFill>
+                <a:latin typeface="Times New Roman" pitchFamily="18" charset="0"/>
+              </a:defRPr>
+            </a:lvl7pPr>
+            <a:lvl8pPr marL="1371600" algn="l" rtl="0" fontAlgn="base">
+              <a:spcBef>
+                <a:spcPct val="0"/>
+              </a:spcBef>
+              <a:spcAft>
+                <a:spcPct val="0"/>
+              </a:spcAft>
+              <a:defRPr sz="4000" b="1">
+                <a:solidFill>
+                  <a:schemeClr val="tx2"/>
+                </a:solidFill>
+                <a:latin typeface="Times New Roman" pitchFamily="18" charset="0"/>
+              </a:defRPr>
+            </a:lvl8pPr>
+            <a:lvl9pPr marL="1828800" algn="l" rtl="0" fontAlgn="base">
+              <a:spcBef>
+                <a:spcPct val="0"/>
+              </a:spcBef>
+              <a:spcAft>
+                <a:spcPct val="0"/>
+              </a:spcAft>
+              <a:defRPr sz="4000" b="1">
+                <a:solidFill>
+                  <a:schemeClr val="tx2"/>
+                </a:solidFill>
+                <a:latin typeface="Times New Roman" pitchFamily="18" charset="0"/>
+              </a:defRPr>
+            </a:lvl9pPr>
+          </a:lstStyle>
+          <a:p>
+            <a:pPr eaLnBrk="1" hangingPunct="1"/>
+            <a:r>
+              <a:rPr lang="en-US" sz="4800" dirty="0" smtClean="0">
+                <a:solidFill>
+                  <a:schemeClr val="tx1"/>
+                </a:solidFill>
+              </a:rPr>
+              <a:t>TB LAB test</a:t>
+            </a:r>
+          </a:p>
+        </p:txBody>
+      </p:sp>
+      <p:sp>
+        <p:nvSpPr>
+          <p:cNvPr id="4" name="TextBox 3"/>
+          <p:cNvSpPr txBox="1"/>
+          <p:nvPr/>
+        </p:nvSpPr>
+        <p:spPr>
+          <a:xfrm>
+            <a:off x="609600" y="1161395"/>
+            <a:ext cx="8521784" cy="3662541"/>
+          </a:xfrm>
+          <a:prstGeom prst="rect">
+            <a:avLst/>
+          </a:prstGeom>
+          <a:noFill/>
+        </p:spPr>
+        <p:txBody>
+          <a:bodyPr wrap="none" rtlCol="0">
+            <a:spAutoFit/>
+          </a:bodyPr>
+          <a:lstStyle/>
+          <a:p>
+            <a:r>
+              <a:rPr lang="en-US" sz="4000" dirty="0" smtClean="0">
+                <a:latin typeface="Comic Sans MS"/>
+                <a:cs typeface="Comic Sans MS"/>
+              </a:rPr>
+              <a:t>Lab offers alternative TB test.</a:t>
+            </a:r>
+          </a:p>
+          <a:p>
+            <a:r>
+              <a:rPr lang="en-US" sz="4000" dirty="0" smtClean="0">
+                <a:latin typeface="Comic Sans MS"/>
+                <a:cs typeface="Comic Sans MS"/>
+              </a:rPr>
+              <a:t>Managers believe their test is</a:t>
+            </a:r>
+          </a:p>
+          <a:p>
+            <a:r>
+              <a:rPr lang="en-US" sz="4000" dirty="0" smtClean="0">
+                <a:latin typeface="Comic Sans MS"/>
+                <a:cs typeface="Comic Sans MS"/>
+              </a:rPr>
+              <a:t>95% accurate.  Also, it is</a:t>
+            </a:r>
+          </a:p>
+          <a:p>
+            <a:r>
+              <a:rPr lang="en-US" sz="4000" dirty="0" smtClean="0">
+                <a:latin typeface="Comic Sans MS"/>
+                <a:cs typeface="Comic Sans MS"/>
+              </a:rPr>
+              <a:t>independent of the prior test,</a:t>
+            </a:r>
+          </a:p>
+          <a:p>
+            <a:r>
+              <a:rPr lang="en-US" sz="4000" dirty="0" smtClean="0">
+                <a:latin typeface="Comic Sans MS"/>
+                <a:cs typeface="Comic Sans MS"/>
+              </a:rPr>
+              <a:t>so useful for confirming diagnoses.</a:t>
+            </a:r>
+            <a:endParaRPr lang="en-US" sz="4000" dirty="0">
+              <a:latin typeface="Comic Sans MS"/>
+              <a:cs typeface="Comic Sans MS"/>
+            </a:endParaRPr>
+          </a:p>
+        </p:txBody>
+      </p:sp>
+    </p:spTree>
+    <p:extLst>
+      <p:ext uri="{BB962C8B-B14F-4D97-AF65-F5344CB8AC3E}">
+        <p14:creationId xmlns:p14="http://schemas.microsoft.com/office/powerpoint/2010/main" val="3689749105"/>
+      </p:ext>
+    </p:extLst>
+  </p:cSld>
+  <p:clrMapOvr>
+    <a:masterClrMapping/>
+  </p:clrMapOvr>
+  <mc:AlternateContent xmlns:mc="http://schemas.openxmlformats.org/markup-compatibility/2006" xmlns:p14="http://schemas.microsoft.com/office/powerpoint/2010/main">
+    <mc:Choice Requires="p14">
+      <p:transition spd="med" p14:dur="700" advClick="0">
+        <p:fade/>
+      </p:transition>
+    </mc:Choice>
+    <mc:Fallback xmlns="">
+      <p:transition xmlns:p14="http://schemas.microsoft.com/office/powerpoint/2010/main" spd="med" advClick="0">
+        <p:fade/>
+      </p:transition>
+    </mc:Fallback>
+  </mc:AlternateContent>
+  <p:timing>
+    <p:tnLst>
+      <p:par>
+        <p:cTn xmlns:p14="http://schemas.microsoft.com/office/powerpoint/2010/main" id="1" dur="indefinite" restart="never" nodeType="tmRoot"/>
+      </p:par>
+    </p:tnLst>
+  </p:timing>
+</p:sld>
+</file>
+
+<file path=ppt/slides/slide4.xml><?xml version="1.0" encoding="utf-8"?>
+<p:sld xmlns:a="http://schemas.openxmlformats.org/drawingml/2006/main" xmlns:r="http://schemas.openxmlformats.org/officeDocument/2006/relationships" xmlns:p="http://schemas.openxmlformats.org/presentationml/2006/main">
+  <p:cSld>
+    <p:spTree>
+      <p:nvGrpSpPr>
+        <p:cNvPr id="1" name=""/>
+        <p:cNvGrpSpPr/>
+        <p:nvPr/>
+      </p:nvGrpSpPr>
+      <p:grpSpPr>
+        <a:xfrm>
+          <a:off x="0" y="0"/>
+          <a:ext cx="0" cy="0"/>
+          <a:chOff x="0" y="0"/>
+          <a:chExt cx="0" cy="0"/>
+        </a:xfrm>
+      </p:grpSpPr>
+      <p:sp>
+        <p:nvSpPr>
+          <p:cNvPr id="2" name="Slide Number Placeholder 1"/>
+          <p:cNvSpPr>
+            <a:spLocks noGrp="1"/>
+          </p:cNvSpPr>
+          <p:nvPr>
+            <p:ph type="sldNum" sz="quarter" idx="10"/>
+          </p:nvPr>
+        </p:nvSpPr>
+        <p:spPr/>
+        <p:txBody>
+          <a:bodyPr/>
+          <a:lstStyle/>
+          <a:p>
+            <a:pPr>
+              <a:defRPr/>
+            </a:pPr>
+            <a:r>
+              <a:rPr lang="en-US" smtClean="0"/>
+              <a:t>testing.</a:t>
+            </a:r>
+            <a:fld id="{B6F1E441-844C-41E3-A135-77978BB3664F}" type="slidenum">
+              <a:rPr lang="en-US" smtClean="0"/>
+              <a:pPr>
+                <a:defRPr/>
+              </a:pPr>
+              <a:t>4</a:t>
+            </a:fld>
+            <a:endParaRPr lang="en-US" dirty="0"/>
+          </a:p>
+        </p:txBody>
+      </p:sp>
+      <p:sp>
+        <p:nvSpPr>
+          <p:cNvPr id="4" name="TextBox 3"/>
+          <p:cNvSpPr txBox="1"/>
+          <p:nvPr/>
+        </p:nvSpPr>
+        <p:spPr>
+          <a:xfrm>
+            <a:off x="291597" y="1327959"/>
+            <a:ext cx="8878452" cy="5139869"/>
+          </a:xfrm>
+          <a:prstGeom prst="rect">
+            <a:avLst/>
+          </a:prstGeom>
+          <a:noFill/>
+        </p:spPr>
+        <p:txBody>
+          <a:bodyPr wrap="none" rtlCol="0">
+            <a:spAutoFit/>
+          </a:bodyPr>
+          <a:lstStyle/>
+          <a:p>
+            <a:r>
+              <a:rPr lang="en-US" sz="4000" dirty="0" smtClean="0">
+                <a:latin typeface="Comic Sans MS"/>
+                <a:cs typeface="Comic Sans MS"/>
+              </a:rPr>
+              <a:t>Managers think that since prior</a:t>
+            </a:r>
+          </a:p>
+          <a:p>
+            <a:r>
+              <a:rPr lang="en-US" sz="4000" dirty="0" smtClean="0">
+                <a:latin typeface="Comic Sans MS"/>
+                <a:cs typeface="Comic Sans MS"/>
+              </a:rPr>
+              <a:t>test is 98% correct, their retests</a:t>
+            </a:r>
+          </a:p>
+          <a:p>
+            <a:r>
+              <a:rPr lang="en-US" sz="4000" dirty="0" smtClean="0">
+                <a:latin typeface="Comic Sans MS"/>
+                <a:cs typeface="Comic Sans MS"/>
+              </a:rPr>
+              <a:t>should show about 2% errors. </a:t>
+            </a:r>
+          </a:p>
+          <a:p>
+            <a:r>
+              <a:rPr lang="en-US" sz="4000" dirty="0" smtClean="0">
+                <a:latin typeface="Comic Sans MS"/>
+                <a:cs typeface="Comic Sans MS"/>
+              </a:rPr>
+              <a:t>(Actually 2</a:t>
+            </a:r>
+            <a:r>
+              <a:rPr lang="en-US" sz="4000" b="1" dirty="0" smtClean="0">
+                <a:latin typeface="Euclid Symbol" charset="2"/>
+                <a:cs typeface="Euclid Symbol" charset="2"/>
+              </a:rPr>
+              <a:t> </a:t>
+            </a:r>
+            <a:r>
+              <a:rPr lang="en-US" sz="4000" b="1" dirty="0" smtClean="0">
+                <a:solidFill>
+                  <a:prstClr val="black"/>
+                </a:solidFill>
+                <a:latin typeface="Euclid Symbol" charset="2"/>
+                <a:cs typeface="Euclid Symbol" charset="2"/>
+              </a:rPr>
+              <a:t>±</a:t>
+            </a:r>
+            <a:r>
+              <a:rPr lang="en-US" sz="4000" b="1" dirty="0" smtClean="0">
+                <a:solidFill>
+                  <a:prstClr val="black"/>
+                </a:solidFill>
+                <a:latin typeface="AbadiMT-CondensedExtraBold"/>
+              </a:rPr>
+              <a:t> </a:t>
+            </a:r>
+            <a:r>
+              <a:rPr lang="en-US" sz="4000" dirty="0" smtClean="0">
+                <a:latin typeface="Comic Sans MS"/>
+                <a:cs typeface="Comic Sans MS"/>
+              </a:rPr>
+              <a:t>(0.1</a:t>
+            </a:r>
+            <a:r>
+              <a:rPr lang="en-US" sz="4000" dirty="0" smtClean="0">
+                <a:solidFill>
+                  <a:prstClr val="black"/>
+                </a:solidFill>
+                <a:latin typeface="Comic Sans MS"/>
+                <a:cs typeface="Comic Sans MS"/>
+              </a:rPr>
+              <a:t>)%).</a:t>
+            </a:r>
+          </a:p>
+          <a:p>
+            <a:r>
+              <a:rPr lang="en-US" sz="4000" dirty="0" smtClean="0">
+                <a:solidFill>
+                  <a:prstClr val="black"/>
+                </a:solidFill>
+                <a:latin typeface="Comic Sans MS"/>
+                <a:cs typeface="Comic Sans MS"/>
+              </a:rPr>
+              <a:t>They are upset when nearly all their</a:t>
+            </a:r>
+          </a:p>
+          <a:p>
+            <a:r>
+              <a:rPr lang="en-US" sz="4000" dirty="0" smtClean="0">
+                <a:solidFill>
+                  <a:prstClr val="black"/>
+                </a:solidFill>
+                <a:latin typeface="Comic Sans MS"/>
+                <a:cs typeface="Comic Sans MS"/>
+              </a:rPr>
+              <a:t>retests reveal mistakes by the prior</a:t>
+            </a:r>
+          </a:p>
+          <a:p>
+            <a:r>
+              <a:rPr lang="en-US" sz="4000" dirty="0" smtClean="0">
+                <a:solidFill>
+                  <a:prstClr val="black"/>
+                </a:solidFill>
+                <a:latin typeface="Comic Sans MS"/>
+                <a:cs typeface="Comic Sans MS"/>
+              </a:rPr>
+              <a:t>test.</a:t>
+            </a:r>
+            <a:endParaRPr lang="en-US" sz="4000" dirty="0">
+              <a:latin typeface="Comic Sans MS"/>
+              <a:cs typeface="Comic Sans MS"/>
+            </a:endParaRPr>
+          </a:p>
+        </p:txBody>
+      </p:sp>
+      <p:sp>
+        <p:nvSpPr>
+          <p:cNvPr id="5" name="Rectangle 3"/>
+          <p:cNvSpPr txBox="1">
+            <a:spLocks noChangeArrowheads="1"/>
+          </p:cNvSpPr>
+          <p:nvPr/>
+        </p:nvSpPr>
+        <p:spPr>
+          <a:xfrm>
+            <a:off x="2133600" y="304800"/>
+            <a:ext cx="5334000" cy="990600"/>
+          </a:xfrm>
+          <a:prstGeom prst="rect">
+            <a:avLst/>
+          </a:prstGeom>
+          <a:noFill/>
+        </p:spPr>
+        <p:txBody>
+          <a:bodyPr/>
+          <a:lstStyle>
+            <a:lvl1pPr algn="l" rtl="0" eaLnBrk="0" fontAlgn="base" hangingPunct="0">
+              <a:spcBef>
+                <a:spcPct val="0"/>
+              </a:spcBef>
+              <a:spcAft>
+                <a:spcPct val="0"/>
+              </a:spcAft>
+              <a:defRPr sz="4000" b="1">
+                <a:solidFill>
+                  <a:schemeClr val="tx2"/>
+                </a:solidFill>
+                <a:latin typeface="Comic Sans MS" pitchFamily="66" charset="0"/>
+                <a:ea typeface="+mj-ea"/>
+                <a:cs typeface="+mj-cs"/>
+              </a:defRPr>
+            </a:lvl1pPr>
+            <a:lvl2pPr algn="l" rtl="0" eaLnBrk="0" fontAlgn="base" hangingPunct="0">
+              <a:spcBef>
+                <a:spcPct val="0"/>
+              </a:spcBef>
+              <a:spcAft>
+                <a:spcPct val="0"/>
+              </a:spcAft>
+              <a:defRPr sz="4000" b="1">
+                <a:solidFill>
+                  <a:schemeClr val="tx2"/>
+                </a:solidFill>
+                <a:latin typeface="Comic Sans MS" pitchFamily="66" charset="0"/>
+              </a:defRPr>
+            </a:lvl2pPr>
+            <a:lvl3pPr algn="l" rtl="0" eaLnBrk="0" fontAlgn="base" hangingPunct="0">
+              <a:spcBef>
+                <a:spcPct val="0"/>
+              </a:spcBef>
+              <a:spcAft>
+                <a:spcPct val="0"/>
+              </a:spcAft>
+              <a:defRPr sz="4000" b="1">
+                <a:solidFill>
+                  <a:schemeClr val="tx2"/>
+                </a:solidFill>
+                <a:latin typeface="Comic Sans MS" pitchFamily="66" charset="0"/>
+              </a:defRPr>
+            </a:lvl3pPr>
+            <a:lvl4pPr algn="l" rtl="0" eaLnBrk="0" fontAlgn="base" hangingPunct="0">
+              <a:spcBef>
+                <a:spcPct val="0"/>
+              </a:spcBef>
+              <a:spcAft>
+                <a:spcPct val="0"/>
+              </a:spcAft>
+              <a:defRPr sz="4000" b="1">
+                <a:solidFill>
+                  <a:schemeClr val="tx2"/>
+                </a:solidFill>
+                <a:latin typeface="Comic Sans MS" pitchFamily="66" charset="0"/>
+              </a:defRPr>
+            </a:lvl4pPr>
+            <a:lvl5pPr algn="l" rtl="0" eaLnBrk="0" fontAlgn="base" hangingPunct="0">
+              <a:spcBef>
+                <a:spcPct val="0"/>
+              </a:spcBef>
+              <a:spcAft>
+                <a:spcPct val="0"/>
+              </a:spcAft>
+              <a:defRPr sz="4000" b="1">
+                <a:solidFill>
+                  <a:schemeClr val="tx2"/>
+                </a:solidFill>
+                <a:latin typeface="Comic Sans MS" pitchFamily="66" charset="0"/>
+              </a:defRPr>
+            </a:lvl5pPr>
+            <a:lvl6pPr marL="457200" algn="l" rtl="0" fontAlgn="base">
+              <a:spcBef>
+                <a:spcPct val="0"/>
+              </a:spcBef>
+              <a:spcAft>
+                <a:spcPct val="0"/>
+              </a:spcAft>
+              <a:defRPr sz="4000" b="1">
+                <a:solidFill>
+                  <a:schemeClr val="tx2"/>
+                </a:solidFill>
+                <a:latin typeface="Times New Roman" pitchFamily="18" charset="0"/>
+              </a:defRPr>
+            </a:lvl6pPr>
+            <a:lvl7pPr marL="914400" algn="l" rtl="0" fontAlgn="base">
+              <a:spcBef>
+                <a:spcPct val="0"/>
+              </a:spcBef>
+              <a:spcAft>
+                <a:spcPct val="0"/>
+              </a:spcAft>
+              <a:defRPr sz="4000" b="1">
+                <a:solidFill>
+                  <a:schemeClr val="tx2"/>
+                </a:solidFill>
+                <a:latin typeface="Times New Roman" pitchFamily="18" charset="0"/>
+              </a:defRPr>
+            </a:lvl7pPr>
+            <a:lvl8pPr marL="1371600" algn="l" rtl="0" fontAlgn="base">
+              <a:spcBef>
+                <a:spcPct val="0"/>
+              </a:spcBef>
+              <a:spcAft>
+                <a:spcPct val="0"/>
+              </a:spcAft>
+              <a:defRPr sz="4000" b="1">
+                <a:solidFill>
+                  <a:schemeClr val="tx2"/>
+                </a:solidFill>
+                <a:latin typeface="Times New Roman" pitchFamily="18" charset="0"/>
+              </a:defRPr>
+            </a:lvl8pPr>
+            <a:lvl9pPr marL="1828800" algn="l" rtl="0" fontAlgn="base">
+              <a:spcBef>
+                <a:spcPct val="0"/>
+              </a:spcBef>
+              <a:spcAft>
+                <a:spcPct val="0"/>
+              </a:spcAft>
+              <a:defRPr sz="4000" b="1">
+                <a:solidFill>
+                  <a:schemeClr val="tx2"/>
+                </a:solidFill>
+                <a:latin typeface="Times New Roman" pitchFamily="18" charset="0"/>
+              </a:defRPr>
+            </a:lvl9pPr>
+          </a:lstStyle>
+          <a:p>
+            <a:pPr eaLnBrk="1" hangingPunct="1"/>
+            <a:r>
+              <a:rPr lang="en-US" sz="4800" dirty="0" smtClean="0">
+                <a:solidFill>
+                  <a:schemeClr val="tx1"/>
+                </a:solidFill>
+              </a:rPr>
+              <a:t>TB LAB test</a:t>
+            </a:r>
+          </a:p>
+        </p:txBody>
+      </p:sp>
+    </p:spTree>
+    <p:extLst>
+      <p:ext uri="{BB962C8B-B14F-4D97-AF65-F5344CB8AC3E}">
+        <p14:creationId xmlns:p14="http://schemas.microsoft.com/office/powerpoint/2010/main" val="3890357326"/>
+      </p:ext>
+    </p:extLst>
+  </p:cSld>
+  <p:clrMapOvr>
+    <a:masterClrMapping/>
+  </p:clrMapOvr>
+  <mc:AlternateContent xmlns:mc="http://schemas.openxmlformats.org/markup-compatibility/2006" xmlns:p14="http://schemas.microsoft.com/office/powerpoint/2010/main">
+    <mc:Choice Requires="p14">
+      <p:transition spd="slow" p14:dur="900" advClick="0">
+        <p:fade/>
+      </p:transition>
+    </mc:Choice>
+    <mc:Fallback xmlns="">
+      <p:transition xmlns:p14="http://schemas.microsoft.com/office/powerpoint/2010/main" spd="slow" advClick="0">
+        <p:fade/>
+      </p:transition>
+    </mc:Fallback>
+  </mc:AlternateContent>
+  <p:timing>
+    <p:tnLst>
+      <p:par>
+        <p:cTn xmlns:p14="http://schemas.microsoft.com/office/powerpoint/2010/main" id="1" dur="indefinite" restart="never" nodeType="tmRoot">
+          <p:childTnLst>
+            <p:seq concurrent="1" nextAc="seek">
+              <p:cTn id="2" dur="indefinite" nodeType="mainSeq">
+                <p:childTnLst>
+                  <p:par>
+                    <p:cTn id="3" fill="hold">
+                      <p:stCondLst>
+                        <p:cond delay="indefinite"/>
+                      </p:stCondLst>
+                      <p:childTnLst>
+                        <p:par>
+                          <p:cTn id="4" fill="hold">
+                            <p:stCondLst>
+                              <p:cond delay="0"/>
+                            </p:stCondLst>
+                            <p:childTnLst>
+                              <p:par>
+                                <p:cTn id="5" presetID="10" presetClass="entr" presetSubtype="0" fill="hold" nodeType="clickEffect">
+                                  <p:stCondLst>
+                                    <p:cond delay="0"/>
+                                  </p:stCondLst>
+                                  <p:childTnLst>
+                                    <p:set>
+                                      <p:cBhvr>
+                                        <p:cTn id="6" dur="1" fill="hold">
+                                          <p:stCondLst>
+                                            <p:cond delay="0"/>
+                                          </p:stCondLst>
+                                        </p:cTn>
+                                        <p:tgtEl>
+                                          <p:spTgt spid="4">
+                                            <p:txEl>
+                                              <p:pRg st="3" end="3"/>
+                                            </p:txEl>
+                                          </p:spTgt>
+                                        </p:tgtEl>
+                                        <p:attrNameLst>
+                                          <p:attrName>style.visibility</p:attrName>
+                                        </p:attrNameLst>
+                                      </p:cBhvr>
+                                      <p:to>
+                                        <p:strVal val="visible"/>
+                                      </p:to>
+                                    </p:set>
+                                    <p:animEffect transition="in" filter="fade">
+                                      <p:cBhvr>
+                                        <p:cTn id="7" dur="500"/>
+                                        <p:tgtEl>
+                                          <p:spTgt spid="4">
+                                            <p:txEl>
+                                              <p:pRg st="3" end="3"/>
+                                            </p:txEl>
+                                          </p:spTgt>
+                                        </p:tgtEl>
+                                      </p:cBhvr>
+                                    </p:animEffect>
+                                  </p:childTnLst>
+                                </p:cTn>
+                              </p:par>
+                            </p:childTnLst>
+                          </p:cTn>
+                        </p:par>
+                      </p:childTnLst>
+                    </p:cTn>
+                  </p:par>
+                  <p:par>
+                    <p:cTn id="8" fill="hold">
+                      <p:stCondLst>
+                        <p:cond delay="indefinite"/>
+                      </p:stCondLst>
+                      <p:childTnLst>
+                        <p:par>
+                          <p:cTn id="9" fill="hold">
+                            <p:stCondLst>
+                              <p:cond delay="0"/>
+                            </p:stCondLst>
+                            <p:childTnLst>
+                              <p:par>
+                                <p:cTn id="10" presetID="10" presetClass="entr" presetSubtype="0" fill="hold" nodeType="clickEffect">
+                                  <p:stCondLst>
+                                    <p:cond delay="0"/>
+                                  </p:stCondLst>
+                                  <p:childTnLst>
+                                    <p:set>
+                                      <p:cBhvr>
+                                        <p:cTn id="11" dur="1" fill="hold">
+                                          <p:stCondLst>
+                                            <p:cond delay="0"/>
+                                          </p:stCondLst>
+                                        </p:cTn>
+                                        <p:tgtEl>
+                                          <p:spTgt spid="4">
+                                            <p:txEl>
+                                              <p:pRg st="4" end="4"/>
+                                            </p:txEl>
+                                          </p:spTgt>
+                                        </p:tgtEl>
+                                        <p:attrNameLst>
+                                          <p:attrName>style.visibility</p:attrName>
+                                        </p:attrNameLst>
+                                      </p:cBhvr>
+                                      <p:to>
+                                        <p:strVal val="visible"/>
+                                      </p:to>
+                                    </p:set>
+                                    <p:animEffect transition="in" filter="fade">
+                                      <p:cBhvr>
+                                        <p:cTn id="12" dur="500"/>
+                                        <p:tgtEl>
+                                          <p:spTgt spid="4">
+                                            <p:txEl>
+                                              <p:pRg st="4" end="4"/>
+                                            </p:txEl>
+                                          </p:spTgt>
+                                        </p:tgtEl>
+                                      </p:cBhvr>
+                                    </p:animEffect>
+                                  </p:childTnLst>
+                                </p:cTn>
+                              </p:par>
+                              <p:par>
+                                <p:cTn id="13" presetID="10" presetClass="entr" presetSubtype="0" fill="hold" nodeType="withEffect">
+                                  <p:stCondLst>
+                                    <p:cond delay="0"/>
+                                  </p:stCondLst>
+                                  <p:childTnLst>
+                                    <p:set>
+                                      <p:cBhvr>
+                                        <p:cTn id="14" dur="1" fill="hold">
+                                          <p:stCondLst>
+                                            <p:cond delay="0"/>
+                                          </p:stCondLst>
+                                        </p:cTn>
+                                        <p:tgtEl>
+                                          <p:spTgt spid="4">
+                                            <p:txEl>
+                                              <p:pRg st="5" end="5"/>
+                                            </p:txEl>
+                                          </p:spTgt>
+                                        </p:tgtEl>
+                                        <p:attrNameLst>
+                                          <p:attrName>style.visibility</p:attrName>
+                                        </p:attrNameLst>
+                                      </p:cBhvr>
+                                      <p:to>
+                                        <p:strVal val="visible"/>
+                                      </p:to>
+                                    </p:set>
+                                    <p:animEffect transition="in" filter="fade">
+                                      <p:cBhvr>
+                                        <p:cTn id="15" dur="500"/>
+                                        <p:tgtEl>
+                                          <p:spTgt spid="4">
+                                            <p:txEl>
+                                              <p:pRg st="5" end="5"/>
+                                            </p:txEl>
+                                          </p:spTgt>
+                                        </p:tgtEl>
+                                      </p:cBhvr>
+                                    </p:animEffect>
+                                  </p:childTnLst>
+                                </p:cTn>
+                              </p:par>
+                              <p:par>
+                                <p:cTn id="16" presetID="10" presetClass="entr" presetSubtype="0" fill="hold" nodeType="withEffect">
+                                  <p:stCondLst>
+                                    <p:cond delay="0"/>
+                                  </p:stCondLst>
+                                  <p:childTnLst>
+                                    <p:set>
+                                      <p:cBhvr>
+                                        <p:cTn id="17" dur="1" fill="hold">
+                                          <p:stCondLst>
+                                            <p:cond delay="0"/>
+                                          </p:stCondLst>
+                                        </p:cTn>
+                                        <p:tgtEl>
+                                          <p:spTgt spid="4">
+                                            <p:txEl>
+                                              <p:pRg st="6" end="6"/>
+                                            </p:txEl>
+                                          </p:spTgt>
+                                        </p:tgtEl>
+                                        <p:attrNameLst>
+                                          <p:attrName>style.visibility</p:attrName>
+                                        </p:attrNameLst>
+                                      </p:cBhvr>
+                                      <p:to>
+                                        <p:strVal val="visible"/>
+                                      </p:to>
+                                    </p:set>
+                                    <p:animEffect transition="in" filter="fade">
+                                      <p:cBhvr>
+                                        <p:cTn id="18" dur="500"/>
+                                        <p:tgtEl>
+                                          <p:spTgt spid="4">
+                                            <p:txEl>
+                                              <p:pRg st="6" end="6"/>
+                                            </p:txEl>
+                                          </p:spTgt>
+                                        </p:tgtEl>
+                                      </p:cBhvr>
+                                    </p:animEffect>
+                                  </p:childTnLst>
+                                </p:cTn>
+                              </p:par>
+                            </p:childTnLst>
+                          </p:cTn>
+                        </p:par>
+                      </p:childTnLst>
+                    </p:cTn>
+                  </p:par>
+                </p:childTnLst>
+              </p:cTn>
+              <p:prevCondLst>
+                <p:cond evt="onPrev" delay="0">
+                  <p:tgtEl>
+                    <p:sldTgt/>
+                  </p:tgtEl>
+                </p:cond>
+              </p:prevCondLst>
+              <p:nextCondLst>
+                <p:cond evt="onNext" delay="0">
+                  <p:tgtEl>
+                    <p:sldTgt/>
+                  </p:tgtEl>
+                </p:cond>
+              </p:nextCondLst>
+            </p:seq>
+          </p:childTnLst>
+        </p:cTn>
+      </p:par>
+    </p:tnLst>
+  </p:timing>
+</p:sld>
+</file>
+
+<file path=ppt/slides/slide5.xml><?xml version="1.0" encoding="utf-8"?>
+<p:sld xmlns:a="http://schemas.openxmlformats.org/drawingml/2006/main" xmlns:r="http://schemas.openxmlformats.org/officeDocument/2006/relationships" xmlns:p="http://schemas.openxmlformats.org/presentationml/2006/main">
+  <p:cSld>
+    <p:spTree>
+      <p:nvGrpSpPr>
+        <p:cNvPr id="1" name=""/>
+        <p:cNvGrpSpPr/>
+        <p:nvPr/>
+      </p:nvGrpSpPr>
+      <p:grpSpPr>
+        <a:xfrm>
+          <a:off x="0" y="0"/>
+          <a:ext cx="0" cy="0"/>
+          <a:chOff x="0" y="0"/>
+          <a:chExt cx="0" cy="0"/>
+        </a:xfrm>
+      </p:grpSpPr>
+      <p:sp>
+        <p:nvSpPr>
+          <p:cNvPr id="2" name="Slide Number Placeholder 1"/>
+          <p:cNvSpPr>
+            <a:spLocks noGrp="1"/>
+          </p:cNvSpPr>
+          <p:nvPr>
+            <p:ph type="sldNum" sz="quarter" idx="10"/>
+          </p:nvPr>
+        </p:nvSpPr>
+        <p:spPr/>
+        <p:txBody>
+          <a:bodyPr/>
+          <a:lstStyle/>
+          <a:p>
+            <a:pPr>
+              <a:defRPr/>
+            </a:pPr>
+            <a:r>
+              <a:rPr lang="en-US" smtClean="0"/>
+              <a:t>testing.</a:t>
+            </a:r>
+            <a:fld id="{B6F1E441-844C-41E3-A135-77978BB3664F}" type="slidenum">
+              <a:rPr lang="en-US" smtClean="0"/>
+              <a:pPr>
+                <a:defRPr/>
+              </a:pPr>
+              <a:t>5</a:t>
+            </a:fld>
+            <a:endParaRPr lang="en-US" dirty="0"/>
+          </a:p>
+        </p:txBody>
+      </p:sp>
+      <p:sp>
+        <p:nvSpPr>
+          <p:cNvPr id="4" name="TextBox 3"/>
+          <p:cNvSpPr txBox="1"/>
+          <p:nvPr/>
+        </p:nvSpPr>
+        <p:spPr>
+          <a:xfrm>
+            <a:off x="291596" y="1327958"/>
+            <a:ext cx="8547603" cy="3914918"/>
+          </a:xfrm>
+          <a:prstGeom prst="rect">
+            <a:avLst/>
+          </a:prstGeom>
+          <a:noFill/>
+        </p:spPr>
+        <p:txBody>
+          <a:bodyPr wrap="square" rtlCol="0">
+            <a:spAutoFit/>
+          </a:bodyPr>
+          <a:lstStyle/>
+          <a:p>
+            <a:r>
+              <a:rPr lang="en-US" sz="5400" dirty="0" smtClean="0">
+                <a:latin typeface="Comic Sans MS"/>
+                <a:cs typeface="Comic Sans MS"/>
+              </a:rPr>
+              <a:t>Should they be upset?</a:t>
+            </a:r>
+          </a:p>
+          <a:p>
+            <a:r>
+              <a:rPr lang="en-US" sz="5400" dirty="0" smtClean="0">
+                <a:solidFill>
+                  <a:prstClr val="black"/>
+                </a:solidFill>
+                <a:latin typeface="Comic Sans MS"/>
+                <a:cs typeface="Comic Sans MS"/>
+              </a:rPr>
+              <a:t>Is their test broken?</a:t>
+            </a:r>
+          </a:p>
+          <a:p>
+            <a:r>
+              <a:rPr lang="en-US" sz="5400" dirty="0" smtClean="0">
+                <a:solidFill>
+                  <a:prstClr val="black"/>
+                </a:solidFill>
+                <a:latin typeface="Comic Sans MS"/>
+                <a:cs typeface="Comic Sans MS"/>
+              </a:rPr>
+              <a:t>If not, what’s wrong with</a:t>
+            </a:r>
+          </a:p>
+          <a:p>
+            <a:r>
+              <a:rPr lang="en-US" sz="5400" dirty="0" smtClean="0">
+                <a:solidFill>
+                  <a:prstClr val="black"/>
+                </a:solidFill>
+                <a:latin typeface="Comic Sans MS"/>
+                <a:cs typeface="Comic Sans MS"/>
+              </a:rPr>
+              <a:t>their reasoning?</a:t>
+            </a:r>
+          </a:p>
+        </p:txBody>
+      </p:sp>
+      <p:sp>
+        <p:nvSpPr>
+          <p:cNvPr id="5" name="Rectangle 3"/>
+          <p:cNvSpPr txBox="1">
+            <a:spLocks noChangeArrowheads="1"/>
+          </p:cNvSpPr>
+          <p:nvPr/>
+        </p:nvSpPr>
+        <p:spPr>
+          <a:xfrm>
+            <a:off x="2133600" y="304799"/>
+            <a:ext cx="6705600" cy="1023159"/>
+          </a:xfrm>
+          <a:prstGeom prst="rect">
+            <a:avLst/>
+          </a:prstGeom>
+          <a:noFill/>
+        </p:spPr>
+        <p:txBody>
+          <a:bodyPr/>
+          <a:lstStyle>
+            <a:lvl1pPr algn="l" rtl="0" eaLnBrk="0" fontAlgn="base" hangingPunct="0">
+              <a:spcBef>
+                <a:spcPct val="0"/>
+              </a:spcBef>
+              <a:spcAft>
+                <a:spcPct val="0"/>
+              </a:spcAft>
+              <a:defRPr sz="4000" b="1">
+                <a:solidFill>
+                  <a:schemeClr val="tx2"/>
+                </a:solidFill>
+                <a:latin typeface="Comic Sans MS" pitchFamily="66" charset="0"/>
+                <a:ea typeface="+mj-ea"/>
+                <a:cs typeface="+mj-cs"/>
+              </a:defRPr>
+            </a:lvl1pPr>
+            <a:lvl2pPr algn="l" rtl="0" eaLnBrk="0" fontAlgn="base" hangingPunct="0">
+              <a:spcBef>
+                <a:spcPct val="0"/>
+              </a:spcBef>
+              <a:spcAft>
+                <a:spcPct val="0"/>
+              </a:spcAft>
+              <a:defRPr sz="4000" b="1">
+                <a:solidFill>
+                  <a:schemeClr val="tx2"/>
+                </a:solidFill>
+                <a:latin typeface="Comic Sans MS" pitchFamily="66" charset="0"/>
+              </a:defRPr>
+            </a:lvl2pPr>
+            <a:lvl3pPr algn="l" rtl="0" eaLnBrk="0" fontAlgn="base" hangingPunct="0">
+              <a:spcBef>
+                <a:spcPct val="0"/>
+              </a:spcBef>
+              <a:spcAft>
+                <a:spcPct val="0"/>
+              </a:spcAft>
+              <a:defRPr sz="4000" b="1">
+                <a:solidFill>
+                  <a:schemeClr val="tx2"/>
+                </a:solidFill>
+                <a:latin typeface="Comic Sans MS" pitchFamily="66" charset="0"/>
+              </a:defRPr>
+            </a:lvl3pPr>
+            <a:lvl4pPr algn="l" rtl="0" eaLnBrk="0" fontAlgn="base" hangingPunct="0">
+              <a:spcBef>
+                <a:spcPct val="0"/>
+              </a:spcBef>
+              <a:spcAft>
+                <a:spcPct val="0"/>
+              </a:spcAft>
+              <a:defRPr sz="4000" b="1">
+                <a:solidFill>
+                  <a:schemeClr val="tx2"/>
+                </a:solidFill>
+                <a:latin typeface="Comic Sans MS" pitchFamily="66" charset="0"/>
+              </a:defRPr>
+            </a:lvl4pPr>
+            <a:lvl5pPr algn="l" rtl="0" eaLnBrk="0" fontAlgn="base" hangingPunct="0">
+              <a:spcBef>
+                <a:spcPct val="0"/>
+              </a:spcBef>
+              <a:spcAft>
+                <a:spcPct val="0"/>
+              </a:spcAft>
+              <a:defRPr sz="4000" b="1">
+                <a:solidFill>
+                  <a:schemeClr val="tx2"/>
+                </a:solidFill>
+                <a:latin typeface="Comic Sans MS" pitchFamily="66" charset="0"/>
+              </a:defRPr>
+            </a:lvl5pPr>
+            <a:lvl6pPr marL="457200" algn="l" rtl="0" fontAlgn="base">
+              <a:spcBef>
+                <a:spcPct val="0"/>
+              </a:spcBef>
+              <a:spcAft>
+                <a:spcPct val="0"/>
+              </a:spcAft>
+              <a:defRPr sz="4000" b="1">
+                <a:solidFill>
+                  <a:schemeClr val="tx2"/>
+                </a:solidFill>
+                <a:latin typeface="Times New Roman" pitchFamily="18" charset="0"/>
+              </a:defRPr>
+            </a:lvl6pPr>
+            <a:lvl7pPr marL="914400" algn="l" rtl="0" fontAlgn="base">
+              <a:spcBef>
+                <a:spcPct val="0"/>
+              </a:spcBef>
+              <a:spcAft>
+                <a:spcPct val="0"/>
+              </a:spcAft>
+              <a:defRPr sz="4000" b="1">
+                <a:solidFill>
+                  <a:schemeClr val="tx2"/>
+                </a:solidFill>
+                <a:latin typeface="Times New Roman" pitchFamily="18" charset="0"/>
+              </a:defRPr>
+            </a:lvl7pPr>
+            <a:lvl8pPr marL="1371600" algn="l" rtl="0" fontAlgn="base">
+              <a:spcBef>
+                <a:spcPct val="0"/>
+              </a:spcBef>
+              <a:spcAft>
+                <a:spcPct val="0"/>
+              </a:spcAft>
+              <a:defRPr sz="4000" b="1">
+                <a:solidFill>
+                  <a:schemeClr val="tx2"/>
+                </a:solidFill>
+                <a:latin typeface="Times New Roman" pitchFamily="18" charset="0"/>
+              </a:defRPr>
+            </a:lvl8pPr>
+            <a:lvl9pPr marL="1828800" algn="l" rtl="0" fontAlgn="base">
+              <a:spcBef>
+                <a:spcPct val="0"/>
+              </a:spcBef>
+              <a:spcAft>
+                <a:spcPct val="0"/>
+              </a:spcAft>
+              <a:defRPr sz="4000" b="1">
+                <a:solidFill>
+                  <a:schemeClr val="tx2"/>
+                </a:solidFill>
+                <a:latin typeface="Times New Roman" pitchFamily="18" charset="0"/>
+              </a:defRPr>
+            </a:lvl9pPr>
+          </a:lstStyle>
+          <a:p>
+            <a:pPr eaLnBrk="1" hangingPunct="1"/>
+            <a:r>
+              <a:rPr lang="en-US" sz="4800" dirty="0" smtClean="0">
+                <a:solidFill>
+                  <a:schemeClr val="tx1"/>
+                </a:solidFill>
+              </a:rPr>
+              <a:t>TB LAB test broken?</a:t>
+            </a:r>
+          </a:p>
+        </p:txBody>
+      </p:sp>
+      <p:sp>
+        <p:nvSpPr>
+          <p:cNvPr id="3" name="TextBox 2"/>
+          <p:cNvSpPr txBox="1"/>
+          <p:nvPr/>
+        </p:nvSpPr>
+        <p:spPr>
+          <a:xfrm>
+            <a:off x="7693934" y="1327958"/>
+            <a:ext cx="1145265" cy="830997"/>
+          </a:xfrm>
+          <a:prstGeom prst="rect">
+            <a:avLst/>
+          </a:prstGeom>
+          <a:noFill/>
+        </p:spPr>
+        <p:txBody>
+          <a:bodyPr wrap="none" rtlCol="0">
+            <a:spAutoFit/>
+          </a:bodyPr>
+          <a:lstStyle/>
+          <a:p>
+            <a:r>
+              <a:rPr lang="en-US" sz="4800" dirty="0" smtClean="0">
+                <a:solidFill>
+                  <a:srgbClr val="A92082"/>
+                </a:solidFill>
+                <a:latin typeface="Comic Sans MS"/>
+                <a:cs typeface="Comic Sans MS"/>
+              </a:rPr>
+              <a:t>No!</a:t>
+            </a:r>
+            <a:endParaRPr lang="en-US" sz="4800" dirty="0">
+              <a:solidFill>
+                <a:srgbClr val="A92082"/>
+              </a:solidFill>
+              <a:latin typeface="Comic Sans MS"/>
+              <a:cs typeface="Comic Sans MS"/>
+            </a:endParaRPr>
+          </a:p>
+        </p:txBody>
+      </p:sp>
+      <p:sp>
+        <p:nvSpPr>
+          <p:cNvPr id="6" name="TextBox 5"/>
+          <p:cNvSpPr txBox="1"/>
+          <p:nvPr/>
+        </p:nvSpPr>
+        <p:spPr>
+          <a:xfrm>
+            <a:off x="7696200" y="2369403"/>
+            <a:ext cx="1145265" cy="830997"/>
+          </a:xfrm>
+          <a:prstGeom prst="rect">
+            <a:avLst/>
+          </a:prstGeom>
+          <a:noFill/>
+        </p:spPr>
+        <p:txBody>
+          <a:bodyPr wrap="none" rtlCol="0">
+            <a:spAutoFit/>
+          </a:bodyPr>
+          <a:lstStyle/>
+          <a:p>
+            <a:r>
+              <a:rPr lang="en-US" sz="4800" dirty="0" smtClean="0">
+                <a:solidFill>
+                  <a:srgbClr val="A92082"/>
+                </a:solidFill>
+                <a:latin typeface="Comic Sans MS"/>
+                <a:cs typeface="Comic Sans MS"/>
+              </a:rPr>
+              <a:t>No!</a:t>
+            </a:r>
+            <a:endParaRPr lang="en-US" sz="4800" dirty="0">
+              <a:solidFill>
+                <a:srgbClr val="A92082"/>
+              </a:solidFill>
+              <a:latin typeface="Comic Sans MS"/>
+              <a:cs typeface="Comic Sans MS"/>
+            </a:endParaRPr>
+          </a:p>
+        </p:txBody>
+      </p:sp>
+    </p:spTree>
+    <p:extLst>
+      <p:ext uri="{BB962C8B-B14F-4D97-AF65-F5344CB8AC3E}">
+        <p14:creationId xmlns:p14="http://schemas.microsoft.com/office/powerpoint/2010/main" val="1273801651"/>
+      </p:ext>
+    </p:extLst>
+  </p:cSld>
+  <p:clrMapOvr>
+    <a:masterClrMapping/>
+  </p:clrMapOvr>
+  <mc:AlternateContent xmlns:mc="http://schemas.openxmlformats.org/markup-compatibility/2006" xmlns:p14="http://schemas.microsoft.com/office/powerpoint/2010/main">
+    <mc:Choice Requires="p14">
+      <p:transition spd="slow" p14:dur="900" advClick="0">
+        <p:fade thruBlk="1"/>
+      </p:transition>
+    </mc:Choice>
+    <mc:Fallback xmlns="">
+      <p:transition xmlns:p14="http://schemas.microsoft.com/office/powerpoint/2010/main" spd="slow" advClick="0">
+        <p:fade thruBlk="1"/>
+      </p:transition>
+    </mc:Fallback>
+  </mc:AlternateContent>
+  <p:timing>
+    <p:tnLst>
+      <p:par>
+        <p:cTn xmlns:p14="http://schemas.microsoft.com/office/powerpoint/2010/main" id="1" dur="indefinite" restart="never" nodeType="tmRoot">
+          <p:childTnLst>
+            <p:seq concurrent="1" nextAc="seek">
+              <p:cTn id="2" dur="indefinite" nodeType="mainSeq">
+                <p:childTnLst>
+                  <p:par>
+                    <p:cTn id="3" fill="hold">
+                      <p:stCondLst>
+                        <p:cond delay="indefinite"/>
+                      </p:stCondLst>
+                      <p:childTnLst>
+                        <p:par>
+                          <p:cTn id="4" fill="hold">
+                            <p:stCondLst>
+                              <p:cond delay="0"/>
+                            </p:stCondLst>
+                            <p:childTnLst>
+                              <p:par>
+                                <p:cTn id="5" presetID="10" presetClass="entr" presetSubtype="0" fill="hold" nodeType="clickEffect">
+                                  <p:stCondLst>
+                                    <p:cond delay="0"/>
+                                  </p:stCondLst>
+                                  <p:childTnLst>
+                                    <p:set>
+                                      <p:cBhvr>
+                                        <p:cTn id="6" dur="1" fill="hold">
+                                          <p:stCondLst>
+                                            <p:cond delay="0"/>
+                                          </p:stCondLst>
+                                        </p:cTn>
+                                        <p:tgtEl>
+                                          <p:spTgt spid="4">
+                                            <p:txEl>
+                                              <p:pRg st="0" end="0"/>
+                                            </p:txEl>
+                                          </p:spTgt>
+                                        </p:tgtEl>
+                                        <p:attrNameLst>
+                                          <p:attrName>style.visibility</p:attrName>
+                                        </p:attrNameLst>
+                                      </p:cBhvr>
+                                      <p:to>
+                                        <p:strVal val="visible"/>
+                                      </p:to>
+                                    </p:set>
+                                    <p:animEffect transition="in" filter="fade">
+                                      <p:cBhvr>
+                                        <p:cTn id="7" dur="500"/>
+                                        <p:tgtEl>
+                                          <p:spTgt spid="4">
+                                            <p:txEl>
+                                              <p:pRg st="0" end="0"/>
+                                            </p:txEl>
+                                          </p:spTgt>
+                                        </p:tgtEl>
+                                      </p:cBhvr>
+                                    </p:animEffect>
+                                  </p:childTnLst>
+                                </p:cTn>
+                              </p:par>
+                            </p:childTnLst>
+                          </p:cTn>
+                        </p:par>
+                      </p:childTnLst>
+                    </p:cTn>
+                  </p:par>
+                  <p:par>
+                    <p:cTn id="8" fill="hold">
+                      <p:stCondLst>
+                        <p:cond delay="indefinite"/>
+                      </p:stCondLst>
+                      <p:childTnLst>
+                        <p:par>
+                          <p:cTn id="9" fill="hold">
+                            <p:stCondLst>
+                              <p:cond delay="0"/>
+                            </p:stCondLst>
+                            <p:childTnLst>
+                              <p:par>
+                                <p:cTn id="10" presetID="10" presetClass="entr" presetSubtype="0" fill="hold" nodeType="clickEffect">
+                                  <p:stCondLst>
+                                    <p:cond delay="0"/>
+                                  </p:stCondLst>
+                                  <p:childTnLst>
+                                    <p:set>
+                                      <p:cBhvr>
+                                        <p:cTn id="11" dur="1" fill="hold">
+                                          <p:stCondLst>
+                                            <p:cond delay="0"/>
+                                          </p:stCondLst>
+                                        </p:cTn>
+                                        <p:tgtEl>
+                                          <p:spTgt spid="4">
+                                            <p:txEl>
+                                              <p:pRg st="1" end="1"/>
+                                            </p:txEl>
+                                          </p:spTgt>
+                                        </p:tgtEl>
+                                        <p:attrNameLst>
+                                          <p:attrName>style.visibility</p:attrName>
+                                        </p:attrNameLst>
+                                      </p:cBhvr>
+                                      <p:to>
+                                        <p:strVal val="visible"/>
+                                      </p:to>
+                                    </p:set>
+                                    <p:animEffect transition="in" filter="fade">
+                                      <p:cBhvr>
+                                        <p:cTn id="12" dur="500"/>
+                                        <p:tgtEl>
+                                          <p:spTgt spid="4">
+                                            <p:txEl>
+                                              <p:pRg st="1" end="1"/>
+                                            </p:txEl>
+                                          </p:spTgt>
+                                        </p:tgtEl>
+                                      </p:cBhvr>
+                                    </p:animEffect>
+                                  </p:childTnLst>
+                                </p:cTn>
+                              </p:par>
+                            </p:childTnLst>
+                          </p:cTn>
+                        </p:par>
+                      </p:childTnLst>
+                    </p:cTn>
+                  </p:par>
+                  <p:par>
+                    <p:cTn id="13" fill="hold">
+                      <p:stCondLst>
+                        <p:cond delay="indefinite"/>
+                      </p:stCondLst>
+                      <p:childTnLst>
+                        <p:par>
+                          <p:cTn id="14" fill="hold">
+                            <p:stCondLst>
+                              <p:cond delay="0"/>
+                            </p:stCondLst>
+                            <p:childTnLst>
+                              <p:par>
+                                <p:cTn id="15" presetID="10" presetClass="entr" presetSubtype="0" fill="hold" nodeType="clickEffect">
+                                  <p:stCondLst>
+                                    <p:cond delay="0"/>
+                                  </p:stCondLst>
+                                  <p:childTnLst>
+                                    <p:set>
+                                      <p:cBhvr>
+                                        <p:cTn id="16" dur="1" fill="hold">
+                                          <p:stCondLst>
+                                            <p:cond delay="0"/>
+                                          </p:stCondLst>
+                                        </p:cTn>
+                                        <p:tgtEl>
+                                          <p:spTgt spid="4">
+                                            <p:txEl>
+                                              <p:pRg st="2" end="2"/>
+                                            </p:txEl>
+                                          </p:spTgt>
+                                        </p:tgtEl>
+                                        <p:attrNameLst>
+                                          <p:attrName>style.visibility</p:attrName>
+                                        </p:attrNameLst>
+                                      </p:cBhvr>
+                                      <p:to>
+                                        <p:strVal val="visible"/>
+                                      </p:to>
+                                    </p:set>
+                                    <p:animEffect transition="in" filter="fade">
+                                      <p:cBhvr>
+                                        <p:cTn id="17" dur="500"/>
+                                        <p:tgtEl>
+                                          <p:spTgt spid="4">
+                                            <p:txEl>
+                                              <p:pRg st="2" end="2"/>
+                                            </p:txEl>
+                                          </p:spTgt>
+                                        </p:tgtEl>
+                                      </p:cBhvr>
+                                    </p:animEffect>
+                                  </p:childTnLst>
+                                </p:cTn>
+                              </p:par>
+                              <p:par>
+                                <p:cTn id="18" presetID="10" presetClass="entr" presetSubtype="0" fill="hold" nodeType="withEffect">
+                                  <p:stCondLst>
+                                    <p:cond delay="0"/>
+                                  </p:stCondLst>
+                                  <p:childTnLst>
+                                    <p:set>
+                                      <p:cBhvr>
+                                        <p:cTn id="19" dur="1" fill="hold">
+                                          <p:stCondLst>
+                                            <p:cond delay="0"/>
+                                          </p:stCondLst>
+                                        </p:cTn>
+                                        <p:tgtEl>
+                                          <p:spTgt spid="4">
+                                            <p:txEl>
+                                              <p:pRg st="3" end="3"/>
+                                            </p:txEl>
+                                          </p:spTgt>
+                                        </p:tgtEl>
+                                        <p:attrNameLst>
+                                          <p:attrName>style.visibility</p:attrName>
+                                        </p:attrNameLst>
+                                      </p:cBhvr>
+                                      <p:to>
+                                        <p:strVal val="visible"/>
+                                      </p:to>
+                                    </p:set>
+                                    <p:animEffect transition="in" filter="fade">
+                                      <p:cBhvr>
+                                        <p:cTn id="20" dur="500"/>
+                                        <p:tgtEl>
+                                          <p:spTgt spid="4">
+                                            <p:txEl>
+                                              <p:pRg st="3" end="3"/>
+                                            </p:txEl>
+                                          </p:spTgt>
+                                        </p:tgtEl>
+                                      </p:cBhvr>
+                                    </p:animEffect>
+                                  </p:childTnLst>
+                                </p:cTn>
+                              </p:par>
+                            </p:childTnLst>
+                          </p:cTn>
+                        </p:par>
+                      </p:childTnLst>
+                    </p:cTn>
+                  </p:par>
+                  <p:par>
+                    <p:cTn id="21" fill="hold">
+                      <p:stCondLst>
+                        <p:cond delay="indefinite"/>
+                      </p:stCondLst>
+                      <p:childTnLst>
+                        <p:par>
+                          <p:cTn id="22" fill="hold">
+                            <p:stCondLst>
+                              <p:cond delay="0"/>
+                            </p:stCondLst>
+                            <p:childTnLst>
+                              <p:par>
+                                <p:cTn id="23" presetID="10" presetClass="entr" presetSubtype="0" fill="hold" grpId="0" nodeType="clickEffect">
+                                  <p:stCondLst>
+                                    <p:cond delay="0"/>
+                                  </p:stCondLst>
+                                  <p:childTnLst>
+                                    <p:set>
+                                      <p:cBhvr>
+                                        <p:cTn id="24" dur="1" fill="hold">
+                                          <p:stCondLst>
+                                            <p:cond delay="0"/>
+                                          </p:stCondLst>
+                                        </p:cTn>
+                                        <p:tgtEl>
+                                          <p:spTgt spid="3"/>
+                                        </p:tgtEl>
+                                        <p:attrNameLst>
+                                          <p:attrName>style.visibility</p:attrName>
+                                        </p:attrNameLst>
+                                      </p:cBhvr>
+                                      <p:to>
+                                        <p:strVal val="visible"/>
+                                      </p:to>
+                                    </p:set>
+                                    <p:animEffect transition="in" filter="fade">
+                                      <p:cBhvr>
+                                        <p:cTn id="25" dur="500"/>
+                                        <p:tgtEl>
+                                          <p:spTgt spid="3"/>
+                                        </p:tgtEl>
+                                      </p:cBhvr>
+                                    </p:animEffect>
+                                  </p:childTnLst>
+                                </p:cTn>
+                              </p:par>
+                            </p:childTnLst>
+                          </p:cTn>
+                        </p:par>
+                      </p:childTnLst>
+                    </p:cTn>
+                  </p:par>
+                  <p:par>
+                    <p:cTn id="26" fill="hold">
+                      <p:stCondLst>
+                        <p:cond delay="indefinite"/>
+                      </p:stCondLst>
+                      <p:childTnLst>
+                        <p:par>
+                          <p:cTn id="27" fill="hold">
+                            <p:stCondLst>
+                              <p:cond delay="0"/>
+                            </p:stCondLst>
+                            <p:childTnLst>
+                              <p:par>
+                                <p:cTn id="28" presetID="10" presetClass="entr" presetSubtype="0" fill="hold" grpId="0" nodeType="clickEffect">
+                                  <p:stCondLst>
+                                    <p:cond delay="0"/>
+                                  </p:stCondLst>
+                                  <p:childTnLst>
+                                    <p:set>
+                                      <p:cBhvr>
+                                        <p:cTn id="29" dur="1" fill="hold">
+                                          <p:stCondLst>
+                                            <p:cond delay="0"/>
+                                          </p:stCondLst>
+                                        </p:cTn>
+                                        <p:tgtEl>
+                                          <p:spTgt spid="6"/>
+                                        </p:tgtEl>
+                                        <p:attrNameLst>
+                                          <p:attrName>style.visibility</p:attrName>
+                                        </p:attrNameLst>
+                                      </p:cBhvr>
+                                      <p:to>
+                                        <p:strVal val="visible"/>
+                                      </p:to>
+                                    </p:set>
+                                    <p:animEffect transition="in" filter="fade">
+                                      <p:cBhvr>
+                                        <p:cTn id="30" dur="500"/>
+                                        <p:tgtEl>
+                                          <p:spTgt spid="6"/>
+                                        </p:tgtEl>
+                                      </p:cBhvr>
+                                    </p:animEffect>
+                                  </p:childTnLst>
+                                </p:cTn>
+                              </p:par>
+                            </p:childTnLst>
+                          </p:cTn>
+                        </p:par>
+                      </p:childTnLst>
+                    </p:cTn>
+                  </p:par>
+                </p:childTnLst>
+              </p:cTn>
+              <p:prevCondLst>
+                <p:cond evt="onPrev" delay="0">
+                  <p:tgtEl>
+                    <p:sldTgt/>
+                  </p:tgtEl>
+                </p:cond>
+              </p:prevCondLst>
+              <p:nextCondLst>
+                <p:cond evt="onNext" delay="0">
+                  <p:tgtEl>
+                    <p:sldTgt/>
+                  </p:tgtEl>
+                </p:cond>
+              </p:nextCondLst>
+            </p:seq>
+          </p:childTnLst>
+        </p:cTn>
+      </p:par>
+    </p:tnLst>
+    <p:bldLst>
+      <p:bldP spid="3" grpId="0"/>
+      <p:bldP spid="6" grpId="0"/>
+    </p:bldLst>
+  </p:timing>
+</p:sld>
+</file>
+
+<file path=ppt/slides/slide6.xml><?xml version="1.0" encoding="utf-8"?>
+<p:sld xmlns:a="http://schemas.openxmlformats.org/drawingml/2006/main" xmlns:r="http://schemas.openxmlformats.org/officeDocument/2006/relationships" xmlns:p="http://schemas.openxmlformats.org/presentationml/2006/main">
+  <p:cSld>
+    <p:spTree>
+      <p:nvGrpSpPr>
+        <p:cNvPr id="1" name=""/>
+        <p:cNvGrpSpPr/>
+        <p:nvPr/>
+      </p:nvGrpSpPr>
+      <p:grpSpPr>
+        <a:xfrm>
+          <a:off x="0" y="0"/>
+          <a:ext cx="0" cy="0"/>
+          <a:chOff x="0" y="0"/>
+          <a:chExt cx="0" cy="0"/>
+        </a:xfrm>
+      </p:grpSpPr>
+      <p:sp>
+        <p:nvSpPr>
+          <p:cNvPr id="2" name="Slide Number Placeholder 1"/>
+          <p:cNvSpPr>
+            <a:spLocks noGrp="1"/>
+          </p:cNvSpPr>
+          <p:nvPr>
+            <p:ph type="sldNum" sz="quarter" idx="10"/>
+          </p:nvPr>
+        </p:nvSpPr>
+        <p:spPr/>
+        <p:txBody>
+          <a:bodyPr/>
+          <a:lstStyle/>
+          <a:p>
+            <a:pPr>
+              <a:defRPr/>
+            </a:pPr>
+            <a:r>
+              <a:rPr lang="en-US" smtClean="0"/>
+              <a:t>testing.</a:t>
+            </a:r>
+            <a:fld id="{B6F1E441-844C-41E3-A135-77978BB3664F}" type="slidenum">
+              <a:rPr lang="en-US" smtClean="0"/>
+              <a:pPr>
+                <a:defRPr/>
+              </a:pPr>
+              <a:t>6</a:t>
+            </a:fld>
+            <a:endParaRPr lang="en-US" dirty="0"/>
+          </a:p>
+        </p:txBody>
+      </p:sp>
+      <p:sp>
+        <p:nvSpPr>
+          <p:cNvPr id="4" name="Rectangle 3"/>
+          <p:cNvSpPr txBox="1">
+            <a:spLocks noChangeArrowheads="1"/>
+          </p:cNvSpPr>
+          <p:nvPr/>
+        </p:nvSpPr>
+        <p:spPr>
+          <a:xfrm>
+            <a:off x="1371600" y="304800"/>
+            <a:ext cx="7086600" cy="990600"/>
+          </a:xfrm>
+          <a:prstGeom prst="rect">
+            <a:avLst/>
+          </a:prstGeom>
+          <a:noFill/>
+        </p:spPr>
+        <p:txBody>
+          <a:bodyPr/>
+          <a:lstStyle>
+            <a:lvl1pPr algn="l" rtl="0" eaLnBrk="0" fontAlgn="base" hangingPunct="0">
+              <a:spcBef>
+                <a:spcPct val="0"/>
+              </a:spcBef>
+              <a:spcAft>
+                <a:spcPct val="0"/>
+              </a:spcAft>
+              <a:defRPr sz="4000" b="1">
+                <a:solidFill>
+                  <a:schemeClr val="tx2"/>
+                </a:solidFill>
+                <a:latin typeface="Comic Sans MS" pitchFamily="66" charset="0"/>
+                <a:ea typeface="+mj-ea"/>
+                <a:cs typeface="+mj-cs"/>
+              </a:defRPr>
+            </a:lvl1pPr>
+            <a:lvl2pPr algn="l" rtl="0" eaLnBrk="0" fontAlgn="base" hangingPunct="0">
+              <a:spcBef>
+                <a:spcPct val="0"/>
+              </a:spcBef>
+              <a:spcAft>
+                <a:spcPct val="0"/>
+              </a:spcAft>
+              <a:defRPr sz="4000" b="1">
+                <a:solidFill>
+                  <a:schemeClr val="tx2"/>
+                </a:solidFill>
+                <a:latin typeface="Comic Sans MS" pitchFamily="66" charset="0"/>
+              </a:defRPr>
+            </a:lvl2pPr>
+            <a:lvl3pPr algn="l" rtl="0" eaLnBrk="0" fontAlgn="base" hangingPunct="0">
+              <a:spcBef>
+                <a:spcPct val="0"/>
+              </a:spcBef>
+              <a:spcAft>
+                <a:spcPct val="0"/>
+              </a:spcAft>
+              <a:defRPr sz="4000" b="1">
+                <a:solidFill>
+                  <a:schemeClr val="tx2"/>
+                </a:solidFill>
+                <a:latin typeface="Comic Sans MS" pitchFamily="66" charset="0"/>
+              </a:defRPr>
+            </a:lvl3pPr>
+            <a:lvl4pPr algn="l" rtl="0" eaLnBrk="0" fontAlgn="base" hangingPunct="0">
+              <a:spcBef>
+                <a:spcPct val="0"/>
+              </a:spcBef>
+              <a:spcAft>
+                <a:spcPct val="0"/>
+              </a:spcAft>
+              <a:defRPr sz="4000" b="1">
+                <a:solidFill>
+                  <a:schemeClr val="tx2"/>
+                </a:solidFill>
+                <a:latin typeface="Comic Sans MS" pitchFamily="66" charset="0"/>
+              </a:defRPr>
+            </a:lvl4pPr>
+            <a:lvl5pPr algn="l" rtl="0" eaLnBrk="0" fontAlgn="base" hangingPunct="0">
+              <a:spcBef>
+                <a:spcPct val="0"/>
+              </a:spcBef>
+              <a:spcAft>
+                <a:spcPct val="0"/>
+              </a:spcAft>
+              <a:defRPr sz="4000" b="1">
+                <a:solidFill>
+                  <a:schemeClr val="tx2"/>
+                </a:solidFill>
+                <a:latin typeface="Comic Sans MS" pitchFamily="66" charset="0"/>
+              </a:defRPr>
+            </a:lvl5pPr>
+            <a:lvl6pPr marL="457200" algn="l" rtl="0" fontAlgn="base">
+              <a:spcBef>
+                <a:spcPct val="0"/>
+              </a:spcBef>
+              <a:spcAft>
+                <a:spcPct val="0"/>
+              </a:spcAft>
+              <a:defRPr sz="4000" b="1">
+                <a:solidFill>
+                  <a:schemeClr val="tx2"/>
+                </a:solidFill>
+                <a:latin typeface="Times New Roman" pitchFamily="18" charset="0"/>
+              </a:defRPr>
+            </a:lvl6pPr>
+            <a:lvl7pPr marL="914400" algn="l" rtl="0" fontAlgn="base">
+              <a:spcBef>
+                <a:spcPct val="0"/>
+              </a:spcBef>
+              <a:spcAft>
+                <a:spcPct val="0"/>
+              </a:spcAft>
+              <a:defRPr sz="4000" b="1">
+                <a:solidFill>
+                  <a:schemeClr val="tx2"/>
+                </a:solidFill>
+                <a:latin typeface="Times New Roman" pitchFamily="18" charset="0"/>
+              </a:defRPr>
+            </a:lvl7pPr>
+            <a:lvl8pPr marL="1371600" algn="l" rtl="0" fontAlgn="base">
+              <a:spcBef>
+                <a:spcPct val="0"/>
+              </a:spcBef>
+              <a:spcAft>
+                <a:spcPct val="0"/>
+              </a:spcAft>
+              <a:defRPr sz="4000" b="1">
+                <a:solidFill>
+                  <a:schemeClr val="tx2"/>
+                </a:solidFill>
+                <a:latin typeface="Times New Roman" pitchFamily="18" charset="0"/>
+              </a:defRPr>
+            </a:lvl8pPr>
+            <a:lvl9pPr marL="1828800" algn="l" rtl="0" fontAlgn="base">
+              <a:spcBef>
+                <a:spcPct val="0"/>
+              </a:spcBef>
+              <a:spcAft>
+                <a:spcPct val="0"/>
+              </a:spcAft>
+              <a:defRPr sz="4000" b="1">
+                <a:solidFill>
+                  <a:schemeClr val="tx2"/>
+                </a:solidFill>
+                <a:latin typeface="Times New Roman" pitchFamily="18" charset="0"/>
+              </a:defRPr>
+            </a:lvl9pPr>
+          </a:lstStyle>
+          <a:p>
+            <a:pPr eaLnBrk="1" hangingPunct="1"/>
+            <a:r>
+              <a:rPr lang="en-US" sz="4800" dirty="0" smtClean="0">
+                <a:solidFill>
+                  <a:schemeClr val="tx1"/>
+                </a:solidFill>
+              </a:rPr>
+              <a:t>98% Confident Sample</a:t>
+            </a:r>
+          </a:p>
+        </p:txBody>
+      </p:sp>
+      <p:sp>
+        <p:nvSpPr>
+          <p:cNvPr id="6" name="TextBox 5"/>
+          <p:cNvSpPr txBox="1"/>
+          <p:nvPr/>
+        </p:nvSpPr>
+        <p:spPr>
+          <a:xfrm>
+            <a:off x="228600" y="1295400"/>
+            <a:ext cx="8534400" cy="2062103"/>
+          </a:xfrm>
+          <a:prstGeom prst="rect">
+            <a:avLst/>
+          </a:prstGeom>
+          <a:noFill/>
+        </p:spPr>
+        <p:txBody>
+          <a:bodyPr wrap="square" rtlCol="0">
+            <a:spAutoFit/>
+          </a:bodyPr>
+          <a:lstStyle/>
+          <a:p>
+            <a:pPr lvl="0"/>
+            <a:r>
+              <a:rPr lang="en-US" sz="4000" dirty="0">
+                <a:solidFill>
+                  <a:srgbClr val="000000"/>
+                </a:solidFill>
+                <a:latin typeface="Comic Sans MS"/>
+                <a:cs typeface="Comic Sans MS"/>
+              </a:rPr>
+              <a:t>If the lab got </a:t>
+            </a:r>
+            <a:r>
+              <a:rPr lang="en-US" sz="4000" dirty="0" smtClean="0">
+                <a:solidFill>
+                  <a:srgbClr val="000000"/>
+                </a:solidFill>
+                <a:latin typeface="Comic Sans MS"/>
+                <a:cs typeface="Comic Sans MS"/>
+              </a:rPr>
+              <a:t>random </a:t>
+            </a:r>
+            <a:r>
+              <a:rPr lang="en-US" sz="4000" dirty="0">
+                <a:solidFill>
+                  <a:srgbClr val="000000"/>
+                </a:solidFill>
+                <a:latin typeface="Comic Sans MS"/>
+                <a:cs typeface="Comic Sans MS"/>
+              </a:rPr>
+              <a:t>sample </a:t>
+            </a:r>
+            <a:r>
+              <a:rPr lang="en-US" sz="4000" dirty="0" smtClean="0">
+                <a:solidFill>
+                  <a:srgbClr val="000000"/>
+                </a:solidFill>
+                <a:latin typeface="Comic Sans MS"/>
+                <a:cs typeface="Comic Sans MS"/>
+              </a:rPr>
+              <a:t>of</a:t>
+            </a:r>
+          </a:p>
+          <a:p>
+            <a:pPr lvl="0"/>
+            <a:r>
+              <a:rPr lang="en-US" sz="4000" dirty="0" smtClean="0">
+                <a:solidFill>
+                  <a:srgbClr val="000000"/>
+                </a:solidFill>
+                <a:latin typeface="Comic Sans MS"/>
+                <a:cs typeface="Comic Sans MS"/>
+              </a:rPr>
+              <a:t>prior </a:t>
+            </a:r>
+            <a:r>
+              <a:rPr lang="en-US" sz="4000" dirty="0">
+                <a:solidFill>
+                  <a:srgbClr val="000000"/>
+                </a:solidFill>
+                <a:latin typeface="Comic Sans MS"/>
+                <a:cs typeface="Comic Sans MS"/>
+              </a:rPr>
+              <a:t>test results  from </a:t>
+            </a:r>
+            <a:r>
+              <a:rPr lang="en-US" sz="4000" dirty="0">
+                <a:solidFill>
+                  <a:srgbClr val="008000"/>
+                </a:solidFill>
+                <a:latin typeface="Comic Sans MS"/>
+                <a:cs typeface="Comic Sans MS"/>
+              </a:rPr>
+              <a:t>people </a:t>
+            </a:r>
+            <a:r>
+              <a:rPr lang="en-US" sz="4000" dirty="0" smtClean="0">
+                <a:solidFill>
+                  <a:srgbClr val="008000"/>
+                </a:solidFill>
+                <a:latin typeface="Comic Sans MS"/>
+                <a:cs typeface="Comic Sans MS"/>
+              </a:rPr>
+              <a:t>with no TB</a:t>
+            </a:r>
+            <a:endParaRPr lang="en-US" dirty="0"/>
+          </a:p>
+        </p:txBody>
+      </p:sp>
+    </p:spTree>
+    <p:extLst>
+      <p:ext uri="{BB962C8B-B14F-4D97-AF65-F5344CB8AC3E}">
+        <p14:creationId xmlns:p14="http://schemas.microsoft.com/office/powerpoint/2010/main" val="4212563221"/>
+      </p:ext>
+    </p:extLst>
+  </p:cSld>
+  <p:clrMapOvr>
+    <a:masterClrMapping/>
+  </p:clrMapOvr>
+  <p:transition xmlns:p14="http://schemas.microsoft.com/office/powerpoint/2010/main" spd="slow" advClick="0">
+    <p:fade/>
+  </p:transition>
+  <p:timing>
+    <p:tnLst>
+      <p:par>
+        <p:cTn xmlns:p14="http://schemas.microsoft.com/office/powerpoint/2010/main" id="1" dur="indefinite" restart="never" nodeType="tmRoot"/>
+      </p:par>
+    </p:tnLst>
+  </p:timing>
+</p:sld>
+</file>
+
+<file path=ppt/slides/slide7.xml><?xml version="1.0" encoding="utf-8"?>
+<p:sld xmlns:a="http://schemas.openxmlformats.org/drawingml/2006/main" xmlns:r="http://schemas.openxmlformats.org/officeDocument/2006/relationships" xmlns:p="http://schemas.openxmlformats.org/presentationml/2006/main">
+  <p:cSld>
+    <p:spTree>
+      <p:nvGrpSpPr>
+        <p:cNvPr id="1" name=""/>
+        <p:cNvGrpSpPr/>
+        <p:nvPr/>
+      </p:nvGrpSpPr>
+      <p:grpSpPr>
+        <a:xfrm>
+          <a:off x="0" y="0"/>
+          <a:ext cx="0" cy="0"/>
+          <a:chOff x="0" y="0"/>
+          <a:chExt cx="0" cy="0"/>
+        </a:xfrm>
+      </p:grpSpPr>
+      <p:sp>
+        <p:nvSpPr>
+          <p:cNvPr id="2" name="Slide Number Placeholder 1"/>
+          <p:cNvSpPr>
+            <a:spLocks noGrp="1"/>
+          </p:cNvSpPr>
+          <p:nvPr>
+            <p:ph type="sldNum" sz="quarter" idx="10"/>
+          </p:nvPr>
+        </p:nvSpPr>
+        <p:spPr/>
+        <p:txBody>
+          <a:bodyPr/>
+          <a:lstStyle/>
+          <a:p>
+            <a:pPr>
+              <a:defRPr/>
+            </a:pPr>
+            <a:r>
+              <a:rPr lang="en-US" smtClean="0"/>
+              <a:t>testing.</a:t>
+            </a:r>
+            <a:fld id="{B6F1E441-844C-41E3-A135-77978BB3664F}" type="slidenum">
+              <a:rPr lang="en-US" smtClean="0"/>
+              <a:pPr>
+                <a:defRPr/>
+              </a:pPr>
+              <a:t>7</a:t>
+            </a:fld>
+            <a:endParaRPr lang="en-US" dirty="0"/>
+          </a:p>
+        </p:txBody>
+      </p:sp>
+      <p:sp>
+        <p:nvSpPr>
+          <p:cNvPr id="4" name="Rectangle 3"/>
+          <p:cNvSpPr txBox="1">
+            <a:spLocks noChangeArrowheads="1"/>
+          </p:cNvSpPr>
+          <p:nvPr/>
+        </p:nvSpPr>
+        <p:spPr>
+          <a:xfrm>
+            <a:off x="1371600" y="304800"/>
+            <a:ext cx="7086600" cy="990600"/>
+          </a:xfrm>
+          <a:prstGeom prst="rect">
+            <a:avLst/>
+          </a:prstGeom>
+          <a:noFill/>
+        </p:spPr>
+        <p:txBody>
+          <a:bodyPr/>
+          <a:lstStyle>
+            <a:lvl1pPr algn="l" rtl="0" eaLnBrk="0" fontAlgn="base" hangingPunct="0">
+              <a:spcBef>
+                <a:spcPct val="0"/>
+              </a:spcBef>
+              <a:spcAft>
+                <a:spcPct val="0"/>
+              </a:spcAft>
+              <a:defRPr sz="4000" b="1">
+                <a:solidFill>
+                  <a:schemeClr val="tx2"/>
+                </a:solidFill>
+                <a:latin typeface="Comic Sans MS" pitchFamily="66" charset="0"/>
+                <a:ea typeface="+mj-ea"/>
+                <a:cs typeface="+mj-cs"/>
+              </a:defRPr>
+            </a:lvl1pPr>
+            <a:lvl2pPr algn="l" rtl="0" eaLnBrk="0" fontAlgn="base" hangingPunct="0">
+              <a:spcBef>
+                <a:spcPct val="0"/>
+              </a:spcBef>
+              <a:spcAft>
+                <a:spcPct val="0"/>
+              </a:spcAft>
+              <a:defRPr sz="4000" b="1">
+                <a:solidFill>
+                  <a:schemeClr val="tx2"/>
+                </a:solidFill>
+                <a:latin typeface="Comic Sans MS" pitchFamily="66" charset="0"/>
+              </a:defRPr>
+            </a:lvl2pPr>
+            <a:lvl3pPr algn="l" rtl="0" eaLnBrk="0" fontAlgn="base" hangingPunct="0">
+              <a:spcBef>
+                <a:spcPct val="0"/>
+              </a:spcBef>
+              <a:spcAft>
+                <a:spcPct val="0"/>
+              </a:spcAft>
+              <a:defRPr sz="4000" b="1">
+                <a:solidFill>
+                  <a:schemeClr val="tx2"/>
+                </a:solidFill>
+                <a:latin typeface="Comic Sans MS" pitchFamily="66" charset="0"/>
+              </a:defRPr>
+            </a:lvl3pPr>
+            <a:lvl4pPr algn="l" rtl="0" eaLnBrk="0" fontAlgn="base" hangingPunct="0">
+              <a:spcBef>
+                <a:spcPct val="0"/>
+              </a:spcBef>
+              <a:spcAft>
+                <a:spcPct val="0"/>
+              </a:spcAft>
+              <a:defRPr sz="4000" b="1">
+                <a:solidFill>
+                  <a:schemeClr val="tx2"/>
+                </a:solidFill>
+                <a:latin typeface="Comic Sans MS" pitchFamily="66" charset="0"/>
+              </a:defRPr>
+            </a:lvl4pPr>
+            <a:lvl5pPr algn="l" rtl="0" eaLnBrk="0" fontAlgn="base" hangingPunct="0">
+              <a:spcBef>
+                <a:spcPct val="0"/>
+              </a:spcBef>
+              <a:spcAft>
+                <a:spcPct val="0"/>
+              </a:spcAft>
+              <a:defRPr sz="4000" b="1">
+                <a:solidFill>
+                  <a:schemeClr val="tx2"/>
+                </a:solidFill>
+                <a:latin typeface="Comic Sans MS" pitchFamily="66" charset="0"/>
+              </a:defRPr>
+            </a:lvl5pPr>
+            <a:lvl6pPr marL="457200" algn="l" rtl="0" fontAlgn="base">
+              <a:spcBef>
+                <a:spcPct val="0"/>
+              </a:spcBef>
+              <a:spcAft>
+                <a:spcPct val="0"/>
+              </a:spcAft>
+              <a:defRPr sz="4000" b="1">
+                <a:solidFill>
+                  <a:schemeClr val="tx2"/>
+                </a:solidFill>
+                <a:latin typeface="Times New Roman" pitchFamily="18" charset="0"/>
+              </a:defRPr>
+            </a:lvl6pPr>
+            <a:lvl7pPr marL="914400" algn="l" rtl="0" fontAlgn="base">
+              <a:spcBef>
+                <a:spcPct val="0"/>
+              </a:spcBef>
+              <a:spcAft>
+                <a:spcPct val="0"/>
+              </a:spcAft>
+              <a:defRPr sz="4000" b="1">
+                <a:solidFill>
+                  <a:schemeClr val="tx2"/>
+                </a:solidFill>
+                <a:latin typeface="Times New Roman" pitchFamily="18" charset="0"/>
+              </a:defRPr>
+            </a:lvl7pPr>
+            <a:lvl8pPr marL="1371600" algn="l" rtl="0" fontAlgn="base">
+              <a:spcBef>
+                <a:spcPct val="0"/>
+              </a:spcBef>
+              <a:spcAft>
+                <a:spcPct val="0"/>
+              </a:spcAft>
+              <a:defRPr sz="4000" b="1">
+                <a:solidFill>
+                  <a:schemeClr val="tx2"/>
+                </a:solidFill>
+                <a:latin typeface="Times New Roman" pitchFamily="18" charset="0"/>
+              </a:defRPr>
+            </a:lvl8pPr>
+            <a:lvl9pPr marL="1828800" algn="l" rtl="0" fontAlgn="base">
+              <a:spcBef>
+                <a:spcPct val="0"/>
+              </a:spcBef>
+              <a:spcAft>
+                <a:spcPct val="0"/>
+              </a:spcAft>
+              <a:defRPr sz="4000" b="1">
+                <a:solidFill>
+                  <a:schemeClr val="tx2"/>
+                </a:solidFill>
+                <a:latin typeface="Times New Roman" pitchFamily="18" charset="0"/>
+              </a:defRPr>
+            </a:lvl9pPr>
+          </a:lstStyle>
+          <a:p>
+            <a:pPr eaLnBrk="1" hangingPunct="1"/>
+            <a:r>
+              <a:rPr lang="en-US" sz="4800" dirty="0" smtClean="0">
+                <a:solidFill>
+                  <a:schemeClr val="tx1"/>
+                </a:solidFill>
+              </a:rPr>
+              <a:t>98% Confident Sample</a:t>
+            </a:r>
+          </a:p>
+        </p:txBody>
+      </p:sp>
+      <p:sp>
+        <p:nvSpPr>
+          <p:cNvPr id="6" name="TextBox 5"/>
+          <p:cNvSpPr txBox="1"/>
+          <p:nvPr/>
+        </p:nvSpPr>
+        <p:spPr>
+          <a:xfrm>
+            <a:off x="228600" y="1295400"/>
+            <a:ext cx="8534400" cy="4745915"/>
+          </a:xfrm>
+          <a:prstGeom prst="rect">
+            <a:avLst/>
+          </a:prstGeom>
+          <a:noFill/>
+        </p:spPr>
+        <p:txBody>
+          <a:bodyPr wrap="square" rtlCol="0">
+            <a:spAutoFit/>
+          </a:bodyPr>
+          <a:lstStyle/>
+          <a:p>
+            <a:pPr lvl="0"/>
+            <a:r>
+              <a:rPr lang="en-US" sz="4000" dirty="0">
+                <a:solidFill>
+                  <a:srgbClr val="000000"/>
+                </a:solidFill>
+                <a:latin typeface="Comic Sans MS"/>
+                <a:cs typeface="Comic Sans MS"/>
+              </a:rPr>
+              <a:t>If the lab got </a:t>
+            </a:r>
+            <a:r>
+              <a:rPr lang="en-US" sz="4000" dirty="0" smtClean="0">
+                <a:solidFill>
+                  <a:srgbClr val="000000"/>
+                </a:solidFill>
+                <a:latin typeface="Comic Sans MS"/>
+                <a:cs typeface="Comic Sans MS"/>
+              </a:rPr>
+              <a:t>random </a:t>
+            </a:r>
+            <a:r>
+              <a:rPr lang="en-US" sz="4000" dirty="0">
+                <a:solidFill>
+                  <a:srgbClr val="000000"/>
+                </a:solidFill>
+                <a:latin typeface="Comic Sans MS"/>
+                <a:cs typeface="Comic Sans MS"/>
+              </a:rPr>
+              <a:t>sample </a:t>
+            </a:r>
+            <a:r>
+              <a:rPr lang="en-US" sz="4000" dirty="0" smtClean="0">
+                <a:solidFill>
+                  <a:srgbClr val="000000"/>
+                </a:solidFill>
+                <a:latin typeface="Comic Sans MS"/>
+                <a:cs typeface="Comic Sans MS"/>
+              </a:rPr>
+              <a:t>of</a:t>
+            </a:r>
+          </a:p>
+          <a:p>
+            <a:pPr lvl="0"/>
+            <a:r>
+              <a:rPr lang="en-US" sz="4000" dirty="0" smtClean="0">
+                <a:solidFill>
+                  <a:srgbClr val="000000"/>
+                </a:solidFill>
+                <a:latin typeface="Comic Sans MS"/>
+                <a:cs typeface="Comic Sans MS"/>
+              </a:rPr>
+              <a:t>prior </a:t>
+            </a:r>
+            <a:r>
+              <a:rPr lang="en-US" sz="4000" dirty="0">
+                <a:solidFill>
+                  <a:srgbClr val="000000"/>
+                </a:solidFill>
+                <a:latin typeface="Comic Sans MS"/>
+                <a:cs typeface="Comic Sans MS"/>
+              </a:rPr>
+              <a:t>test results  from </a:t>
+            </a:r>
+            <a:r>
+              <a:rPr lang="en-US" sz="4000" dirty="0">
+                <a:solidFill>
+                  <a:srgbClr val="008000"/>
+                </a:solidFill>
+                <a:latin typeface="Comic Sans MS"/>
+                <a:cs typeface="Comic Sans MS"/>
+              </a:rPr>
+              <a:t>people </a:t>
+            </a:r>
+            <a:r>
+              <a:rPr lang="en-US" sz="4000" dirty="0" smtClean="0">
+                <a:solidFill>
+                  <a:srgbClr val="008000"/>
+                </a:solidFill>
+                <a:latin typeface="Comic Sans MS"/>
+                <a:cs typeface="Comic Sans MS"/>
+              </a:rPr>
+              <a:t>with no TB</a:t>
+            </a:r>
+            <a:r>
+              <a:rPr lang="en-US" sz="4000" dirty="0">
+                <a:solidFill>
+                  <a:srgbClr val="000000"/>
+                </a:solidFill>
+                <a:latin typeface="Comic Sans MS"/>
+                <a:cs typeface="Comic Sans MS"/>
+              </a:rPr>
+              <a:t>, then they </a:t>
+            </a:r>
+            <a:r>
+              <a:rPr lang="en-US" sz="4000" dirty="0" smtClean="0">
+                <a:solidFill>
+                  <a:srgbClr val="000000"/>
+                </a:solidFill>
+                <a:latin typeface="Comic Sans MS"/>
+                <a:cs typeface="Comic Sans MS"/>
+              </a:rPr>
+              <a:t>should indeed expect </a:t>
+            </a:r>
+            <a:r>
+              <a:rPr lang="en-US" sz="4000" dirty="0">
+                <a:solidFill>
+                  <a:srgbClr val="000000"/>
+                </a:solidFill>
+                <a:latin typeface="Comic Sans MS"/>
+                <a:cs typeface="Comic Sans MS"/>
+              </a:rPr>
+              <a:t>98% </a:t>
+            </a:r>
+            <a:r>
+              <a:rPr lang="en-US" sz="4000" dirty="0" smtClean="0">
+                <a:solidFill>
+                  <a:srgbClr val="000000"/>
+                </a:solidFill>
+                <a:latin typeface="Comic Sans MS"/>
+                <a:cs typeface="Comic Sans MS"/>
+              </a:rPr>
+              <a:t>prior correct.</a:t>
+            </a:r>
+          </a:p>
+          <a:p>
+            <a:pPr lvl="0"/>
+            <a:r>
+              <a:rPr lang="en-US" sz="4000" dirty="0" smtClean="0">
+                <a:solidFill>
+                  <a:srgbClr val="000000"/>
+                </a:solidFill>
+                <a:latin typeface="Comic Sans MS"/>
+                <a:cs typeface="Comic Sans MS"/>
+              </a:rPr>
+              <a:t>But they get sample from worried</a:t>
+            </a:r>
+          </a:p>
+          <a:p>
+            <a:pPr lvl="0"/>
+            <a:r>
+              <a:rPr lang="en-US" sz="4000" dirty="0" smtClean="0">
+                <a:solidFill>
+                  <a:srgbClr val="FF00FF"/>
+                </a:solidFill>
+                <a:latin typeface="Comic Sans MS"/>
+                <a:cs typeface="Comic Sans MS"/>
+              </a:rPr>
+              <a:t>people with TB+ prior test</a:t>
+            </a:r>
+            <a:r>
+              <a:rPr lang="en-US" sz="4000" dirty="0" smtClean="0">
+                <a:solidFill>
+                  <a:srgbClr val="000000"/>
+                </a:solidFill>
+                <a:latin typeface="Comic Sans MS"/>
+                <a:cs typeface="Comic Sans MS"/>
+              </a:rPr>
+              <a:t> result.</a:t>
+            </a:r>
+            <a:endParaRPr lang="en-US" sz="4000" dirty="0">
+              <a:solidFill>
+                <a:srgbClr val="000000"/>
+              </a:solidFill>
+              <a:latin typeface="Comic Sans MS"/>
+              <a:cs typeface="Comic Sans MS"/>
+            </a:endParaRPr>
+          </a:p>
+          <a:p>
+            <a:endParaRPr lang="en-US" dirty="0"/>
+          </a:p>
+        </p:txBody>
+      </p:sp>
+    </p:spTree>
+    <p:extLst>
+      <p:ext uri="{BB962C8B-B14F-4D97-AF65-F5344CB8AC3E}">
+        <p14:creationId xmlns:p14="http://schemas.microsoft.com/office/powerpoint/2010/main" val="1884287707"/>
+      </p:ext>
+    </p:extLst>
+  </p:cSld>
+  <p:clrMapOvr>
+    <a:masterClrMapping/>
+  </p:clrMapOvr>
+  <mc:AlternateContent xmlns:mc="http://schemas.openxmlformats.org/markup-compatibility/2006" xmlns:p14="http://schemas.microsoft.com/office/powerpoint/2010/main">
+    <mc:Choice Requires="p14">
+      <p:transition spd="med" p14:dur="600" advClick="0">
+        <p:fade/>
+      </p:transition>
+    </mc:Choice>
+    <mc:Fallback xmlns="">
+      <p:transition xmlns:p14="http://schemas.microsoft.com/office/powerpoint/2010/main" spd="med" advClick="0">
+        <p:fade/>
+      </p:transition>
+    </mc:Fallback>
+  </mc:AlternateContent>
+  <p:timing>
+    <p:tnLst>
+      <p:par>
+        <p:cTn xmlns:p14="http://schemas.microsoft.com/office/powerpoint/2010/main" id="1" dur="indefinite" restart="never" nodeType="tmRoot">
+          <p:childTnLst>
+            <p:seq concurrent="1" nextAc="seek">
+              <p:cTn id="2" dur="indefinite" nodeType="mainSeq">
+                <p:childTnLst>
+                  <p:par>
+                    <p:cTn id="3" fill="hold">
+                      <p:stCondLst>
+                        <p:cond delay="indefinite"/>
+                      </p:stCondLst>
+                      <p:childTnLst>
+                        <p:par>
+                          <p:cTn id="4" fill="hold">
+                            <p:stCondLst>
+                              <p:cond delay="0"/>
+                            </p:stCondLst>
+                            <p:childTnLst>
+                              <p:par>
+                                <p:cTn id="5" presetID="10" presetClass="entr" presetSubtype="0" fill="hold" nodeType="clickEffect">
+                                  <p:stCondLst>
+                                    <p:cond delay="0"/>
+                                  </p:stCondLst>
+                                  <p:childTnLst>
+                                    <p:set>
+                                      <p:cBhvr>
+                                        <p:cTn id="6" dur="1" fill="hold">
+                                          <p:stCondLst>
+                                            <p:cond delay="0"/>
+                                          </p:stCondLst>
+                                        </p:cTn>
+                                        <p:tgtEl>
+                                          <p:spTgt spid="6">
+                                            <p:txEl>
+                                              <p:pRg st="2" end="2"/>
+                                            </p:txEl>
+                                          </p:spTgt>
+                                        </p:tgtEl>
+                                        <p:attrNameLst>
+                                          <p:attrName>style.visibility</p:attrName>
+                                        </p:attrNameLst>
+                                      </p:cBhvr>
+                                      <p:to>
+                                        <p:strVal val="visible"/>
+                                      </p:to>
+                                    </p:set>
+                                    <p:animEffect transition="in" filter="fade">
+                                      <p:cBhvr>
+                                        <p:cTn id="7" dur="500"/>
+                                        <p:tgtEl>
+                                          <p:spTgt spid="6">
+                                            <p:txEl>
+                                              <p:pRg st="2" end="2"/>
+                                            </p:txEl>
+                                          </p:spTgt>
+                                        </p:tgtEl>
+                                      </p:cBhvr>
+                                    </p:animEffect>
+                                  </p:childTnLst>
+                                </p:cTn>
+                              </p:par>
+                            </p:childTnLst>
+                          </p:cTn>
+                        </p:par>
+                      </p:childTnLst>
+                    </p:cTn>
+                  </p:par>
+                  <p:par>
+                    <p:cTn id="8" fill="hold">
+                      <p:stCondLst>
+                        <p:cond delay="indefinite"/>
+                      </p:stCondLst>
+                      <p:childTnLst>
+                        <p:par>
+                          <p:cTn id="9" fill="hold">
+                            <p:stCondLst>
+                              <p:cond delay="0"/>
+                            </p:stCondLst>
+                            <p:childTnLst>
+                              <p:par>
+                                <p:cTn id="10" presetID="10" presetClass="entr" presetSubtype="0" fill="hold" nodeType="clickEffect">
+                                  <p:stCondLst>
+                                    <p:cond delay="0"/>
+                                  </p:stCondLst>
+                                  <p:childTnLst>
+                                    <p:set>
+                                      <p:cBhvr>
+                                        <p:cTn id="11" dur="1" fill="hold">
+                                          <p:stCondLst>
+                                            <p:cond delay="0"/>
+                                          </p:stCondLst>
+                                        </p:cTn>
+                                        <p:tgtEl>
+                                          <p:spTgt spid="6">
+                                            <p:txEl>
+                                              <p:pRg st="3" end="3"/>
+                                            </p:txEl>
+                                          </p:spTgt>
+                                        </p:tgtEl>
+                                        <p:attrNameLst>
+                                          <p:attrName>style.visibility</p:attrName>
+                                        </p:attrNameLst>
+                                      </p:cBhvr>
+                                      <p:to>
+                                        <p:strVal val="visible"/>
+                                      </p:to>
+                                    </p:set>
+                                    <p:animEffect transition="in" filter="fade">
+                                      <p:cBhvr>
+                                        <p:cTn id="12" dur="500"/>
+                                        <p:tgtEl>
+                                          <p:spTgt spid="6">
+                                            <p:txEl>
+                                              <p:pRg st="3" end="3"/>
+                                            </p:txEl>
+                                          </p:spTgt>
+                                        </p:tgtEl>
+                                      </p:cBhvr>
+                                    </p:animEffect>
+                                  </p:childTnLst>
+                                </p:cTn>
+                              </p:par>
+                            </p:childTnLst>
+                          </p:cTn>
+                        </p:par>
+                      </p:childTnLst>
+                    </p:cTn>
+                  </p:par>
+                </p:childTnLst>
+              </p:cTn>
+              <p:prevCondLst>
+                <p:cond evt="onPrev" delay="0">
+                  <p:tgtEl>
+                    <p:sldTgt/>
+                  </p:tgtEl>
+                </p:cond>
+              </p:prevCondLst>
+              <p:nextCondLst>
+                <p:cond evt="onNext" delay="0">
+                  <p:tgtEl>
+                    <p:sldTgt/>
+                  </p:tgtEl>
+                </p:cond>
+              </p:nextCondLst>
+            </p:seq>
+          </p:childTnLst>
+        </p:cTn>
+      </p:par>
+    </p:tnLst>
+  </p:timing>
+</p:sld>
+</file>
+
+<file path=ppt/slides/slide8.xml><?xml version="1.0" encoding="utf-8"?>
+<p:sld xmlns:a="http://schemas.openxmlformats.org/drawingml/2006/main" xmlns:r="http://schemas.openxmlformats.org/officeDocument/2006/relationships" xmlns:p="http://schemas.openxmlformats.org/presentationml/2006/main">
+  <p:cSld>
+    <p:spTree>
+      <p:nvGrpSpPr>
+        <p:cNvPr id="1" name=""/>
+        <p:cNvGrpSpPr/>
+        <p:nvPr/>
+      </p:nvGrpSpPr>
+      <p:grpSpPr>
+        <a:xfrm>
+          <a:off x="0" y="0"/>
+          <a:ext cx="0" cy="0"/>
+          <a:chOff x="0" y="0"/>
+          <a:chExt cx="0" cy="0"/>
+        </a:xfrm>
+      </p:grpSpPr>
+      <p:sp>
+        <p:nvSpPr>
+          <p:cNvPr id="2" name="Slide Number Placeholder 1"/>
+          <p:cNvSpPr>
+            <a:spLocks noGrp="1"/>
+          </p:cNvSpPr>
+          <p:nvPr>
+            <p:ph type="sldNum" sz="quarter" idx="10"/>
+          </p:nvPr>
+        </p:nvSpPr>
+        <p:spPr/>
+        <p:txBody>
+          <a:bodyPr/>
+          <a:lstStyle/>
+          <a:p>
+            <a:pPr>
+              <a:defRPr/>
+            </a:pPr>
+            <a:r>
+              <a:rPr lang="en-US" smtClean="0"/>
+              <a:t>testing.</a:t>
+            </a:r>
+            <a:fld id="{B6F1E441-844C-41E3-A135-77978BB3664F}" type="slidenum">
+              <a:rPr lang="en-US" smtClean="0"/>
+              <a:pPr>
+                <a:defRPr/>
+              </a:pPr>
+              <a:t>8</a:t>
+            </a:fld>
+            <a:endParaRPr lang="en-US" dirty="0"/>
+          </a:p>
+        </p:txBody>
+      </p:sp>
+      <p:sp>
+        <p:nvSpPr>
+          <p:cNvPr id="4" name="Rectangle 3"/>
+          <p:cNvSpPr txBox="1">
+            <a:spLocks noChangeArrowheads="1"/>
+          </p:cNvSpPr>
+          <p:nvPr/>
+        </p:nvSpPr>
+        <p:spPr>
+          <a:xfrm>
+            <a:off x="1524000" y="304800"/>
+            <a:ext cx="6781800" cy="990600"/>
+          </a:xfrm>
+          <a:prstGeom prst="rect">
+            <a:avLst/>
+          </a:prstGeom>
+          <a:noFill/>
+        </p:spPr>
+        <p:txBody>
+          <a:bodyPr/>
+          <a:lstStyle>
+            <a:lvl1pPr algn="l" rtl="0" eaLnBrk="0" fontAlgn="base" hangingPunct="0">
+              <a:spcBef>
+                <a:spcPct val="0"/>
+              </a:spcBef>
+              <a:spcAft>
+                <a:spcPct val="0"/>
+              </a:spcAft>
+              <a:defRPr sz="4000" b="1">
+                <a:solidFill>
+                  <a:schemeClr val="tx2"/>
+                </a:solidFill>
+                <a:latin typeface="Comic Sans MS" pitchFamily="66" charset="0"/>
+                <a:ea typeface="+mj-ea"/>
+                <a:cs typeface="+mj-cs"/>
+              </a:defRPr>
+            </a:lvl1pPr>
+            <a:lvl2pPr algn="l" rtl="0" eaLnBrk="0" fontAlgn="base" hangingPunct="0">
+              <a:spcBef>
+                <a:spcPct val="0"/>
+              </a:spcBef>
+              <a:spcAft>
+                <a:spcPct val="0"/>
+              </a:spcAft>
+              <a:defRPr sz="4000" b="1">
+                <a:solidFill>
+                  <a:schemeClr val="tx2"/>
+                </a:solidFill>
+                <a:latin typeface="Comic Sans MS" pitchFamily="66" charset="0"/>
+              </a:defRPr>
+            </a:lvl2pPr>
+            <a:lvl3pPr algn="l" rtl="0" eaLnBrk="0" fontAlgn="base" hangingPunct="0">
+              <a:spcBef>
+                <a:spcPct val="0"/>
+              </a:spcBef>
+              <a:spcAft>
+                <a:spcPct val="0"/>
+              </a:spcAft>
+              <a:defRPr sz="4000" b="1">
+                <a:solidFill>
+                  <a:schemeClr val="tx2"/>
+                </a:solidFill>
+                <a:latin typeface="Comic Sans MS" pitchFamily="66" charset="0"/>
+              </a:defRPr>
+            </a:lvl3pPr>
+            <a:lvl4pPr algn="l" rtl="0" eaLnBrk="0" fontAlgn="base" hangingPunct="0">
+              <a:spcBef>
+                <a:spcPct val="0"/>
+              </a:spcBef>
+              <a:spcAft>
+                <a:spcPct val="0"/>
+              </a:spcAft>
+              <a:defRPr sz="4000" b="1">
+                <a:solidFill>
+                  <a:schemeClr val="tx2"/>
+                </a:solidFill>
+                <a:latin typeface="Comic Sans MS" pitchFamily="66" charset="0"/>
+              </a:defRPr>
+            </a:lvl4pPr>
+            <a:lvl5pPr algn="l" rtl="0" eaLnBrk="0" fontAlgn="base" hangingPunct="0">
+              <a:spcBef>
+                <a:spcPct val="0"/>
+              </a:spcBef>
+              <a:spcAft>
+                <a:spcPct val="0"/>
+              </a:spcAft>
+              <a:defRPr sz="4000" b="1">
+                <a:solidFill>
+                  <a:schemeClr val="tx2"/>
+                </a:solidFill>
+                <a:latin typeface="Comic Sans MS" pitchFamily="66" charset="0"/>
+              </a:defRPr>
+            </a:lvl5pPr>
+            <a:lvl6pPr marL="457200" algn="l" rtl="0" fontAlgn="base">
+              <a:spcBef>
+                <a:spcPct val="0"/>
+              </a:spcBef>
+              <a:spcAft>
+                <a:spcPct val="0"/>
+              </a:spcAft>
+              <a:defRPr sz="4000" b="1">
+                <a:solidFill>
+                  <a:schemeClr val="tx2"/>
+                </a:solidFill>
+                <a:latin typeface="Times New Roman" pitchFamily="18" charset="0"/>
+              </a:defRPr>
+            </a:lvl6pPr>
+            <a:lvl7pPr marL="914400" algn="l" rtl="0" fontAlgn="base">
+              <a:spcBef>
+                <a:spcPct val="0"/>
+              </a:spcBef>
+              <a:spcAft>
+                <a:spcPct val="0"/>
+              </a:spcAft>
+              <a:defRPr sz="4000" b="1">
+                <a:solidFill>
+                  <a:schemeClr val="tx2"/>
+                </a:solidFill>
+                <a:latin typeface="Times New Roman" pitchFamily="18" charset="0"/>
+              </a:defRPr>
+            </a:lvl7pPr>
+            <a:lvl8pPr marL="1371600" algn="l" rtl="0" fontAlgn="base">
+              <a:spcBef>
+                <a:spcPct val="0"/>
+              </a:spcBef>
+              <a:spcAft>
+                <a:spcPct val="0"/>
+              </a:spcAft>
+              <a:defRPr sz="4000" b="1">
+                <a:solidFill>
+                  <a:schemeClr val="tx2"/>
+                </a:solidFill>
+                <a:latin typeface="Times New Roman" pitchFamily="18" charset="0"/>
+              </a:defRPr>
+            </a:lvl8pPr>
+            <a:lvl9pPr marL="1828800" algn="l" rtl="0" fontAlgn="base">
+              <a:spcBef>
+                <a:spcPct val="0"/>
+              </a:spcBef>
+              <a:spcAft>
+                <a:spcPct val="0"/>
+              </a:spcAft>
+              <a:defRPr sz="4000" b="1">
+                <a:solidFill>
+                  <a:schemeClr val="tx2"/>
+                </a:solidFill>
+                <a:latin typeface="Times New Roman" pitchFamily="18" charset="0"/>
+              </a:defRPr>
+            </a:lvl9pPr>
+          </a:lstStyle>
+          <a:p>
+            <a:pPr eaLnBrk="1" hangingPunct="1"/>
+            <a:r>
+              <a:rPr lang="en-US" sz="4800" dirty="0" smtClean="0">
+                <a:solidFill>
+                  <a:schemeClr val="tx1"/>
+                </a:solidFill>
+              </a:rPr>
+              <a:t>Predictive Probability</a:t>
+            </a:r>
+          </a:p>
+        </p:txBody>
+      </p:sp>
+      <p:sp>
+        <p:nvSpPr>
+          <p:cNvPr id="6" name="TextBox 5"/>
+          <p:cNvSpPr txBox="1"/>
+          <p:nvPr/>
+        </p:nvSpPr>
+        <p:spPr>
+          <a:xfrm>
+            <a:off x="228600" y="1295400"/>
+            <a:ext cx="8534400" cy="3908762"/>
+          </a:xfrm>
+          <a:prstGeom prst="rect">
+            <a:avLst/>
+          </a:prstGeom>
+          <a:noFill/>
+        </p:spPr>
+        <p:txBody>
+          <a:bodyPr wrap="square" rtlCol="0">
+            <a:spAutoFit/>
+          </a:bodyPr>
+          <a:lstStyle/>
+          <a:p>
+            <a:pPr lvl="0"/>
+            <a:r>
+              <a:rPr lang="en-US" sz="4000" dirty="0" smtClean="0">
+                <a:solidFill>
+                  <a:srgbClr val="000000"/>
+                </a:solidFill>
+                <a:latin typeface="Comic Sans MS"/>
+                <a:cs typeface="Comic Sans MS"/>
+              </a:rPr>
+              <a:t>Sample from people with a </a:t>
+            </a:r>
+            <a:r>
+              <a:rPr lang="en-US" sz="4000" dirty="0" smtClean="0">
+                <a:solidFill>
+                  <a:srgbClr val="FF00FF"/>
+                </a:solidFill>
+                <a:latin typeface="Comic Sans MS"/>
+                <a:cs typeface="Comic Sans MS"/>
+              </a:rPr>
+              <a:t>TB+ prior test result </a:t>
+            </a:r>
+            <a:r>
+              <a:rPr lang="en-US" sz="4000" dirty="0" smtClean="0">
+                <a:solidFill>
+                  <a:srgbClr val="000000"/>
+                </a:solidFill>
+                <a:latin typeface="Comic Sans MS"/>
+                <a:cs typeface="Comic Sans MS"/>
+              </a:rPr>
+              <a:t>will be mistaken about 99.5% of the time</a:t>
+            </a:r>
+            <a:r>
+              <a:rPr lang="is-IS" sz="4000" dirty="0" smtClean="0">
+                <a:solidFill>
+                  <a:srgbClr val="000000"/>
+                </a:solidFill>
+                <a:latin typeface="Comic Sans MS"/>
+                <a:cs typeface="Comic Sans MS"/>
+              </a:rPr>
+              <a:t>…</a:t>
+            </a:r>
+            <a:endParaRPr lang="en-US" sz="4000" dirty="0" smtClean="0">
+              <a:solidFill>
+                <a:srgbClr val="000000"/>
+              </a:solidFill>
+              <a:latin typeface="Comic Sans MS"/>
+              <a:cs typeface="Comic Sans MS"/>
+            </a:endParaRPr>
+          </a:p>
+          <a:p>
+            <a:pPr lvl="0"/>
+            <a:r>
+              <a:rPr lang="en-US" sz="4000" dirty="0">
+                <a:solidFill>
+                  <a:srgbClr val="000000"/>
+                </a:solidFill>
+                <a:latin typeface="Comic Sans MS"/>
+                <a:cs typeface="Comic Sans MS"/>
+              </a:rPr>
+              <a:t>b</a:t>
+            </a:r>
+            <a:r>
+              <a:rPr lang="en-US" sz="4000" dirty="0" smtClean="0">
+                <a:solidFill>
+                  <a:srgbClr val="000000"/>
+                </a:solidFill>
+                <a:latin typeface="Comic Sans MS"/>
+                <a:cs typeface="Comic Sans MS"/>
+              </a:rPr>
+              <a:t>ecause the 2% false positive rate for prior test </a:t>
+            </a:r>
+            <a:r>
+              <a:rPr lang="en-US" sz="4000" dirty="0">
+                <a:solidFill>
+                  <a:srgbClr val="000000"/>
+                </a:solidFill>
+                <a:latin typeface="Comic Sans MS"/>
+                <a:cs typeface="Comic Sans MS"/>
+              </a:rPr>
+              <a:t>is  200</a:t>
+            </a:r>
+            <a:r>
+              <a:rPr lang="en-US" sz="4000" b="1" dirty="0" smtClean="0">
+                <a:solidFill>
+                  <a:srgbClr val="000000"/>
+                </a:solidFill>
+                <a:latin typeface="Euclid Symbol" charset="2"/>
+                <a:cs typeface="Euclid Symbol" charset="2"/>
+              </a:rPr>
+              <a:t>×</a:t>
+            </a:r>
+            <a:r>
+              <a:rPr lang="en-US" sz="4000" dirty="0" smtClean="0">
+                <a:solidFill>
+                  <a:srgbClr val="000000"/>
+                </a:solidFill>
+                <a:latin typeface="Comic Sans MS"/>
+                <a:cs typeface="Comic Sans MS"/>
+              </a:rPr>
+              <a:t> larger than  TB rate.</a:t>
+            </a:r>
+            <a:endParaRPr lang="en-US" dirty="0"/>
+          </a:p>
+        </p:txBody>
+      </p:sp>
+    </p:spTree>
+    <p:extLst>
+      <p:ext uri="{BB962C8B-B14F-4D97-AF65-F5344CB8AC3E}">
+        <p14:creationId xmlns:p14="http://schemas.microsoft.com/office/powerpoint/2010/main" val="3641177875"/>
+      </p:ext>
+    </p:extLst>
+  </p:cSld>
+  <p:clrMapOvr>
+    <a:masterClrMapping/>
+  </p:clrMapOvr>
+  <mc:AlternateContent xmlns:mc="http://schemas.openxmlformats.org/markup-compatibility/2006" xmlns:p14="http://schemas.microsoft.com/office/powerpoint/2010/main">
+    <mc:Choice Requires="p14">
+      <p:transition spd="slow" p14:dur="900" advClick="0">
+        <p:fade/>
+      </p:transition>
+    </mc:Choice>
+    <mc:Fallback xmlns="">
+      <p:transition xmlns:p14="http://schemas.microsoft.com/office/powerpoint/2010/main" spd="slow" advClick="0">
+        <p:fade/>
+      </p:transition>
+    </mc:Fallback>
+  </mc:AlternateContent>
+  <p:timing>
+    <p:tnLst>
+      <p:par>
+        <p:cTn xmlns:p14="http://schemas.microsoft.com/office/powerpoint/2010/main" id="1" dur="indefinite" restart="never" nodeType="tmRoot">
+          <p:childTnLst>
+            <p:seq concurrent="1" nextAc="seek">
+              <p:cTn id="2" dur="indefinite" nodeType="mainSeq">
+                <p:childTnLst>
+                  <p:par>
+                    <p:cTn id="3" fill="hold">
+                      <p:stCondLst>
+                        <p:cond delay="indefinite"/>
+                      </p:stCondLst>
+                      <p:childTnLst>
+                        <p:par>
+                          <p:cTn id="4" fill="hold">
+                            <p:stCondLst>
+                              <p:cond delay="0"/>
+                            </p:stCondLst>
+                            <p:childTnLst>
+                              <p:par>
+                                <p:cTn id="5" presetID="10" presetClass="entr" presetSubtype="0" fill="hold" nodeType="clickEffect">
+                                  <p:stCondLst>
+                                    <p:cond delay="0"/>
+                                  </p:stCondLst>
+                                  <p:childTnLst>
+                                    <p:set>
+                                      <p:cBhvr>
+                                        <p:cTn id="6" dur="1" fill="hold">
+                                          <p:stCondLst>
+                                            <p:cond delay="0"/>
+                                          </p:stCondLst>
+                                        </p:cTn>
+                                        <p:tgtEl>
+                                          <p:spTgt spid="6">
+                                            <p:txEl>
+                                              <p:pRg st="1" end="1"/>
+                                            </p:txEl>
+                                          </p:spTgt>
+                                        </p:tgtEl>
+                                        <p:attrNameLst>
+                                          <p:attrName>style.visibility</p:attrName>
+                                        </p:attrNameLst>
+                                      </p:cBhvr>
+                                      <p:to>
+                                        <p:strVal val="visible"/>
+                                      </p:to>
+                                    </p:set>
+                                    <p:animEffect transition="in" filter="fade">
+                                      <p:cBhvr>
+                                        <p:cTn id="7" dur="500"/>
+                                        <p:tgtEl>
+                                          <p:spTgt spid="6">
+                                            <p:txEl>
+                                              <p:pRg st="1" end="1"/>
+                                            </p:txEl>
+                                          </p:spTgt>
+                                        </p:tgtEl>
+                                      </p:cBhvr>
+                                    </p:animEffect>
+                                  </p:childTnLst>
+                                </p:cTn>
+                              </p:par>
+                            </p:childTnLst>
+                          </p:cTn>
+                        </p:par>
+                      </p:childTnLst>
+                    </p:cTn>
+                  </p:par>
+                </p:childTnLst>
+              </p:cTn>
+              <p:prevCondLst>
+                <p:cond evt="onPrev" delay="0">
+                  <p:tgtEl>
+                    <p:sldTgt/>
+                  </p:tgtEl>
+                </p:cond>
+              </p:prevCondLst>
+              <p:nextCondLst>
+                <p:cond evt="onNext" delay="0">
+                  <p:tgtEl>
+                    <p:sldTgt/>
+                  </p:tgtEl>
+                </p:cond>
+              </p:nextCondLst>
+            </p:seq>
+          </p:childTnLst>
+        </p:cTn>
+      </p:par>
+    </p:tnLst>
+  </p:timing>
+</p:sld>
+</file>
+
+<file path=ppt/slides/slide9.xml><?xml version="1.0" encoding="utf-8"?>
+<p:sld xmlns:a="http://schemas.openxmlformats.org/drawingml/2006/main" xmlns:r="http://schemas.openxmlformats.org/officeDocument/2006/relationships" xmlns:p="http://schemas.openxmlformats.org/presentationml/2006/main">
+  <p:cSld>
+    <p:spTree>
+      <p:nvGrpSpPr>
+        <p:cNvPr id="1" name=""/>
+        <p:cNvGrpSpPr/>
+        <p:nvPr/>
+      </p:nvGrpSpPr>
+      <p:grpSpPr>
+        <a:xfrm>
+          <a:off x="0" y="0"/>
+          <a:ext cx="0" cy="0"/>
+          <a:chOff x="0" y="0"/>
+          <a:chExt cx="0" cy="0"/>
+        </a:xfrm>
+      </p:grpSpPr>
+      <p:sp>
+        <p:nvSpPr>
+          <p:cNvPr id="2" name="Slide Number Placeholder 1"/>
+          <p:cNvSpPr>
+            <a:spLocks noGrp="1"/>
+          </p:cNvSpPr>
+          <p:nvPr>
+            <p:ph type="sldNum" sz="quarter" idx="10"/>
+          </p:nvPr>
+        </p:nvSpPr>
+        <p:spPr/>
+        <p:txBody>
+          <a:bodyPr/>
+          <a:lstStyle/>
+          <a:p>
+            <a:pPr>
+              <a:defRPr/>
+            </a:pPr>
+            <a:r>
+              <a:rPr lang="en-US" smtClean="0"/>
+              <a:t>testing.</a:t>
+            </a:r>
+            <a:fld id="{B6F1E441-844C-41E3-A135-77978BB3664F}" type="slidenum">
+              <a:rPr lang="en-US" smtClean="0"/>
+              <a:pPr>
+                <a:defRPr/>
+              </a:pPr>
+              <a:t>9</a:t>
+            </a:fld>
+            <a:endParaRPr lang="en-US" dirty="0"/>
+          </a:p>
+        </p:txBody>
+      </p:sp>
+      <p:sp>
+        <p:nvSpPr>
+          <p:cNvPr id="3" name="TextBox 2"/>
+          <p:cNvSpPr txBox="1"/>
+          <p:nvPr/>
+        </p:nvSpPr>
+        <p:spPr>
+          <a:xfrm>
+            <a:off x="430814" y="1371600"/>
+            <a:ext cx="8255986" cy="3490186"/>
+          </a:xfrm>
+          <a:prstGeom prst="rect">
+            <a:avLst/>
+          </a:prstGeom>
+          <a:noFill/>
+        </p:spPr>
+        <p:txBody>
+          <a:bodyPr wrap="none" rtlCol="0">
+            <a:spAutoFit/>
+          </a:bodyPr>
+          <a:lstStyle/>
+          <a:p>
+            <a:r>
+              <a:rPr lang="en-US" sz="4800" dirty="0" smtClean="0">
+                <a:latin typeface="Comic Sans MS"/>
+                <a:cs typeface="Comic Sans MS"/>
+              </a:rPr>
+              <a:t>Lab managers confused test</a:t>
+            </a:r>
+          </a:p>
+          <a:p>
+            <a:r>
+              <a:rPr lang="en-US" sz="4800" dirty="0" smtClean="0">
+                <a:solidFill>
+                  <a:srgbClr val="FF00FF"/>
+                </a:solidFill>
+                <a:latin typeface="Comic Sans MS"/>
+                <a:cs typeface="Comic Sans MS"/>
+              </a:rPr>
+              <a:t>confidence</a:t>
+            </a:r>
+            <a:r>
+              <a:rPr lang="en-US" sz="4800" dirty="0" smtClean="0">
+                <a:latin typeface="Comic Sans MS"/>
+                <a:cs typeface="Comic Sans MS"/>
+              </a:rPr>
+              <a:t>,</a:t>
+            </a:r>
+          </a:p>
+          <a:p>
+            <a:endParaRPr lang="en-US" sz="4800" dirty="0">
+              <a:latin typeface="Comic Sans MS"/>
+              <a:cs typeface="Comic Sans MS"/>
+            </a:endParaRPr>
+          </a:p>
+          <a:p>
+            <a:r>
+              <a:rPr lang="en-US" sz="4800" dirty="0" smtClean="0">
+                <a:latin typeface="Comic Sans MS"/>
+                <a:cs typeface="Comic Sans MS"/>
+              </a:rPr>
+              <a:t>with </a:t>
+            </a:r>
+            <a:r>
+              <a:rPr lang="en-US" sz="4800" dirty="0" smtClean="0">
+                <a:solidFill>
+                  <a:srgbClr val="008000"/>
+                </a:solidFill>
+                <a:latin typeface="Comic Sans MS"/>
+                <a:cs typeface="Comic Sans MS"/>
+              </a:rPr>
+              <a:t>predictive probability</a:t>
+            </a:r>
+            <a:r>
+              <a:rPr lang="en-US" sz="4800" dirty="0" smtClean="0">
+                <a:solidFill>
+                  <a:srgbClr val="FF00FF"/>
+                </a:solidFill>
+                <a:latin typeface="Comic Sans MS"/>
+                <a:cs typeface="Comic Sans MS"/>
+              </a:rPr>
+              <a:t> </a:t>
+            </a:r>
+            <a:r>
+              <a:rPr lang="en-US" sz="4800" dirty="0" smtClean="0">
+                <a:latin typeface="Comic Sans MS"/>
+                <a:cs typeface="Comic Sans MS"/>
+              </a:rPr>
+              <a:t> </a:t>
+            </a:r>
+            <a:endParaRPr lang="en-US" sz="4800" dirty="0">
+              <a:latin typeface="Comic Sans MS"/>
+              <a:cs typeface="Comic Sans MS"/>
+            </a:endParaRPr>
+          </a:p>
+        </p:txBody>
+      </p:sp>
+      <p:graphicFrame>
+        <p:nvGraphicFramePr>
+          <p:cNvPr id="4" name="Object 3"/>
+          <p:cNvGraphicFramePr>
+            <a:graphicFrameLocks noChangeAspect="1"/>
+          </p:cNvGraphicFramePr>
+          <p:nvPr>
+            <p:extLst>
+              <p:ext uri="{D42A27DB-BD31-4B8C-83A1-F6EECF244321}">
+                <p14:modId xmlns:p14="http://schemas.microsoft.com/office/powerpoint/2010/main" val="465291071"/>
+              </p:ext>
+            </p:extLst>
+          </p:nvPr>
+        </p:nvGraphicFramePr>
+        <p:xfrm>
+          <a:off x="1526189" y="2903538"/>
+          <a:ext cx="5910263" cy="969962"/>
+        </p:xfrm>
+        <a:graphic>
+          <a:graphicData uri="http://schemas.openxmlformats.org/presentationml/2006/ole">
+            <mc:AlternateContent xmlns:mc="http://schemas.openxmlformats.org/markup-compatibility/2006">
+              <mc:Choice xmlns:v="urn:schemas-microsoft-com:vml" Requires="v">
+                <p:oleObj spid="_x0000_s1034" name="Equation" r:id="rId3" imgW="1549400" imgH="254000" progId="Equation.DSMT4">
+                  <p:embed/>
+                </p:oleObj>
+              </mc:Choice>
+              <mc:Fallback>
+                <p:oleObj name="Equation" r:id="rId3" imgW="1549400" imgH="254000" progId="Equation.DSMT4">
+                  <p:embed/>
+                  <p:pic>
+                    <p:nvPicPr>
+                      <p:cNvPr id="0" name=""/>
+                      <p:cNvPicPr/>
+                      <p:nvPr/>
+                    </p:nvPicPr>
+                    <p:blipFill>
+                      <a:blip r:embed="rId4"/>
+                      <a:stretch>
+                        <a:fillRect/>
+                      </a:stretch>
+                    </p:blipFill>
+                    <p:spPr>
+                      <a:xfrm>
+                        <a:off x="1526189" y="2903538"/>
+                        <a:ext cx="5910263" cy="969962"/>
+                      </a:xfrm>
+                      <a:prstGeom prst="rect">
+                        <a:avLst/>
+                      </a:prstGeom>
+                    </p:spPr>
+                  </p:pic>
+                </p:oleObj>
+              </mc:Fallback>
+            </mc:AlternateContent>
+          </a:graphicData>
+        </a:graphic>
+      </p:graphicFrame>
+      <p:graphicFrame>
+        <p:nvGraphicFramePr>
+          <p:cNvPr id="5" name="Object 4"/>
+          <p:cNvGraphicFramePr>
+            <a:graphicFrameLocks noChangeAspect="1"/>
+          </p:cNvGraphicFramePr>
+          <p:nvPr>
+            <p:extLst>
+              <p:ext uri="{D42A27DB-BD31-4B8C-83A1-F6EECF244321}">
+                <p14:modId xmlns:p14="http://schemas.microsoft.com/office/powerpoint/2010/main" val="1604153726"/>
+              </p:ext>
+            </p:extLst>
+          </p:nvPr>
+        </p:nvGraphicFramePr>
+        <p:xfrm>
+          <a:off x="1454752" y="4724400"/>
+          <a:ext cx="6824662" cy="1136650"/>
+        </p:xfrm>
+        <a:graphic>
+          <a:graphicData uri="http://schemas.openxmlformats.org/presentationml/2006/ole">
+            <mc:AlternateContent xmlns:mc="http://schemas.openxmlformats.org/markup-compatibility/2006">
+              <mc:Choice xmlns:v="urn:schemas-microsoft-com:vml" Requires="v">
+                <p:oleObj spid="_x0000_s1035" name="Equation" r:id="rId5" imgW="1447800" imgH="241300" progId="Equation.DSMT4">
+                  <p:embed/>
+                </p:oleObj>
+              </mc:Choice>
+              <mc:Fallback>
+                <p:oleObj name="Equation" r:id="rId5" imgW="1447800" imgH="241300" progId="Equation.DSMT4">
+                  <p:embed/>
+                  <p:pic>
+                    <p:nvPicPr>
+                      <p:cNvPr id="0" name=""/>
+                      <p:cNvPicPr/>
+                      <p:nvPr/>
+                    </p:nvPicPr>
+                    <p:blipFill>
+                      <a:blip r:embed="rId6"/>
+                      <a:stretch>
+                        <a:fillRect/>
+                      </a:stretch>
+                    </p:blipFill>
+                    <p:spPr>
+                      <a:xfrm>
+                        <a:off x="1454752" y="4724400"/>
+                        <a:ext cx="6824662" cy="1136650"/>
+                      </a:xfrm>
+                      <a:prstGeom prst="rect">
+                        <a:avLst/>
+                      </a:prstGeom>
+                    </p:spPr>
+                  </p:pic>
+                </p:oleObj>
+              </mc:Fallback>
+            </mc:AlternateContent>
+          </a:graphicData>
+        </a:graphic>
+      </p:graphicFrame>
+      <p:sp>
+        <p:nvSpPr>
+          <p:cNvPr id="6" name="Rectangle 3"/>
+          <p:cNvSpPr txBox="1">
+            <a:spLocks noChangeArrowheads="1"/>
+          </p:cNvSpPr>
+          <p:nvPr/>
+        </p:nvSpPr>
+        <p:spPr>
+          <a:xfrm>
+            <a:off x="1295400" y="304800"/>
+            <a:ext cx="7543800" cy="1066800"/>
+          </a:xfrm>
+          <a:prstGeom prst="rect">
+            <a:avLst/>
+          </a:prstGeom>
+          <a:noFill/>
+        </p:spPr>
+        <p:txBody>
+          <a:bodyPr/>
+          <a:lstStyle>
+            <a:lvl1pPr algn="l" rtl="0" eaLnBrk="0" fontAlgn="base" hangingPunct="0">
+              <a:spcBef>
+                <a:spcPct val="0"/>
+              </a:spcBef>
+              <a:spcAft>
+                <a:spcPct val="0"/>
+              </a:spcAft>
+              <a:defRPr sz="4000" b="1">
+                <a:solidFill>
+                  <a:schemeClr val="tx2"/>
+                </a:solidFill>
+                <a:latin typeface="Comic Sans MS" pitchFamily="66" charset="0"/>
+                <a:ea typeface="+mj-ea"/>
+                <a:cs typeface="+mj-cs"/>
+              </a:defRPr>
+            </a:lvl1pPr>
+            <a:lvl2pPr algn="l" rtl="0" eaLnBrk="0" fontAlgn="base" hangingPunct="0">
+              <a:spcBef>
+                <a:spcPct val="0"/>
+              </a:spcBef>
+              <a:spcAft>
+                <a:spcPct val="0"/>
+              </a:spcAft>
+              <a:defRPr sz="4000" b="1">
+                <a:solidFill>
+                  <a:schemeClr val="tx2"/>
+                </a:solidFill>
+                <a:latin typeface="Comic Sans MS" pitchFamily="66" charset="0"/>
+              </a:defRPr>
+            </a:lvl2pPr>
+            <a:lvl3pPr algn="l" rtl="0" eaLnBrk="0" fontAlgn="base" hangingPunct="0">
+              <a:spcBef>
+                <a:spcPct val="0"/>
+              </a:spcBef>
+              <a:spcAft>
+                <a:spcPct val="0"/>
+              </a:spcAft>
+              <a:defRPr sz="4000" b="1">
+                <a:solidFill>
+                  <a:schemeClr val="tx2"/>
+                </a:solidFill>
+                <a:latin typeface="Comic Sans MS" pitchFamily="66" charset="0"/>
+              </a:defRPr>
+            </a:lvl3pPr>
+            <a:lvl4pPr algn="l" rtl="0" eaLnBrk="0" fontAlgn="base" hangingPunct="0">
+              <a:spcBef>
+                <a:spcPct val="0"/>
+              </a:spcBef>
+              <a:spcAft>
+                <a:spcPct val="0"/>
+              </a:spcAft>
+              <a:defRPr sz="4000" b="1">
+                <a:solidFill>
+                  <a:schemeClr val="tx2"/>
+                </a:solidFill>
+                <a:latin typeface="Comic Sans MS" pitchFamily="66" charset="0"/>
+              </a:defRPr>
+            </a:lvl4pPr>
+            <a:lvl5pPr algn="l" rtl="0" eaLnBrk="0" fontAlgn="base" hangingPunct="0">
+              <a:spcBef>
+                <a:spcPct val="0"/>
+              </a:spcBef>
+              <a:spcAft>
+                <a:spcPct val="0"/>
+              </a:spcAft>
+              <a:defRPr sz="4000" b="1">
+                <a:solidFill>
+                  <a:schemeClr val="tx2"/>
+                </a:solidFill>
+                <a:latin typeface="Comic Sans MS" pitchFamily="66" charset="0"/>
+              </a:defRPr>
+            </a:lvl5pPr>
+            <a:lvl6pPr marL="457200" algn="l" rtl="0" fontAlgn="base">
+              <a:spcBef>
+                <a:spcPct val="0"/>
+              </a:spcBef>
+              <a:spcAft>
+                <a:spcPct val="0"/>
+              </a:spcAft>
+              <a:defRPr sz="4000" b="1">
+                <a:solidFill>
+                  <a:schemeClr val="tx2"/>
+                </a:solidFill>
+                <a:latin typeface="Times New Roman" pitchFamily="18" charset="0"/>
+              </a:defRPr>
+            </a:lvl6pPr>
+            <a:lvl7pPr marL="914400" algn="l" rtl="0" fontAlgn="base">
+              <a:spcBef>
+                <a:spcPct val="0"/>
+              </a:spcBef>
+              <a:spcAft>
+                <a:spcPct val="0"/>
+              </a:spcAft>
+              <a:defRPr sz="4000" b="1">
+                <a:solidFill>
+                  <a:schemeClr val="tx2"/>
+                </a:solidFill>
+                <a:latin typeface="Times New Roman" pitchFamily="18" charset="0"/>
+              </a:defRPr>
+            </a:lvl7pPr>
+            <a:lvl8pPr marL="1371600" algn="l" rtl="0" fontAlgn="base">
+              <a:spcBef>
+                <a:spcPct val="0"/>
+              </a:spcBef>
+              <a:spcAft>
+                <a:spcPct val="0"/>
+              </a:spcAft>
+              <a:defRPr sz="4000" b="1">
+                <a:solidFill>
+                  <a:schemeClr val="tx2"/>
+                </a:solidFill>
+                <a:latin typeface="Times New Roman" pitchFamily="18" charset="0"/>
+              </a:defRPr>
+            </a:lvl8pPr>
+            <a:lvl9pPr marL="1828800" algn="l" rtl="0" fontAlgn="base">
+              <a:spcBef>
+                <a:spcPct val="0"/>
+              </a:spcBef>
+              <a:spcAft>
+                <a:spcPct val="0"/>
+              </a:spcAft>
+              <a:defRPr sz="4000" b="1">
+                <a:solidFill>
+                  <a:schemeClr val="tx2"/>
+                </a:solidFill>
+                <a:latin typeface="Times New Roman" pitchFamily="18" charset="0"/>
+              </a:defRPr>
+            </a:lvl9pPr>
+          </a:lstStyle>
+          <a:p>
+            <a:pPr eaLnBrk="1" hangingPunct="1"/>
+            <a:r>
+              <a:rPr lang="en-US" sz="4800" dirty="0" smtClean="0">
+                <a:solidFill>
+                  <a:schemeClr val="tx1"/>
+                </a:solidFill>
+              </a:rPr>
+              <a:t>Confidence </a:t>
+            </a:r>
+            <a:r>
+              <a:rPr lang="en-US" sz="4800" dirty="0" err="1" smtClean="0">
+                <a:solidFill>
+                  <a:schemeClr val="tx1"/>
+                </a:solidFill>
+              </a:rPr>
+              <a:t>vs</a:t>
+            </a:r>
+            <a:r>
+              <a:rPr lang="en-US" sz="4800" dirty="0" smtClean="0">
+                <a:solidFill>
+                  <a:schemeClr val="tx1"/>
+                </a:solidFill>
+              </a:rPr>
+              <a:t> Prediction</a:t>
+            </a:r>
+          </a:p>
+        </p:txBody>
+      </p:sp>
+    </p:spTree>
+    <p:extLst>
+      <p:ext uri="{BB962C8B-B14F-4D97-AF65-F5344CB8AC3E}">
+        <p14:creationId xmlns:p14="http://schemas.microsoft.com/office/powerpoint/2010/main" val="2885968274"/>
+      </p:ext>
+    </p:extLst>
+  </p:cSld>
+  <p:clrMapOvr>
+    <a:masterClrMapping/>
+  </p:clrMapOvr>
+  <mc:AlternateContent xmlns:mc="http://schemas.openxmlformats.org/markup-compatibility/2006" xmlns:p14="http://schemas.microsoft.com/office/powerpoint/2010/main">
+    <mc:Choice Requires="p14">
+      <p:transition spd="slow" p14:dur="900" advClick="0">
+        <p:fade/>
+      </p:transition>
+    </mc:Choice>
+    <mc:Fallback xmlns="">
+      <p:transition xmlns:p14="http://schemas.microsoft.com/office/powerpoint/2010/main" spd="slow" advClick="0">
+        <p:fade/>
+      </p:transition>
+    </mc:Fallback>
+  </mc:AlternateContent>
+  <p:timing>
+    <p:tnLst>
+      <p:par>
+        <p:cTn xmlns:p14="http://schemas.microsoft.com/office/powerpoint/2010/main" id="1" dur="indefinite" restart="never" nodeType="tmRoot">
+          <p:childTnLst>
+            <p:seq concurrent="1" nextAc="seek">
+              <p:cTn id="2" dur="indefinite" nodeType="mainSeq">
+                <p:childTnLst>
+                  <p:par>
+                    <p:cTn id="3" fill="hold">
+                      <p:stCondLst>
+                        <p:cond delay="indefinite"/>
+                      </p:stCondLst>
+                      <p:childTnLst>
+                        <p:par>
+                          <p:cTn id="4" fill="hold">
+                            <p:stCondLst>
+                              <p:cond delay="0"/>
+                            </p:stCondLst>
+                            <p:childTnLst>
+                              <p:par>
+                                <p:cTn id="5" presetID="10" presetClass="entr" presetSubtype="0" fill="hold" nodeType="clickEffect">
+                                  <p:stCondLst>
+                                    <p:cond delay="0"/>
+                                  </p:stCondLst>
+                                  <p:childTnLst>
+                                    <p:set>
+                                      <p:cBhvr>
+                                        <p:cTn id="6" dur="1" fill="hold">
+                                          <p:stCondLst>
+                                            <p:cond delay="0"/>
+                                          </p:stCondLst>
+                                        </p:cTn>
+                                        <p:tgtEl>
+                                          <p:spTgt spid="3">
+                                            <p:txEl>
+                                              <p:pRg st="0" end="0"/>
+                                            </p:txEl>
+                                          </p:spTgt>
+                                        </p:tgtEl>
+                                        <p:attrNameLst>
+                                          <p:attrName>style.visibility</p:attrName>
+                                        </p:attrNameLst>
+                                      </p:cBhvr>
+                                      <p:to>
+                                        <p:strVal val="visible"/>
+                                      </p:to>
+                                    </p:set>
+                                    <p:animEffect transition="in" filter="fade">
+                                      <p:cBhvr>
+                                        <p:cTn id="7" dur="500"/>
+                                        <p:tgtEl>
+                                          <p:spTgt spid="3">
+                                            <p:txEl>
+                                              <p:pRg st="0" end="0"/>
+                                            </p:txEl>
+                                          </p:spTgt>
+                                        </p:tgtEl>
+                                      </p:cBhvr>
+                                    </p:animEffect>
+                                  </p:childTnLst>
+                                </p:cTn>
+                              </p:par>
+                              <p:par>
+                                <p:cTn id="8" presetID="10" presetClass="entr" presetSubtype="0" fill="hold" nodeType="withEffect">
+                                  <p:stCondLst>
+                                    <p:cond delay="0"/>
+                                  </p:stCondLst>
+                                  <p:childTnLst>
+                                    <p:set>
+                                      <p:cBhvr>
+                                        <p:cTn id="9" dur="1" fill="hold">
+                                          <p:stCondLst>
+                                            <p:cond delay="0"/>
+                                          </p:stCondLst>
+                                        </p:cTn>
+                                        <p:tgtEl>
+                                          <p:spTgt spid="3">
+                                            <p:txEl>
+                                              <p:pRg st="1" end="1"/>
+                                            </p:txEl>
+                                          </p:spTgt>
+                                        </p:tgtEl>
+                                        <p:attrNameLst>
+                                          <p:attrName>style.visibility</p:attrName>
+                                        </p:attrNameLst>
+                                      </p:cBhvr>
+                                      <p:to>
+                                        <p:strVal val="visible"/>
+                                      </p:to>
+                                    </p:set>
+                                    <p:animEffect transition="in" filter="fade">
+                                      <p:cBhvr>
+                                        <p:cTn id="10" dur="500"/>
+                                        <p:tgtEl>
+                                          <p:spTgt spid="3">
+                                            <p:txEl>
+                                              <p:pRg st="1" end="1"/>
+                                            </p:txEl>
+                                          </p:spTgt>
+                                        </p:tgtEl>
+                                      </p:cBhvr>
+                                    </p:animEffect>
+                                  </p:childTnLst>
+                                </p:cTn>
+                              </p:par>
+                            </p:childTnLst>
+                          </p:cTn>
+                        </p:par>
+                        <p:par>
+                          <p:cTn id="11" fill="hold">
+                            <p:stCondLst>
+                              <p:cond delay="500"/>
+                            </p:stCondLst>
+                            <p:childTnLst>
+                              <p:par>
+                                <p:cTn id="12" presetID="22" presetClass="entr" presetSubtype="8" fill="hold" nodeType="afterEffect">
+                                  <p:stCondLst>
+                                    <p:cond delay="0"/>
+                                  </p:stCondLst>
+                                  <p:childTnLst>
+                                    <p:set>
+                                      <p:cBhvr>
+                                        <p:cTn id="13" dur="1" fill="hold">
+                                          <p:stCondLst>
+                                            <p:cond delay="0"/>
+                                          </p:stCondLst>
+                                        </p:cTn>
+                                        <p:tgtEl>
+                                          <p:spTgt spid="4"/>
+                                        </p:tgtEl>
+                                        <p:attrNameLst>
+                                          <p:attrName>style.visibility</p:attrName>
+                                        </p:attrNameLst>
+                                      </p:cBhvr>
+                                      <p:to>
+                                        <p:strVal val="visible"/>
+                                      </p:to>
+                                    </p:set>
+                                    <p:animEffect transition="in" filter="wipe(left)">
+                                      <p:cBhvr>
+                                        <p:cTn id="14" dur="1000"/>
+                                        <p:tgtEl>
+                                          <p:spTgt spid="4"/>
+                                        </p:tgtEl>
+                                      </p:cBhvr>
+                                    </p:animEffect>
+                                  </p:childTnLst>
+                                </p:cTn>
+                              </p:par>
+                            </p:childTnLst>
+                          </p:cTn>
+                        </p:par>
+                      </p:childTnLst>
+                    </p:cTn>
+                  </p:par>
+                  <p:par>
+                    <p:cTn id="15" fill="hold">
+                      <p:stCondLst>
+                        <p:cond delay="indefinite"/>
+                      </p:stCondLst>
+                      <p:childTnLst>
+                        <p:par>
+                          <p:cTn id="16" fill="hold">
+                            <p:stCondLst>
+                              <p:cond delay="0"/>
+                            </p:stCondLst>
+                            <p:childTnLst>
+                              <p:par>
+                                <p:cTn id="17" presetID="10" presetClass="entr" presetSubtype="0" fill="hold" nodeType="clickEffect">
+                                  <p:stCondLst>
+                                    <p:cond delay="0"/>
+                                  </p:stCondLst>
+                                  <p:childTnLst>
+                                    <p:set>
+                                      <p:cBhvr>
+                                        <p:cTn id="18" dur="1" fill="hold">
+                                          <p:stCondLst>
+                                            <p:cond delay="0"/>
+                                          </p:stCondLst>
+                                        </p:cTn>
+                                        <p:tgtEl>
+                                          <p:spTgt spid="3">
+                                            <p:txEl>
+                                              <p:pRg st="3" end="3"/>
+                                            </p:txEl>
+                                          </p:spTgt>
+                                        </p:tgtEl>
+                                        <p:attrNameLst>
+                                          <p:attrName>style.visibility</p:attrName>
+                                        </p:attrNameLst>
+                                      </p:cBhvr>
+                                      <p:to>
+                                        <p:strVal val="visible"/>
+                                      </p:to>
+                                    </p:set>
+                                    <p:animEffect transition="in" filter="fade">
+                                      <p:cBhvr>
+                                        <p:cTn id="19" dur="500"/>
+                                        <p:tgtEl>
+                                          <p:spTgt spid="3">
+                                            <p:txEl>
+                                              <p:pRg st="3" end="3"/>
+                                            </p:txEl>
+                                          </p:spTgt>
+                                        </p:tgtEl>
+                                      </p:cBhvr>
+                                    </p:animEffect>
+                                  </p:childTnLst>
+                                </p:cTn>
+                              </p:par>
+                            </p:childTnLst>
+                          </p:cTn>
+                        </p:par>
+                        <p:par>
+                          <p:cTn id="20" fill="hold">
+                            <p:stCondLst>
+                              <p:cond delay="500"/>
+                            </p:stCondLst>
+                            <p:childTnLst>
+                              <p:par>
+                                <p:cTn id="21" presetID="22" presetClass="entr" presetSubtype="8" fill="hold" nodeType="afterEffect">
+                                  <p:stCondLst>
+                                    <p:cond delay="0"/>
+                                  </p:stCondLst>
+                                  <p:childTnLst>
+                                    <p:set>
+                                      <p:cBhvr>
+                                        <p:cTn id="22" dur="1" fill="hold">
+                                          <p:stCondLst>
+                                            <p:cond delay="0"/>
+                                          </p:stCondLst>
+                                        </p:cTn>
+                                        <p:tgtEl>
+                                          <p:spTgt spid="5"/>
+                                        </p:tgtEl>
+                                        <p:attrNameLst>
+                                          <p:attrName>style.visibility</p:attrName>
+                                        </p:attrNameLst>
+                                      </p:cBhvr>
+                                      <p:to>
+                                        <p:strVal val="visible"/>
+                                      </p:to>
+                                    </p:set>
+                                    <p:animEffect transition="in" filter="wipe(left)">
+                                      <p:cBhvr>
+                                        <p:cTn id="23" dur="1000"/>
+                                        <p:tgtEl>
+                                          <p:spTgt spid="5"/>
+                                        </p:tgtEl>
+                                      </p:cBhvr>
+                                    </p:animEffect>
+                                  </p:childTnLst>
+                                </p:cTn>
+                              </p:par>
+                            </p:childTnLst>
+                          </p:cTn>
+                        </p:par>
+                      </p:childTnLst>
+                    </p:cTn>
+                  </p:par>
+                </p:childTnLst>
+              </p:cTn>
+              <p:prevCondLst>
+                <p:cond evt="onPrev" delay="0">
+                  <p:tgtEl>
+                    <p:sldTgt/>
+                  </p:tgtEl>
+                </p:cond>
+              </p:prevCondLst>
+              <p:nextCondLst>
+                <p:cond evt="onNext" delay="0">
+                  <p:tgtEl>
+                    <p:sldTgt/>
+                  </p:tgtEl>
+                </p:cond>
+              </p:nextCondLst>
+            </p:seq>
+          </p:childTnLst>
+        </p:cTn>
+      </p:par>
+    </p:tnLst>
   </p:timing>
 </p:sld>
 </file>

--- a/spring16/slidesS16/confidence-vs-prediction.pptx
+++ b/spring16/slidesS16/confidence-vs-prediction.pptx
@@ -5,10 +5,10 @@
     <p:sldMasterId id="2147483650" r:id="rId1"/>
   </p:sldMasterIdLst>
   <p:notesMasterIdLst>
-    <p:notesMasterId r:id="rId18"/>
+    <p:notesMasterId r:id="rId11"/>
   </p:notesMasterIdLst>
   <p:handoutMasterIdLst>
-    <p:handoutMasterId r:id="rId19"/>
+    <p:handoutMasterId r:id="rId12"/>
   </p:handoutMasterIdLst>
   <p:sldIdLst>
     <p:sldId id="322" r:id="rId2"/>
@@ -20,18 +20,11 @@
     <p:sldId id="432" r:id="rId8"/>
     <p:sldId id="430" r:id="rId9"/>
     <p:sldId id="434" r:id="rId10"/>
-    <p:sldId id="419" r:id="rId11"/>
-    <p:sldId id="420" r:id="rId12"/>
-    <p:sldId id="421" r:id="rId13"/>
-    <p:sldId id="422" r:id="rId14"/>
-    <p:sldId id="423" r:id="rId15"/>
-    <p:sldId id="424" r:id="rId16"/>
-    <p:sldId id="425" r:id="rId17"/>
   </p:sldIdLst>
   <p:sldSz cx="9144000" cy="6858000" type="screen4x3"/>
   <p:notesSz cx="9601200" cy="7315200"/>
   <p:custDataLst>
-    <p:tags r:id="rId21"/>
+    <p:tags r:id="rId14"/>
   </p:custDataLst>
   <p:defaultTextStyle>
     <a:defPPr>
@@ -938,650 +931,6 @@
           <a:p>
             <a:pPr eaLnBrk="1" hangingPunct="1"/>
             <a:endParaRPr lang="en-US" dirty="0" smtClean="0"/>
-          </a:p>
-        </p:txBody>
-      </p:sp>
-    </p:spTree>
-  </p:cSld>
-  <p:clrMapOvr>
-    <a:masterClrMapping/>
-  </p:clrMapOvr>
-</p:notes>
-</file>
-
-<file path=ppt/notesSlides/notesSlide2.xml><?xml version="1.0" encoding="utf-8"?>
-<p:notes xmlns:a="http://schemas.openxmlformats.org/drawingml/2006/main" xmlns:r="http://schemas.openxmlformats.org/officeDocument/2006/relationships" xmlns:p="http://schemas.openxmlformats.org/presentationml/2006/main">
-  <p:cSld>
-    <p:spTree>
-      <p:nvGrpSpPr>
-        <p:cNvPr id="1" name=""/>
-        <p:cNvGrpSpPr/>
-        <p:nvPr/>
-      </p:nvGrpSpPr>
-      <p:grpSpPr>
-        <a:xfrm>
-          <a:off x="0" y="0"/>
-          <a:ext cx="0" cy="0"/>
-          <a:chOff x="0" y="0"/>
-          <a:chExt cx="0" cy="0"/>
-        </a:xfrm>
-      </p:grpSpPr>
-      <p:sp>
-        <p:nvSpPr>
-          <p:cNvPr id="69634" name="Rectangle 7"/>
-          <p:cNvSpPr>
-            <a:spLocks noGrp="1" noChangeArrowheads="1"/>
-          </p:cNvSpPr>
-          <p:nvPr>
-            <p:ph type="sldNum" sz="quarter" idx="5"/>
-          </p:nvPr>
-        </p:nvSpPr>
-        <p:spPr>
-          <a:noFill/>
-        </p:spPr>
-        <p:txBody>
-          <a:bodyPr/>
-          <a:lstStyle/>
-          <a:p>
-            <a:fld id="{B656271B-90D1-4EEB-A9C3-C58AB99790EE}" type="slidenum">
-              <a:rPr lang="en-US" smtClean="0">
-                <a:latin typeface="Arial" charset="0"/>
-              </a:rPr>
-              <a:pPr/>
-              <a:t>10</a:t>
-            </a:fld>
-            <a:endParaRPr lang="en-US" smtClean="0">
-              <a:latin typeface="Arial" charset="0"/>
-            </a:endParaRPr>
-          </a:p>
-        </p:txBody>
-      </p:sp>
-      <p:sp>
-        <p:nvSpPr>
-          <p:cNvPr id="69635" name="Rectangle 2"/>
-          <p:cNvSpPr>
-            <a:spLocks noGrp="1" noRot="1" noChangeAspect="1" noChangeArrowheads="1" noTextEdit="1"/>
-          </p:cNvSpPr>
-          <p:nvPr>
-            <p:ph type="sldImg"/>
-          </p:nvPr>
-        </p:nvSpPr>
-        <p:spPr>
-          <a:ln/>
-        </p:spPr>
-      </p:sp>
-      <p:sp>
-        <p:nvSpPr>
-          <p:cNvPr id="69636" name="Rectangle 3"/>
-          <p:cNvSpPr>
-            <a:spLocks noGrp="1" noChangeArrowheads="1"/>
-          </p:cNvSpPr>
-          <p:nvPr>
-            <p:ph type="body" idx="1"/>
-          </p:nvPr>
-        </p:nvSpPr>
-        <p:spPr>
-          <a:noFill/>
-          <a:ln/>
-        </p:spPr>
-        <p:txBody>
-          <a:bodyPr/>
-          <a:lstStyle/>
-          <a:p>
-            <a:pPr eaLnBrk="1" hangingPunct="1"/>
-            <a:endParaRPr lang="en-US" smtClean="0">
-              <a:latin typeface="Arial" charset="0"/>
-            </a:endParaRPr>
-          </a:p>
-        </p:txBody>
-      </p:sp>
-    </p:spTree>
-  </p:cSld>
-  <p:clrMapOvr>
-    <a:masterClrMapping/>
-  </p:clrMapOvr>
-</p:notes>
-</file>
-
-<file path=ppt/notesSlides/notesSlide3.xml><?xml version="1.0" encoding="utf-8"?>
-<p:notes xmlns:a="http://schemas.openxmlformats.org/drawingml/2006/main" xmlns:r="http://schemas.openxmlformats.org/officeDocument/2006/relationships" xmlns:p="http://schemas.openxmlformats.org/presentationml/2006/main">
-  <p:cSld>
-    <p:spTree>
-      <p:nvGrpSpPr>
-        <p:cNvPr id="1" name=""/>
-        <p:cNvGrpSpPr/>
-        <p:nvPr/>
-      </p:nvGrpSpPr>
-      <p:grpSpPr>
-        <a:xfrm>
-          <a:off x="0" y="0"/>
-          <a:ext cx="0" cy="0"/>
-          <a:chOff x="0" y="0"/>
-          <a:chExt cx="0" cy="0"/>
-        </a:xfrm>
-      </p:grpSpPr>
-      <p:sp>
-        <p:nvSpPr>
-          <p:cNvPr id="70658" name="Rectangle 7"/>
-          <p:cNvSpPr>
-            <a:spLocks noGrp="1" noChangeArrowheads="1"/>
-          </p:cNvSpPr>
-          <p:nvPr>
-            <p:ph type="sldNum" sz="quarter" idx="5"/>
-          </p:nvPr>
-        </p:nvSpPr>
-        <p:spPr>
-          <a:noFill/>
-        </p:spPr>
-        <p:txBody>
-          <a:bodyPr/>
-          <a:lstStyle/>
-          <a:p>
-            <a:fld id="{7CC9EB05-1C43-48AF-B618-537D2B3DD42D}" type="slidenum">
-              <a:rPr lang="en-US" smtClean="0">
-                <a:latin typeface="Arial" charset="0"/>
-              </a:rPr>
-              <a:pPr/>
-              <a:t>11</a:t>
-            </a:fld>
-            <a:endParaRPr lang="en-US" smtClean="0">
-              <a:latin typeface="Arial" charset="0"/>
-            </a:endParaRPr>
-          </a:p>
-        </p:txBody>
-      </p:sp>
-      <p:sp>
-        <p:nvSpPr>
-          <p:cNvPr id="70659" name="Rectangle 2"/>
-          <p:cNvSpPr>
-            <a:spLocks noGrp="1" noRot="1" noChangeAspect="1" noChangeArrowheads="1" noTextEdit="1"/>
-          </p:cNvSpPr>
-          <p:nvPr>
-            <p:ph type="sldImg"/>
-          </p:nvPr>
-        </p:nvSpPr>
-        <p:spPr>
-          <a:ln/>
-        </p:spPr>
-      </p:sp>
-      <p:sp>
-        <p:nvSpPr>
-          <p:cNvPr id="70660" name="Rectangle 3"/>
-          <p:cNvSpPr>
-            <a:spLocks noGrp="1" noChangeArrowheads="1"/>
-          </p:cNvSpPr>
-          <p:nvPr>
-            <p:ph type="body" idx="1"/>
-          </p:nvPr>
-        </p:nvSpPr>
-        <p:spPr>
-          <a:noFill/>
-          <a:ln/>
-        </p:spPr>
-        <p:txBody>
-          <a:bodyPr/>
-          <a:lstStyle/>
-          <a:p>
-            <a:pPr eaLnBrk="1" hangingPunct="1"/>
-            <a:endParaRPr lang="en-US" smtClean="0">
-              <a:latin typeface="Arial" charset="0"/>
-            </a:endParaRPr>
-          </a:p>
-        </p:txBody>
-      </p:sp>
-    </p:spTree>
-  </p:cSld>
-  <p:clrMapOvr>
-    <a:masterClrMapping/>
-  </p:clrMapOvr>
-</p:notes>
-</file>
-
-<file path=ppt/notesSlides/notesSlide4.xml><?xml version="1.0" encoding="utf-8"?>
-<p:notes xmlns:a="http://schemas.openxmlformats.org/drawingml/2006/main" xmlns:r="http://schemas.openxmlformats.org/officeDocument/2006/relationships" xmlns:p="http://schemas.openxmlformats.org/presentationml/2006/main">
-  <p:cSld>
-    <p:spTree>
-      <p:nvGrpSpPr>
-        <p:cNvPr id="1" name=""/>
-        <p:cNvGrpSpPr/>
-        <p:nvPr/>
-      </p:nvGrpSpPr>
-      <p:grpSpPr>
-        <a:xfrm>
-          <a:off x="0" y="0"/>
-          <a:ext cx="0" cy="0"/>
-          <a:chOff x="0" y="0"/>
-          <a:chExt cx="0" cy="0"/>
-        </a:xfrm>
-      </p:grpSpPr>
-      <p:sp>
-        <p:nvSpPr>
-          <p:cNvPr id="71682" name="Rectangle 7"/>
-          <p:cNvSpPr>
-            <a:spLocks noGrp="1" noChangeArrowheads="1"/>
-          </p:cNvSpPr>
-          <p:nvPr>
-            <p:ph type="sldNum" sz="quarter" idx="5"/>
-          </p:nvPr>
-        </p:nvSpPr>
-        <p:spPr>
-          <a:noFill/>
-        </p:spPr>
-        <p:txBody>
-          <a:bodyPr/>
-          <a:lstStyle/>
-          <a:p>
-            <a:fld id="{0CEF6F92-C0CF-4F5E-AB63-5A19019BBFC5}" type="slidenum">
-              <a:rPr lang="en-US" smtClean="0">
-                <a:latin typeface="Arial" charset="0"/>
-              </a:rPr>
-              <a:pPr/>
-              <a:t>12</a:t>
-            </a:fld>
-            <a:endParaRPr lang="en-US" smtClean="0">
-              <a:latin typeface="Arial" charset="0"/>
-            </a:endParaRPr>
-          </a:p>
-        </p:txBody>
-      </p:sp>
-      <p:sp>
-        <p:nvSpPr>
-          <p:cNvPr id="71683" name="Rectangle 2"/>
-          <p:cNvSpPr>
-            <a:spLocks noGrp="1" noRot="1" noChangeAspect="1" noChangeArrowheads="1" noTextEdit="1"/>
-          </p:cNvSpPr>
-          <p:nvPr>
-            <p:ph type="sldImg"/>
-          </p:nvPr>
-        </p:nvSpPr>
-        <p:spPr>
-          <a:ln/>
-        </p:spPr>
-      </p:sp>
-      <p:sp>
-        <p:nvSpPr>
-          <p:cNvPr id="71684" name="Rectangle 3"/>
-          <p:cNvSpPr>
-            <a:spLocks noGrp="1" noChangeArrowheads="1"/>
-          </p:cNvSpPr>
-          <p:nvPr>
-            <p:ph type="body" idx="1"/>
-          </p:nvPr>
-        </p:nvSpPr>
-        <p:spPr>
-          <a:noFill/>
-          <a:ln/>
-        </p:spPr>
-        <p:txBody>
-          <a:bodyPr/>
-          <a:lstStyle/>
-          <a:p>
-            <a:pPr eaLnBrk="1" hangingPunct="1"/>
-            <a:endParaRPr lang="en-US" smtClean="0">
-              <a:latin typeface="Arial" charset="0"/>
-            </a:endParaRPr>
-          </a:p>
-        </p:txBody>
-      </p:sp>
-    </p:spTree>
-  </p:cSld>
-  <p:clrMapOvr>
-    <a:masterClrMapping/>
-  </p:clrMapOvr>
-</p:notes>
-</file>
-
-<file path=ppt/notesSlides/notesSlide5.xml><?xml version="1.0" encoding="utf-8"?>
-<p:notes xmlns:a="http://schemas.openxmlformats.org/drawingml/2006/main" xmlns:r="http://schemas.openxmlformats.org/officeDocument/2006/relationships" xmlns:p="http://schemas.openxmlformats.org/presentationml/2006/main">
-  <p:cSld>
-    <p:spTree>
-      <p:nvGrpSpPr>
-        <p:cNvPr id="1" name=""/>
-        <p:cNvGrpSpPr/>
-        <p:nvPr/>
-      </p:nvGrpSpPr>
-      <p:grpSpPr>
-        <a:xfrm>
-          <a:off x="0" y="0"/>
-          <a:ext cx="0" cy="0"/>
-          <a:chOff x="0" y="0"/>
-          <a:chExt cx="0" cy="0"/>
-        </a:xfrm>
-      </p:grpSpPr>
-      <p:sp>
-        <p:nvSpPr>
-          <p:cNvPr id="67586" name="Rectangle 7"/>
-          <p:cNvSpPr>
-            <a:spLocks noGrp="1" noChangeArrowheads="1"/>
-          </p:cNvSpPr>
-          <p:nvPr>
-            <p:ph type="sldNum" sz="quarter" idx="5"/>
-          </p:nvPr>
-        </p:nvSpPr>
-        <p:spPr>
-          <a:noFill/>
-        </p:spPr>
-        <p:txBody>
-          <a:bodyPr/>
-          <a:lstStyle/>
-          <a:p>
-            <a:fld id="{E3BE4A3C-F987-429B-B377-5CCDE63293A8}" type="slidenum">
-              <a:rPr lang="en-US" smtClean="0">
-                <a:latin typeface="Arial" charset="0"/>
-              </a:rPr>
-              <a:pPr/>
-              <a:t>13</a:t>
-            </a:fld>
-            <a:endParaRPr lang="en-US" smtClean="0">
-              <a:latin typeface="Arial" charset="0"/>
-            </a:endParaRPr>
-          </a:p>
-        </p:txBody>
-      </p:sp>
-      <p:sp>
-        <p:nvSpPr>
-          <p:cNvPr id="67587" name="Rectangle 2"/>
-          <p:cNvSpPr>
-            <a:spLocks noGrp="1" noRot="1" noChangeAspect="1" noChangeArrowheads="1" noTextEdit="1"/>
-          </p:cNvSpPr>
-          <p:nvPr>
-            <p:ph type="sldImg"/>
-          </p:nvPr>
-        </p:nvSpPr>
-        <p:spPr>
-          <a:ln/>
-        </p:spPr>
-      </p:sp>
-      <p:sp>
-        <p:nvSpPr>
-          <p:cNvPr id="67588" name="Rectangle 3"/>
-          <p:cNvSpPr>
-            <a:spLocks noGrp="1" noChangeArrowheads="1"/>
-          </p:cNvSpPr>
-          <p:nvPr>
-            <p:ph type="body" idx="1"/>
-          </p:nvPr>
-        </p:nvSpPr>
-        <p:spPr>
-          <a:noFill/>
-          <a:ln/>
-        </p:spPr>
-        <p:txBody>
-          <a:bodyPr/>
-          <a:lstStyle/>
-          <a:p>
-            <a:pPr eaLnBrk="1" hangingPunct="1"/>
-            <a:endParaRPr lang="en-US" smtClean="0">
-              <a:latin typeface="Arial" charset="0"/>
-            </a:endParaRPr>
-          </a:p>
-        </p:txBody>
-      </p:sp>
-    </p:spTree>
-  </p:cSld>
-  <p:clrMapOvr>
-    <a:masterClrMapping/>
-  </p:clrMapOvr>
-</p:notes>
-</file>
-
-<file path=ppt/notesSlides/notesSlide6.xml><?xml version="1.0" encoding="utf-8"?>
-<p:notes xmlns:a="http://schemas.openxmlformats.org/drawingml/2006/main" xmlns:r="http://schemas.openxmlformats.org/officeDocument/2006/relationships" xmlns:p="http://schemas.openxmlformats.org/presentationml/2006/main">
-  <p:cSld>
-    <p:spTree>
-      <p:nvGrpSpPr>
-        <p:cNvPr id="1" name=""/>
-        <p:cNvGrpSpPr/>
-        <p:nvPr/>
-      </p:nvGrpSpPr>
-      <p:grpSpPr>
-        <a:xfrm>
-          <a:off x="0" y="0"/>
-          <a:ext cx="0" cy="0"/>
-          <a:chOff x="0" y="0"/>
-          <a:chExt cx="0" cy="0"/>
-        </a:xfrm>
-      </p:grpSpPr>
-      <p:sp>
-        <p:nvSpPr>
-          <p:cNvPr id="72706" name="Rectangle 7"/>
-          <p:cNvSpPr>
-            <a:spLocks noGrp="1" noChangeArrowheads="1"/>
-          </p:cNvSpPr>
-          <p:nvPr>
-            <p:ph type="sldNum" sz="quarter" idx="5"/>
-          </p:nvPr>
-        </p:nvSpPr>
-        <p:spPr>
-          <a:noFill/>
-        </p:spPr>
-        <p:txBody>
-          <a:bodyPr/>
-          <a:lstStyle/>
-          <a:p>
-            <a:fld id="{7901F982-AFE8-4DF3-92B6-756DCF784EAE}" type="slidenum">
-              <a:rPr lang="en-US" smtClean="0">
-                <a:latin typeface="Arial" charset="0"/>
-              </a:rPr>
-              <a:pPr/>
-              <a:t>14</a:t>
-            </a:fld>
-            <a:endParaRPr lang="en-US" smtClean="0">
-              <a:latin typeface="Arial" charset="0"/>
-            </a:endParaRPr>
-          </a:p>
-        </p:txBody>
-      </p:sp>
-      <p:sp>
-        <p:nvSpPr>
-          <p:cNvPr id="72707" name="Rectangle 2"/>
-          <p:cNvSpPr>
-            <a:spLocks noGrp="1" noRot="1" noChangeAspect="1" noChangeArrowheads="1" noTextEdit="1"/>
-          </p:cNvSpPr>
-          <p:nvPr>
-            <p:ph type="sldImg"/>
-          </p:nvPr>
-        </p:nvSpPr>
-        <p:spPr>
-          <a:ln/>
-        </p:spPr>
-      </p:sp>
-      <p:sp>
-        <p:nvSpPr>
-          <p:cNvPr id="72708" name="Rectangle 3"/>
-          <p:cNvSpPr>
-            <a:spLocks noGrp="1" noChangeArrowheads="1"/>
-          </p:cNvSpPr>
-          <p:nvPr>
-            <p:ph type="body" idx="1"/>
-          </p:nvPr>
-        </p:nvSpPr>
-        <p:spPr>
-          <a:noFill/>
-          <a:ln/>
-        </p:spPr>
-        <p:txBody>
-          <a:bodyPr/>
-          <a:lstStyle/>
-          <a:p>
-            <a:pPr eaLnBrk="1" hangingPunct="1"/>
-            <a:endParaRPr lang="en-US" smtClean="0">
-              <a:latin typeface="Arial" charset="0"/>
-            </a:endParaRPr>
-          </a:p>
-        </p:txBody>
-      </p:sp>
-    </p:spTree>
-  </p:cSld>
-  <p:clrMapOvr>
-    <a:masterClrMapping/>
-  </p:clrMapOvr>
-</p:notes>
-</file>
-
-<file path=ppt/notesSlides/notesSlide7.xml><?xml version="1.0" encoding="utf-8"?>
-<p:notes xmlns:a="http://schemas.openxmlformats.org/drawingml/2006/main" xmlns:r="http://schemas.openxmlformats.org/officeDocument/2006/relationships" xmlns:p="http://schemas.openxmlformats.org/presentationml/2006/main">
-  <p:cSld>
-    <p:spTree>
-      <p:nvGrpSpPr>
-        <p:cNvPr id="1" name=""/>
-        <p:cNvGrpSpPr/>
-        <p:nvPr/>
-      </p:nvGrpSpPr>
-      <p:grpSpPr>
-        <a:xfrm>
-          <a:off x="0" y="0"/>
-          <a:ext cx="0" cy="0"/>
-          <a:chOff x="0" y="0"/>
-          <a:chExt cx="0" cy="0"/>
-        </a:xfrm>
-      </p:grpSpPr>
-      <p:sp>
-        <p:nvSpPr>
-          <p:cNvPr id="2" name="Slide Image Placeholder 1"/>
-          <p:cNvSpPr>
-            <a:spLocks noGrp="1" noRot="1" noChangeAspect="1"/>
-          </p:cNvSpPr>
-          <p:nvPr>
-            <p:ph type="sldImg"/>
-          </p:nvPr>
-        </p:nvSpPr>
-        <p:spPr/>
-      </p:sp>
-      <p:sp>
-        <p:nvSpPr>
-          <p:cNvPr id="3" name="Notes Placeholder 2"/>
-          <p:cNvSpPr>
-            <a:spLocks noGrp="1"/>
-          </p:cNvSpPr>
-          <p:nvPr>
-            <p:ph type="body" idx="1"/>
-          </p:nvPr>
-        </p:nvSpPr>
-        <p:spPr/>
-        <p:txBody>
-          <a:bodyPr>
-            <a:normAutofit/>
-          </a:bodyPr>
-          <a:lstStyle/>
-          <a:p>
-            <a:endParaRPr lang="en-US"/>
-          </a:p>
-        </p:txBody>
-      </p:sp>
-      <p:sp>
-        <p:nvSpPr>
-          <p:cNvPr id="4" name="Slide Number Placeholder 3"/>
-          <p:cNvSpPr>
-            <a:spLocks noGrp="1"/>
-          </p:cNvSpPr>
-          <p:nvPr>
-            <p:ph type="sldNum" sz="quarter" idx="10"/>
-          </p:nvPr>
-        </p:nvSpPr>
-        <p:spPr/>
-        <p:txBody>
-          <a:bodyPr/>
-          <a:lstStyle/>
-          <a:p>
-            <a:pPr>
-              <a:defRPr/>
-            </a:pPr>
-            <a:fld id="{441E3F6F-A8F9-4C39-8C62-F077DEAEAA0F}" type="slidenum">
-              <a:rPr lang="en-US" smtClean="0"/>
-              <a:pPr>
-                <a:defRPr/>
-              </a:pPr>
-              <a:t>15</a:t>
-            </a:fld>
-            <a:endParaRPr lang="en-US"/>
-          </a:p>
-        </p:txBody>
-      </p:sp>
-    </p:spTree>
-  </p:cSld>
-  <p:clrMapOvr>
-    <a:masterClrMapping/>
-  </p:clrMapOvr>
-</p:notes>
-</file>
-
-<file path=ppt/notesSlides/notesSlide8.xml><?xml version="1.0" encoding="utf-8"?>
-<p:notes xmlns:a="http://schemas.openxmlformats.org/drawingml/2006/main" xmlns:r="http://schemas.openxmlformats.org/officeDocument/2006/relationships" xmlns:p="http://schemas.openxmlformats.org/presentationml/2006/main">
-  <p:cSld>
-    <p:spTree>
-      <p:nvGrpSpPr>
-        <p:cNvPr id="1" name=""/>
-        <p:cNvGrpSpPr/>
-        <p:nvPr/>
-      </p:nvGrpSpPr>
-      <p:grpSpPr>
-        <a:xfrm>
-          <a:off x="0" y="0"/>
-          <a:ext cx="0" cy="0"/>
-          <a:chOff x="0" y="0"/>
-          <a:chExt cx="0" cy="0"/>
-        </a:xfrm>
-      </p:grpSpPr>
-      <p:sp>
-        <p:nvSpPr>
-          <p:cNvPr id="2" name="Slide Image Placeholder 1"/>
-          <p:cNvSpPr>
-            <a:spLocks noGrp="1" noRot="1" noChangeAspect="1"/>
-          </p:cNvSpPr>
-          <p:nvPr>
-            <p:ph type="sldImg"/>
-          </p:nvPr>
-        </p:nvSpPr>
-        <p:spPr/>
-      </p:sp>
-      <p:sp>
-        <p:nvSpPr>
-          <p:cNvPr id="3" name="Notes Placeholder 2"/>
-          <p:cNvSpPr>
-            <a:spLocks noGrp="1"/>
-          </p:cNvSpPr>
-          <p:nvPr>
-            <p:ph type="body" idx="1"/>
-          </p:nvPr>
-        </p:nvSpPr>
-        <p:spPr/>
-        <p:txBody>
-          <a:bodyPr>
-            <a:normAutofit/>
-          </a:bodyPr>
-          <a:lstStyle/>
-          <a:p>
-            <a:endParaRPr lang="en-US"/>
-          </a:p>
-        </p:txBody>
-      </p:sp>
-      <p:sp>
-        <p:nvSpPr>
-          <p:cNvPr id="4" name="Slide Number Placeholder 3"/>
-          <p:cNvSpPr>
-            <a:spLocks noGrp="1"/>
-          </p:cNvSpPr>
-          <p:nvPr>
-            <p:ph type="sldNum" sz="quarter" idx="10"/>
-          </p:nvPr>
-        </p:nvSpPr>
-        <p:spPr/>
-        <p:txBody>
-          <a:bodyPr/>
-          <a:lstStyle/>
-          <a:p>
-            <a:pPr>
-              <a:defRPr/>
-            </a:pPr>
-            <a:fld id="{441E3F6F-A8F9-4C39-8C62-F077DEAEAA0F}" type="slidenum">
-              <a:rPr lang="en-US" smtClean="0"/>
-              <a:pPr>
-                <a:defRPr/>
-              </a:pPr>
-              <a:t>16</a:t>
-            </a:fld>
-            <a:endParaRPr lang="en-US"/>
           </a:p>
         </p:txBody>
       </p:sp>
@@ -3081,3463 +2430,6 @@
 </p:sld>
 </file>
 
-<file path=ppt/slides/slide10.xml><?xml version="1.0" encoding="utf-8"?>
-<p:sld xmlns:a="http://schemas.openxmlformats.org/drawingml/2006/main" xmlns:r="http://schemas.openxmlformats.org/officeDocument/2006/relationships" xmlns:p="http://schemas.openxmlformats.org/presentationml/2006/main">
-  <p:cSld>
-    <p:spTree>
-      <p:nvGrpSpPr>
-        <p:cNvPr id="1" name=""/>
-        <p:cNvGrpSpPr/>
-        <p:nvPr/>
-      </p:nvGrpSpPr>
-      <p:grpSpPr>
-        <a:xfrm>
-          <a:off x="0" y="0"/>
-          <a:ext cx="0" cy="0"/>
-          <a:chOff x="0" y="0"/>
-          <a:chExt cx="0" cy="0"/>
-        </a:xfrm>
-      </p:grpSpPr>
-      <p:sp>
-        <p:nvSpPr>
-          <p:cNvPr id="30722" name="Slide Number Placeholder 3"/>
-          <p:cNvSpPr>
-            <a:spLocks noGrp="1"/>
-          </p:cNvSpPr>
-          <p:nvPr>
-            <p:ph type="sldNum" sz="quarter" idx="10"/>
-          </p:nvPr>
-        </p:nvSpPr>
-        <p:spPr/>
-        <p:txBody>
-          <a:bodyPr/>
-          <a:lstStyle/>
-          <a:p>
-            <a:pPr>
-              <a:defRPr/>
-            </a:pPr>
-            <a:r>
-              <a:rPr lang="en-US" dirty="0" smtClean="0"/>
-              <a:t>testing.</a:t>
-            </a:r>
-            <a:fld id="{96B5C7C7-3FC0-4B55-9934-A080551106BF}" type="slidenum">
-              <a:rPr lang="en-US" smtClean="0"/>
-              <a:pPr>
-                <a:defRPr/>
-              </a:pPr>
-              <a:t>10</a:t>
-            </a:fld>
-            <a:endParaRPr lang="en-US" dirty="0"/>
-          </a:p>
-        </p:txBody>
-      </p:sp>
-      <p:sp>
-        <p:nvSpPr>
-          <p:cNvPr id="34819" name="Rectangle 2"/>
-          <p:cNvSpPr>
-            <a:spLocks noGrp="1" noChangeArrowheads="1"/>
-          </p:cNvSpPr>
-          <p:nvPr>
-            <p:ph type="title"/>
-          </p:nvPr>
-        </p:nvSpPr>
-        <p:spPr>
-          <a:xfrm>
-            <a:off x="1219200" y="381000"/>
-            <a:ext cx="3352800" cy="762000"/>
-          </a:xfrm>
-        </p:spPr>
-        <p:txBody>
-          <a:bodyPr/>
-          <a:lstStyle/>
-          <a:p>
-            <a:pPr eaLnBrk="1" hangingPunct="1"/>
-            <a:r>
-              <a:rPr lang="en-US" dirty="0" smtClean="0">
-                <a:solidFill>
-                  <a:srgbClr val="0000FF"/>
-                </a:solidFill>
-              </a:rPr>
-              <a:t>Confidence</a:t>
-            </a:r>
-            <a:endParaRPr lang="en-US" dirty="0" smtClean="0"/>
-          </a:p>
-        </p:txBody>
-      </p:sp>
-      <p:sp>
-        <p:nvSpPr>
-          <p:cNvPr id="205827" name="Text Box 3"/>
-          <p:cNvSpPr txBox="1">
-            <a:spLocks noChangeArrowheads="1"/>
-          </p:cNvSpPr>
-          <p:nvPr/>
-        </p:nvSpPr>
-        <p:spPr bwMode="auto">
-          <a:xfrm>
-            <a:off x="76200" y="1447800"/>
-            <a:ext cx="8915400" cy="4247317"/>
-          </a:xfrm>
-          <a:prstGeom prst="rect">
-            <a:avLst/>
-          </a:prstGeom>
-          <a:noFill/>
-          <a:ln w="9525">
-            <a:noFill/>
-            <a:miter lim="800000"/>
-            <a:headEnd/>
-            <a:tailEnd/>
-          </a:ln>
-        </p:spPr>
-        <p:txBody>
-          <a:bodyPr wrap="square">
-            <a:spAutoFit/>
-          </a:bodyPr>
-          <a:lstStyle/>
-          <a:p>
-            <a:pPr lvl="1" algn="l"/>
-            <a:r>
-              <a:rPr lang="en-US" sz="5400" dirty="0" smtClean="0">
-                <a:latin typeface="Comic Sans MS" pitchFamily="66" charset="0"/>
-              </a:rPr>
-              <a:t>tempting to say:</a:t>
-            </a:r>
-          </a:p>
-          <a:p>
-            <a:pPr lvl="1" algn="l"/>
-            <a:r>
-              <a:rPr lang="en-US" sz="5400" dirty="0" smtClean="0">
-                <a:latin typeface="Comic Sans MS" pitchFamily="66" charset="0"/>
-              </a:rPr>
-              <a:t>“</a:t>
-            </a:r>
-            <a:r>
-              <a:rPr lang="en-US" sz="5400" dirty="0">
-                <a:latin typeface="Comic Sans MS" pitchFamily="66" charset="0"/>
-              </a:rPr>
-              <a:t>the </a:t>
-            </a:r>
-            <a:r>
-              <a:rPr lang="en-US" sz="5400" dirty="0" smtClean="0">
-                <a:solidFill>
-                  <a:srgbClr val="7030A0"/>
-                </a:solidFill>
-                <a:latin typeface="Comic Sans MS" pitchFamily="66" charset="0"/>
-              </a:rPr>
-              <a:t>probability</a:t>
-            </a:r>
-            <a:r>
-              <a:rPr lang="en-US" sz="5400" i="1" dirty="0" smtClean="0">
-                <a:latin typeface="Comic Sans MS" pitchFamily="66" charset="0"/>
-              </a:rPr>
-              <a:t> </a:t>
-            </a:r>
-            <a:r>
-              <a:rPr lang="en-US" sz="5400" dirty="0">
-                <a:latin typeface="Comic Sans MS" pitchFamily="66" charset="0"/>
-              </a:rPr>
-              <a:t>that</a:t>
-            </a:r>
-            <a:endParaRPr lang="en-US" sz="5400" dirty="0" smtClean="0">
-              <a:latin typeface="Comic Sans MS" pitchFamily="66" charset="0"/>
-            </a:endParaRPr>
-          </a:p>
-          <a:p>
-            <a:pPr lvl="1"/>
-            <a:r>
-              <a:rPr lang="en-US" sz="5400" dirty="0" err="1" smtClean="0">
-                <a:solidFill>
-                  <a:srgbClr val="FF6600"/>
-                </a:solidFill>
-                <a:latin typeface="Comic Sans MS" pitchFamily="66" charset="0"/>
-              </a:rPr>
-              <a:t>c</a:t>
-            </a:r>
-            <a:r>
-              <a:rPr lang="en-US" sz="5400" dirty="0" smtClean="0">
-                <a:solidFill>
-                  <a:srgbClr val="0006FE"/>
-                </a:solidFill>
-                <a:latin typeface="Comic Sans MS" pitchFamily="66" charset="0"/>
-              </a:rPr>
-              <a:t> </a:t>
-            </a:r>
-            <a:r>
-              <a:rPr lang="en-US" sz="5400" b="1" dirty="0">
-                <a:solidFill>
-                  <a:schemeClr val="tx2"/>
-                </a:solidFill>
-                <a:latin typeface="Euclid Symbol" charset="2"/>
-                <a:cs typeface="Euclid Symbol" charset="2"/>
-              </a:rPr>
-              <a:t>=</a:t>
-            </a:r>
-            <a:r>
-              <a:rPr lang="en-US" sz="5400" dirty="0" smtClean="0">
-                <a:solidFill>
-                  <a:srgbClr val="0006FE"/>
-                </a:solidFill>
-                <a:latin typeface="Comic Sans MS" pitchFamily="66" charset="0"/>
-              </a:rPr>
-              <a:t> 180 </a:t>
-            </a:r>
-            <a:r>
-              <a:rPr lang="en-US" sz="5400" dirty="0" smtClean="0">
-                <a:solidFill>
-                  <a:srgbClr val="0006FE"/>
-                </a:solidFill>
-                <a:latin typeface="Euclid Symbol" charset="2"/>
-                <a:cs typeface="Euclid Symbol" charset="2"/>
-              </a:rPr>
-              <a:t>±</a:t>
-            </a:r>
-            <a:r>
-              <a:rPr lang="en-US" sz="5400" dirty="0" smtClean="0">
-                <a:solidFill>
-                  <a:schemeClr val="accent2"/>
-                </a:solidFill>
-                <a:latin typeface="Comic Sans MS" pitchFamily="66" charset="0"/>
-              </a:rPr>
-              <a:t> </a:t>
-            </a:r>
-            <a:r>
-              <a:rPr lang="en-US" sz="5400" dirty="0" smtClean="0">
-                <a:solidFill>
-                  <a:srgbClr val="FF6600"/>
-                </a:solidFill>
-                <a:latin typeface="Comic Sans MS" pitchFamily="66" charset="0"/>
-              </a:rPr>
-              <a:t>20</a:t>
-            </a:r>
-          </a:p>
-          <a:p>
-            <a:pPr lvl="1" algn="l"/>
-            <a:r>
-              <a:rPr lang="en-US" sz="5400" dirty="0">
-                <a:latin typeface="Comic Sans MS" pitchFamily="66" charset="0"/>
-              </a:rPr>
-              <a:t>is at least </a:t>
-            </a:r>
-            <a:r>
-              <a:rPr lang="en-US" sz="5400" dirty="0" smtClean="0">
-                <a:solidFill>
-                  <a:srgbClr val="FF33CC"/>
-                </a:solidFill>
-                <a:latin typeface="Comic Sans MS" pitchFamily="66" charset="0"/>
-              </a:rPr>
-              <a:t>0.95</a:t>
-            </a:r>
-            <a:r>
-              <a:rPr lang="en-US" sz="5400" dirty="0" smtClean="0">
-                <a:latin typeface="Comic Sans MS" pitchFamily="66" charset="0"/>
-              </a:rPr>
-              <a:t>”</a:t>
-            </a:r>
-            <a:endParaRPr lang="en-US" sz="5400" dirty="0">
-              <a:latin typeface="Comic Sans MS" pitchFamily="66" charset="0"/>
-            </a:endParaRPr>
-          </a:p>
-          <a:p>
-            <a:pPr algn="l"/>
-            <a:r>
-              <a:rPr lang="en-US" sz="5400" dirty="0">
-                <a:solidFill>
-                  <a:srgbClr val="CC0000"/>
-                </a:solidFill>
-                <a:latin typeface="Comic Sans MS" pitchFamily="66" charset="0"/>
-              </a:rPr>
-              <a:t>--technically wrong!</a:t>
-            </a:r>
-          </a:p>
-        </p:txBody>
-      </p:sp>
-      <p:grpSp>
-        <p:nvGrpSpPr>
-          <p:cNvPr id="2" name="Group 4"/>
-          <p:cNvGrpSpPr>
-            <a:grpSpLocks/>
-          </p:cNvGrpSpPr>
-          <p:nvPr/>
-        </p:nvGrpSpPr>
-        <p:grpSpPr bwMode="auto">
-          <a:xfrm>
-            <a:off x="914400" y="2590800"/>
-            <a:ext cx="5791200" cy="1752600"/>
-            <a:chOff x="528" y="2304"/>
-            <a:chExt cx="4656" cy="384"/>
-          </a:xfrm>
-        </p:grpSpPr>
-        <p:sp>
-          <p:nvSpPr>
-            <p:cNvPr id="34824" name="Line 5"/>
-            <p:cNvSpPr>
-              <a:spLocks noChangeShapeType="1"/>
-            </p:cNvSpPr>
-            <p:nvPr/>
-          </p:nvSpPr>
-          <p:spPr bwMode="auto">
-            <a:xfrm>
-              <a:off x="528" y="2304"/>
-              <a:ext cx="4656" cy="384"/>
-            </a:xfrm>
-            <a:prstGeom prst="line">
-              <a:avLst/>
-            </a:prstGeom>
-            <a:noFill/>
-            <a:ln w="44450">
-              <a:solidFill>
-                <a:srgbClr val="CC0000"/>
-              </a:solidFill>
-              <a:prstDash val="dash"/>
-              <a:round/>
-              <a:headEnd/>
-              <a:tailEnd/>
-            </a:ln>
-          </p:spPr>
-          <p:txBody>
-            <a:bodyPr>
-              <a:spAutoFit/>
-            </a:bodyPr>
-            <a:lstStyle/>
-            <a:p>
-              <a:endParaRPr lang="en-US"/>
-            </a:p>
-          </p:txBody>
-        </p:sp>
-        <p:sp>
-          <p:nvSpPr>
-            <p:cNvPr id="34825" name="Line 6"/>
-            <p:cNvSpPr>
-              <a:spLocks noChangeShapeType="1"/>
-            </p:cNvSpPr>
-            <p:nvPr/>
-          </p:nvSpPr>
-          <p:spPr bwMode="auto">
-            <a:xfrm flipV="1">
-              <a:off x="528" y="2304"/>
-              <a:ext cx="4656" cy="384"/>
-            </a:xfrm>
-            <a:prstGeom prst="line">
-              <a:avLst/>
-            </a:prstGeom>
-            <a:noFill/>
-            <a:ln w="44450">
-              <a:solidFill>
-                <a:srgbClr val="CC0000"/>
-              </a:solidFill>
-              <a:prstDash val="dash"/>
-              <a:round/>
-              <a:headEnd/>
-              <a:tailEnd/>
-            </a:ln>
-          </p:spPr>
-          <p:txBody>
-            <a:bodyPr>
-              <a:spAutoFit/>
-            </a:bodyPr>
-            <a:lstStyle/>
-            <a:p>
-              <a:endParaRPr lang="en-US"/>
-            </a:p>
-          </p:txBody>
-        </p:sp>
-      </p:grpSp>
-      <p:pic>
-        <p:nvPicPr>
-          <p:cNvPr id="34822" name="Picture 7" descr="texpointerror"/>
-          <p:cNvPicPr>
-            <a:picLocks noChangeAspect="1" noChangeArrowheads="1"/>
-          </p:cNvPicPr>
-          <p:nvPr>
-            <p:custDataLst>
-              <p:tags r:id="rId1"/>
-            </p:custDataLst>
-          </p:nvPr>
-        </p:nvPicPr>
-        <p:blipFill>
-          <a:blip r:embed="rId4">
-            <a:clrChange>
-              <a:clrFrom>
-                <a:srgbClr val="FFFFFF"/>
-              </a:clrFrom>
-              <a:clrTo>
-                <a:srgbClr val="FFFFFF">
-                  <a:alpha val="0"/>
-                </a:srgbClr>
-              </a:clrTo>
-            </a:clrChange>
-          </a:blip>
-          <a:srcRect/>
-          <a:stretch>
-            <a:fillRect/>
-          </a:stretch>
-        </p:blipFill>
-        <p:spPr bwMode="auto">
-          <a:xfrm>
-            <a:off x="5080000" y="3810000"/>
-            <a:ext cx="1588" cy="1588"/>
-          </a:xfrm>
-          <a:prstGeom prst="rect">
-            <a:avLst/>
-          </a:prstGeom>
-          <a:noFill/>
-          <a:ln w="9525" algn="ctr">
-            <a:noFill/>
-            <a:miter lim="800000"/>
-            <a:headEnd/>
-            <a:tailEnd/>
-          </a:ln>
-        </p:spPr>
-      </p:pic>
-      <p:sp>
-        <p:nvSpPr>
-          <p:cNvPr id="205832" name="Text Box 8"/>
-          <p:cNvSpPr txBox="1">
-            <a:spLocks noChangeArrowheads="1"/>
-          </p:cNvSpPr>
-          <p:nvPr/>
-        </p:nvSpPr>
-        <p:spPr bwMode="auto">
-          <a:xfrm>
-            <a:off x="3886200" y="457200"/>
-            <a:ext cx="5486400" cy="646113"/>
-          </a:xfrm>
-          <a:prstGeom prst="rect">
-            <a:avLst/>
-          </a:prstGeom>
-          <a:noFill/>
-          <a:ln w="28575" algn="ctr">
-            <a:noFill/>
-            <a:miter lim="800000"/>
-            <a:headEnd/>
-            <a:tailEnd/>
-          </a:ln>
-        </p:spPr>
-        <p:txBody>
-          <a:bodyPr>
-            <a:spAutoFit/>
-          </a:bodyPr>
-          <a:lstStyle/>
-          <a:p>
-            <a:r>
-              <a:rPr lang="en-US" sz="3600" b="1" dirty="0" smtClean="0">
-                <a:solidFill>
-                  <a:schemeClr val="tx2"/>
-                </a:solidFill>
-                <a:latin typeface="Euclid Symbol" charset="2"/>
-                <a:cs typeface="Euclid Symbol" charset="2"/>
-                <a:sym typeface="Euclid Symbol" pitchFamily="18" charset="2"/>
-              </a:rPr>
-              <a:t>−</a:t>
-            </a:r>
-            <a:r>
-              <a:rPr lang="en-US" sz="3600" b="1" dirty="0" smtClean="0">
-                <a:solidFill>
-                  <a:srgbClr val="C80000"/>
-                </a:solidFill>
-                <a:latin typeface="Comic Sans MS" pitchFamily="66" charset="0"/>
-              </a:rPr>
-              <a:t>not</a:t>
-            </a:r>
-            <a:r>
-              <a:rPr lang="en-US" sz="3600" b="1" dirty="0" smtClean="0">
-                <a:solidFill>
-                  <a:schemeClr val="tx2"/>
-                </a:solidFill>
-                <a:latin typeface="Comic Sans MS" pitchFamily="66" charset="0"/>
-              </a:rPr>
-              <a:t> </a:t>
-            </a:r>
-            <a:r>
-              <a:rPr lang="en-US" sz="3600" b="1" dirty="0">
-                <a:solidFill>
-                  <a:schemeClr val="tx2"/>
-                </a:solidFill>
-                <a:latin typeface="Comic Sans MS" pitchFamily="66" charset="0"/>
-              </a:rPr>
-              <a:t>Probable Reality</a:t>
-            </a:r>
-          </a:p>
-        </p:txBody>
-      </p:sp>
-    </p:spTree>
-    <p:extLst>
-      <p:ext uri="{BB962C8B-B14F-4D97-AF65-F5344CB8AC3E}">
-        <p14:creationId xmlns:p14="http://schemas.microsoft.com/office/powerpoint/2010/main" val="2603867993"/>
-      </p:ext>
-    </p:extLst>
-  </p:cSld>
-  <p:clrMapOvr>
-    <a:masterClrMapping/>
-  </p:clrMapOvr>
-  <mc:AlternateContent xmlns:mc="http://schemas.openxmlformats.org/markup-compatibility/2006" xmlns:p14="http://schemas.microsoft.com/office/powerpoint/2010/main">
-    <mc:Choice Requires="p14">
-      <p:transition spd="slow" p14:dur="1200" advClick="0">
-        <p:fade thruBlk="1"/>
-      </p:transition>
-    </mc:Choice>
-    <mc:Fallback xmlns="">
-      <p:transition xmlns:p14="http://schemas.microsoft.com/office/powerpoint/2010/main" spd="slow" advClick="0">
-        <p:fade thruBlk="1"/>
-      </p:transition>
-    </mc:Fallback>
-  </mc:AlternateContent>
-  <p:timing>
-    <p:tnLst>
-      <p:par>
-        <p:cTn xmlns:p14="http://schemas.microsoft.com/office/powerpoint/2010/main" id="1" dur="indefinite" restart="never" nodeType="tmRoot">
-          <p:childTnLst>
-            <p:seq concurrent="1" nextAc="seek">
-              <p:cTn id="2" dur="indefinite" nodeType="mainSeq">
-                <p:childTnLst>
-                  <p:par>
-                    <p:cTn id="3" fill="hold">
-                      <p:stCondLst>
-                        <p:cond delay="indefinite"/>
-                      </p:stCondLst>
-                      <p:childTnLst>
-                        <p:par>
-                          <p:cTn id="4" fill="hold">
-                            <p:stCondLst>
-                              <p:cond delay="0"/>
-                            </p:stCondLst>
-                            <p:childTnLst>
-                              <p:par>
-                                <p:cTn id="5" presetID="22" presetClass="entr" presetSubtype="1" fill="hold" nodeType="clickEffect">
-                                  <p:stCondLst>
-                                    <p:cond delay="0"/>
-                                  </p:stCondLst>
-                                  <p:childTnLst>
-                                    <p:set>
-                                      <p:cBhvr>
-                                        <p:cTn id="6" dur="1" fill="hold">
-                                          <p:stCondLst>
-                                            <p:cond delay="0"/>
-                                          </p:stCondLst>
-                                        </p:cTn>
-                                        <p:tgtEl>
-                                          <p:spTgt spid="205827">
-                                            <p:txEl>
-                                              <p:pRg st="1" end="1"/>
-                                            </p:txEl>
-                                          </p:spTgt>
-                                        </p:tgtEl>
-                                        <p:attrNameLst>
-                                          <p:attrName>style.visibility</p:attrName>
-                                        </p:attrNameLst>
-                                      </p:cBhvr>
-                                      <p:to>
-                                        <p:strVal val="visible"/>
-                                      </p:to>
-                                    </p:set>
-                                    <p:animEffect transition="in" filter="wipe(up)">
-                                      <p:cBhvr>
-                                        <p:cTn id="7" dur="500"/>
-                                        <p:tgtEl>
-                                          <p:spTgt spid="205827">
-                                            <p:txEl>
-                                              <p:pRg st="1" end="1"/>
-                                            </p:txEl>
-                                          </p:spTgt>
-                                        </p:tgtEl>
-                                      </p:cBhvr>
-                                    </p:animEffect>
-                                  </p:childTnLst>
-                                </p:cTn>
-                              </p:par>
-                            </p:childTnLst>
-                          </p:cTn>
-                        </p:par>
-                        <p:par>
-                          <p:cTn id="8" fill="hold">
-                            <p:stCondLst>
-                              <p:cond delay="500"/>
-                            </p:stCondLst>
-                            <p:childTnLst>
-                              <p:par>
-                                <p:cTn id="9" presetID="22" presetClass="entr" presetSubtype="1" fill="hold" nodeType="afterEffect">
-                                  <p:stCondLst>
-                                    <p:cond delay="0"/>
-                                  </p:stCondLst>
-                                  <p:childTnLst>
-                                    <p:set>
-                                      <p:cBhvr>
-                                        <p:cTn id="10" dur="1" fill="hold">
-                                          <p:stCondLst>
-                                            <p:cond delay="0"/>
-                                          </p:stCondLst>
-                                        </p:cTn>
-                                        <p:tgtEl>
-                                          <p:spTgt spid="205827">
-                                            <p:txEl>
-                                              <p:pRg st="2" end="2"/>
-                                            </p:txEl>
-                                          </p:spTgt>
-                                        </p:tgtEl>
-                                        <p:attrNameLst>
-                                          <p:attrName>style.visibility</p:attrName>
-                                        </p:attrNameLst>
-                                      </p:cBhvr>
-                                      <p:to>
-                                        <p:strVal val="visible"/>
-                                      </p:to>
-                                    </p:set>
-                                    <p:animEffect transition="in" filter="wipe(up)">
-                                      <p:cBhvr>
-                                        <p:cTn id="11" dur="500"/>
-                                        <p:tgtEl>
-                                          <p:spTgt spid="205827">
-                                            <p:txEl>
-                                              <p:pRg st="2" end="2"/>
-                                            </p:txEl>
-                                          </p:spTgt>
-                                        </p:tgtEl>
-                                      </p:cBhvr>
-                                    </p:animEffect>
-                                  </p:childTnLst>
-                                </p:cTn>
-                              </p:par>
-                            </p:childTnLst>
-                          </p:cTn>
-                        </p:par>
-                        <p:par>
-                          <p:cTn id="12" fill="hold">
-                            <p:stCondLst>
-                              <p:cond delay="1000"/>
-                            </p:stCondLst>
-                            <p:childTnLst>
-                              <p:par>
-                                <p:cTn id="13" presetID="22" presetClass="entr" presetSubtype="1" fill="hold" nodeType="afterEffect">
-                                  <p:stCondLst>
-                                    <p:cond delay="0"/>
-                                  </p:stCondLst>
-                                  <p:childTnLst>
-                                    <p:set>
-                                      <p:cBhvr>
-                                        <p:cTn id="14" dur="1" fill="hold">
-                                          <p:stCondLst>
-                                            <p:cond delay="0"/>
-                                          </p:stCondLst>
-                                        </p:cTn>
-                                        <p:tgtEl>
-                                          <p:spTgt spid="205827">
-                                            <p:txEl>
-                                              <p:pRg st="3" end="3"/>
-                                            </p:txEl>
-                                          </p:spTgt>
-                                        </p:tgtEl>
-                                        <p:attrNameLst>
-                                          <p:attrName>style.visibility</p:attrName>
-                                        </p:attrNameLst>
-                                      </p:cBhvr>
-                                      <p:to>
-                                        <p:strVal val="visible"/>
-                                      </p:to>
-                                    </p:set>
-                                    <p:animEffect transition="in" filter="wipe(up)">
-                                      <p:cBhvr>
-                                        <p:cTn id="15" dur="500"/>
-                                        <p:tgtEl>
-                                          <p:spTgt spid="205827">
-                                            <p:txEl>
-                                              <p:pRg st="3" end="3"/>
-                                            </p:txEl>
-                                          </p:spTgt>
-                                        </p:tgtEl>
-                                      </p:cBhvr>
-                                    </p:animEffect>
-                                  </p:childTnLst>
-                                </p:cTn>
-                              </p:par>
-                            </p:childTnLst>
-                          </p:cTn>
-                        </p:par>
-                      </p:childTnLst>
-                    </p:cTn>
-                  </p:par>
-                  <p:par>
-                    <p:cTn id="16" fill="hold">
-                      <p:stCondLst>
-                        <p:cond delay="indefinite"/>
-                      </p:stCondLst>
-                      <p:childTnLst>
-                        <p:par>
-                          <p:cTn id="17" fill="hold">
-                            <p:stCondLst>
-                              <p:cond delay="0"/>
-                            </p:stCondLst>
-                            <p:childTnLst>
-                              <p:par>
-                                <p:cTn id="18" presetID="23" presetClass="entr" presetSubtype="16" fill="hold" nodeType="clickEffect">
-                                  <p:stCondLst>
-                                    <p:cond delay="0"/>
-                                  </p:stCondLst>
-                                  <p:childTnLst>
-                                    <p:set>
-                                      <p:cBhvr>
-                                        <p:cTn id="19" dur="1" fill="hold">
-                                          <p:stCondLst>
-                                            <p:cond delay="0"/>
-                                          </p:stCondLst>
-                                        </p:cTn>
-                                        <p:tgtEl>
-                                          <p:spTgt spid="205827">
-                                            <p:txEl>
-                                              <p:pRg st="4" end="4"/>
-                                            </p:txEl>
-                                          </p:spTgt>
-                                        </p:tgtEl>
-                                        <p:attrNameLst>
-                                          <p:attrName>style.visibility</p:attrName>
-                                        </p:attrNameLst>
-                                      </p:cBhvr>
-                                      <p:to>
-                                        <p:strVal val="visible"/>
-                                      </p:to>
-                                    </p:set>
-                                    <p:anim calcmode="lin" valueType="num">
-                                      <p:cBhvr>
-                                        <p:cTn id="20" dur="500" fill="hold"/>
-                                        <p:tgtEl>
-                                          <p:spTgt spid="205827">
-                                            <p:txEl>
-                                              <p:pRg st="4" end="4"/>
-                                            </p:txEl>
-                                          </p:spTgt>
-                                        </p:tgtEl>
-                                        <p:attrNameLst>
-                                          <p:attrName>ppt_w</p:attrName>
-                                        </p:attrNameLst>
-                                      </p:cBhvr>
-                                      <p:tavLst>
-                                        <p:tav tm="0">
-                                          <p:val>
-                                            <p:fltVal val="0"/>
-                                          </p:val>
-                                        </p:tav>
-                                        <p:tav tm="100000">
-                                          <p:val>
-                                            <p:strVal val="#ppt_w"/>
-                                          </p:val>
-                                        </p:tav>
-                                      </p:tavLst>
-                                    </p:anim>
-                                    <p:anim calcmode="lin" valueType="num">
-                                      <p:cBhvr>
-                                        <p:cTn id="21" dur="500" fill="hold"/>
-                                        <p:tgtEl>
-                                          <p:spTgt spid="205827">
-                                            <p:txEl>
-                                              <p:pRg st="4" end="4"/>
-                                            </p:txEl>
-                                          </p:spTgt>
-                                        </p:tgtEl>
-                                        <p:attrNameLst>
-                                          <p:attrName>ppt_h</p:attrName>
-                                        </p:attrNameLst>
-                                      </p:cBhvr>
-                                      <p:tavLst>
-                                        <p:tav tm="0">
-                                          <p:val>
-                                            <p:fltVal val="0"/>
-                                          </p:val>
-                                        </p:tav>
-                                        <p:tav tm="100000">
-                                          <p:val>
-                                            <p:strVal val="#ppt_h"/>
-                                          </p:val>
-                                        </p:tav>
-                                      </p:tavLst>
-                                    </p:anim>
-                                  </p:childTnLst>
-                                </p:cTn>
-                              </p:par>
-                            </p:childTnLst>
-                          </p:cTn>
-                        </p:par>
-                        <p:par>
-                          <p:cTn id="22" fill="hold">
-                            <p:stCondLst>
-                              <p:cond delay="500"/>
-                            </p:stCondLst>
-                            <p:childTnLst>
-                              <p:par>
-                                <p:cTn id="23" presetID="15" presetClass="entr" presetSubtype="0" fill="hold" nodeType="afterEffect">
-                                  <p:stCondLst>
-                                    <p:cond delay="500"/>
-                                  </p:stCondLst>
-                                  <p:childTnLst>
-                                    <p:set>
-                                      <p:cBhvr>
-                                        <p:cTn id="24" dur="1" fill="hold">
-                                          <p:stCondLst>
-                                            <p:cond delay="0"/>
-                                          </p:stCondLst>
-                                        </p:cTn>
-                                        <p:tgtEl>
-                                          <p:spTgt spid="2"/>
-                                        </p:tgtEl>
-                                        <p:attrNameLst>
-                                          <p:attrName>style.visibility</p:attrName>
-                                        </p:attrNameLst>
-                                      </p:cBhvr>
-                                      <p:to>
-                                        <p:strVal val="visible"/>
-                                      </p:to>
-                                    </p:set>
-                                    <p:anim calcmode="lin" valueType="num">
-                                      <p:cBhvr>
-                                        <p:cTn id="25" dur="1000" fill="hold"/>
-                                        <p:tgtEl>
-                                          <p:spTgt spid="2"/>
-                                        </p:tgtEl>
-                                        <p:attrNameLst>
-                                          <p:attrName>ppt_w</p:attrName>
-                                        </p:attrNameLst>
-                                      </p:cBhvr>
-                                      <p:tavLst>
-                                        <p:tav tm="0">
-                                          <p:val>
-                                            <p:fltVal val="0"/>
-                                          </p:val>
-                                        </p:tav>
-                                        <p:tav tm="100000">
-                                          <p:val>
-                                            <p:strVal val="#ppt_w"/>
-                                          </p:val>
-                                        </p:tav>
-                                      </p:tavLst>
-                                    </p:anim>
-                                    <p:anim calcmode="lin" valueType="num">
-                                      <p:cBhvr>
-                                        <p:cTn id="26" dur="1000" fill="hold"/>
-                                        <p:tgtEl>
-                                          <p:spTgt spid="2"/>
-                                        </p:tgtEl>
-                                        <p:attrNameLst>
-                                          <p:attrName>ppt_h</p:attrName>
-                                        </p:attrNameLst>
-                                      </p:cBhvr>
-                                      <p:tavLst>
-                                        <p:tav tm="0">
-                                          <p:val>
-                                            <p:fltVal val="0"/>
-                                          </p:val>
-                                        </p:tav>
-                                        <p:tav tm="100000">
-                                          <p:val>
-                                            <p:strVal val="#ppt_h"/>
-                                          </p:val>
-                                        </p:tav>
-                                      </p:tavLst>
-                                    </p:anim>
-                                    <p:anim calcmode="lin" valueType="num">
-                                      <p:cBhvr>
-                                        <p:cTn id="27" dur="1000" fill="hold"/>
-                                        <p:tgtEl>
-                                          <p:spTgt spid="2"/>
-                                        </p:tgtEl>
-                                        <p:attrNameLst>
-                                          <p:attrName>ppt_x</p:attrName>
-                                        </p:attrNameLst>
-                                      </p:cBhvr>
-                                      <p:tavLst>
-                                        <p:tav tm="0" fmla="#ppt_x+(cos(-2*pi*(1-$))*-#ppt_x-sin(-2*pi*(1-$))*(1-#ppt_y))*(1-$)">
-                                          <p:val>
-                                            <p:fltVal val="0"/>
-                                          </p:val>
-                                        </p:tav>
-                                        <p:tav tm="100000">
-                                          <p:val>
-                                            <p:fltVal val="1"/>
-                                          </p:val>
-                                        </p:tav>
-                                      </p:tavLst>
-                                    </p:anim>
-                                    <p:anim calcmode="lin" valueType="num">
-                                      <p:cBhvr>
-                                        <p:cTn id="28" dur="1000" fill="hold"/>
-                                        <p:tgtEl>
-                                          <p:spTgt spid="2"/>
-                                        </p:tgtEl>
-                                        <p:attrNameLst>
-                                          <p:attrName>ppt_y</p:attrName>
-                                        </p:attrNameLst>
-                                      </p:cBhvr>
-                                      <p:tavLst>
-                                        <p:tav tm="0" fmla="#ppt_y+(sin(-2*pi*(1-$))*-#ppt_x+cos(-2*pi*(1-$))*(1-#ppt_y))*(1-$)">
-                                          <p:val>
-                                            <p:fltVal val="0"/>
-                                          </p:val>
-                                        </p:tav>
-                                        <p:tav tm="100000">
-                                          <p:val>
-                                            <p:fltVal val="1"/>
-                                          </p:val>
-                                        </p:tav>
-                                      </p:tavLst>
-                                    </p:anim>
-                                  </p:childTnLst>
-                                </p:cTn>
-                              </p:par>
-                            </p:childTnLst>
-                          </p:cTn>
-                        </p:par>
-                      </p:childTnLst>
-                    </p:cTn>
-                  </p:par>
-                  <p:par>
-                    <p:cTn id="29" fill="hold">
-                      <p:stCondLst>
-                        <p:cond delay="indefinite"/>
-                      </p:stCondLst>
-                      <p:childTnLst>
-                        <p:par>
-                          <p:cTn id="30" fill="hold">
-                            <p:stCondLst>
-                              <p:cond delay="0"/>
-                            </p:stCondLst>
-                            <p:childTnLst>
-                              <p:par>
-                                <p:cTn id="31" presetID="2" presetClass="entr" presetSubtype="2" fill="hold" grpId="0" nodeType="clickEffect">
-                                  <p:stCondLst>
-                                    <p:cond delay="0"/>
-                                  </p:stCondLst>
-                                  <p:childTnLst>
-                                    <p:set>
-                                      <p:cBhvr>
-                                        <p:cTn id="32" dur="1" fill="hold">
-                                          <p:stCondLst>
-                                            <p:cond delay="0"/>
-                                          </p:stCondLst>
-                                        </p:cTn>
-                                        <p:tgtEl>
-                                          <p:spTgt spid="205832"/>
-                                        </p:tgtEl>
-                                        <p:attrNameLst>
-                                          <p:attrName>style.visibility</p:attrName>
-                                        </p:attrNameLst>
-                                      </p:cBhvr>
-                                      <p:to>
-                                        <p:strVal val="visible"/>
-                                      </p:to>
-                                    </p:set>
-                                    <p:anim calcmode="lin" valueType="num">
-                                      <p:cBhvr additive="base">
-                                        <p:cTn id="33" dur="500" fill="hold"/>
-                                        <p:tgtEl>
-                                          <p:spTgt spid="205832"/>
-                                        </p:tgtEl>
-                                        <p:attrNameLst>
-                                          <p:attrName>ppt_x</p:attrName>
-                                        </p:attrNameLst>
-                                      </p:cBhvr>
-                                      <p:tavLst>
-                                        <p:tav tm="0">
-                                          <p:val>
-                                            <p:strVal val="1+#ppt_w/2"/>
-                                          </p:val>
-                                        </p:tav>
-                                        <p:tav tm="100000">
-                                          <p:val>
-                                            <p:strVal val="#ppt_x"/>
-                                          </p:val>
-                                        </p:tav>
-                                      </p:tavLst>
-                                    </p:anim>
-                                    <p:anim calcmode="lin" valueType="num">
-                                      <p:cBhvr additive="base">
-                                        <p:cTn id="34" dur="500" fill="hold"/>
-                                        <p:tgtEl>
-                                          <p:spTgt spid="205832"/>
-                                        </p:tgtEl>
-                                        <p:attrNameLst>
-                                          <p:attrName>ppt_y</p:attrName>
-                                        </p:attrNameLst>
-                                      </p:cBhvr>
-                                      <p:tavLst>
-                                        <p:tav tm="0">
-                                          <p:val>
-                                            <p:strVal val="#ppt_y"/>
-                                          </p:val>
-                                        </p:tav>
-                                        <p:tav tm="100000">
-                                          <p:val>
-                                            <p:strVal val="#ppt_y"/>
-                                          </p:val>
-                                        </p:tav>
-                                      </p:tavLst>
-                                    </p:anim>
-                                  </p:childTnLst>
-                                </p:cTn>
-                              </p:par>
-                            </p:childTnLst>
-                          </p:cTn>
-                        </p:par>
-                      </p:childTnLst>
-                    </p:cTn>
-                  </p:par>
-                </p:childTnLst>
-              </p:cTn>
-              <p:prevCondLst>
-                <p:cond evt="onPrev" delay="0">
-                  <p:tgtEl>
-                    <p:sldTgt/>
-                  </p:tgtEl>
-                </p:cond>
-              </p:prevCondLst>
-              <p:nextCondLst>
-                <p:cond evt="onNext" delay="0">
-                  <p:tgtEl>
-                    <p:sldTgt/>
-                  </p:tgtEl>
-                </p:cond>
-              </p:nextCondLst>
-            </p:seq>
-          </p:childTnLst>
-        </p:cTn>
-      </p:par>
-    </p:tnLst>
-    <p:bldLst>
-      <p:bldP spid="205832" grpId="0"/>
-    </p:bldLst>
-  </p:timing>
-</p:sld>
-</file>
-
-<file path=ppt/slides/slide11.xml><?xml version="1.0" encoding="utf-8"?>
-<p:sld xmlns:a="http://schemas.openxmlformats.org/drawingml/2006/main" xmlns:r="http://schemas.openxmlformats.org/officeDocument/2006/relationships" xmlns:p="http://schemas.openxmlformats.org/presentationml/2006/main">
-  <p:cSld>
-    <p:spTree>
-      <p:nvGrpSpPr>
-        <p:cNvPr id="1" name=""/>
-        <p:cNvGrpSpPr/>
-        <p:nvPr/>
-      </p:nvGrpSpPr>
-      <p:grpSpPr>
-        <a:xfrm>
-          <a:off x="0" y="0"/>
-          <a:ext cx="0" cy="0"/>
-          <a:chOff x="0" y="0"/>
-          <a:chExt cx="0" cy="0"/>
-        </a:xfrm>
-      </p:grpSpPr>
-      <p:sp>
-        <p:nvSpPr>
-          <p:cNvPr id="31746" name="Slide Number Placeholder 3"/>
-          <p:cNvSpPr>
-            <a:spLocks noGrp="1"/>
-          </p:cNvSpPr>
-          <p:nvPr>
-            <p:ph type="sldNum" sz="quarter" idx="10"/>
-          </p:nvPr>
-        </p:nvSpPr>
-        <p:spPr/>
-        <p:txBody>
-          <a:bodyPr/>
-          <a:lstStyle/>
-          <a:p>
-            <a:pPr>
-              <a:defRPr/>
-            </a:pPr>
-            <a:r>
-              <a:rPr lang="en-US" dirty="0" smtClean="0"/>
-              <a:t>testing.</a:t>
-            </a:r>
-            <a:fld id="{B6100CB1-975D-41F5-9A6C-8F34E133D00A}" type="slidenum">
-              <a:rPr lang="en-US" smtClean="0"/>
-              <a:pPr>
-                <a:defRPr/>
-              </a:pPr>
-              <a:t>11</a:t>
-            </a:fld>
-            <a:endParaRPr lang="en-US" dirty="0"/>
-          </a:p>
-        </p:txBody>
-      </p:sp>
-      <p:sp>
-        <p:nvSpPr>
-          <p:cNvPr id="34819" name="Rectangle 2"/>
-          <p:cNvSpPr>
-            <a:spLocks noGrp="1" noChangeArrowheads="1"/>
-          </p:cNvSpPr>
-          <p:nvPr>
-            <p:ph type="body" idx="1"/>
-          </p:nvPr>
-        </p:nvSpPr>
-        <p:spPr>
-          <a:xfrm>
-            <a:off x="152400" y="1371600"/>
-            <a:ext cx="8686800" cy="4038600"/>
-          </a:xfrm>
-        </p:spPr>
-        <p:txBody>
-          <a:bodyPr/>
-          <a:lstStyle/>
-          <a:p>
-            <a:pPr eaLnBrk="1" hangingPunct="1">
-              <a:spcBef>
-                <a:spcPct val="0"/>
-              </a:spcBef>
-            </a:pPr>
-            <a:r>
-              <a:rPr lang="en-US" sz="5400" dirty="0" smtClean="0">
-                <a:solidFill>
-                  <a:srgbClr val="FF4519"/>
-                </a:solidFill>
-              </a:rPr>
-              <a:t>c</a:t>
-            </a:r>
-            <a:r>
-              <a:rPr lang="en-US" sz="5400" dirty="0" smtClean="0">
-                <a:solidFill>
-                  <a:schemeClr val="accent2"/>
-                </a:solidFill>
-              </a:rPr>
-              <a:t> </a:t>
-            </a:r>
-            <a:r>
-              <a:rPr lang="en-US" sz="5400" dirty="0" smtClean="0"/>
-              <a:t>is the </a:t>
-            </a:r>
-            <a:r>
-              <a:rPr lang="en-US" sz="5400" dirty="0" smtClean="0">
-                <a:solidFill>
-                  <a:srgbClr val="800F6F"/>
-                </a:solidFill>
-              </a:rPr>
-              <a:t>actual</a:t>
-            </a:r>
-            <a:r>
-              <a:rPr lang="en-US" sz="5400" dirty="0" smtClean="0">
-                <a:solidFill>
-                  <a:srgbClr val="7030A0"/>
-                </a:solidFill>
-              </a:rPr>
-              <a:t> </a:t>
-            </a:r>
-            <a:r>
-              <a:rPr lang="en-US" sz="5400" dirty="0" smtClean="0"/>
-              <a:t>average in the river.</a:t>
-            </a:r>
-          </a:p>
-          <a:p>
-            <a:pPr eaLnBrk="1" hangingPunct="1"/>
-            <a:r>
-              <a:rPr lang="en-US" sz="6000" dirty="0" err="1" smtClean="0">
-                <a:solidFill>
-                  <a:srgbClr val="FF4519"/>
-                </a:solidFill>
-              </a:rPr>
-              <a:t>c</a:t>
-            </a:r>
-            <a:r>
-              <a:rPr lang="en-US" sz="6000" dirty="0" smtClean="0">
-                <a:solidFill>
-                  <a:schemeClr val="accent2"/>
-                </a:solidFill>
-              </a:rPr>
-              <a:t> </a:t>
-            </a:r>
-            <a:r>
-              <a:rPr lang="en-US" sz="6000" dirty="0" smtClean="0"/>
-              <a:t>is </a:t>
-            </a:r>
-            <a:r>
-              <a:rPr lang="en-US" sz="6000" dirty="0" smtClean="0">
-                <a:solidFill>
-                  <a:srgbClr val="FF33CC"/>
-                </a:solidFill>
-              </a:rPr>
-              <a:t>unknown</a:t>
-            </a:r>
-            <a:r>
-              <a:rPr lang="en-US" sz="6000" dirty="0" smtClean="0"/>
-              <a:t>,</a:t>
-            </a:r>
-          </a:p>
-          <a:p>
-            <a:pPr algn="ctr" eaLnBrk="1" hangingPunct="1"/>
-            <a:r>
-              <a:rPr lang="en-US" sz="5400" dirty="0" smtClean="0"/>
-              <a:t>but </a:t>
-            </a:r>
-            <a:r>
-              <a:rPr lang="en-US" sz="5400" dirty="0" smtClean="0">
-                <a:solidFill>
-                  <a:srgbClr val="C00000"/>
-                </a:solidFill>
-              </a:rPr>
-              <a:t>not</a:t>
-            </a:r>
-            <a:r>
-              <a:rPr lang="en-US" sz="5400" dirty="0" smtClean="0"/>
-              <a:t> a random variable!</a:t>
-            </a:r>
-          </a:p>
-        </p:txBody>
-      </p:sp>
-      <p:sp>
-        <p:nvSpPr>
-          <p:cNvPr id="6" name="Rectangle 3"/>
-          <p:cNvSpPr>
-            <a:spLocks noGrp="1" noChangeArrowheads="1"/>
-          </p:cNvSpPr>
-          <p:nvPr>
-            <p:ph type="title"/>
-          </p:nvPr>
-        </p:nvSpPr>
-        <p:spPr>
-          <a:xfrm>
-            <a:off x="1905000" y="228600"/>
-            <a:ext cx="5334000" cy="990600"/>
-          </a:xfrm>
-          <a:noFill/>
-        </p:spPr>
-        <p:txBody>
-          <a:bodyPr/>
-          <a:lstStyle/>
-          <a:p>
-            <a:pPr eaLnBrk="1" hangingPunct="1"/>
-            <a:r>
-              <a:rPr lang="en-US" sz="4800" dirty="0" smtClean="0">
-                <a:solidFill>
-                  <a:srgbClr val="0006FE"/>
-                </a:solidFill>
-              </a:rPr>
-              <a:t>Confidence</a:t>
-            </a:r>
-          </a:p>
-        </p:txBody>
-      </p:sp>
-    </p:spTree>
-    <p:extLst>
-      <p:ext uri="{BB962C8B-B14F-4D97-AF65-F5344CB8AC3E}">
-        <p14:creationId xmlns:p14="http://schemas.microsoft.com/office/powerpoint/2010/main" val="2688605003"/>
-      </p:ext>
-    </p:extLst>
-  </p:cSld>
-  <p:clrMapOvr>
-    <a:masterClrMapping/>
-  </p:clrMapOvr>
-  <p:transition xmlns:p14="http://schemas.microsoft.com/office/powerpoint/2010/main" spd="slow" advClick="0">
-    <p:fade/>
-  </p:transition>
-  <p:timing>
-    <p:tnLst>
-      <p:par>
-        <p:cTn xmlns:p14="http://schemas.microsoft.com/office/powerpoint/2010/main" id="1" dur="indefinite" restart="never" nodeType="tmRoot">
-          <p:childTnLst>
-            <p:seq concurrent="1" nextAc="seek">
-              <p:cTn id="2" dur="indefinite" nodeType="mainSeq">
-                <p:childTnLst>
-                  <p:par>
-                    <p:cTn id="3" fill="hold">
-                      <p:stCondLst>
-                        <p:cond delay="indefinite"/>
-                      </p:stCondLst>
-                      <p:childTnLst>
-                        <p:par>
-                          <p:cTn id="4" fill="hold">
-                            <p:stCondLst>
-                              <p:cond delay="0"/>
-                            </p:stCondLst>
-                            <p:childTnLst>
-                              <p:par>
-                                <p:cTn id="5" presetID="9" presetClass="entr" presetSubtype="0" fill="hold" nodeType="clickEffect">
-                                  <p:stCondLst>
-                                    <p:cond delay="0"/>
-                                  </p:stCondLst>
-                                  <p:childTnLst>
-                                    <p:set>
-                                      <p:cBhvr>
-                                        <p:cTn id="6" dur="1" fill="hold">
-                                          <p:stCondLst>
-                                            <p:cond delay="0"/>
-                                          </p:stCondLst>
-                                        </p:cTn>
-                                        <p:tgtEl>
-                                          <p:spTgt spid="34819">
-                                            <p:txEl>
-                                              <p:pRg st="1" end="1"/>
-                                            </p:txEl>
-                                          </p:spTgt>
-                                        </p:tgtEl>
-                                        <p:attrNameLst>
-                                          <p:attrName>style.visibility</p:attrName>
-                                        </p:attrNameLst>
-                                      </p:cBhvr>
-                                      <p:to>
-                                        <p:strVal val="visible"/>
-                                      </p:to>
-                                    </p:set>
-                                    <p:animEffect transition="in" filter="dissolve">
-                                      <p:cBhvr>
-                                        <p:cTn id="7" dur="500"/>
-                                        <p:tgtEl>
-                                          <p:spTgt spid="34819">
-                                            <p:txEl>
-                                              <p:pRg st="1" end="1"/>
-                                            </p:txEl>
-                                          </p:spTgt>
-                                        </p:tgtEl>
-                                      </p:cBhvr>
-                                    </p:animEffect>
-                                  </p:childTnLst>
-                                </p:cTn>
-                              </p:par>
-                            </p:childTnLst>
-                          </p:cTn>
-                        </p:par>
-                      </p:childTnLst>
-                    </p:cTn>
-                  </p:par>
-                  <p:par>
-                    <p:cTn id="8" fill="hold">
-                      <p:stCondLst>
-                        <p:cond delay="indefinite"/>
-                      </p:stCondLst>
-                      <p:childTnLst>
-                        <p:par>
-                          <p:cTn id="9" fill="hold">
-                            <p:stCondLst>
-                              <p:cond delay="0"/>
-                            </p:stCondLst>
-                            <p:childTnLst>
-                              <p:par>
-                                <p:cTn id="10" presetID="9" presetClass="entr" presetSubtype="0" fill="hold" nodeType="clickEffect">
-                                  <p:stCondLst>
-                                    <p:cond delay="0"/>
-                                  </p:stCondLst>
-                                  <p:childTnLst>
-                                    <p:set>
-                                      <p:cBhvr>
-                                        <p:cTn id="11" dur="1" fill="hold">
-                                          <p:stCondLst>
-                                            <p:cond delay="0"/>
-                                          </p:stCondLst>
-                                        </p:cTn>
-                                        <p:tgtEl>
-                                          <p:spTgt spid="34819">
-                                            <p:txEl>
-                                              <p:pRg st="2" end="2"/>
-                                            </p:txEl>
-                                          </p:spTgt>
-                                        </p:tgtEl>
-                                        <p:attrNameLst>
-                                          <p:attrName>style.visibility</p:attrName>
-                                        </p:attrNameLst>
-                                      </p:cBhvr>
-                                      <p:to>
-                                        <p:strVal val="visible"/>
-                                      </p:to>
-                                    </p:set>
-                                    <p:animEffect transition="in" filter="dissolve">
-                                      <p:cBhvr>
-                                        <p:cTn id="12" dur="500"/>
-                                        <p:tgtEl>
-                                          <p:spTgt spid="34819">
-                                            <p:txEl>
-                                              <p:pRg st="2" end="2"/>
-                                            </p:txEl>
-                                          </p:spTgt>
-                                        </p:tgtEl>
-                                      </p:cBhvr>
-                                    </p:animEffect>
-                                  </p:childTnLst>
-                                </p:cTn>
-                              </p:par>
-                            </p:childTnLst>
-                          </p:cTn>
-                        </p:par>
-                      </p:childTnLst>
-                    </p:cTn>
-                  </p:par>
-                </p:childTnLst>
-              </p:cTn>
-              <p:prevCondLst>
-                <p:cond evt="onPrev" delay="0">
-                  <p:tgtEl>
-                    <p:sldTgt/>
-                  </p:tgtEl>
-                </p:cond>
-              </p:prevCondLst>
-              <p:nextCondLst>
-                <p:cond evt="onNext" delay="0">
-                  <p:tgtEl>
-                    <p:sldTgt/>
-                  </p:tgtEl>
-                </p:cond>
-              </p:nextCondLst>
-            </p:seq>
-          </p:childTnLst>
-        </p:cTn>
-      </p:par>
-    </p:tnLst>
-  </p:timing>
-</p:sld>
-</file>
-
-<file path=ppt/slides/slide12.xml><?xml version="1.0" encoding="utf-8"?>
-<p:sld xmlns:a="http://schemas.openxmlformats.org/drawingml/2006/main" xmlns:r="http://schemas.openxmlformats.org/officeDocument/2006/relationships" xmlns:p="http://schemas.openxmlformats.org/presentationml/2006/main">
-  <p:cSld>
-    <p:spTree>
-      <p:nvGrpSpPr>
-        <p:cNvPr id="1" name=""/>
-        <p:cNvGrpSpPr/>
-        <p:nvPr/>
-      </p:nvGrpSpPr>
-      <p:grpSpPr>
-        <a:xfrm>
-          <a:off x="0" y="0"/>
-          <a:ext cx="0" cy="0"/>
-          <a:chOff x="0" y="0"/>
-          <a:chExt cx="0" cy="0"/>
-        </a:xfrm>
-      </p:grpSpPr>
-      <p:sp>
-        <p:nvSpPr>
-          <p:cNvPr id="32770" name="Slide Number Placeholder 3"/>
-          <p:cNvSpPr>
-            <a:spLocks noGrp="1"/>
-          </p:cNvSpPr>
-          <p:nvPr>
-            <p:ph type="sldNum" sz="quarter" idx="10"/>
-          </p:nvPr>
-        </p:nvSpPr>
-        <p:spPr/>
-        <p:txBody>
-          <a:bodyPr/>
-          <a:lstStyle/>
-          <a:p>
-            <a:pPr>
-              <a:defRPr/>
-            </a:pPr>
-            <a:r>
-              <a:rPr lang="en-US" dirty="0" smtClean="0"/>
-              <a:t>testing.</a:t>
-            </a:r>
-            <a:fld id="{4A7F8015-3123-4EEE-BF99-E293B8DB1805}" type="slidenum">
-              <a:rPr lang="en-US" smtClean="0"/>
-              <a:pPr>
-                <a:defRPr/>
-              </a:pPr>
-              <a:t>12</a:t>
-            </a:fld>
-            <a:endParaRPr lang="en-US" dirty="0"/>
-          </a:p>
-        </p:txBody>
-      </p:sp>
-      <p:sp>
-        <p:nvSpPr>
-          <p:cNvPr id="36868" name="Text Box 3"/>
-          <p:cNvSpPr txBox="1">
-            <a:spLocks noChangeArrowheads="1"/>
-          </p:cNvSpPr>
-          <p:nvPr/>
-        </p:nvSpPr>
-        <p:spPr bwMode="auto">
-          <a:xfrm>
-            <a:off x="228600" y="1143000"/>
-            <a:ext cx="8610600" cy="4832092"/>
-          </a:xfrm>
-          <a:prstGeom prst="rect">
-            <a:avLst/>
-          </a:prstGeom>
-          <a:noFill/>
-          <a:ln w="9525">
-            <a:noFill/>
-            <a:miter lim="800000"/>
-            <a:headEnd/>
-            <a:tailEnd/>
-          </a:ln>
-        </p:spPr>
-        <p:txBody>
-          <a:bodyPr>
-            <a:spAutoFit/>
-          </a:bodyPr>
-          <a:lstStyle/>
-          <a:p>
-            <a:pPr algn="l"/>
-            <a:r>
-              <a:rPr lang="en-US" sz="4400" dirty="0">
-                <a:latin typeface="Comic Sans MS" pitchFamily="66" charset="0"/>
-              </a:rPr>
-              <a:t>The possible outcomes of our</a:t>
-            </a:r>
-            <a:r>
-              <a:rPr lang="en-US" sz="4400" i="1" dirty="0">
-                <a:latin typeface="Comic Sans MS" pitchFamily="66" charset="0"/>
-              </a:rPr>
-              <a:t> </a:t>
-            </a:r>
-            <a:r>
-              <a:rPr lang="en-US" sz="4400" dirty="0">
-                <a:solidFill>
-                  <a:srgbClr val="800F6F"/>
-                </a:solidFill>
-                <a:latin typeface="Comic Sans MS" pitchFamily="66" charset="0"/>
-              </a:rPr>
-              <a:t>sampling </a:t>
-            </a:r>
-            <a:r>
-              <a:rPr lang="en-US" sz="4400" dirty="0" smtClean="0">
-                <a:solidFill>
-                  <a:srgbClr val="800F6F"/>
-                </a:solidFill>
-                <a:latin typeface="Comic Sans MS" pitchFamily="66" charset="0"/>
-              </a:rPr>
-              <a:t>process</a:t>
-            </a:r>
-            <a:r>
-              <a:rPr lang="en-US" sz="4400" dirty="0" smtClean="0">
-                <a:latin typeface="Comic Sans MS" pitchFamily="66" charset="0"/>
-              </a:rPr>
-              <a:t> </a:t>
-            </a:r>
-            <a:r>
-              <a:rPr lang="en-US" sz="4400" dirty="0">
-                <a:latin typeface="Comic Sans MS" pitchFamily="66" charset="0"/>
-              </a:rPr>
-              <a:t>is a random variable.  We can say that the </a:t>
-            </a:r>
-            <a:r>
-              <a:rPr lang="en-US" sz="4400" dirty="0" smtClean="0">
-                <a:latin typeface="Comic Sans MS" pitchFamily="66" charset="0"/>
-              </a:rPr>
-              <a:t>  </a:t>
-            </a:r>
-          </a:p>
-          <a:p>
-            <a:pPr algn="l"/>
-            <a:r>
-              <a:rPr lang="en-US" sz="4400" dirty="0" smtClean="0">
-                <a:latin typeface="Comic Sans MS" pitchFamily="66" charset="0"/>
-              </a:rPr>
-              <a:t> “</a:t>
-            </a:r>
-            <a:r>
-              <a:rPr lang="en-US" sz="4400" i="1" dirty="0" smtClean="0">
-                <a:latin typeface="Comic Sans MS" pitchFamily="66" charset="0"/>
-              </a:rPr>
-              <a:t>probability </a:t>
-            </a:r>
-            <a:r>
-              <a:rPr lang="en-US" sz="4400" dirty="0">
-                <a:latin typeface="Comic Sans MS" pitchFamily="66" charset="0"/>
-              </a:rPr>
-              <a:t>that our</a:t>
-            </a:r>
-            <a:r>
-              <a:rPr lang="en-US" sz="4400" dirty="0" smtClean="0">
-                <a:solidFill>
-                  <a:srgbClr val="7030A0"/>
-                </a:solidFill>
-                <a:latin typeface="Comic Sans MS" pitchFamily="66" charset="0"/>
-              </a:rPr>
-              <a:t> </a:t>
-            </a:r>
-            <a:r>
-              <a:rPr lang="en-US" sz="4400" dirty="0" smtClean="0">
-                <a:solidFill>
-                  <a:srgbClr val="800F6F"/>
-                </a:solidFill>
-                <a:latin typeface="Comic Sans MS" pitchFamily="66" charset="0"/>
-              </a:rPr>
-              <a:t>sampling   </a:t>
-            </a:r>
-          </a:p>
-          <a:p>
-            <a:pPr algn="l"/>
-            <a:r>
-              <a:rPr lang="en-US" sz="4400" dirty="0" smtClean="0">
-                <a:solidFill>
-                  <a:srgbClr val="800F6F"/>
-                </a:solidFill>
-                <a:latin typeface="Comic Sans MS" pitchFamily="66" charset="0"/>
-              </a:rPr>
-              <a:t> process</a:t>
-            </a:r>
-            <a:r>
-              <a:rPr lang="en-US" sz="4400" dirty="0" smtClean="0">
-                <a:solidFill>
-                  <a:srgbClr val="FF33CC"/>
-                </a:solidFill>
-                <a:latin typeface="Comic Sans MS" pitchFamily="66" charset="0"/>
-              </a:rPr>
-              <a:t> </a:t>
-            </a:r>
-            <a:r>
-              <a:rPr lang="en-US" sz="4400" dirty="0" smtClean="0">
-                <a:latin typeface="Comic Sans MS" pitchFamily="66" charset="0"/>
-              </a:rPr>
-              <a:t>will yield an average  </a:t>
-            </a:r>
-          </a:p>
-          <a:p>
-            <a:pPr algn="l"/>
-            <a:r>
-              <a:rPr lang="en-US" sz="4400" dirty="0" smtClean="0">
-                <a:latin typeface="Comic Sans MS" pitchFamily="66" charset="0"/>
-              </a:rPr>
-              <a:t> that is </a:t>
-            </a:r>
-            <a:r>
-              <a:rPr lang="en-US" sz="4400" dirty="0" smtClean="0">
-                <a:solidFill>
-                  <a:srgbClr val="008000"/>
-                </a:solidFill>
-                <a:latin typeface="Euclid Symbol" charset="2"/>
-                <a:cs typeface="Euclid Symbol" charset="2"/>
-              </a:rPr>
-              <a:t>±</a:t>
-            </a:r>
-            <a:r>
-              <a:rPr lang="en-US" sz="4400" dirty="0" smtClean="0">
-                <a:solidFill>
-                  <a:schemeClr val="accent2"/>
-                </a:solidFill>
-                <a:latin typeface="Comic Sans MS" pitchFamily="66" charset="0"/>
-              </a:rPr>
-              <a:t> </a:t>
-            </a:r>
-            <a:r>
-              <a:rPr lang="en-US" sz="4400" dirty="0" smtClean="0">
-                <a:solidFill>
-                  <a:srgbClr val="FF6600"/>
-                </a:solidFill>
-                <a:latin typeface="Comic Sans MS" pitchFamily="66" charset="0"/>
-              </a:rPr>
-              <a:t>20</a:t>
-            </a:r>
-            <a:r>
-              <a:rPr lang="en-US" sz="4400" dirty="0" smtClean="0">
-                <a:latin typeface="Comic Sans MS" pitchFamily="66" charset="0"/>
-              </a:rPr>
-              <a:t> </a:t>
-            </a:r>
-            <a:r>
-              <a:rPr lang="en-US" sz="4400" dirty="0">
-                <a:latin typeface="Comic Sans MS" pitchFamily="66" charset="0"/>
-              </a:rPr>
-              <a:t>of the </a:t>
-            </a:r>
-            <a:endParaRPr lang="en-US" sz="4400" dirty="0" smtClean="0">
-              <a:latin typeface="Comic Sans MS" pitchFamily="66" charset="0"/>
-            </a:endParaRPr>
-          </a:p>
-          <a:p>
-            <a:pPr algn="l"/>
-            <a:r>
-              <a:rPr lang="en-US" sz="4400" dirty="0" smtClean="0">
-                <a:latin typeface="Comic Sans MS" pitchFamily="66" charset="0"/>
-              </a:rPr>
-              <a:t> true average </a:t>
-            </a:r>
-            <a:r>
-              <a:rPr lang="en-US" sz="4400" dirty="0">
-                <a:latin typeface="Comic Sans MS" pitchFamily="66" charset="0"/>
-              </a:rPr>
-              <a:t>at least </a:t>
-            </a:r>
-            <a:r>
-              <a:rPr lang="en-US" sz="4400" dirty="0" smtClean="0">
-                <a:solidFill>
-                  <a:srgbClr val="FF33CC"/>
-                </a:solidFill>
-                <a:latin typeface="Comic Sans MS" pitchFamily="66" charset="0"/>
-              </a:rPr>
-              <a:t>0.95</a:t>
-            </a:r>
-            <a:r>
-              <a:rPr lang="en-US" sz="4400" dirty="0" smtClean="0">
-                <a:latin typeface="Comic Sans MS" pitchFamily="66" charset="0"/>
-              </a:rPr>
-              <a:t>”</a:t>
-            </a:r>
-            <a:endParaRPr lang="en-US" sz="4400" dirty="0">
-              <a:latin typeface="Comic Sans MS" pitchFamily="66" charset="0"/>
-            </a:endParaRPr>
-          </a:p>
-        </p:txBody>
-      </p:sp>
-      <p:pic>
-        <p:nvPicPr>
-          <p:cNvPr id="36869" name="Picture 7" descr="texpointerror"/>
-          <p:cNvPicPr>
-            <a:picLocks noChangeAspect="1" noChangeArrowheads="1"/>
-          </p:cNvPicPr>
-          <p:nvPr>
-            <p:custDataLst>
-              <p:tags r:id="rId1"/>
-            </p:custDataLst>
-          </p:nvPr>
-        </p:nvPicPr>
-        <p:blipFill>
-          <a:blip r:embed="rId4">
-            <a:clrChange>
-              <a:clrFrom>
-                <a:srgbClr val="FFFFFF"/>
-              </a:clrFrom>
-              <a:clrTo>
-                <a:srgbClr val="FFFFFF">
-                  <a:alpha val="0"/>
-                </a:srgbClr>
-              </a:clrTo>
-            </a:clrChange>
-          </a:blip>
-          <a:srcRect/>
-          <a:stretch>
-            <a:fillRect/>
-          </a:stretch>
-        </p:blipFill>
-        <p:spPr bwMode="auto">
-          <a:xfrm>
-            <a:off x="5080000" y="3810000"/>
-            <a:ext cx="1588" cy="1588"/>
-          </a:xfrm>
-          <a:prstGeom prst="rect">
-            <a:avLst/>
-          </a:prstGeom>
-          <a:noFill/>
-          <a:ln w="9525" algn="ctr">
-            <a:noFill/>
-            <a:miter lim="800000"/>
-            <a:headEnd/>
-            <a:tailEnd/>
-          </a:ln>
-        </p:spPr>
-      </p:pic>
-      <p:sp>
-        <p:nvSpPr>
-          <p:cNvPr id="8" name="Rectangle 3"/>
-          <p:cNvSpPr>
-            <a:spLocks noGrp="1" noChangeArrowheads="1"/>
-          </p:cNvSpPr>
-          <p:nvPr>
-            <p:ph type="title"/>
-          </p:nvPr>
-        </p:nvSpPr>
-        <p:spPr>
-          <a:xfrm>
-            <a:off x="1905000" y="228600"/>
-            <a:ext cx="5334000" cy="990600"/>
-          </a:xfrm>
-          <a:noFill/>
-        </p:spPr>
-        <p:txBody>
-          <a:bodyPr/>
-          <a:lstStyle/>
-          <a:p>
-            <a:pPr eaLnBrk="1" hangingPunct="1"/>
-            <a:r>
-              <a:rPr lang="en-US" sz="4800" dirty="0" smtClean="0">
-                <a:solidFill>
-                  <a:srgbClr val="0006FE"/>
-                </a:solidFill>
-              </a:rPr>
-              <a:t>Confidence</a:t>
-            </a:r>
-          </a:p>
-        </p:txBody>
-      </p:sp>
-    </p:spTree>
-    <p:extLst>
-      <p:ext uri="{BB962C8B-B14F-4D97-AF65-F5344CB8AC3E}">
-        <p14:creationId xmlns:p14="http://schemas.microsoft.com/office/powerpoint/2010/main" val="3794338259"/>
-      </p:ext>
-    </p:extLst>
-  </p:cSld>
-  <p:clrMapOvr>
-    <a:masterClrMapping/>
-  </p:clrMapOvr>
-  <p:transition xmlns:p14="http://schemas.microsoft.com/office/powerpoint/2010/main" spd="slow" advClick="0">
-    <p:fade/>
-  </p:transition>
-  <p:timing>
-    <p:tnLst>
-      <p:par>
-        <p:cTn xmlns:p14="http://schemas.microsoft.com/office/powerpoint/2010/main" id="1" dur="indefinite" restart="never" nodeType="tmRoot">
-          <p:childTnLst>
-            <p:seq concurrent="1" nextAc="seek">
-              <p:cTn id="2" dur="indefinite" nodeType="mainSeq">
-                <p:childTnLst>
-                  <p:par>
-                    <p:cTn id="3" fill="hold">
-                      <p:stCondLst>
-                        <p:cond delay="indefinite"/>
-                      </p:stCondLst>
-                      <p:childTnLst>
-                        <p:par>
-                          <p:cTn id="4" fill="hold">
-                            <p:stCondLst>
-                              <p:cond delay="0"/>
-                            </p:stCondLst>
-                            <p:childTnLst>
-                              <p:par>
-                                <p:cTn id="5" presetID="9" presetClass="entr" presetSubtype="0" fill="hold" nodeType="clickEffect">
-                                  <p:stCondLst>
-                                    <p:cond delay="0"/>
-                                  </p:stCondLst>
-                                  <p:childTnLst>
-                                    <p:set>
-                                      <p:cBhvr>
-                                        <p:cTn id="6" dur="1" fill="hold">
-                                          <p:stCondLst>
-                                            <p:cond delay="0"/>
-                                          </p:stCondLst>
-                                        </p:cTn>
-                                        <p:tgtEl>
-                                          <p:spTgt spid="36868">
-                                            <p:txEl>
-                                              <p:pRg st="1" end="1"/>
-                                            </p:txEl>
-                                          </p:spTgt>
-                                        </p:tgtEl>
-                                        <p:attrNameLst>
-                                          <p:attrName>style.visibility</p:attrName>
-                                        </p:attrNameLst>
-                                      </p:cBhvr>
-                                      <p:to>
-                                        <p:strVal val="visible"/>
-                                      </p:to>
-                                    </p:set>
-                                    <p:animEffect transition="in" filter="dissolve">
-                                      <p:cBhvr>
-                                        <p:cTn id="7" dur="500"/>
-                                        <p:tgtEl>
-                                          <p:spTgt spid="36868">
-                                            <p:txEl>
-                                              <p:pRg st="1" end="1"/>
-                                            </p:txEl>
-                                          </p:spTgt>
-                                        </p:tgtEl>
-                                      </p:cBhvr>
-                                    </p:animEffect>
-                                  </p:childTnLst>
-                                </p:cTn>
-                              </p:par>
-                              <p:par>
-                                <p:cTn id="8" presetID="9" presetClass="entr" presetSubtype="0" fill="hold" nodeType="withEffect">
-                                  <p:stCondLst>
-                                    <p:cond delay="0"/>
-                                  </p:stCondLst>
-                                  <p:childTnLst>
-                                    <p:set>
-                                      <p:cBhvr>
-                                        <p:cTn id="9" dur="1" fill="hold">
-                                          <p:stCondLst>
-                                            <p:cond delay="0"/>
-                                          </p:stCondLst>
-                                        </p:cTn>
-                                        <p:tgtEl>
-                                          <p:spTgt spid="36868">
-                                            <p:txEl>
-                                              <p:pRg st="2" end="2"/>
-                                            </p:txEl>
-                                          </p:spTgt>
-                                        </p:tgtEl>
-                                        <p:attrNameLst>
-                                          <p:attrName>style.visibility</p:attrName>
-                                        </p:attrNameLst>
-                                      </p:cBhvr>
-                                      <p:to>
-                                        <p:strVal val="visible"/>
-                                      </p:to>
-                                    </p:set>
-                                    <p:animEffect transition="in" filter="dissolve">
-                                      <p:cBhvr>
-                                        <p:cTn id="10" dur="500"/>
-                                        <p:tgtEl>
-                                          <p:spTgt spid="36868">
-                                            <p:txEl>
-                                              <p:pRg st="2" end="2"/>
-                                            </p:txEl>
-                                          </p:spTgt>
-                                        </p:tgtEl>
-                                      </p:cBhvr>
-                                    </p:animEffect>
-                                  </p:childTnLst>
-                                </p:cTn>
-                              </p:par>
-                              <p:par>
-                                <p:cTn id="11" presetID="9" presetClass="entr" presetSubtype="0" fill="hold" nodeType="withEffect">
-                                  <p:stCondLst>
-                                    <p:cond delay="0"/>
-                                  </p:stCondLst>
-                                  <p:childTnLst>
-                                    <p:set>
-                                      <p:cBhvr>
-                                        <p:cTn id="12" dur="1" fill="hold">
-                                          <p:stCondLst>
-                                            <p:cond delay="0"/>
-                                          </p:stCondLst>
-                                        </p:cTn>
-                                        <p:tgtEl>
-                                          <p:spTgt spid="36868">
-                                            <p:txEl>
-                                              <p:pRg st="3" end="3"/>
-                                            </p:txEl>
-                                          </p:spTgt>
-                                        </p:tgtEl>
-                                        <p:attrNameLst>
-                                          <p:attrName>style.visibility</p:attrName>
-                                        </p:attrNameLst>
-                                      </p:cBhvr>
-                                      <p:to>
-                                        <p:strVal val="visible"/>
-                                      </p:to>
-                                    </p:set>
-                                    <p:animEffect transition="in" filter="dissolve">
-                                      <p:cBhvr>
-                                        <p:cTn id="13" dur="500"/>
-                                        <p:tgtEl>
-                                          <p:spTgt spid="36868">
-                                            <p:txEl>
-                                              <p:pRg st="3" end="3"/>
-                                            </p:txEl>
-                                          </p:spTgt>
-                                        </p:tgtEl>
-                                      </p:cBhvr>
-                                    </p:animEffect>
-                                  </p:childTnLst>
-                                </p:cTn>
-                              </p:par>
-                              <p:par>
-                                <p:cTn id="14" presetID="9" presetClass="entr" presetSubtype="0" fill="hold" nodeType="withEffect">
-                                  <p:stCondLst>
-                                    <p:cond delay="0"/>
-                                  </p:stCondLst>
-                                  <p:childTnLst>
-                                    <p:set>
-                                      <p:cBhvr>
-                                        <p:cTn id="15" dur="1" fill="hold">
-                                          <p:stCondLst>
-                                            <p:cond delay="0"/>
-                                          </p:stCondLst>
-                                        </p:cTn>
-                                        <p:tgtEl>
-                                          <p:spTgt spid="36868">
-                                            <p:txEl>
-                                              <p:pRg st="4" end="4"/>
-                                            </p:txEl>
-                                          </p:spTgt>
-                                        </p:tgtEl>
-                                        <p:attrNameLst>
-                                          <p:attrName>style.visibility</p:attrName>
-                                        </p:attrNameLst>
-                                      </p:cBhvr>
-                                      <p:to>
-                                        <p:strVal val="visible"/>
-                                      </p:to>
-                                    </p:set>
-                                    <p:animEffect transition="in" filter="dissolve">
-                                      <p:cBhvr>
-                                        <p:cTn id="16" dur="500"/>
-                                        <p:tgtEl>
-                                          <p:spTgt spid="36868">
-                                            <p:txEl>
-                                              <p:pRg st="4" end="4"/>
-                                            </p:txEl>
-                                          </p:spTgt>
-                                        </p:tgtEl>
-                                      </p:cBhvr>
-                                    </p:animEffect>
-                                  </p:childTnLst>
-                                </p:cTn>
-                              </p:par>
-                            </p:childTnLst>
-                          </p:cTn>
-                        </p:par>
-                      </p:childTnLst>
-                    </p:cTn>
-                  </p:par>
-                </p:childTnLst>
-              </p:cTn>
-              <p:prevCondLst>
-                <p:cond evt="onPrev" delay="0">
-                  <p:tgtEl>
-                    <p:sldTgt/>
-                  </p:tgtEl>
-                </p:cond>
-              </p:prevCondLst>
-              <p:nextCondLst>
-                <p:cond evt="onNext" delay="0">
-                  <p:tgtEl>
-                    <p:sldTgt/>
-                  </p:tgtEl>
-                </p:cond>
-              </p:nextCondLst>
-            </p:seq>
-          </p:childTnLst>
-        </p:cTn>
-      </p:par>
-    </p:tnLst>
-  </p:timing>
-</p:sld>
-</file>
-
-<file path=ppt/slides/slide13.xml><?xml version="1.0" encoding="utf-8"?>
-<p:sld xmlns:a="http://schemas.openxmlformats.org/drawingml/2006/main" xmlns:r="http://schemas.openxmlformats.org/officeDocument/2006/relationships" xmlns:p="http://schemas.openxmlformats.org/presentationml/2006/main">
-  <p:cSld>
-    <p:spTree>
-      <p:nvGrpSpPr>
-        <p:cNvPr id="1" name=""/>
-        <p:cNvGrpSpPr/>
-        <p:nvPr/>
-      </p:nvGrpSpPr>
-      <p:grpSpPr>
-        <a:xfrm>
-          <a:off x="0" y="0"/>
-          <a:ext cx="0" cy="0"/>
-          <a:chOff x="0" y="0"/>
-          <a:chExt cx="0" cy="0"/>
-        </a:xfrm>
-      </p:grpSpPr>
-      <p:sp>
-        <p:nvSpPr>
-          <p:cNvPr id="28674" name="Slide Number Placeholder 3"/>
-          <p:cNvSpPr>
-            <a:spLocks noGrp="1"/>
-          </p:cNvSpPr>
-          <p:nvPr>
-            <p:ph type="sldNum" sz="quarter" idx="10"/>
-          </p:nvPr>
-        </p:nvSpPr>
-        <p:spPr/>
-        <p:txBody>
-          <a:bodyPr/>
-          <a:lstStyle/>
-          <a:p>
-            <a:pPr>
-              <a:defRPr/>
-            </a:pPr>
-            <a:r>
-              <a:rPr lang="en-US" dirty="0" smtClean="0"/>
-              <a:t>testing.</a:t>
-            </a:r>
-            <a:fld id="{8372F5CC-0D0C-42AC-A06F-FCD924AC2FB1}" type="slidenum">
-              <a:rPr lang="en-US" smtClean="0"/>
-              <a:pPr>
-                <a:defRPr/>
-              </a:pPr>
-              <a:t>13</a:t>
-            </a:fld>
-            <a:endParaRPr lang="en-US" dirty="0"/>
-          </a:p>
-        </p:txBody>
-      </p:sp>
-      <p:sp>
-        <p:nvSpPr>
-          <p:cNvPr id="32771" name="Text Box 2"/>
-          <p:cNvSpPr txBox="1">
-            <a:spLocks noChangeArrowheads="1"/>
-          </p:cNvSpPr>
-          <p:nvPr/>
-        </p:nvSpPr>
-        <p:spPr bwMode="auto">
-          <a:xfrm>
-            <a:off x="300038" y="1371601"/>
-            <a:ext cx="8843962" cy="4081117"/>
-          </a:xfrm>
-          <a:prstGeom prst="rect">
-            <a:avLst/>
-          </a:prstGeom>
-          <a:noFill/>
-          <a:ln w="9525">
-            <a:noFill/>
-            <a:miter lim="800000"/>
-            <a:headEnd/>
-            <a:tailEnd/>
-          </a:ln>
-        </p:spPr>
-        <p:txBody>
-          <a:bodyPr wrap="square">
-            <a:spAutoFit/>
-          </a:bodyPr>
-          <a:lstStyle/>
-          <a:p>
-            <a:pPr algn="l">
-              <a:lnSpc>
-                <a:spcPct val="40000"/>
-              </a:lnSpc>
-            </a:pPr>
-            <a:endParaRPr lang="en-US" sz="4800" dirty="0" smtClean="0">
-              <a:latin typeface="Comic Sans MS" pitchFamily="66" charset="0"/>
-            </a:endParaRPr>
-          </a:p>
-          <a:p>
-            <a:pPr algn="l"/>
-            <a:r>
-              <a:rPr lang="en-US" sz="4800" dirty="0" smtClean="0">
-                <a:latin typeface="Comic Sans MS" pitchFamily="66" charset="0"/>
-              </a:rPr>
-              <a:t>Tell the EPA that with probability </a:t>
-            </a:r>
-            <a:r>
-              <a:rPr lang="en-US" sz="4800" dirty="0" smtClean="0">
-                <a:solidFill>
-                  <a:srgbClr val="FF33CC"/>
-                </a:solidFill>
-                <a:latin typeface="Comic Sans MS" pitchFamily="66" charset="0"/>
-              </a:rPr>
-              <a:t>0.95</a:t>
-            </a:r>
-            <a:r>
-              <a:rPr lang="en-US" sz="4800" dirty="0" smtClean="0">
-                <a:solidFill>
-                  <a:srgbClr val="008000"/>
-                </a:solidFill>
-                <a:latin typeface="Comic Sans MS" pitchFamily="66" charset="0"/>
-              </a:rPr>
-              <a:t> our estimate method </a:t>
-            </a:r>
-            <a:r>
-              <a:rPr lang="en-US" sz="4800" dirty="0" smtClean="0">
-                <a:latin typeface="Comic Sans MS" pitchFamily="66" charset="0"/>
-              </a:rPr>
-              <a:t>for </a:t>
-            </a:r>
-            <a:r>
-              <a:rPr lang="en-US" sz="4800" dirty="0" err="1" smtClean="0">
-                <a:latin typeface="Comic Sans MS" pitchFamily="66" charset="0"/>
-              </a:rPr>
-              <a:t>avg</a:t>
-            </a:r>
-            <a:r>
-              <a:rPr lang="en-US" sz="4800" dirty="0" smtClean="0">
-                <a:latin typeface="Comic Sans MS" pitchFamily="66" charset="0"/>
-              </a:rPr>
-              <a:t> CMD will be within </a:t>
-            </a:r>
-            <a:r>
-              <a:rPr lang="en-US" sz="4800" dirty="0" smtClean="0">
-                <a:solidFill>
-                  <a:srgbClr val="FF6600"/>
-                </a:solidFill>
-                <a:latin typeface="Comic Sans MS" pitchFamily="66" charset="0"/>
-              </a:rPr>
-              <a:t>20</a:t>
-            </a:r>
-            <a:r>
-              <a:rPr lang="en-US" sz="4800" dirty="0" smtClean="0">
-                <a:latin typeface="Comic Sans MS" pitchFamily="66" charset="0"/>
-              </a:rPr>
-              <a:t> </a:t>
-            </a:r>
-            <a:r>
-              <a:rPr lang="en-US" sz="4800" dirty="0">
-                <a:latin typeface="Comic Sans MS" pitchFamily="66" charset="0"/>
-              </a:rPr>
-              <a:t>of the </a:t>
-            </a:r>
-            <a:r>
-              <a:rPr lang="en-US" sz="4800" dirty="0" smtClean="0">
-                <a:latin typeface="Comic Sans MS" pitchFamily="66" charset="0"/>
-              </a:rPr>
-              <a:t>actual </a:t>
-            </a:r>
-            <a:r>
-              <a:rPr lang="en-US" sz="4800" dirty="0" err="1" smtClean="0">
-                <a:latin typeface="Comic Sans MS" pitchFamily="66" charset="0"/>
-              </a:rPr>
-              <a:t>avg</a:t>
-            </a:r>
-            <a:r>
-              <a:rPr lang="en-US" sz="4800" dirty="0" smtClean="0">
-                <a:latin typeface="Comic Sans MS" pitchFamily="66" charset="0"/>
-              </a:rPr>
-              <a:t>, </a:t>
-            </a:r>
-            <a:r>
-              <a:rPr lang="en-US" sz="4800" dirty="0" smtClean="0">
-                <a:solidFill>
-                  <a:srgbClr val="FF4519"/>
-                </a:solidFill>
-                <a:latin typeface="Comic Sans MS" pitchFamily="66" charset="0"/>
-              </a:rPr>
-              <a:t>c</a:t>
-            </a:r>
-            <a:r>
-              <a:rPr lang="en-US" sz="4800" dirty="0" smtClean="0">
-                <a:latin typeface="Comic Sans MS" pitchFamily="66" charset="0"/>
-              </a:rPr>
-              <a:t>, in the river.</a:t>
-            </a:r>
-            <a:endParaRPr lang="en-US" sz="4800" dirty="0">
-              <a:latin typeface="Comic Sans MS" pitchFamily="66" charset="0"/>
-            </a:endParaRPr>
-          </a:p>
-        </p:txBody>
-      </p:sp>
-      <p:sp>
-        <p:nvSpPr>
-          <p:cNvPr id="7" name="Rectangle 3"/>
-          <p:cNvSpPr>
-            <a:spLocks noGrp="1" noChangeArrowheads="1"/>
-          </p:cNvSpPr>
-          <p:nvPr>
-            <p:ph type="title"/>
-          </p:nvPr>
-        </p:nvSpPr>
-        <p:spPr>
-          <a:xfrm>
-            <a:off x="1905000" y="228600"/>
-            <a:ext cx="5334000" cy="990600"/>
-          </a:xfrm>
-          <a:noFill/>
-        </p:spPr>
-        <p:txBody>
-          <a:bodyPr/>
-          <a:lstStyle/>
-          <a:p>
-            <a:pPr eaLnBrk="1" hangingPunct="1"/>
-            <a:r>
-              <a:rPr lang="en-US" sz="4800" dirty="0" smtClean="0">
-                <a:solidFill>
-                  <a:srgbClr val="0006FE"/>
-                </a:solidFill>
-              </a:rPr>
-              <a:t>Confidence</a:t>
-            </a:r>
-          </a:p>
-        </p:txBody>
-      </p:sp>
-    </p:spTree>
-    <p:extLst>
-      <p:ext uri="{BB962C8B-B14F-4D97-AF65-F5344CB8AC3E}">
-        <p14:creationId xmlns:p14="http://schemas.microsoft.com/office/powerpoint/2010/main" val="2695719740"/>
-      </p:ext>
-    </p:extLst>
-  </p:cSld>
-  <p:clrMapOvr>
-    <a:masterClrMapping/>
-  </p:clrMapOvr>
-  <p:transition xmlns:p14="http://schemas.microsoft.com/office/powerpoint/2010/main" spd="slow">
-    <p:fade thruBlk="1"/>
-  </p:transition>
-  <p:timing>
-    <p:tnLst>
-      <p:par>
-        <p:cTn xmlns:p14="http://schemas.microsoft.com/office/powerpoint/2010/main" id="1" dur="indefinite" restart="never" nodeType="tmRoot"/>
-      </p:par>
-    </p:tnLst>
-  </p:timing>
-</p:sld>
-</file>
-
-<file path=ppt/slides/slide14.xml><?xml version="1.0" encoding="utf-8"?>
-<p:sld xmlns:a="http://schemas.openxmlformats.org/drawingml/2006/main" xmlns:r="http://schemas.openxmlformats.org/officeDocument/2006/relationships" xmlns:p="http://schemas.openxmlformats.org/presentationml/2006/main">
-  <p:cSld>
-    <p:spTree>
-      <p:nvGrpSpPr>
-        <p:cNvPr id="1" name=""/>
-        <p:cNvGrpSpPr/>
-        <p:nvPr/>
-      </p:nvGrpSpPr>
-      <p:grpSpPr>
-        <a:xfrm>
-          <a:off x="0" y="0"/>
-          <a:ext cx="0" cy="0"/>
-          <a:chOff x="0" y="0"/>
-          <a:chExt cx="0" cy="0"/>
-        </a:xfrm>
-      </p:grpSpPr>
-      <p:sp>
-        <p:nvSpPr>
-          <p:cNvPr id="33794" name="Slide Number Placeholder 3"/>
-          <p:cNvSpPr>
-            <a:spLocks noGrp="1"/>
-          </p:cNvSpPr>
-          <p:nvPr>
-            <p:ph type="sldNum" sz="quarter" idx="10"/>
-          </p:nvPr>
-        </p:nvSpPr>
-        <p:spPr/>
-        <p:txBody>
-          <a:bodyPr/>
-          <a:lstStyle/>
-          <a:p>
-            <a:pPr>
-              <a:defRPr/>
-            </a:pPr>
-            <a:r>
-              <a:rPr lang="en-US" dirty="0" smtClean="0"/>
-              <a:t>testing.</a:t>
-            </a:r>
-            <a:fld id="{FE75FCEF-2C00-453D-8F19-57E1BCE16A7F}" type="slidenum">
-              <a:rPr lang="en-US" smtClean="0"/>
-              <a:pPr>
-                <a:defRPr/>
-              </a:pPr>
-              <a:t>14</a:t>
-            </a:fld>
-            <a:endParaRPr lang="en-US" dirty="0"/>
-          </a:p>
-        </p:txBody>
-      </p:sp>
-      <p:sp>
-        <p:nvSpPr>
-          <p:cNvPr id="37891" name="Text Box 3"/>
-          <p:cNvSpPr txBox="1">
-            <a:spLocks noChangeArrowheads="1"/>
-          </p:cNvSpPr>
-          <p:nvPr/>
-        </p:nvSpPr>
-        <p:spPr bwMode="auto">
-          <a:xfrm>
-            <a:off x="304800" y="1371600"/>
-            <a:ext cx="8458200" cy="3154710"/>
-          </a:xfrm>
-          <a:prstGeom prst="rect">
-            <a:avLst/>
-          </a:prstGeom>
-          <a:noFill/>
-          <a:ln w="9525">
-            <a:noFill/>
-            <a:miter lim="800000"/>
-            <a:headEnd/>
-            <a:tailEnd/>
-          </a:ln>
-        </p:spPr>
-        <p:txBody>
-          <a:bodyPr>
-            <a:spAutoFit/>
-          </a:bodyPr>
-          <a:lstStyle/>
-          <a:p>
-            <a:pPr algn="l"/>
-            <a:r>
-              <a:rPr lang="en-US" sz="5400" dirty="0" smtClean="0">
-                <a:latin typeface="Comic Sans MS" pitchFamily="66" charset="0"/>
-              </a:rPr>
-              <a:t>For </a:t>
-            </a:r>
-            <a:r>
-              <a:rPr lang="en-US" sz="5400" dirty="0">
-                <a:latin typeface="Comic Sans MS" pitchFamily="66" charset="0"/>
-              </a:rPr>
-              <a:t>simplicity we say </a:t>
-            </a:r>
-            <a:r>
-              <a:rPr lang="en-US" sz="5400" dirty="0" smtClean="0">
-                <a:latin typeface="Comic Sans MS" pitchFamily="66" charset="0"/>
-              </a:rPr>
-              <a:t>that</a:t>
-            </a:r>
-          </a:p>
-          <a:p>
-            <a:pPr algn="l">
-              <a:spcBef>
-                <a:spcPts val="3000"/>
-              </a:spcBef>
-            </a:pPr>
-            <a:r>
-              <a:rPr lang="en-US" sz="6000" dirty="0" smtClean="0">
-                <a:solidFill>
-                  <a:schemeClr val="accent2"/>
-                </a:solidFill>
-                <a:latin typeface="Comic Sans MS" pitchFamily="66" charset="0"/>
-              </a:rPr>
-              <a:t>  </a:t>
-            </a:r>
-            <a:r>
-              <a:rPr lang="en-US" sz="6000" dirty="0" err="1" smtClean="0">
-                <a:solidFill>
-                  <a:srgbClr val="FF6600"/>
-                </a:solidFill>
-                <a:latin typeface="Comic Sans MS" pitchFamily="66" charset="0"/>
-              </a:rPr>
-              <a:t>c</a:t>
-            </a:r>
-            <a:r>
-              <a:rPr lang="en-US" sz="6000" dirty="0" smtClean="0">
-                <a:solidFill>
-                  <a:schemeClr val="accent2"/>
-                </a:solidFill>
-                <a:latin typeface="Comic Sans MS" pitchFamily="66" charset="0"/>
-              </a:rPr>
-              <a:t> </a:t>
-            </a:r>
-            <a:r>
-              <a:rPr lang="en-US" sz="6000" dirty="0">
-                <a:latin typeface="Comic Sans MS" pitchFamily="66" charset="0"/>
-              </a:rPr>
-              <a:t>=</a:t>
-            </a:r>
-            <a:r>
-              <a:rPr lang="en-US" sz="6000" dirty="0" smtClean="0">
-                <a:solidFill>
-                  <a:schemeClr val="accent2"/>
-                </a:solidFill>
-                <a:latin typeface="Comic Sans MS" pitchFamily="66" charset="0"/>
-              </a:rPr>
-              <a:t> 180 </a:t>
-            </a:r>
-            <a:r>
-              <a:rPr lang="en-US" sz="6000" dirty="0" smtClean="0">
-                <a:solidFill>
-                  <a:srgbClr val="008000"/>
-                </a:solidFill>
-                <a:latin typeface="Euclid Symbol" charset="2"/>
-                <a:cs typeface="Euclid Symbol" charset="2"/>
-              </a:rPr>
-              <a:t>±</a:t>
-            </a:r>
-            <a:r>
-              <a:rPr lang="en-US" sz="6000" b="1" dirty="0" smtClean="0">
-                <a:solidFill>
-                  <a:srgbClr val="00B050"/>
-                </a:solidFill>
-                <a:latin typeface="Symbol" pitchFamily="18" charset="2"/>
-                <a:sym typeface="Symbol"/>
-              </a:rPr>
-              <a:t> </a:t>
-            </a:r>
-            <a:r>
-              <a:rPr lang="en-US" sz="6000" dirty="0" smtClean="0">
-                <a:solidFill>
-                  <a:srgbClr val="FF6600"/>
-                </a:solidFill>
-                <a:latin typeface="Comic Sans MS" pitchFamily="66" charset="0"/>
-              </a:rPr>
-              <a:t>20 </a:t>
-            </a:r>
-            <a:r>
-              <a:rPr lang="en-US" sz="6000" dirty="0" smtClean="0">
-                <a:latin typeface="Comic Sans MS" pitchFamily="66" charset="0"/>
-              </a:rPr>
-              <a:t>at the</a:t>
-            </a:r>
-          </a:p>
-          <a:p>
-            <a:pPr algn="l"/>
-            <a:r>
-              <a:rPr lang="en-US" sz="6000" dirty="0" smtClean="0">
-                <a:solidFill>
-                  <a:srgbClr val="FF33CC"/>
-                </a:solidFill>
-                <a:latin typeface="Comic Sans MS" pitchFamily="66" charset="0"/>
-              </a:rPr>
-              <a:t>  95</a:t>
-            </a:r>
-            <a:r>
-              <a:rPr lang="en-US" sz="6000" dirty="0" smtClean="0">
-                <a:solidFill>
-                  <a:srgbClr val="006600"/>
-                </a:solidFill>
-                <a:latin typeface="Comic Sans MS" pitchFamily="66" charset="0"/>
-              </a:rPr>
-              <a:t>% </a:t>
-            </a:r>
-            <a:r>
-              <a:rPr lang="en-US" sz="6000" dirty="0">
-                <a:solidFill>
-                  <a:srgbClr val="006600"/>
-                </a:solidFill>
-                <a:latin typeface="Comic Sans MS" pitchFamily="66" charset="0"/>
-              </a:rPr>
-              <a:t>confidence level</a:t>
-            </a:r>
-          </a:p>
-        </p:txBody>
-      </p:sp>
-      <p:pic>
-        <p:nvPicPr>
-          <p:cNvPr id="37892" name="Picture 4" descr="texpointerror"/>
-          <p:cNvPicPr>
-            <a:picLocks noChangeAspect="1" noChangeArrowheads="1"/>
-          </p:cNvPicPr>
-          <p:nvPr>
-            <p:custDataLst>
-              <p:tags r:id="rId1"/>
-            </p:custDataLst>
-          </p:nvPr>
-        </p:nvPicPr>
-        <p:blipFill>
-          <a:blip r:embed="rId4">
-            <a:clrChange>
-              <a:clrFrom>
-                <a:srgbClr val="FFFFFF"/>
-              </a:clrFrom>
-              <a:clrTo>
-                <a:srgbClr val="FFFFFF">
-                  <a:alpha val="0"/>
-                </a:srgbClr>
-              </a:clrTo>
-            </a:clrChange>
-          </a:blip>
-          <a:srcRect/>
-          <a:stretch>
-            <a:fillRect/>
-          </a:stretch>
-        </p:blipFill>
-        <p:spPr bwMode="auto">
-          <a:xfrm>
-            <a:off x="5080000" y="3810000"/>
-            <a:ext cx="1588" cy="1588"/>
-          </a:xfrm>
-          <a:prstGeom prst="rect">
-            <a:avLst/>
-          </a:prstGeom>
-          <a:noFill/>
-          <a:ln w="9525" algn="ctr">
-            <a:noFill/>
-            <a:miter lim="800000"/>
-            <a:headEnd/>
-            <a:tailEnd/>
-          </a:ln>
-        </p:spPr>
-      </p:pic>
-      <p:sp>
-        <p:nvSpPr>
-          <p:cNvPr id="8" name="Rectangle 7"/>
-          <p:cNvSpPr>
-            <a:spLocks noChangeArrowheads="1"/>
-          </p:cNvSpPr>
-          <p:nvPr/>
-        </p:nvSpPr>
-        <p:spPr bwMode="auto">
-          <a:xfrm>
-            <a:off x="457200" y="2324100"/>
-            <a:ext cx="8458200" cy="2628900"/>
-          </a:xfrm>
-          <a:prstGeom prst="rect">
-            <a:avLst/>
-          </a:prstGeom>
-          <a:noFill/>
-          <a:ln w="38100" algn="ctr">
-            <a:solidFill>
-              <a:srgbClr val="FF33CC"/>
-            </a:solidFill>
-            <a:prstDash val="sysDash"/>
-            <a:round/>
-            <a:headEnd/>
-            <a:tailEnd/>
-          </a:ln>
-        </p:spPr>
-        <p:txBody>
-          <a:bodyPr wrap="none" anchor="ctr"/>
-          <a:lstStyle/>
-          <a:p>
-            <a:endParaRPr lang="en-US"/>
-          </a:p>
-        </p:txBody>
-      </p:sp>
-      <p:sp>
-        <p:nvSpPr>
-          <p:cNvPr id="9" name="Rectangle 3"/>
-          <p:cNvSpPr>
-            <a:spLocks noGrp="1" noChangeArrowheads="1"/>
-          </p:cNvSpPr>
-          <p:nvPr>
-            <p:ph type="title"/>
-          </p:nvPr>
-        </p:nvSpPr>
-        <p:spPr>
-          <a:xfrm>
-            <a:off x="1905000" y="228600"/>
-            <a:ext cx="5334000" cy="990600"/>
-          </a:xfrm>
-          <a:noFill/>
-        </p:spPr>
-        <p:txBody>
-          <a:bodyPr/>
-          <a:lstStyle/>
-          <a:p>
-            <a:pPr eaLnBrk="1" hangingPunct="1"/>
-            <a:r>
-              <a:rPr lang="en-US" sz="4800" dirty="0" smtClean="0">
-                <a:solidFill>
-                  <a:srgbClr val="0006FE"/>
-                </a:solidFill>
-              </a:rPr>
-              <a:t>Confidence</a:t>
-            </a:r>
-          </a:p>
-        </p:txBody>
-      </p:sp>
-    </p:spTree>
-    <p:extLst>
-      <p:ext uri="{BB962C8B-B14F-4D97-AF65-F5344CB8AC3E}">
-        <p14:creationId xmlns:p14="http://schemas.microsoft.com/office/powerpoint/2010/main" val="3811715689"/>
-      </p:ext>
-    </p:extLst>
-  </p:cSld>
-  <p:clrMapOvr>
-    <a:masterClrMapping/>
-  </p:clrMapOvr>
-  <mc:AlternateContent xmlns:mc="http://schemas.openxmlformats.org/markup-compatibility/2006" xmlns:p14="http://schemas.microsoft.com/office/powerpoint/2010/main">
-    <mc:Choice Requires="p14">
-      <p:transition spd="med" p14:dur="700" advClick="0">
-        <p:fade/>
-      </p:transition>
-    </mc:Choice>
-    <mc:Fallback xmlns="">
-      <p:transition xmlns:p14="http://schemas.microsoft.com/office/powerpoint/2010/main" spd="med" advClick="0">
-        <p:fade/>
-      </p:transition>
-    </mc:Fallback>
-  </mc:AlternateContent>
-  <p:timing>
-    <p:tnLst>
-      <p:par>
-        <p:cTn xmlns:p14="http://schemas.microsoft.com/office/powerpoint/2010/main" id="1" dur="indefinite" restart="never" nodeType="tmRoot">
-          <p:childTnLst>
-            <p:seq concurrent="1" nextAc="seek">
-              <p:cTn id="2" dur="indefinite" nodeType="mainSeq">
-                <p:childTnLst>
-                  <p:par>
-                    <p:cTn id="3" fill="hold">
-                      <p:stCondLst>
-                        <p:cond delay="indefinite"/>
-                      </p:stCondLst>
-                      <p:childTnLst>
-                        <p:par>
-                          <p:cTn id="4" fill="hold">
-                            <p:stCondLst>
-                              <p:cond delay="0"/>
-                            </p:stCondLst>
-                            <p:childTnLst>
-                              <p:par>
-                                <p:cTn id="5" presetID="9" presetClass="entr" presetSubtype="0" fill="hold" nodeType="clickEffect">
-                                  <p:stCondLst>
-                                    <p:cond delay="0"/>
-                                  </p:stCondLst>
-                                  <p:childTnLst>
-                                    <p:set>
-                                      <p:cBhvr>
-                                        <p:cTn id="6" dur="1" fill="hold">
-                                          <p:stCondLst>
-                                            <p:cond delay="0"/>
-                                          </p:stCondLst>
-                                        </p:cTn>
-                                        <p:tgtEl>
-                                          <p:spTgt spid="37891">
-                                            <p:txEl>
-                                              <p:pRg st="2" end="2"/>
-                                            </p:txEl>
-                                          </p:spTgt>
-                                        </p:tgtEl>
-                                        <p:attrNameLst>
-                                          <p:attrName>style.visibility</p:attrName>
-                                        </p:attrNameLst>
-                                      </p:cBhvr>
-                                      <p:to>
-                                        <p:strVal val="visible"/>
-                                      </p:to>
-                                    </p:set>
-                                    <p:animEffect transition="in" filter="dissolve">
-                                      <p:cBhvr>
-                                        <p:cTn id="7" dur="500"/>
-                                        <p:tgtEl>
-                                          <p:spTgt spid="37891">
-                                            <p:txEl>
-                                              <p:pRg st="2" end="2"/>
-                                            </p:txEl>
-                                          </p:spTgt>
-                                        </p:tgtEl>
-                                      </p:cBhvr>
-                                    </p:animEffect>
-                                  </p:childTnLst>
-                                </p:cTn>
-                              </p:par>
-                            </p:childTnLst>
-                          </p:cTn>
-                        </p:par>
-                      </p:childTnLst>
-                    </p:cTn>
-                  </p:par>
-                  <p:par>
-                    <p:cTn id="8" fill="hold">
-                      <p:stCondLst>
-                        <p:cond delay="indefinite"/>
-                      </p:stCondLst>
-                      <p:childTnLst>
-                        <p:par>
-                          <p:cTn id="9" fill="hold">
-                            <p:stCondLst>
-                              <p:cond delay="0"/>
-                            </p:stCondLst>
-                            <p:childTnLst>
-                              <p:par>
-                                <p:cTn id="10" presetID="15" presetClass="entr" presetSubtype="0" fill="hold" grpId="0" nodeType="clickEffect">
-                                  <p:stCondLst>
-                                    <p:cond delay="0"/>
-                                  </p:stCondLst>
-                                  <p:childTnLst>
-                                    <p:set>
-                                      <p:cBhvr>
-                                        <p:cTn id="11" dur="1" fill="hold">
-                                          <p:stCondLst>
-                                            <p:cond delay="0"/>
-                                          </p:stCondLst>
-                                        </p:cTn>
-                                        <p:tgtEl>
-                                          <p:spTgt spid="8"/>
-                                        </p:tgtEl>
-                                        <p:attrNameLst>
-                                          <p:attrName>style.visibility</p:attrName>
-                                        </p:attrNameLst>
-                                      </p:cBhvr>
-                                      <p:to>
-                                        <p:strVal val="visible"/>
-                                      </p:to>
-                                    </p:set>
-                                    <p:anim calcmode="lin" valueType="num">
-                                      <p:cBhvr>
-                                        <p:cTn id="12" dur="1000" fill="hold"/>
-                                        <p:tgtEl>
-                                          <p:spTgt spid="8"/>
-                                        </p:tgtEl>
-                                        <p:attrNameLst>
-                                          <p:attrName>ppt_w</p:attrName>
-                                        </p:attrNameLst>
-                                      </p:cBhvr>
-                                      <p:tavLst>
-                                        <p:tav tm="0">
-                                          <p:val>
-                                            <p:fltVal val="0"/>
-                                          </p:val>
-                                        </p:tav>
-                                        <p:tav tm="100000">
-                                          <p:val>
-                                            <p:strVal val="#ppt_w"/>
-                                          </p:val>
-                                        </p:tav>
-                                      </p:tavLst>
-                                    </p:anim>
-                                    <p:anim calcmode="lin" valueType="num">
-                                      <p:cBhvr>
-                                        <p:cTn id="13" dur="1000" fill="hold"/>
-                                        <p:tgtEl>
-                                          <p:spTgt spid="8"/>
-                                        </p:tgtEl>
-                                        <p:attrNameLst>
-                                          <p:attrName>ppt_h</p:attrName>
-                                        </p:attrNameLst>
-                                      </p:cBhvr>
-                                      <p:tavLst>
-                                        <p:tav tm="0">
-                                          <p:val>
-                                            <p:fltVal val="0"/>
-                                          </p:val>
-                                        </p:tav>
-                                        <p:tav tm="100000">
-                                          <p:val>
-                                            <p:strVal val="#ppt_h"/>
-                                          </p:val>
-                                        </p:tav>
-                                      </p:tavLst>
-                                    </p:anim>
-                                    <p:anim calcmode="lin" valueType="num">
-                                      <p:cBhvr>
-                                        <p:cTn id="14" dur="1000" fill="hold"/>
-                                        <p:tgtEl>
-                                          <p:spTgt spid="8"/>
-                                        </p:tgtEl>
-                                        <p:attrNameLst>
-                                          <p:attrName>ppt_x</p:attrName>
-                                        </p:attrNameLst>
-                                      </p:cBhvr>
-                                      <p:tavLst>
-                                        <p:tav tm="0" fmla="#ppt_x+(cos(-2*pi*(1-$))*-#ppt_x-sin(-2*pi*(1-$))*(1-#ppt_y))*(1-$)">
-                                          <p:val>
-                                            <p:fltVal val="0"/>
-                                          </p:val>
-                                        </p:tav>
-                                        <p:tav tm="100000">
-                                          <p:val>
-                                            <p:fltVal val="1"/>
-                                          </p:val>
-                                        </p:tav>
-                                      </p:tavLst>
-                                    </p:anim>
-                                    <p:anim calcmode="lin" valueType="num">
-                                      <p:cBhvr>
-                                        <p:cTn id="15" dur="1000" fill="hold"/>
-                                        <p:tgtEl>
-                                          <p:spTgt spid="8"/>
-                                        </p:tgtEl>
-                                        <p:attrNameLst>
-                                          <p:attrName>ppt_y</p:attrName>
-                                        </p:attrNameLst>
-                                      </p:cBhvr>
-                                      <p:tavLst>
-                                        <p:tav tm="0" fmla="#ppt_y+(sin(-2*pi*(1-$))*-#ppt_x+cos(-2*pi*(1-$))*(1-#ppt_y))*(1-$)">
-                                          <p:val>
-                                            <p:fltVal val="0"/>
-                                          </p:val>
-                                        </p:tav>
-                                        <p:tav tm="100000">
-                                          <p:val>
-                                            <p:fltVal val="1"/>
-                                          </p:val>
-                                        </p:tav>
-                                      </p:tavLst>
-                                    </p:anim>
-                                  </p:childTnLst>
-                                </p:cTn>
-                              </p:par>
-                            </p:childTnLst>
-                          </p:cTn>
-                        </p:par>
-                      </p:childTnLst>
-                    </p:cTn>
-                  </p:par>
-                </p:childTnLst>
-              </p:cTn>
-              <p:prevCondLst>
-                <p:cond evt="onPrev" delay="0">
-                  <p:tgtEl>
-                    <p:sldTgt/>
-                  </p:tgtEl>
-                </p:cond>
-              </p:prevCondLst>
-              <p:nextCondLst>
-                <p:cond evt="onNext" delay="0">
-                  <p:tgtEl>
-                    <p:sldTgt/>
-                  </p:tgtEl>
-                </p:cond>
-              </p:nextCondLst>
-            </p:seq>
-          </p:childTnLst>
-        </p:cTn>
-      </p:par>
-    </p:tnLst>
-    <p:bldLst>
-      <p:bldP spid="8" grpId="0" animBg="1"/>
-    </p:bldLst>
-  </p:timing>
-</p:sld>
-</file>
-
-<file path=ppt/slides/slide15.xml><?xml version="1.0" encoding="utf-8"?>
-<p:sld xmlns:a="http://schemas.openxmlformats.org/drawingml/2006/main" xmlns:r="http://schemas.openxmlformats.org/officeDocument/2006/relationships" xmlns:p="http://schemas.openxmlformats.org/presentationml/2006/main">
-  <p:cSld>
-    <p:spTree>
-      <p:nvGrpSpPr>
-        <p:cNvPr id="1" name=""/>
-        <p:cNvGrpSpPr/>
-        <p:nvPr/>
-      </p:nvGrpSpPr>
-      <p:grpSpPr>
-        <a:xfrm>
-          <a:off x="0" y="0"/>
-          <a:ext cx="0" cy="0"/>
-          <a:chOff x="0" y="0"/>
-          <a:chExt cx="0" cy="0"/>
-        </a:xfrm>
-      </p:grpSpPr>
-      <p:sp>
-        <p:nvSpPr>
-          <p:cNvPr id="3" name="Content Placeholder 2"/>
-          <p:cNvSpPr>
-            <a:spLocks noGrp="1"/>
-          </p:cNvSpPr>
-          <p:nvPr>
-            <p:ph idx="1"/>
-          </p:nvPr>
-        </p:nvSpPr>
-        <p:spPr>
-          <a:xfrm>
-            <a:off x="152400" y="1066800"/>
-            <a:ext cx="8686800" cy="4343400"/>
-          </a:xfrm>
-        </p:spPr>
-        <p:txBody>
-          <a:bodyPr/>
-          <a:lstStyle/>
-          <a:p>
-            <a:r>
-              <a:rPr lang="en-US" sz="4800" dirty="0" smtClean="0">
-                <a:solidFill>
-                  <a:srgbClr val="006600"/>
-                </a:solidFill>
-              </a:rPr>
-              <a:t>Moral:</a:t>
-            </a:r>
-            <a:r>
-              <a:rPr lang="en-US" sz="4800" dirty="0" smtClean="0"/>
-              <a:t> when you are told that </a:t>
-            </a:r>
-          </a:p>
-          <a:p>
-            <a:r>
-              <a:rPr lang="en-US" sz="4800" dirty="0" smtClean="0"/>
-              <a:t>some fact holds at a </a:t>
-            </a:r>
-            <a:r>
-              <a:rPr lang="en-US" sz="4800" dirty="0" smtClean="0">
-                <a:solidFill>
-                  <a:srgbClr val="006600"/>
-                </a:solidFill>
-              </a:rPr>
-              <a:t>high </a:t>
-            </a:r>
-          </a:p>
-          <a:p>
-            <a:r>
-              <a:rPr lang="en-US" sz="4800" dirty="0" smtClean="0">
-                <a:solidFill>
-                  <a:srgbClr val="006600"/>
-                </a:solidFill>
-              </a:rPr>
-              <a:t>confidence level</a:t>
-            </a:r>
-            <a:r>
-              <a:rPr lang="en-US" sz="4800" dirty="0" smtClean="0"/>
-              <a:t>, remember </a:t>
-            </a:r>
-          </a:p>
-          <a:p>
-            <a:r>
-              <a:rPr lang="en-US" sz="4800" dirty="0" smtClean="0"/>
-              <a:t>that a random experiment</a:t>
-            </a:r>
-          </a:p>
-          <a:p>
-            <a:r>
-              <a:rPr lang="en-US" sz="4800" dirty="0" smtClean="0"/>
-              <a:t>lies behind this claim. </a:t>
-            </a:r>
-            <a:endParaRPr lang="en-US" sz="4800" dirty="0" smtClean="0">
-              <a:solidFill>
-                <a:srgbClr val="0000CC"/>
-              </a:solidFill>
-            </a:endParaRPr>
-          </a:p>
-        </p:txBody>
-      </p:sp>
-      <p:sp>
-        <p:nvSpPr>
-          <p:cNvPr id="4" name="Slide Number Placeholder 3"/>
-          <p:cNvSpPr>
-            <a:spLocks noGrp="1"/>
-          </p:cNvSpPr>
-          <p:nvPr>
-            <p:ph type="sldNum" sz="quarter" idx="10"/>
-          </p:nvPr>
-        </p:nvSpPr>
-        <p:spPr/>
-        <p:txBody>
-          <a:bodyPr/>
-          <a:lstStyle/>
-          <a:p>
-            <a:pPr>
-              <a:defRPr/>
-            </a:pPr>
-            <a:r>
-              <a:rPr lang="en-US" dirty="0" smtClean="0"/>
-              <a:t>testing.</a:t>
-            </a:r>
-            <a:fld id="{E78F4000-603A-43A9-9772-EA15786EFD2C}" type="slidenum">
-              <a:rPr lang="en-US" smtClean="0"/>
-              <a:pPr>
-                <a:defRPr/>
-              </a:pPr>
-              <a:t>15</a:t>
-            </a:fld>
-            <a:endParaRPr lang="en-US" dirty="0"/>
-          </a:p>
-        </p:txBody>
-      </p:sp>
-      <p:sp>
-        <p:nvSpPr>
-          <p:cNvPr id="6" name="TextBox 5"/>
-          <p:cNvSpPr txBox="1"/>
-          <p:nvPr/>
-        </p:nvSpPr>
-        <p:spPr>
-          <a:xfrm>
-            <a:off x="226574" y="4604230"/>
-            <a:ext cx="8384026" cy="1877437"/>
-          </a:xfrm>
-          <a:prstGeom prst="rect">
-            <a:avLst/>
-          </a:prstGeom>
-          <a:noFill/>
-        </p:spPr>
-        <p:txBody>
-          <a:bodyPr wrap="none" rtlCol="0">
-            <a:spAutoFit/>
-          </a:bodyPr>
-          <a:lstStyle/>
-          <a:p>
-            <a:pPr marL="342900" lvl="0" indent="-342900" algn="l" eaLnBrk="0" hangingPunct="0">
-              <a:spcBef>
-                <a:spcPct val="20000"/>
-              </a:spcBef>
-            </a:pPr>
-            <a:r>
-              <a:rPr lang="en-US" sz="4400" kern="0" dirty="0" smtClean="0">
-                <a:solidFill>
-                  <a:srgbClr val="000000"/>
-                </a:solidFill>
-                <a:latin typeface="Comic Sans MS"/>
-              </a:rPr>
-              <a:t>                                       </a:t>
-            </a:r>
-            <a:r>
-              <a:rPr lang="en-US" sz="4800" kern="0" dirty="0" smtClean="0">
-                <a:solidFill>
-                  <a:srgbClr val="000000"/>
-                </a:solidFill>
-                <a:latin typeface="Comic Sans MS"/>
-              </a:rPr>
-              <a:t>Ask</a:t>
-            </a:r>
-          </a:p>
-          <a:p>
-            <a:pPr marL="342900" lvl="0" indent="-342900" algn="l" eaLnBrk="0" hangingPunct="0">
-              <a:spcBef>
-                <a:spcPts val="0"/>
-              </a:spcBef>
-            </a:pPr>
-            <a:r>
-              <a:rPr lang="en-US" sz="4800" kern="0" dirty="0" smtClean="0">
-                <a:solidFill>
-                  <a:srgbClr val="000000"/>
-                </a:solidFill>
-                <a:latin typeface="Comic Sans MS"/>
-              </a:rPr>
-              <a:t>yourself </a:t>
-            </a:r>
-            <a:r>
-              <a:rPr lang="en-US" sz="4800" kern="0" dirty="0" smtClean="0">
-                <a:solidFill>
-                  <a:srgbClr val="0000CC"/>
-                </a:solidFill>
-                <a:latin typeface="Comic Sans MS"/>
-              </a:rPr>
-              <a:t>“what experiment?”</a:t>
-            </a:r>
-          </a:p>
-          <a:p>
-            <a:endParaRPr lang="en-US" sz="2000" dirty="0"/>
-          </a:p>
-        </p:txBody>
-      </p:sp>
-      <p:sp>
-        <p:nvSpPr>
-          <p:cNvPr id="7" name="Rectangle 3"/>
-          <p:cNvSpPr>
-            <a:spLocks noGrp="1" noChangeArrowheads="1"/>
-          </p:cNvSpPr>
-          <p:nvPr>
-            <p:ph type="title"/>
-          </p:nvPr>
-        </p:nvSpPr>
-        <p:spPr>
-          <a:xfrm>
-            <a:off x="1905000" y="228600"/>
-            <a:ext cx="5334000" cy="990600"/>
-          </a:xfrm>
-          <a:noFill/>
-        </p:spPr>
-        <p:txBody>
-          <a:bodyPr/>
-          <a:lstStyle/>
-          <a:p>
-            <a:pPr eaLnBrk="1" hangingPunct="1"/>
-            <a:r>
-              <a:rPr lang="en-US" sz="4800" dirty="0" smtClean="0">
-                <a:solidFill>
-                  <a:srgbClr val="0006FE"/>
-                </a:solidFill>
-              </a:rPr>
-              <a:t>Confidence</a:t>
-            </a:r>
-          </a:p>
-        </p:txBody>
-      </p:sp>
-    </p:spTree>
-    <p:extLst>
-      <p:ext uri="{BB962C8B-B14F-4D97-AF65-F5344CB8AC3E}">
-        <p14:creationId xmlns:p14="http://schemas.microsoft.com/office/powerpoint/2010/main" val="474281096"/>
-      </p:ext>
-    </p:extLst>
-  </p:cSld>
-  <p:clrMapOvr>
-    <a:masterClrMapping/>
-  </p:clrMapOvr>
-  <p:transition xmlns:p14="http://schemas.microsoft.com/office/powerpoint/2010/main" spd="slow" advClick="0">
-    <p:fade thruBlk="1"/>
-  </p:transition>
-  <p:timing>
-    <p:tnLst>
-      <p:par>
-        <p:cTn xmlns:p14="http://schemas.microsoft.com/office/powerpoint/2010/main" id="1" dur="indefinite" restart="never" nodeType="tmRoot">
-          <p:childTnLst>
-            <p:seq concurrent="1" nextAc="seek">
-              <p:cTn id="2" dur="indefinite" nodeType="mainSeq">
-                <p:childTnLst>
-                  <p:par>
-                    <p:cTn id="3" fill="hold">
-                      <p:stCondLst>
-                        <p:cond delay="indefinite"/>
-                      </p:stCondLst>
-                      <p:childTnLst>
-                        <p:par>
-                          <p:cTn id="4" fill="hold">
-                            <p:stCondLst>
-                              <p:cond delay="0"/>
-                            </p:stCondLst>
-                            <p:childTnLst>
-                              <p:par>
-                                <p:cTn id="5" presetID="9" presetClass="entr" presetSubtype="0" fill="hold" grpId="0" nodeType="clickEffect">
-                                  <p:stCondLst>
-                                    <p:cond delay="0"/>
-                                  </p:stCondLst>
-                                  <p:childTnLst>
-                                    <p:set>
-                                      <p:cBhvr>
-                                        <p:cTn id="6" dur="1" fill="hold">
-                                          <p:stCondLst>
-                                            <p:cond delay="0"/>
-                                          </p:stCondLst>
-                                        </p:cTn>
-                                        <p:tgtEl>
-                                          <p:spTgt spid="6"/>
-                                        </p:tgtEl>
-                                        <p:attrNameLst>
-                                          <p:attrName>style.visibility</p:attrName>
-                                        </p:attrNameLst>
-                                      </p:cBhvr>
-                                      <p:to>
-                                        <p:strVal val="visible"/>
-                                      </p:to>
-                                    </p:set>
-                                    <p:animEffect transition="in" filter="dissolve">
-                                      <p:cBhvr>
-                                        <p:cTn id="7" dur="500"/>
-                                        <p:tgtEl>
-                                          <p:spTgt spid="6"/>
-                                        </p:tgtEl>
-                                      </p:cBhvr>
-                                    </p:animEffect>
-                                  </p:childTnLst>
-                                </p:cTn>
-                              </p:par>
-                            </p:childTnLst>
-                          </p:cTn>
-                        </p:par>
-                      </p:childTnLst>
-                    </p:cTn>
-                  </p:par>
-                </p:childTnLst>
-              </p:cTn>
-              <p:prevCondLst>
-                <p:cond evt="onPrev" delay="0">
-                  <p:tgtEl>
-                    <p:sldTgt/>
-                  </p:tgtEl>
-                </p:cond>
-              </p:prevCondLst>
-              <p:nextCondLst>
-                <p:cond evt="onNext" delay="0">
-                  <p:tgtEl>
-                    <p:sldTgt/>
-                  </p:tgtEl>
-                </p:cond>
-              </p:nextCondLst>
-            </p:seq>
-          </p:childTnLst>
-        </p:cTn>
-      </p:par>
-    </p:tnLst>
-    <p:bldLst>
-      <p:bldP spid="6" grpId="0"/>
-    </p:bldLst>
-  </p:timing>
-</p:sld>
-</file>
-
-<file path=ppt/slides/slide16.xml><?xml version="1.0" encoding="utf-8"?>
-<p:sld xmlns:a="http://schemas.openxmlformats.org/drawingml/2006/main" xmlns:r="http://schemas.openxmlformats.org/officeDocument/2006/relationships" xmlns:p="http://schemas.openxmlformats.org/presentationml/2006/main">
-  <p:cSld>
-    <p:spTree>
-      <p:nvGrpSpPr>
-        <p:cNvPr id="1" name=""/>
-        <p:cNvGrpSpPr/>
-        <p:nvPr/>
-      </p:nvGrpSpPr>
-      <p:grpSpPr>
-        <a:xfrm>
-          <a:off x="0" y="0"/>
-          <a:ext cx="0" cy="0"/>
-          <a:chOff x="0" y="0"/>
-          <a:chExt cx="0" cy="0"/>
-        </a:xfrm>
-      </p:grpSpPr>
-      <p:sp>
-        <p:nvSpPr>
-          <p:cNvPr id="3" name="Content Placeholder 2"/>
-          <p:cNvSpPr>
-            <a:spLocks noGrp="1"/>
-          </p:cNvSpPr>
-          <p:nvPr>
-            <p:ph idx="1"/>
-          </p:nvPr>
-        </p:nvSpPr>
-        <p:spPr>
-          <a:xfrm>
-            <a:off x="152400" y="1066800"/>
-            <a:ext cx="8839200" cy="5334000"/>
-          </a:xfrm>
-        </p:spPr>
-        <p:txBody>
-          <a:bodyPr/>
-          <a:lstStyle/>
-          <a:p>
-            <a:r>
-              <a:rPr lang="en-US" sz="4800" dirty="0" smtClean="0">
-                <a:solidFill>
-                  <a:srgbClr val="006600"/>
-                </a:solidFill>
-              </a:rPr>
-              <a:t>Moral:</a:t>
-            </a:r>
-            <a:r>
-              <a:rPr lang="en-US" sz="4800" dirty="0" smtClean="0"/>
-              <a:t> </a:t>
-            </a:r>
-            <a:r>
-              <a:rPr lang="en-US" sz="4800" dirty="0"/>
-              <a:t>Also ask “Why am I</a:t>
-            </a:r>
-          </a:p>
-          <a:p>
-            <a:r>
-              <a:rPr lang="en-US" sz="4800" dirty="0"/>
-              <a:t>hearing about this particular </a:t>
-            </a:r>
-          </a:p>
-          <a:p>
-            <a:r>
-              <a:rPr lang="en-US" sz="4800" dirty="0"/>
-              <a:t>experiment?  How many </a:t>
-            </a:r>
-          </a:p>
-          <a:p>
-            <a:r>
-              <a:rPr lang="en-US" sz="4800" dirty="0"/>
-              <a:t>others were tried and not</a:t>
-            </a:r>
-          </a:p>
-          <a:p>
-            <a:r>
-              <a:rPr lang="en-US" sz="4800" dirty="0"/>
-              <a:t>reported?” </a:t>
-            </a:r>
-            <a:endParaRPr lang="en-US" sz="4800" dirty="0" smtClean="0"/>
-          </a:p>
-          <a:p>
-            <a:pPr algn="ctr"/>
-            <a:r>
-              <a:rPr lang="en-US" sz="4800" dirty="0"/>
-              <a:t>See </a:t>
-            </a:r>
-            <a:r>
-              <a:rPr lang="en-US" sz="4800" dirty="0">
-                <a:solidFill>
-                  <a:srgbClr val="660066"/>
-                </a:solidFill>
-              </a:rPr>
-              <a:t>http://</a:t>
-            </a:r>
-            <a:r>
-              <a:rPr lang="en-US" sz="4800" dirty="0" err="1">
-                <a:solidFill>
-                  <a:srgbClr val="660066"/>
-                </a:solidFill>
-              </a:rPr>
-              <a:t>xkcd.com</a:t>
-            </a:r>
-            <a:r>
-              <a:rPr lang="en-US" sz="4800" dirty="0">
-                <a:solidFill>
-                  <a:srgbClr val="660066"/>
-                </a:solidFill>
-              </a:rPr>
-              <a:t>/882/</a:t>
-            </a:r>
-          </a:p>
-        </p:txBody>
-      </p:sp>
-      <p:sp>
-        <p:nvSpPr>
-          <p:cNvPr id="4" name="Slide Number Placeholder 3"/>
-          <p:cNvSpPr>
-            <a:spLocks noGrp="1"/>
-          </p:cNvSpPr>
-          <p:nvPr>
-            <p:ph type="sldNum" sz="quarter" idx="10"/>
-          </p:nvPr>
-        </p:nvSpPr>
-        <p:spPr/>
-        <p:txBody>
-          <a:bodyPr/>
-          <a:lstStyle/>
-          <a:p>
-            <a:pPr>
-              <a:defRPr/>
-            </a:pPr>
-            <a:r>
-              <a:rPr lang="en-US" dirty="0" smtClean="0"/>
-              <a:t>testing.</a:t>
-            </a:r>
-            <a:fld id="{E78F4000-603A-43A9-9772-EA15786EFD2C}" type="slidenum">
-              <a:rPr lang="en-US" smtClean="0"/>
-              <a:pPr>
-                <a:defRPr/>
-              </a:pPr>
-              <a:t>16</a:t>
-            </a:fld>
-            <a:endParaRPr lang="en-US" dirty="0"/>
-          </a:p>
-        </p:txBody>
-      </p:sp>
-      <p:sp>
-        <p:nvSpPr>
-          <p:cNvPr id="7" name="Rectangle 3"/>
-          <p:cNvSpPr>
-            <a:spLocks noGrp="1" noChangeArrowheads="1"/>
-          </p:cNvSpPr>
-          <p:nvPr>
-            <p:ph type="title"/>
-          </p:nvPr>
-        </p:nvSpPr>
-        <p:spPr>
-          <a:xfrm>
-            <a:off x="1905000" y="228600"/>
-            <a:ext cx="5334000" cy="990600"/>
-          </a:xfrm>
-          <a:noFill/>
-        </p:spPr>
-        <p:txBody>
-          <a:bodyPr/>
-          <a:lstStyle/>
-          <a:p>
-            <a:pPr eaLnBrk="1" hangingPunct="1"/>
-            <a:r>
-              <a:rPr lang="en-US" sz="4800" dirty="0" smtClean="0">
-                <a:solidFill>
-                  <a:srgbClr val="0006FE"/>
-                </a:solidFill>
-              </a:rPr>
-              <a:t>Confidence</a:t>
-            </a:r>
-          </a:p>
-        </p:txBody>
-      </p:sp>
-    </p:spTree>
-    <p:extLst>
-      <p:ext uri="{BB962C8B-B14F-4D97-AF65-F5344CB8AC3E}">
-        <p14:creationId xmlns:p14="http://schemas.microsoft.com/office/powerpoint/2010/main" val="1527608813"/>
-      </p:ext>
-    </p:extLst>
-  </p:cSld>
-  <p:clrMapOvr>
-    <a:masterClrMapping/>
-  </p:clrMapOvr>
-  <p:transition xmlns:p14="http://schemas.microsoft.com/office/powerpoint/2010/main">
-    <p:fade/>
-  </p:transition>
-  <p:timing>
-    <p:tnLst>
-      <p:par>
-        <p:cTn xmlns:p14="http://schemas.microsoft.com/office/powerpoint/2010/main" id="1" dur="indefinite" restart="never" nodeType="tmRoot">
-          <p:childTnLst>
-            <p:seq concurrent="1" nextAc="seek">
-              <p:cTn id="2" dur="indefinite" nodeType="mainSeq">
-                <p:childTnLst>
-                  <p:par>
-                    <p:cTn id="3" fill="hold">
-                      <p:stCondLst>
-                        <p:cond delay="indefinite"/>
-                      </p:stCondLst>
-                      <p:childTnLst>
-                        <p:par>
-                          <p:cTn id="4" fill="hold">
-                            <p:stCondLst>
-                              <p:cond delay="0"/>
-                            </p:stCondLst>
-                            <p:childTnLst>
-                              <p:par>
-                                <p:cTn id="5" presetID="10" presetClass="entr" presetSubtype="0" fill="hold" nodeType="clickEffect">
-                                  <p:stCondLst>
-                                    <p:cond delay="0"/>
-                                  </p:stCondLst>
-                                  <p:childTnLst>
-                                    <p:set>
-                                      <p:cBhvr>
-                                        <p:cTn id="6" dur="1" fill="hold">
-                                          <p:stCondLst>
-                                            <p:cond delay="0"/>
-                                          </p:stCondLst>
-                                        </p:cTn>
-                                        <p:tgtEl>
-                                          <p:spTgt spid="3">
-                                            <p:txEl>
-                                              <p:pRg st="5" end="5"/>
-                                            </p:txEl>
-                                          </p:spTgt>
-                                        </p:tgtEl>
-                                        <p:attrNameLst>
-                                          <p:attrName>style.visibility</p:attrName>
-                                        </p:attrNameLst>
-                                      </p:cBhvr>
-                                      <p:to>
-                                        <p:strVal val="visible"/>
-                                      </p:to>
-                                    </p:set>
-                                    <p:animEffect transition="in" filter="fade">
-                                      <p:cBhvr>
-                                        <p:cTn id="7" dur="500"/>
-                                        <p:tgtEl>
-                                          <p:spTgt spid="3">
-                                            <p:txEl>
-                                              <p:pRg st="5" end="5"/>
-                                            </p:txEl>
-                                          </p:spTgt>
-                                        </p:tgtEl>
-                                      </p:cBhvr>
-                                    </p:animEffect>
-                                  </p:childTnLst>
-                                </p:cTn>
-                              </p:par>
-                            </p:childTnLst>
-                          </p:cTn>
-                        </p:par>
-                      </p:childTnLst>
-                    </p:cTn>
-                  </p:par>
-                </p:childTnLst>
-              </p:cTn>
-              <p:prevCondLst>
-                <p:cond evt="onPrev" delay="0">
-                  <p:tgtEl>
-                    <p:sldTgt/>
-                  </p:tgtEl>
-                </p:cond>
-              </p:prevCondLst>
-              <p:nextCondLst>
-                <p:cond evt="onNext" delay="0">
-                  <p:tgtEl>
-                    <p:sldTgt/>
-                  </p:tgtEl>
-                </p:cond>
-              </p:nextCondLst>
-            </p:seq>
-          </p:childTnLst>
-        </p:cTn>
-      </p:par>
-    </p:tnLst>
-  </p:timing>
-</p:sld>
-</file>
-
 <file path=ppt/slides/slide2.xml><?xml version="1.0" encoding="utf-8"?>
 <p:sld xmlns:a="http://schemas.openxmlformats.org/drawingml/2006/main" xmlns:r="http://schemas.openxmlformats.org/officeDocument/2006/relationships" xmlns:p="http://schemas.openxmlformats.org/presentationml/2006/main">
   <p:cSld>
@@ -8868,7 +4760,7 @@
         <p:spPr>
           <a:xfrm>
             <a:off x="228600" y="1295400"/>
-            <a:ext cx="8534400" cy="2062103"/>
+            <a:ext cx="8534400" cy="1446550"/>
           </a:xfrm>
           <a:prstGeom prst="rect">
             <a:avLst/>
@@ -8943,17 +4835,17 @@
                 <a:latin typeface="Comic Sans MS"/>
                 <a:cs typeface="Comic Sans MS"/>
               </a:rPr>
-              <a:t>test results  from </a:t>
-            </a:r>
-            <a:r>
-              <a:rPr lang="en-US" sz="4000" dirty="0">
-                <a:solidFill>
-                  <a:srgbClr val="008000"/>
+              <a:t>test results </a:t>
+            </a:r>
+            <a:r>
+              <a:rPr lang="en-US" sz="4000" dirty="0" smtClean="0">
+                <a:solidFill>
+                  <a:srgbClr val="000000"/>
                 </a:solidFill>
                 <a:latin typeface="Comic Sans MS"/>
                 <a:cs typeface="Comic Sans MS"/>
               </a:rPr>
-              <a:t>people </a:t>
+              <a:t>from </a:t>
             </a:r>
             <a:r>
               <a:rPr lang="en-US" sz="4000" dirty="0" smtClean="0">
@@ -8963,7 +4855,7 @@
                 <a:latin typeface="Comic Sans MS"/>
                 <a:cs typeface="Comic Sans MS"/>
               </a:rPr>
-              <a:t>with no TB</a:t>
+              <a:t>everyone</a:t>
             </a:r>
             <a:endParaRPr lang="en-US" dirty="0"/>
           </a:p>
@@ -9289,17 +5181,17 @@
                 <a:latin typeface="Comic Sans MS"/>
                 <a:cs typeface="Comic Sans MS"/>
               </a:rPr>
-              <a:t>test results  from </a:t>
-            </a:r>
-            <a:r>
-              <a:rPr lang="en-US" sz="4000" dirty="0">
-                <a:solidFill>
-                  <a:srgbClr val="008000"/>
+              <a:t>test results </a:t>
+            </a:r>
+            <a:r>
+              <a:rPr lang="en-US" sz="4000" dirty="0" smtClean="0">
+                <a:solidFill>
+                  <a:srgbClr val="000000"/>
                 </a:solidFill>
                 <a:latin typeface="Comic Sans MS"/>
                 <a:cs typeface="Comic Sans MS"/>
               </a:rPr>
-              <a:t>people </a:t>
+              <a:t>from </a:t>
             </a:r>
             <a:r>
               <a:rPr lang="en-US" sz="4000" dirty="0" smtClean="0">
@@ -9309,17 +5201,27 @@
                 <a:latin typeface="Comic Sans MS"/>
                 <a:cs typeface="Comic Sans MS"/>
               </a:rPr>
-              <a:t>with no TB</a:t>
-            </a:r>
-            <a:r>
-              <a:rPr lang="en-US" sz="4000" dirty="0">
+              <a:t>everyone</a:t>
+            </a:r>
+            <a:r>
+              <a:rPr lang="en-US" sz="4000" dirty="0" smtClean="0">
                 <a:solidFill>
                   <a:srgbClr val="000000"/>
                 </a:solidFill>
                 <a:latin typeface="Comic Sans MS"/>
                 <a:cs typeface="Comic Sans MS"/>
               </a:rPr>
-              <a:t>, then they </a:t>
+              <a:t>, </a:t>
+            </a:r>
+            <a:r>
+              <a:rPr lang="en-US" sz="4000" dirty="0">
+                <a:solidFill>
+                  <a:srgbClr val="000000"/>
+                </a:solidFill>
+                <a:latin typeface="Comic Sans MS"/>
+                <a:cs typeface="Comic Sans MS"/>
+              </a:rPr>
+              <a:t>then they </a:t>
             </a:r>
             <a:r>
               <a:rPr lang="en-US" sz="4000" dirty="0" smtClean="0">
@@ -10202,7 +6104,7 @@
           <a:graphicData uri="http://schemas.openxmlformats.org/presentationml/2006/ole">
             <mc:AlternateContent xmlns:mc="http://schemas.openxmlformats.org/markup-compatibility/2006">
               <mc:Choice xmlns:v="urn:schemas-microsoft-com:vml" Requires="v">
-                <p:oleObj spid="_x0000_s1034" name="Equation" r:id="rId3" imgW="1549400" imgH="254000" progId="Equation.DSMT4">
+                <p:oleObj spid="_x0000_s1042" name="Equation" r:id="rId3" imgW="1549400" imgH="254000" progId="Equation.DSMT4">
                   <p:embed/>
                 </p:oleObj>
               </mc:Choice>
@@ -10259,7 +6161,7 @@
           <a:graphicData uri="http://schemas.openxmlformats.org/presentationml/2006/ole">
             <mc:AlternateContent xmlns:mc="http://schemas.openxmlformats.org/markup-compatibility/2006">
               <mc:Choice xmlns:v="urn:schemas-microsoft-com:vml" Requires="v">
-                <p:oleObj spid="_x0000_s1035" name="Equation" r:id="rId5" imgW="1447800" imgH="241300" progId="Equation.DSMT4">
+                <p:oleObj spid="_x0000_s1043" name="Equation" r:id="rId5" imgW="1447800" imgH="241300" progId="Equation.DSMT4">
                   <p:embed/>
                 </p:oleObj>
               </mc:Choice>
@@ -10791,51 +6693,6 @@
   <p:tag name="TEX2PS" val="latex %.tex; dvips -D 300 -o %.ps %.dvi"/>
   <p:tag name="TEX2PSBATCH" val="latex --interaction=nonstopmode %.tex; dvips -D 300 -o %.ps %.dvi"/>
   <p:tag name="DEFAULTMAGNIFICATION" val="1.5"/>
-</p:tagLst>
-</file>
-
-<file path=ppt/tags/tag2.xml><?xml version="1.0" encoding="utf-8"?>
-<p:tagLst xmlns:a="http://schemas.openxmlformats.org/drawingml/2006/main" xmlns:r="http://schemas.openxmlformats.org/officeDocument/2006/relationships" xmlns:p="http://schemas.openxmlformats.org/presentationml/2006/main">
-  <p:tag name="SOURCE" val="\documentclass{slides}\pagestyle{empty}&#10;\input{C:/latex-macros/texpoint.sty}&#10;\begin{document}&#10;$  3$&#10;\end{document}"/>
-  <p:tag name="EXTERNALNAME" val="TP_tmp"/>
-  <p:tag name="BLEND" val="0"/>
-  <p:tag name="TRANSPARENT" val="1"/>
-  <p:tag name="RESOLUTION" val="300"/>
-  <p:tag name="WORKAROUNDTRANSPARENCYBUG" val="0"/>
-  <p:tag name="ALLOWFONTSUBSTITUTION" val="0"/>
-  <p:tag name="BITMAPFORMAT" val="png256"/>
-  <p:tag name="ORIGWIDTH" val="63.875"/>
-  <p:tag name="PICTUREFILESIZE" val="3950"/>
-</p:tagLst>
-</file>
-
-<file path=ppt/tags/tag3.xml><?xml version="1.0" encoding="utf-8"?>
-<p:tagLst xmlns:a="http://schemas.openxmlformats.org/drawingml/2006/main" xmlns:r="http://schemas.openxmlformats.org/officeDocument/2006/relationships" xmlns:p="http://schemas.openxmlformats.org/presentationml/2006/main">
-  <p:tag name="SOURCE" val="\documentclass{slides}\pagestyle{empty}&#10;\input{C:/latex-macros/texpoint.sty}&#10;\begin{document}&#10;$  3$&#10;\end{document}"/>
-  <p:tag name="EXTERNALNAME" val="TP_tmp"/>
-  <p:tag name="BLEND" val="0"/>
-  <p:tag name="TRANSPARENT" val="1"/>
-  <p:tag name="RESOLUTION" val="300"/>
-  <p:tag name="WORKAROUNDTRANSPARENCYBUG" val="0"/>
-  <p:tag name="ALLOWFONTSUBSTITUTION" val="0"/>
-  <p:tag name="BITMAPFORMAT" val="png256"/>
-  <p:tag name="ORIGWIDTH" val="63.875"/>
-  <p:tag name="PICTUREFILESIZE" val="3950"/>
-</p:tagLst>
-</file>
-
-<file path=ppt/tags/tag4.xml><?xml version="1.0" encoding="utf-8"?>
-<p:tagLst xmlns:a="http://schemas.openxmlformats.org/drawingml/2006/main" xmlns:r="http://schemas.openxmlformats.org/officeDocument/2006/relationships" xmlns:p="http://schemas.openxmlformats.org/presentationml/2006/main">
-  <p:tag name="SOURCE" val="\documentclass{slides}\pagestyle{empty}&#10;\input{C:/latex-macros/texpoint.sty}&#10;\begin{document}&#10;$  3$&#10;\end{document}"/>
-  <p:tag name="EXTERNALNAME" val="TP_tmp"/>
-  <p:tag name="BLEND" val="0"/>
-  <p:tag name="TRANSPARENT" val="1"/>
-  <p:tag name="RESOLUTION" val="300"/>
-  <p:tag name="WORKAROUNDTRANSPARENCYBUG" val="0"/>
-  <p:tag name="ALLOWFONTSUBSTITUTION" val="0"/>
-  <p:tag name="BITMAPFORMAT" val="png256"/>
-  <p:tag name="ORIGWIDTH" val="63.875"/>
-  <p:tag name="PICTUREFILESIZE" val="3950"/>
 </p:tagLst>
 </file>
 

--- a/spring16/slidesS16/confidence-vs-prediction.pptx
+++ b/spring16/slidesS16/confidence-vs-prediction.pptx
@@ -5,26 +5,27 @@
     <p:sldMasterId id="2147483650" r:id="rId1"/>
   </p:sldMasterIdLst>
   <p:notesMasterIdLst>
-    <p:notesMasterId r:id="rId11"/>
+    <p:notesMasterId r:id="rId12"/>
   </p:notesMasterIdLst>
   <p:handoutMasterIdLst>
-    <p:handoutMasterId r:id="rId12"/>
+    <p:handoutMasterId r:id="rId13"/>
   </p:handoutMasterIdLst>
   <p:sldIdLst>
     <p:sldId id="322" r:id="rId2"/>
-    <p:sldId id="426" r:id="rId3"/>
-    <p:sldId id="433" r:id="rId4"/>
-    <p:sldId id="427" r:id="rId5"/>
+    <p:sldId id="433" r:id="rId3"/>
+    <p:sldId id="427" r:id="rId4"/>
+    <p:sldId id="436" r:id="rId5"/>
     <p:sldId id="431" r:id="rId6"/>
     <p:sldId id="429" r:id="rId7"/>
     <p:sldId id="432" r:id="rId8"/>
     <p:sldId id="430" r:id="rId9"/>
     <p:sldId id="434" r:id="rId10"/>
+    <p:sldId id="437" r:id="rId11"/>
   </p:sldIdLst>
   <p:sldSz cx="9144000" cy="6858000" type="screen4x3"/>
   <p:notesSz cx="9601200" cy="7315200"/>
   <p:custDataLst>
-    <p:tags r:id="rId14"/>
+    <p:tags r:id="rId15"/>
   </p:custDataLst>
   <p:defaultTextStyle>
     <a:defPPr>
@@ -2430,6 +2431,606 @@
 </p:sld>
 </file>
 
+<file path=ppt/slides/slide10.xml><?xml version="1.0" encoding="utf-8"?>
+<p:sld xmlns:a="http://schemas.openxmlformats.org/drawingml/2006/main" xmlns:r="http://schemas.openxmlformats.org/officeDocument/2006/relationships" xmlns:p="http://schemas.openxmlformats.org/presentationml/2006/main">
+  <p:cSld>
+    <p:spTree>
+      <p:nvGrpSpPr>
+        <p:cNvPr id="1" name=""/>
+        <p:cNvGrpSpPr/>
+        <p:nvPr/>
+      </p:nvGrpSpPr>
+      <p:grpSpPr>
+        <a:xfrm>
+          <a:off x="0" y="0"/>
+          <a:ext cx="0" cy="0"/>
+          <a:chOff x="0" y="0"/>
+          <a:chExt cx="0" cy="0"/>
+        </a:xfrm>
+      </p:grpSpPr>
+      <p:sp>
+        <p:nvSpPr>
+          <p:cNvPr id="2" name="Slide Number Placeholder 1"/>
+          <p:cNvSpPr>
+            <a:spLocks noGrp="1"/>
+          </p:cNvSpPr>
+          <p:nvPr>
+            <p:ph type="sldNum" sz="quarter" idx="10"/>
+          </p:nvPr>
+        </p:nvSpPr>
+        <p:spPr/>
+        <p:txBody>
+          <a:bodyPr/>
+          <a:lstStyle/>
+          <a:p>
+            <a:pPr>
+              <a:defRPr/>
+            </a:pPr>
+            <a:r>
+              <a:rPr lang="en-US" smtClean="0"/>
+              <a:t>testing.</a:t>
+            </a:r>
+            <a:fld id="{B6F1E441-844C-41E3-A135-77978BB3664F}" type="slidenum">
+              <a:rPr lang="en-US" smtClean="0"/>
+              <a:pPr>
+                <a:defRPr/>
+              </a:pPr>
+              <a:t>10</a:t>
+            </a:fld>
+            <a:endParaRPr lang="en-US" dirty="0"/>
+          </a:p>
+        </p:txBody>
+      </p:sp>
+      <p:sp>
+        <p:nvSpPr>
+          <p:cNvPr id="3" name="TextBox 2"/>
+          <p:cNvSpPr txBox="1"/>
+          <p:nvPr/>
+        </p:nvSpPr>
+        <p:spPr>
+          <a:xfrm>
+            <a:off x="430814" y="1371600"/>
+            <a:ext cx="8255986" cy="3490186"/>
+          </a:xfrm>
+          <a:prstGeom prst="rect">
+            <a:avLst/>
+          </a:prstGeom>
+          <a:noFill/>
+        </p:spPr>
+        <p:txBody>
+          <a:bodyPr wrap="none" rtlCol="0">
+            <a:spAutoFit/>
+          </a:bodyPr>
+          <a:lstStyle/>
+          <a:p>
+            <a:r>
+              <a:rPr lang="en-US" sz="4800" dirty="0" smtClean="0">
+                <a:latin typeface="Comic Sans MS"/>
+                <a:cs typeface="Comic Sans MS"/>
+              </a:rPr>
+              <a:t>Lab managers confused test</a:t>
+            </a:r>
+          </a:p>
+          <a:p>
+            <a:r>
+              <a:rPr lang="en-US" sz="4800" dirty="0" smtClean="0">
+                <a:solidFill>
+                  <a:srgbClr val="FF00FF"/>
+                </a:solidFill>
+                <a:latin typeface="Comic Sans MS"/>
+                <a:cs typeface="Comic Sans MS"/>
+              </a:rPr>
+              <a:t>confidence</a:t>
+            </a:r>
+            <a:r>
+              <a:rPr lang="en-US" sz="4800" dirty="0" smtClean="0">
+                <a:latin typeface="Comic Sans MS"/>
+                <a:cs typeface="Comic Sans MS"/>
+              </a:rPr>
+              <a:t>,</a:t>
+            </a:r>
+          </a:p>
+          <a:p>
+            <a:endParaRPr lang="en-US" sz="4800" dirty="0">
+              <a:latin typeface="Comic Sans MS"/>
+              <a:cs typeface="Comic Sans MS"/>
+            </a:endParaRPr>
+          </a:p>
+          <a:p>
+            <a:r>
+              <a:rPr lang="en-US" sz="4800" dirty="0" smtClean="0">
+                <a:latin typeface="Comic Sans MS"/>
+                <a:cs typeface="Comic Sans MS"/>
+              </a:rPr>
+              <a:t>with </a:t>
+            </a:r>
+            <a:r>
+              <a:rPr lang="en-US" sz="4800" dirty="0" smtClean="0">
+                <a:solidFill>
+                  <a:srgbClr val="008000"/>
+                </a:solidFill>
+                <a:latin typeface="Comic Sans MS"/>
+                <a:cs typeface="Comic Sans MS"/>
+              </a:rPr>
+              <a:t>predictive probability</a:t>
+            </a:r>
+            <a:r>
+              <a:rPr lang="en-US" sz="4800" dirty="0" smtClean="0">
+                <a:solidFill>
+                  <a:srgbClr val="FF00FF"/>
+                </a:solidFill>
+                <a:latin typeface="Comic Sans MS"/>
+                <a:cs typeface="Comic Sans MS"/>
+              </a:rPr>
+              <a:t> </a:t>
+            </a:r>
+            <a:r>
+              <a:rPr lang="en-US" sz="4800" dirty="0" smtClean="0">
+                <a:latin typeface="Comic Sans MS"/>
+                <a:cs typeface="Comic Sans MS"/>
+              </a:rPr>
+              <a:t> </a:t>
+            </a:r>
+            <a:endParaRPr lang="en-US" sz="4800" dirty="0">
+              <a:latin typeface="Comic Sans MS"/>
+              <a:cs typeface="Comic Sans MS"/>
+            </a:endParaRPr>
+          </a:p>
+        </p:txBody>
+      </p:sp>
+      <p:graphicFrame>
+        <p:nvGraphicFramePr>
+          <p:cNvPr id="4" name="Object 3"/>
+          <p:cNvGraphicFramePr>
+            <a:graphicFrameLocks noChangeAspect="1"/>
+          </p:cNvGraphicFramePr>
+          <p:nvPr>
+            <p:extLst>
+              <p:ext uri="{D42A27DB-BD31-4B8C-83A1-F6EECF244321}">
+                <p14:modId xmlns:p14="http://schemas.microsoft.com/office/powerpoint/2010/main" val="3054614763"/>
+              </p:ext>
+            </p:extLst>
+          </p:nvPr>
+        </p:nvGraphicFramePr>
+        <p:xfrm>
+          <a:off x="1526189" y="2903538"/>
+          <a:ext cx="5910263" cy="969962"/>
+        </p:xfrm>
+        <a:graphic>
+          <a:graphicData uri="http://schemas.openxmlformats.org/presentationml/2006/ole">
+            <mc:AlternateContent xmlns:mc="http://schemas.openxmlformats.org/markup-compatibility/2006">
+              <mc:Choice xmlns:v="urn:schemas-microsoft-com:vml" Requires="v">
+                <p:oleObj spid="_x0000_s2051" name="Equation" r:id="rId3" imgW="1549400" imgH="254000" progId="Equation.DSMT4">
+                  <p:embed/>
+                </p:oleObj>
+              </mc:Choice>
+              <mc:Fallback>
+                <p:oleObj name="Equation" r:id="rId3" imgW="1549400" imgH="254000" progId="Equation.DSMT4">
+                  <p:embed/>
+                  <p:pic>
+                    <p:nvPicPr>
+                      <p:cNvPr id="0" name=""/>
+                      <p:cNvPicPr/>
+                      <p:nvPr/>
+                    </p:nvPicPr>
+                    <p:blipFill>
+                      <a:blip r:embed="rId4"/>
+                      <a:stretch>
+                        <a:fillRect/>
+                      </a:stretch>
+                    </p:blipFill>
+                    <p:spPr>
+                      <a:xfrm>
+                        <a:off x="1526189" y="2903538"/>
+                        <a:ext cx="5910263" cy="969962"/>
+                      </a:xfrm>
+                      <a:prstGeom prst="rect">
+                        <a:avLst/>
+                      </a:prstGeom>
+                    </p:spPr>
+                  </p:pic>
+                </p:oleObj>
+              </mc:Fallback>
+            </mc:AlternateContent>
+          </a:graphicData>
+        </a:graphic>
+      </p:graphicFrame>
+      <p:graphicFrame>
+        <p:nvGraphicFramePr>
+          <p:cNvPr id="5" name="Object 4"/>
+          <p:cNvGraphicFramePr>
+            <a:graphicFrameLocks noChangeAspect="1"/>
+          </p:cNvGraphicFramePr>
+          <p:nvPr>
+            <p:extLst>
+              <p:ext uri="{D42A27DB-BD31-4B8C-83A1-F6EECF244321}">
+                <p14:modId xmlns:p14="http://schemas.microsoft.com/office/powerpoint/2010/main" val="2753358044"/>
+              </p:ext>
+            </p:extLst>
+          </p:nvPr>
+        </p:nvGraphicFramePr>
+        <p:xfrm>
+          <a:off x="1454752" y="4724400"/>
+          <a:ext cx="6824662" cy="1136650"/>
+        </p:xfrm>
+        <a:graphic>
+          <a:graphicData uri="http://schemas.openxmlformats.org/presentationml/2006/ole">
+            <mc:AlternateContent xmlns:mc="http://schemas.openxmlformats.org/markup-compatibility/2006">
+              <mc:Choice xmlns:v="urn:schemas-microsoft-com:vml" Requires="v">
+                <p:oleObj spid="_x0000_s2052" name="Equation" r:id="rId5" imgW="1447800" imgH="241300" progId="Equation.DSMT4">
+                  <p:embed/>
+                </p:oleObj>
+              </mc:Choice>
+              <mc:Fallback>
+                <p:oleObj name="Equation" r:id="rId5" imgW="1447800" imgH="241300" progId="Equation.DSMT4">
+                  <p:embed/>
+                  <p:pic>
+                    <p:nvPicPr>
+                      <p:cNvPr id="0" name=""/>
+                      <p:cNvPicPr/>
+                      <p:nvPr/>
+                    </p:nvPicPr>
+                    <p:blipFill>
+                      <a:blip r:embed="rId6"/>
+                      <a:stretch>
+                        <a:fillRect/>
+                      </a:stretch>
+                    </p:blipFill>
+                    <p:spPr>
+                      <a:xfrm>
+                        <a:off x="1454752" y="4724400"/>
+                        <a:ext cx="6824662" cy="1136650"/>
+                      </a:xfrm>
+                      <a:prstGeom prst="rect">
+                        <a:avLst/>
+                      </a:prstGeom>
+                    </p:spPr>
+                  </p:pic>
+                </p:oleObj>
+              </mc:Fallback>
+            </mc:AlternateContent>
+          </a:graphicData>
+        </a:graphic>
+      </p:graphicFrame>
+      <p:sp>
+        <p:nvSpPr>
+          <p:cNvPr id="6" name="Rectangle 3"/>
+          <p:cNvSpPr txBox="1">
+            <a:spLocks noChangeArrowheads="1"/>
+          </p:cNvSpPr>
+          <p:nvPr/>
+        </p:nvSpPr>
+        <p:spPr>
+          <a:xfrm>
+            <a:off x="1295400" y="304800"/>
+            <a:ext cx="7543800" cy="1066800"/>
+          </a:xfrm>
+          <a:prstGeom prst="rect">
+            <a:avLst/>
+          </a:prstGeom>
+          <a:noFill/>
+        </p:spPr>
+        <p:txBody>
+          <a:bodyPr/>
+          <a:lstStyle>
+            <a:lvl1pPr algn="l" rtl="0" eaLnBrk="0" fontAlgn="base" hangingPunct="0">
+              <a:spcBef>
+                <a:spcPct val="0"/>
+              </a:spcBef>
+              <a:spcAft>
+                <a:spcPct val="0"/>
+              </a:spcAft>
+              <a:defRPr sz="4000" b="1">
+                <a:solidFill>
+                  <a:schemeClr val="tx2"/>
+                </a:solidFill>
+                <a:latin typeface="Comic Sans MS" pitchFamily="66" charset="0"/>
+                <a:ea typeface="+mj-ea"/>
+                <a:cs typeface="+mj-cs"/>
+              </a:defRPr>
+            </a:lvl1pPr>
+            <a:lvl2pPr algn="l" rtl="0" eaLnBrk="0" fontAlgn="base" hangingPunct="0">
+              <a:spcBef>
+                <a:spcPct val="0"/>
+              </a:spcBef>
+              <a:spcAft>
+                <a:spcPct val="0"/>
+              </a:spcAft>
+              <a:defRPr sz="4000" b="1">
+                <a:solidFill>
+                  <a:schemeClr val="tx2"/>
+                </a:solidFill>
+                <a:latin typeface="Comic Sans MS" pitchFamily="66" charset="0"/>
+              </a:defRPr>
+            </a:lvl2pPr>
+            <a:lvl3pPr algn="l" rtl="0" eaLnBrk="0" fontAlgn="base" hangingPunct="0">
+              <a:spcBef>
+                <a:spcPct val="0"/>
+              </a:spcBef>
+              <a:spcAft>
+                <a:spcPct val="0"/>
+              </a:spcAft>
+              <a:defRPr sz="4000" b="1">
+                <a:solidFill>
+                  <a:schemeClr val="tx2"/>
+                </a:solidFill>
+                <a:latin typeface="Comic Sans MS" pitchFamily="66" charset="0"/>
+              </a:defRPr>
+            </a:lvl3pPr>
+            <a:lvl4pPr algn="l" rtl="0" eaLnBrk="0" fontAlgn="base" hangingPunct="0">
+              <a:spcBef>
+                <a:spcPct val="0"/>
+              </a:spcBef>
+              <a:spcAft>
+                <a:spcPct val="0"/>
+              </a:spcAft>
+              <a:defRPr sz="4000" b="1">
+                <a:solidFill>
+                  <a:schemeClr val="tx2"/>
+                </a:solidFill>
+                <a:latin typeface="Comic Sans MS" pitchFamily="66" charset="0"/>
+              </a:defRPr>
+            </a:lvl4pPr>
+            <a:lvl5pPr algn="l" rtl="0" eaLnBrk="0" fontAlgn="base" hangingPunct="0">
+              <a:spcBef>
+                <a:spcPct val="0"/>
+              </a:spcBef>
+              <a:spcAft>
+                <a:spcPct val="0"/>
+              </a:spcAft>
+              <a:defRPr sz="4000" b="1">
+                <a:solidFill>
+                  <a:schemeClr val="tx2"/>
+                </a:solidFill>
+                <a:latin typeface="Comic Sans MS" pitchFamily="66" charset="0"/>
+              </a:defRPr>
+            </a:lvl5pPr>
+            <a:lvl6pPr marL="457200" algn="l" rtl="0" fontAlgn="base">
+              <a:spcBef>
+                <a:spcPct val="0"/>
+              </a:spcBef>
+              <a:spcAft>
+                <a:spcPct val="0"/>
+              </a:spcAft>
+              <a:defRPr sz="4000" b="1">
+                <a:solidFill>
+                  <a:schemeClr val="tx2"/>
+                </a:solidFill>
+                <a:latin typeface="Times New Roman" pitchFamily="18" charset="0"/>
+              </a:defRPr>
+            </a:lvl6pPr>
+            <a:lvl7pPr marL="914400" algn="l" rtl="0" fontAlgn="base">
+              <a:spcBef>
+                <a:spcPct val="0"/>
+              </a:spcBef>
+              <a:spcAft>
+                <a:spcPct val="0"/>
+              </a:spcAft>
+              <a:defRPr sz="4000" b="1">
+                <a:solidFill>
+                  <a:schemeClr val="tx2"/>
+                </a:solidFill>
+                <a:latin typeface="Times New Roman" pitchFamily="18" charset="0"/>
+              </a:defRPr>
+            </a:lvl7pPr>
+            <a:lvl8pPr marL="1371600" algn="l" rtl="0" fontAlgn="base">
+              <a:spcBef>
+                <a:spcPct val="0"/>
+              </a:spcBef>
+              <a:spcAft>
+                <a:spcPct val="0"/>
+              </a:spcAft>
+              <a:defRPr sz="4000" b="1">
+                <a:solidFill>
+                  <a:schemeClr val="tx2"/>
+                </a:solidFill>
+                <a:latin typeface="Times New Roman" pitchFamily="18" charset="0"/>
+              </a:defRPr>
+            </a:lvl8pPr>
+            <a:lvl9pPr marL="1828800" algn="l" rtl="0" fontAlgn="base">
+              <a:spcBef>
+                <a:spcPct val="0"/>
+              </a:spcBef>
+              <a:spcAft>
+                <a:spcPct val="0"/>
+              </a:spcAft>
+              <a:defRPr sz="4000" b="1">
+                <a:solidFill>
+                  <a:schemeClr val="tx2"/>
+                </a:solidFill>
+                <a:latin typeface="Times New Roman" pitchFamily="18" charset="0"/>
+              </a:defRPr>
+            </a:lvl9pPr>
+          </a:lstStyle>
+          <a:p>
+            <a:pPr eaLnBrk="1" hangingPunct="1"/>
+            <a:r>
+              <a:rPr lang="en-US" sz="4800" dirty="0" smtClean="0">
+                <a:solidFill>
+                  <a:schemeClr val="tx1"/>
+                </a:solidFill>
+              </a:rPr>
+              <a:t>Confidence </a:t>
+            </a:r>
+            <a:r>
+              <a:rPr lang="en-US" sz="4800" dirty="0" err="1" smtClean="0">
+                <a:solidFill>
+                  <a:schemeClr val="tx1"/>
+                </a:solidFill>
+              </a:rPr>
+              <a:t>vs</a:t>
+            </a:r>
+            <a:r>
+              <a:rPr lang="en-US" sz="4800" dirty="0" smtClean="0">
+                <a:solidFill>
+                  <a:schemeClr val="tx1"/>
+                </a:solidFill>
+              </a:rPr>
+              <a:t> Prediction</a:t>
+            </a:r>
+          </a:p>
+        </p:txBody>
+      </p:sp>
+    </p:spTree>
+    <p:extLst>
+      <p:ext uri="{BB962C8B-B14F-4D97-AF65-F5344CB8AC3E}">
+        <p14:creationId xmlns:p14="http://schemas.microsoft.com/office/powerpoint/2010/main" val="2818028883"/>
+      </p:ext>
+    </p:extLst>
+  </p:cSld>
+  <p:clrMapOvr>
+    <a:masterClrMapping/>
+  </p:clrMapOvr>
+  <mc:AlternateContent xmlns:mc="http://schemas.openxmlformats.org/markup-compatibility/2006">
+    <mc:Choice xmlns:p14="http://schemas.microsoft.com/office/powerpoint/2010/main" Requires="p14">
+      <p:transition spd="med" p14:dur="600" advClick="0">
+        <p:fade/>
+      </p:transition>
+    </mc:Choice>
+    <mc:Fallback>
+      <p:transition xmlns:p14="http://schemas.microsoft.com/office/powerpoint/2010/main" spd="med" advClick="0">
+        <p:fade/>
+      </p:transition>
+    </mc:Fallback>
+  </mc:AlternateContent>
+  <p:timing>
+    <p:tnLst>
+      <p:par>
+        <p:cTn xmlns:p14="http://schemas.microsoft.com/office/powerpoint/2010/main" id="1" dur="indefinite" restart="never" nodeType="tmRoot">
+          <p:childTnLst>
+            <p:seq concurrent="1" nextAc="seek">
+              <p:cTn id="2" dur="indefinite" nodeType="mainSeq">
+                <p:childTnLst>
+                  <p:par>
+                    <p:cTn id="3" fill="hold">
+                      <p:stCondLst>
+                        <p:cond delay="indefinite"/>
+                      </p:stCondLst>
+                      <p:childTnLst>
+                        <p:par>
+                          <p:cTn id="4" fill="hold">
+                            <p:stCondLst>
+                              <p:cond delay="0"/>
+                            </p:stCondLst>
+                            <p:childTnLst>
+                              <p:par>
+                                <p:cTn id="5" presetID="10" presetClass="entr" presetSubtype="0" fill="hold" nodeType="clickEffect">
+                                  <p:stCondLst>
+                                    <p:cond delay="0"/>
+                                  </p:stCondLst>
+                                  <p:childTnLst>
+                                    <p:set>
+                                      <p:cBhvr>
+                                        <p:cTn id="6" dur="1" fill="hold">
+                                          <p:stCondLst>
+                                            <p:cond delay="0"/>
+                                          </p:stCondLst>
+                                        </p:cTn>
+                                        <p:tgtEl>
+                                          <p:spTgt spid="3">
+                                            <p:txEl>
+                                              <p:pRg st="3" end="3"/>
+                                            </p:txEl>
+                                          </p:spTgt>
+                                        </p:tgtEl>
+                                        <p:attrNameLst>
+                                          <p:attrName>style.visibility</p:attrName>
+                                        </p:attrNameLst>
+                                      </p:cBhvr>
+                                      <p:to>
+                                        <p:strVal val="visible"/>
+                                      </p:to>
+                                    </p:set>
+                                    <p:animEffect transition="in" filter="fade">
+                                      <p:cBhvr>
+                                        <p:cTn id="7" dur="500"/>
+                                        <p:tgtEl>
+                                          <p:spTgt spid="3">
+                                            <p:txEl>
+                                              <p:pRg st="3" end="3"/>
+                                            </p:txEl>
+                                          </p:spTgt>
+                                        </p:tgtEl>
+                                      </p:cBhvr>
+                                    </p:animEffect>
+                                  </p:childTnLst>
+                                </p:cTn>
+                              </p:par>
+                            </p:childTnLst>
+                          </p:cTn>
+                        </p:par>
+                        <p:par>
+                          <p:cTn id="8" fill="hold">
+                            <p:stCondLst>
+                              <p:cond delay="500"/>
+                            </p:stCondLst>
+                            <p:childTnLst>
+                              <p:par>
+                                <p:cTn id="9" presetID="22" presetClass="entr" presetSubtype="8" fill="hold" nodeType="afterEffect">
+                                  <p:stCondLst>
+                                    <p:cond delay="0"/>
+                                  </p:stCondLst>
+                                  <p:childTnLst>
+                                    <p:set>
+                                      <p:cBhvr>
+                                        <p:cTn id="10" dur="1" fill="hold">
+                                          <p:stCondLst>
+                                            <p:cond delay="0"/>
+                                          </p:stCondLst>
+                                        </p:cTn>
+                                        <p:tgtEl>
+                                          <p:spTgt spid="5"/>
+                                        </p:tgtEl>
+                                        <p:attrNameLst>
+                                          <p:attrName>style.visibility</p:attrName>
+                                        </p:attrNameLst>
+                                      </p:cBhvr>
+                                      <p:to>
+                                        <p:strVal val="visible"/>
+                                      </p:to>
+                                    </p:set>
+                                    <p:animEffect transition="in" filter="wipe(left)">
+                                      <p:cBhvr>
+                                        <p:cTn id="11" dur="1000"/>
+                                        <p:tgtEl>
+                                          <p:spTgt spid="5"/>
+                                        </p:tgtEl>
+                                      </p:cBhvr>
+                                    </p:animEffect>
+                                  </p:childTnLst>
+                                </p:cTn>
+                              </p:par>
+                            </p:childTnLst>
+                          </p:cTn>
+                        </p:par>
+                      </p:childTnLst>
+                    </p:cTn>
+                  </p:par>
+                </p:childTnLst>
+              </p:cTn>
+              <p:prevCondLst>
+                <p:cond evt="onPrev" delay="0">
+                  <p:tgtEl>
+                    <p:sldTgt/>
+                  </p:tgtEl>
+                </p:cond>
+              </p:prevCondLst>
+              <p:nextCondLst>
+                <p:cond evt="onNext" delay="0">
+                  <p:tgtEl>
+                    <p:sldTgt/>
+                  </p:tgtEl>
+                </p:cond>
+              </p:nextCondLst>
+            </p:seq>
+          </p:childTnLst>
+        </p:cTn>
+      </p:par>
+    </p:tnLst>
+  </p:timing>
+</p:sld>
+</file>
+
 <file path=ppt/slides/slide2.xml><?xml version="1.0" encoding="utf-8"?>
 <p:sld xmlns:a="http://schemas.openxmlformats.org/drawingml/2006/main" xmlns:r="http://schemas.openxmlformats.org/officeDocument/2006/relationships" xmlns:p="http://schemas.openxmlformats.org/presentationml/2006/main">
   <p:cSld>
@@ -2651,8 +3252,8 @@
         </p:nvSpPr>
         <p:spPr>
           <a:xfrm>
-            <a:off x="609600" y="1161395"/>
-            <a:ext cx="7648648" cy="2185214"/>
+            <a:off x="0" y="1238238"/>
+            <a:ext cx="9136936" cy="4376583"/>
           </a:xfrm>
           <a:prstGeom prst="rect">
             <a:avLst/>
@@ -2666,31 +3267,91 @@
           <a:lstStyle/>
           <a:p>
             <a:r>
-              <a:rPr lang="en-US" sz="4000" dirty="0" smtClean="0">
-                <a:latin typeface="Comic Sans MS"/>
-                <a:cs typeface="Comic Sans MS"/>
-              </a:rPr>
-              <a:t>Lab offers alternative TB test.</a:t>
-            </a:r>
-          </a:p>
-          <a:p>
-            <a:r>
-              <a:rPr lang="en-US" sz="4000" dirty="0" smtClean="0">
-                <a:latin typeface="Comic Sans MS"/>
-                <a:cs typeface="Comic Sans MS"/>
-              </a:rPr>
-              <a:t>Managers believe their test is</a:t>
-            </a:r>
-          </a:p>
-          <a:p>
-            <a:r>
-              <a:rPr lang="en-US" sz="4000" dirty="0" smtClean="0">
-                <a:latin typeface="Comic Sans MS"/>
-                <a:cs typeface="Comic Sans MS"/>
-              </a:rPr>
-              <a:t>95% accurate.</a:t>
-            </a:r>
-            <a:endParaRPr lang="en-US" sz="4000" dirty="0">
+              <a:rPr lang="en-US" sz="4800" dirty="0" smtClean="0">
+                <a:latin typeface="Comic Sans MS"/>
+                <a:cs typeface="Comic Sans MS"/>
+              </a:rPr>
+              <a:t>Lab offers alternative </a:t>
+            </a:r>
+            <a:r>
+              <a:rPr lang="en-US" sz="4800" dirty="0" smtClean="0">
+                <a:latin typeface="Comic Sans MS"/>
+                <a:cs typeface="Comic Sans MS"/>
+              </a:rPr>
+              <a:t>TB test</a:t>
+            </a:r>
+          </a:p>
+          <a:p>
+            <a:r>
+              <a:rPr lang="en-US" sz="4800" dirty="0" smtClean="0">
+                <a:latin typeface="Comic Sans MS"/>
+                <a:cs typeface="Comic Sans MS"/>
+              </a:rPr>
+              <a:t>that managers believe is </a:t>
+            </a:r>
+          </a:p>
+          <a:p>
+            <a:r>
+              <a:rPr lang="en-US" sz="4800" dirty="0" smtClean="0">
+                <a:latin typeface="Comic Sans MS"/>
+                <a:cs typeface="Comic Sans MS"/>
+              </a:rPr>
+              <a:t>95</a:t>
+            </a:r>
+            <a:r>
+              <a:rPr lang="en-US" sz="4800" dirty="0" smtClean="0">
+                <a:latin typeface="Comic Sans MS"/>
+                <a:cs typeface="Comic Sans MS"/>
+              </a:rPr>
+              <a:t>% accurate</a:t>
+            </a:r>
+            <a:r>
+              <a:rPr lang="en-US" sz="4800" dirty="0" smtClean="0">
+                <a:latin typeface="Comic Sans MS"/>
+                <a:cs typeface="Comic Sans MS"/>
+              </a:rPr>
+              <a:t>.</a:t>
+            </a:r>
+          </a:p>
+          <a:p>
+            <a:r>
+              <a:rPr lang="en-US" sz="4800" dirty="0" smtClean="0">
+                <a:latin typeface="Comic Sans MS"/>
+                <a:cs typeface="Comic Sans MS"/>
+              </a:rPr>
+              <a:t>It’s independent of </a:t>
+            </a:r>
+            <a:r>
+              <a:rPr lang="en-US" sz="4800" dirty="0" smtClean="0">
+                <a:latin typeface="Comic Sans MS"/>
+                <a:cs typeface="Comic Sans MS"/>
+              </a:rPr>
+              <a:t>prior test</a:t>
+            </a:r>
+            <a:r>
+              <a:rPr lang="en-US" sz="4800" dirty="0" smtClean="0">
+                <a:latin typeface="Comic Sans MS"/>
+                <a:cs typeface="Comic Sans MS"/>
+              </a:rPr>
+              <a:t>,</a:t>
+            </a:r>
+          </a:p>
+          <a:p>
+            <a:r>
+              <a:rPr lang="en-US" sz="4800" dirty="0" smtClean="0">
+                <a:latin typeface="Comic Sans MS"/>
+                <a:cs typeface="Comic Sans MS"/>
+              </a:rPr>
+              <a:t>so useful to confirm </a:t>
+            </a:r>
+            <a:r>
+              <a:rPr lang="en-US" sz="4800" dirty="0" smtClean="0">
+                <a:latin typeface="Comic Sans MS"/>
+                <a:cs typeface="Comic Sans MS"/>
+              </a:rPr>
+              <a:t>diagnoses.</a:t>
+            </a:r>
+            <a:endParaRPr lang="en-US" sz="4800" dirty="0">
               <a:latin typeface="Comic Sans MS"/>
               <a:cs typeface="Comic Sans MS"/>
             </a:endParaRPr>
@@ -2700,7 +3361,7 @@
     </p:spTree>
     <p:extLst>
       <p:ext uri="{BB962C8B-B14F-4D97-AF65-F5344CB8AC3E}">
-        <p14:creationId xmlns:p14="http://schemas.microsoft.com/office/powerpoint/2010/main" val="1835250539"/>
+        <p14:creationId xmlns:p14="http://schemas.microsoft.com/office/powerpoint/2010/main" val="3689749105"/>
       </p:ext>
     </p:extLst>
   </p:cSld>
@@ -2746,7 +3407,7 @@
                                         <p:tgtEl>
                                           <p:spTgt spid="4">
                                             <p:txEl>
-                                              <p:pRg st="1" end="1"/>
+                                              <p:pRg st="3" end="3"/>
                                             </p:txEl>
                                           </p:spTgt>
                                         </p:tgtEl>
@@ -2764,7 +3425,7 @@
                                         <p:tgtEl>
                                           <p:spTgt spid="4">
                                             <p:txEl>
-                                              <p:pRg st="1" end="1"/>
+                                              <p:pRg st="3" end="3"/>
                                             </p:txEl>
                                           </p:spTgt>
                                         </p:tgtEl>
@@ -2789,7 +3450,7 @@
                                         <p:tgtEl>
                                           <p:spTgt spid="4">
                                             <p:txEl>
-                                              <p:pRg st="2" end="2"/>
+                                              <p:pRg st="4" end="4"/>
                                             </p:txEl>
                                           </p:spTgt>
                                         </p:tgtEl>
@@ -2807,7 +3468,7 @@
                                         <p:tgtEl>
                                           <p:spTgt spid="4">
                                             <p:txEl>
-                                              <p:pRg st="2" end="2"/>
+                                              <p:pRg st="4" end="4"/>
                                             </p:txEl>
                                           </p:spTgt>
                                         </p:tgtEl>
@@ -2899,177 +3560,14 @@
       </p:sp>
       <p:sp>
         <p:nvSpPr>
-          <p:cNvPr id="3" name="Rectangle 3"/>
-          <p:cNvSpPr txBox="1">
-            <a:spLocks noChangeArrowheads="1"/>
-          </p:cNvSpPr>
-          <p:nvPr/>
-        </p:nvSpPr>
-        <p:spPr>
-          <a:xfrm>
-            <a:off x="2133600" y="304800"/>
-            <a:ext cx="5334000" cy="990600"/>
-          </a:xfrm>
-          <a:prstGeom prst="rect">
-            <a:avLst/>
-          </a:prstGeom>
-          <a:noFill/>
-        </p:spPr>
-        <p:txBody>
-          <a:bodyPr/>
-          <a:lstStyle>
-            <a:lvl1pPr algn="l" rtl="0" eaLnBrk="0" fontAlgn="base" hangingPunct="0">
-              <a:spcBef>
-                <a:spcPct val="0"/>
-              </a:spcBef>
-              <a:spcAft>
-                <a:spcPct val="0"/>
-              </a:spcAft>
-              <a:defRPr sz="4000" b="1">
-                <a:solidFill>
-                  <a:schemeClr val="tx2"/>
-                </a:solidFill>
-                <a:latin typeface="Comic Sans MS" pitchFamily="66" charset="0"/>
-                <a:ea typeface="+mj-ea"/>
-                <a:cs typeface="+mj-cs"/>
-              </a:defRPr>
-            </a:lvl1pPr>
-            <a:lvl2pPr algn="l" rtl="0" eaLnBrk="0" fontAlgn="base" hangingPunct="0">
-              <a:spcBef>
-                <a:spcPct val="0"/>
-              </a:spcBef>
-              <a:spcAft>
-                <a:spcPct val="0"/>
-              </a:spcAft>
-              <a:defRPr sz="4000" b="1">
-                <a:solidFill>
-                  <a:schemeClr val="tx2"/>
-                </a:solidFill>
-                <a:latin typeface="Comic Sans MS" pitchFamily="66" charset="0"/>
-              </a:defRPr>
-            </a:lvl2pPr>
-            <a:lvl3pPr algn="l" rtl="0" eaLnBrk="0" fontAlgn="base" hangingPunct="0">
-              <a:spcBef>
-                <a:spcPct val="0"/>
-              </a:spcBef>
-              <a:spcAft>
-                <a:spcPct val="0"/>
-              </a:spcAft>
-              <a:defRPr sz="4000" b="1">
-                <a:solidFill>
-                  <a:schemeClr val="tx2"/>
-                </a:solidFill>
-                <a:latin typeface="Comic Sans MS" pitchFamily="66" charset="0"/>
-              </a:defRPr>
-            </a:lvl3pPr>
-            <a:lvl4pPr algn="l" rtl="0" eaLnBrk="0" fontAlgn="base" hangingPunct="0">
-              <a:spcBef>
-                <a:spcPct val="0"/>
-              </a:spcBef>
-              <a:spcAft>
-                <a:spcPct val="0"/>
-              </a:spcAft>
-              <a:defRPr sz="4000" b="1">
-                <a:solidFill>
-                  <a:schemeClr val="tx2"/>
-                </a:solidFill>
-                <a:latin typeface="Comic Sans MS" pitchFamily="66" charset="0"/>
-              </a:defRPr>
-            </a:lvl4pPr>
-            <a:lvl5pPr algn="l" rtl="0" eaLnBrk="0" fontAlgn="base" hangingPunct="0">
-              <a:spcBef>
-                <a:spcPct val="0"/>
-              </a:spcBef>
-              <a:spcAft>
-                <a:spcPct val="0"/>
-              </a:spcAft>
-              <a:defRPr sz="4000" b="1">
-                <a:solidFill>
-                  <a:schemeClr val="tx2"/>
-                </a:solidFill>
-                <a:latin typeface="Comic Sans MS" pitchFamily="66" charset="0"/>
-              </a:defRPr>
-            </a:lvl5pPr>
-            <a:lvl6pPr marL="457200" algn="l" rtl="0" fontAlgn="base">
-              <a:spcBef>
-                <a:spcPct val="0"/>
-              </a:spcBef>
-              <a:spcAft>
-                <a:spcPct val="0"/>
-              </a:spcAft>
-              <a:defRPr sz="4000" b="1">
-                <a:solidFill>
-                  <a:schemeClr val="tx2"/>
-                </a:solidFill>
-                <a:latin typeface="Times New Roman" pitchFamily="18" charset="0"/>
-              </a:defRPr>
-            </a:lvl6pPr>
-            <a:lvl7pPr marL="914400" algn="l" rtl="0" fontAlgn="base">
-              <a:spcBef>
-                <a:spcPct val="0"/>
-              </a:spcBef>
-              <a:spcAft>
-                <a:spcPct val="0"/>
-              </a:spcAft>
-              <a:defRPr sz="4000" b="1">
-                <a:solidFill>
-                  <a:schemeClr val="tx2"/>
-                </a:solidFill>
-                <a:latin typeface="Times New Roman" pitchFamily="18" charset="0"/>
-              </a:defRPr>
-            </a:lvl7pPr>
-            <a:lvl8pPr marL="1371600" algn="l" rtl="0" fontAlgn="base">
-              <a:spcBef>
-                <a:spcPct val="0"/>
-              </a:spcBef>
-              <a:spcAft>
-                <a:spcPct val="0"/>
-              </a:spcAft>
-              <a:defRPr sz="4000" b="1">
-                <a:solidFill>
-                  <a:schemeClr val="tx2"/>
-                </a:solidFill>
-                <a:latin typeface="Times New Roman" pitchFamily="18" charset="0"/>
-              </a:defRPr>
-            </a:lvl8pPr>
-            <a:lvl9pPr marL="1828800" algn="l" rtl="0" fontAlgn="base">
-              <a:spcBef>
-                <a:spcPct val="0"/>
-              </a:spcBef>
-              <a:spcAft>
-                <a:spcPct val="0"/>
-              </a:spcAft>
-              <a:defRPr sz="4000" b="1">
-                <a:solidFill>
-                  <a:schemeClr val="tx2"/>
-                </a:solidFill>
-                <a:latin typeface="Times New Roman" pitchFamily="18" charset="0"/>
-              </a:defRPr>
-            </a:lvl9pPr>
-          </a:lstStyle>
-          <a:p>
-            <a:pPr eaLnBrk="1" hangingPunct="1"/>
-            <a:r>
-              <a:rPr lang="en-US" sz="4800" dirty="0" smtClean="0">
-                <a:solidFill>
-                  <a:schemeClr val="tx1"/>
-                </a:solidFill>
-              </a:rPr>
-              <a:t>TB LAB test</a:t>
-            </a:r>
-          </a:p>
-        </p:txBody>
-      </p:sp>
-      <p:sp>
-        <p:nvSpPr>
           <p:cNvPr id="4" name="TextBox 3"/>
           <p:cNvSpPr txBox="1"/>
           <p:nvPr/>
         </p:nvSpPr>
         <p:spPr>
           <a:xfrm>
-            <a:off x="609600" y="1161395"/>
-            <a:ext cx="8521784" cy="3662541"/>
+            <a:off x="295257" y="1111508"/>
+            <a:ext cx="8620143" cy="3207032"/>
           </a:xfrm>
           <a:prstGeom prst="rect">
             <a:avLst/>
@@ -3083,202 +3581,73 @@
           <a:lstStyle/>
           <a:p>
             <a:r>
-              <a:rPr lang="en-US" sz="4000" dirty="0" smtClean="0">
-                <a:latin typeface="Comic Sans MS"/>
-                <a:cs typeface="Comic Sans MS"/>
-              </a:rPr>
-              <a:t>Lab offers alternative TB test.</a:t>
-            </a:r>
-          </a:p>
-          <a:p>
-            <a:r>
-              <a:rPr lang="en-US" sz="4000" dirty="0" smtClean="0">
-                <a:latin typeface="Comic Sans MS"/>
-                <a:cs typeface="Comic Sans MS"/>
-              </a:rPr>
-              <a:t>Managers believe their test is</a:t>
-            </a:r>
-          </a:p>
-          <a:p>
-            <a:r>
-              <a:rPr lang="en-US" sz="4000" dirty="0" smtClean="0">
-                <a:latin typeface="Comic Sans MS"/>
-                <a:cs typeface="Comic Sans MS"/>
-              </a:rPr>
-              <a:t>95% accurate.  Also, it is</a:t>
-            </a:r>
-          </a:p>
-          <a:p>
-            <a:r>
-              <a:rPr lang="en-US" sz="4000" dirty="0" smtClean="0">
-                <a:latin typeface="Comic Sans MS"/>
-                <a:cs typeface="Comic Sans MS"/>
-              </a:rPr>
-              <a:t>independent of the prior test,</a:t>
-            </a:r>
-          </a:p>
-          <a:p>
-            <a:r>
-              <a:rPr lang="en-US" sz="4000" dirty="0" smtClean="0">
-                <a:latin typeface="Comic Sans MS"/>
-                <a:cs typeface="Comic Sans MS"/>
-              </a:rPr>
-              <a:t>so useful for confirming diagnoses.</a:t>
-            </a:r>
-            <a:endParaRPr lang="en-US" sz="4000" dirty="0">
+              <a:rPr lang="en-US" sz="4400" dirty="0" smtClean="0">
+                <a:latin typeface="Comic Sans MS"/>
+                <a:cs typeface="Comic Sans MS"/>
+              </a:rPr>
+              <a:t>Since prior test </a:t>
+            </a:r>
+            <a:r>
+              <a:rPr lang="en-US" sz="4400" dirty="0" smtClean="0">
+                <a:latin typeface="Comic Sans MS"/>
+                <a:cs typeface="Comic Sans MS"/>
+              </a:rPr>
+              <a:t>is 98% correct</a:t>
+            </a:r>
+            <a:r>
+              <a:rPr lang="en-US" sz="4400" dirty="0" smtClean="0">
+                <a:latin typeface="Comic Sans MS"/>
+                <a:cs typeface="Comic Sans MS"/>
+              </a:rPr>
+              <a:t>,</a:t>
+            </a:r>
+          </a:p>
+          <a:p>
+            <a:r>
+              <a:rPr lang="en-US" sz="4400" dirty="0" smtClean="0">
+                <a:latin typeface="Comic Sans MS"/>
+                <a:cs typeface="Comic Sans MS"/>
+              </a:rPr>
+              <a:t>managers think their retest</a:t>
+            </a:r>
+            <a:endParaRPr lang="en-US" sz="4400" dirty="0" smtClean="0">
               <a:latin typeface="Comic Sans MS"/>
               <a:cs typeface="Comic Sans MS"/>
             </a:endParaRPr>
           </a:p>
-        </p:txBody>
-      </p:sp>
-    </p:spTree>
-    <p:extLst>
-      <p:ext uri="{BB962C8B-B14F-4D97-AF65-F5344CB8AC3E}">
-        <p14:creationId xmlns:p14="http://schemas.microsoft.com/office/powerpoint/2010/main" val="3689749105"/>
-      </p:ext>
-    </p:extLst>
-  </p:cSld>
-  <p:clrMapOvr>
-    <a:masterClrMapping/>
-  </p:clrMapOvr>
-  <mc:AlternateContent xmlns:mc="http://schemas.openxmlformats.org/markup-compatibility/2006" xmlns:p14="http://schemas.microsoft.com/office/powerpoint/2010/main">
-    <mc:Choice Requires="p14">
-      <p:transition spd="med" p14:dur="700" advClick="0">
-        <p:fade/>
-      </p:transition>
-    </mc:Choice>
-    <mc:Fallback xmlns="">
-      <p:transition xmlns:p14="http://schemas.microsoft.com/office/powerpoint/2010/main" spd="med" advClick="0">
-        <p:fade/>
-      </p:transition>
-    </mc:Fallback>
-  </mc:AlternateContent>
-  <p:timing>
-    <p:tnLst>
-      <p:par>
-        <p:cTn xmlns:p14="http://schemas.microsoft.com/office/powerpoint/2010/main" id="1" dur="indefinite" restart="never" nodeType="tmRoot"/>
-      </p:par>
-    </p:tnLst>
-  </p:timing>
-</p:sld>
-</file>
-
-<file path=ppt/slides/slide4.xml><?xml version="1.0" encoding="utf-8"?>
-<p:sld xmlns:a="http://schemas.openxmlformats.org/drawingml/2006/main" xmlns:r="http://schemas.openxmlformats.org/officeDocument/2006/relationships" xmlns:p="http://schemas.openxmlformats.org/presentationml/2006/main">
-  <p:cSld>
-    <p:spTree>
-      <p:nvGrpSpPr>
-        <p:cNvPr id="1" name=""/>
-        <p:cNvGrpSpPr/>
-        <p:nvPr/>
-      </p:nvGrpSpPr>
-      <p:grpSpPr>
-        <a:xfrm>
-          <a:off x="0" y="0"/>
-          <a:ext cx="0" cy="0"/>
-          <a:chOff x="0" y="0"/>
-          <a:chExt cx="0" cy="0"/>
-        </a:xfrm>
-      </p:grpSpPr>
-      <p:sp>
-        <p:nvSpPr>
-          <p:cNvPr id="2" name="Slide Number Placeholder 1"/>
-          <p:cNvSpPr>
-            <a:spLocks noGrp="1"/>
-          </p:cNvSpPr>
-          <p:nvPr>
-            <p:ph type="sldNum" sz="quarter" idx="10"/>
-          </p:nvPr>
-        </p:nvSpPr>
-        <p:spPr/>
-        <p:txBody>
-          <a:bodyPr/>
-          <a:lstStyle/>
-          <a:p>
-            <a:pPr>
-              <a:defRPr/>
-            </a:pPr>
-            <a:r>
-              <a:rPr lang="en-US" smtClean="0"/>
-              <a:t>testing.</a:t>
-            </a:r>
-            <a:fld id="{B6F1E441-844C-41E3-A135-77978BB3664F}" type="slidenum">
-              <a:rPr lang="en-US" smtClean="0"/>
-              <a:pPr>
-                <a:defRPr/>
-              </a:pPr>
-              <a:t>4</a:t>
-            </a:fld>
-            <a:endParaRPr lang="en-US" dirty="0"/>
-          </a:p>
-        </p:txBody>
-      </p:sp>
-      <p:sp>
-        <p:nvSpPr>
-          <p:cNvPr id="4" name="TextBox 3"/>
-          <p:cNvSpPr txBox="1"/>
-          <p:nvPr/>
-        </p:nvSpPr>
-        <p:spPr>
-          <a:xfrm>
-            <a:off x="291597" y="1327959"/>
-            <a:ext cx="8878452" cy="5139869"/>
-          </a:xfrm>
-          <a:prstGeom prst="rect">
-            <a:avLst/>
-          </a:prstGeom>
-          <a:noFill/>
-        </p:spPr>
-        <p:txBody>
-          <a:bodyPr wrap="none" rtlCol="0">
-            <a:spAutoFit/>
-          </a:bodyPr>
-          <a:lstStyle/>
-          <a:p>
-            <a:r>
-              <a:rPr lang="en-US" sz="4000" dirty="0" smtClean="0">
-                <a:latin typeface="Comic Sans MS"/>
-                <a:cs typeface="Comic Sans MS"/>
-              </a:rPr>
-              <a:t>Managers think that since prior</a:t>
-            </a:r>
-          </a:p>
-          <a:p>
-            <a:r>
-              <a:rPr lang="en-US" sz="4000" dirty="0" smtClean="0">
-                <a:latin typeface="Comic Sans MS"/>
-                <a:cs typeface="Comic Sans MS"/>
-              </a:rPr>
-              <a:t>test is 98% correct, their retests</a:t>
-            </a:r>
-          </a:p>
-          <a:p>
-            <a:r>
-              <a:rPr lang="en-US" sz="4000" dirty="0" smtClean="0">
-                <a:latin typeface="Comic Sans MS"/>
-                <a:cs typeface="Comic Sans MS"/>
-              </a:rPr>
-              <a:t>should show about 2% errors. </a:t>
-            </a:r>
-          </a:p>
-          <a:p>
-            <a:r>
-              <a:rPr lang="en-US" sz="4000" dirty="0" smtClean="0">
+          <a:p>
+            <a:r>
+              <a:rPr lang="en-US" sz="4400" dirty="0" smtClean="0">
+                <a:latin typeface="Comic Sans MS"/>
+                <a:cs typeface="Comic Sans MS"/>
+              </a:rPr>
+              <a:t>should show about 2% errors</a:t>
+            </a:r>
+            <a:r>
+              <a:rPr lang="en-US" sz="4400" dirty="0" smtClean="0">
+                <a:latin typeface="Comic Sans MS"/>
+                <a:cs typeface="Comic Sans MS"/>
+              </a:rPr>
+              <a:t>.</a:t>
+            </a:r>
+          </a:p>
+          <a:p>
+            <a:r>
+              <a:rPr lang="en-US" sz="4400" dirty="0">
                 <a:latin typeface="Comic Sans MS"/>
                 <a:cs typeface="Comic Sans MS"/>
               </a:rPr>
               <a:t>(Actually 2</a:t>
             </a:r>
             <a:r>
-              <a:rPr lang="en-US" sz="4000" b="1" dirty="0" smtClean="0">
+              <a:rPr lang="en-US" sz="4400" b="1" dirty="0">
                 <a:latin typeface="Euclid Symbol" charset="2"/>
                 <a:cs typeface="Euclid Symbol" charset="2"/>
               </a:rPr>
               <a:t> </a:t>
             </a:r>
             <a:r>
-              <a:rPr lang="en-US" sz="4000" b="1" dirty="0" smtClean="0">
+              <a:rPr lang="en-US" sz="4400" b="1" dirty="0">
                 <a:solidFill>
                   <a:prstClr val="black"/>
                 </a:solidFill>
@@ -3288,7 +3657,7 @@
               <a:t>±</a:t>
             </a:r>
             <a:r>
-              <a:rPr lang="en-US" sz="4000" b="1" dirty="0" smtClean="0">
+              <a:rPr lang="en-US" sz="4400" b="1" dirty="0">
                 <a:solidFill>
                   <a:prstClr val="black"/>
                 </a:solidFill>
@@ -3297,59 +3666,36 @@
               <a:t> </a:t>
             </a:r>
             <a:r>
-              <a:rPr lang="en-US" sz="4000" dirty="0" smtClean="0">
+              <a:rPr lang="en-US" sz="4400" dirty="0">
                 <a:latin typeface="Comic Sans MS"/>
                 <a:cs typeface="Comic Sans MS"/>
               </a:rPr>
               <a:t>(0.1</a:t>
             </a:r>
             <a:r>
-              <a:rPr lang="en-US" sz="4000" dirty="0" smtClean="0">
+              <a:rPr lang="en-US" sz="4400" dirty="0">
                 <a:solidFill>
                   <a:prstClr val="black"/>
                 </a:solidFill>
                 <a:latin typeface="Comic Sans MS"/>
                 <a:cs typeface="Comic Sans MS"/>
               </a:rPr>
-              <a:t>)%).</a:t>
-            </a:r>
-          </a:p>
-          <a:p>
-            <a:r>
-              <a:rPr lang="en-US" sz="4000" dirty="0" smtClean="0">
+              <a:t>)%)</a:t>
+            </a:r>
+            <a:r>
+              <a:rPr lang="en-US" sz="4400" dirty="0" smtClean="0">
                 <a:solidFill>
                   <a:prstClr val="black"/>
                 </a:solidFill>
                 <a:latin typeface="Comic Sans MS"/>
                 <a:cs typeface="Comic Sans MS"/>
               </a:rPr>
-              <a:t>They are upset when nearly all their</a:t>
-            </a:r>
-          </a:p>
-          <a:p>
-            <a:r>
-              <a:rPr lang="en-US" sz="4000" dirty="0" smtClean="0">
-                <a:solidFill>
-                  <a:prstClr val="black"/>
-                </a:solidFill>
-                <a:latin typeface="Comic Sans MS"/>
-                <a:cs typeface="Comic Sans MS"/>
-              </a:rPr>
-              <a:t>retests reveal mistakes by the prior</a:t>
-            </a:r>
-          </a:p>
-          <a:p>
-            <a:r>
-              <a:rPr lang="en-US" sz="4000" dirty="0" smtClean="0">
-                <a:solidFill>
-                  <a:prstClr val="black"/>
-                </a:solidFill>
-                <a:latin typeface="Comic Sans MS"/>
-                <a:cs typeface="Comic Sans MS"/>
-              </a:rPr>
-              <a:t>test.</a:t>
-            </a:r>
-            <a:endParaRPr lang="en-US" sz="4000" dirty="0">
+              <a:t>.</a:t>
+            </a:r>
+            <a:endParaRPr lang="en-US" sz="4400" dirty="0">
+              <a:solidFill>
+                <a:prstClr val="black"/>
+              </a:solidFill>
               <a:latin typeface="Comic Sans MS"/>
               <a:cs typeface="Comic Sans MS"/>
             </a:endParaRPr>
@@ -3610,153 +3956,6 @@
                       </p:childTnLst>
                     </p:cTn>
                   </p:par>
-                  <p:par>
-                    <p:cTn id="8" fill="hold">
-                      <p:stCondLst>
-                        <p:cond delay="indefinite"/>
-                      </p:stCondLst>
-                      <p:childTnLst>
-                        <p:par>
-                          <p:cTn id="9" fill="hold">
-                            <p:stCondLst>
-                              <p:cond delay="0"/>
-                            </p:stCondLst>
-                            <p:childTnLst>
-                              <p:par>
-                                <p:cTn id="10" presetID="10" presetClass="entr" presetSubtype="0" fill="hold" nodeType="clickEffect">
-                                  <p:stCondLst>
-                                    <p:cond delay="0"/>
-                                  </p:stCondLst>
-                                  <p:childTnLst>
-                                    <p:set>
-                                      <p:cBhvr>
-                                        <p:cTn id="11" dur="1" fill="hold">
-                                          <p:stCondLst>
-                                            <p:cond delay="0"/>
-                                          </p:stCondLst>
-                                        </p:cTn>
-                                        <p:tgtEl>
-                                          <p:spTgt spid="4">
-                                            <p:txEl>
-                                              <p:pRg st="4" end="4"/>
-                                            </p:txEl>
-                                          </p:spTgt>
-                                        </p:tgtEl>
-                                        <p:attrNameLst>
-                                          <p:attrName>style.visibility</p:attrName>
-                                        </p:attrNameLst>
-                                      </p:cBhvr>
-                                      <p:to>
-                                        <p:strVal val="visible"/>
-                                      </p:to>
-                                    </p:set>
-                                    <p:animEffect transition="in" filter="fade">
-                                      <p:cBhvr>
-                                        <p:cTn id="12" dur="500"/>
-                                        <p:tgtEl>
-                                          <p:spTgt spid="4">
-                                            <p:txEl>
-                                              <p:pRg st="4" end="4"/>
-                                            </p:txEl>
-                                          </p:spTgt>
-                                        </p:tgtEl>
-                                      </p:cBhvr>
-                                    </p:animEffect>
-                                  </p:childTnLst>
-                                </p:cTn>
-                              </p:par>
-                              <p:par>
-                                <p:cTn id="13" presetID="10" presetClass="entr" presetSubtype="0" fill="hold" nodeType="withEffect">
-                                  <p:stCondLst>
-                                    <p:cond delay="0"/>
-                                  </p:stCondLst>
-                                  <p:childTnLst>
-                                    <p:set>
-                                      <p:cBhvr>
-                                        <p:cTn id="14" dur="1" fill="hold">
-                                          <p:stCondLst>
-                                            <p:cond delay="0"/>
-                                          </p:stCondLst>
-                                        </p:cTn>
-                                        <p:tgtEl>
-                                          <p:spTgt spid="4">
-                                            <p:txEl>
-                                              <p:pRg st="5" end="5"/>
-                                            </p:txEl>
-                                          </p:spTgt>
-                                        </p:tgtEl>
-                                        <p:attrNameLst>
-                                          <p:attrName>style.visibility</p:attrName>
-                                        </p:attrNameLst>
-                                      </p:cBhvr>
-                                      <p:to>
-                                        <p:strVal val="visible"/>
-                                      </p:to>
-                                    </p:set>
-                                    <p:animEffect transition="in" filter="fade">
-                                      <p:cBhvr>
-                                        <p:cTn id="15" dur="500"/>
-                                        <p:tgtEl>
-                                          <p:spTgt spid="4">
-                                            <p:txEl>
-                                              <p:pRg st="5" end="5"/>
-                                            </p:txEl>
-                                          </p:spTgt>
-                                        </p:tgtEl>
-                                      </p:cBhvr>
-                                    </p:animEffect>
-                                  </p:childTnLst>
-                                </p:cTn>
-                              </p:par>
-                              <p:par>
-                                <p:cTn id="16" presetID="10" presetClass="entr" presetSubtype="0" fill="hold" nodeType="withEffect">
-                                  <p:stCondLst>
-                                    <p:cond delay="0"/>
-                                  </p:stCondLst>
-                                  <p:childTnLst>
-                                    <p:set>
-                                      <p:cBhvr>
-                                        <p:cTn id="17" dur="1" fill="hold">
-                                          <p:stCondLst>
-                                            <p:cond delay="0"/>
-                                          </p:stCondLst>
-                                        </p:cTn>
-                                        <p:tgtEl>
-                                          <p:spTgt spid="4">
-                                            <p:txEl>
-                                              <p:pRg st="6" end="6"/>
-                                            </p:txEl>
-                                          </p:spTgt>
-                                        </p:tgtEl>
-                                        <p:attrNameLst>
-                                          <p:attrName>style.visibility</p:attrName>
-                                        </p:attrNameLst>
-                                      </p:cBhvr>
-                                      <p:to>
-                                        <p:strVal val="visible"/>
-                                      </p:to>
-                                    </p:set>
-                                    <p:animEffect transition="in" filter="fade">
-                                      <p:cBhvr>
-                                        <p:cTn id="18" dur="500"/>
-                                        <p:tgtEl>
-                                          <p:spTgt spid="4">
-                                            <p:txEl>
-                                              <p:pRg st="6" end="6"/>
-                                            </p:txEl>
-                                          </p:spTgt>
-                                        </p:tgtEl>
-                                      </p:cBhvr>
-                                    </p:animEffect>
-                                  </p:childTnLst>
-                                </p:cTn>
-                              </p:par>
-                            </p:childTnLst>
-                          </p:cTn>
-                        </p:par>
-                      </p:childTnLst>
-                    </p:cTn>
-                  </p:par>
                 </p:childTnLst>
               </p:cTn>
               <p:prevCondLst>
@@ -3776,6 +3975,406 @@
             </p:seq>
           </p:childTnLst>
         </p:cTn>
+      </p:par>
+    </p:tnLst>
+  </p:timing>
+</p:sld>
+</file>
+
+<file path=ppt/slides/slide4.xml><?xml version="1.0" encoding="utf-8"?>
+<p:sld xmlns:a="http://schemas.openxmlformats.org/drawingml/2006/main" xmlns:r="http://schemas.openxmlformats.org/officeDocument/2006/relationships" xmlns:p="http://schemas.openxmlformats.org/presentationml/2006/main">
+  <p:cSld>
+    <p:spTree>
+      <p:nvGrpSpPr>
+        <p:cNvPr id="1" name=""/>
+        <p:cNvGrpSpPr/>
+        <p:nvPr/>
+      </p:nvGrpSpPr>
+      <p:grpSpPr>
+        <a:xfrm>
+          <a:off x="0" y="0"/>
+          <a:ext cx="0" cy="0"/>
+          <a:chOff x="0" y="0"/>
+          <a:chExt cx="0" cy="0"/>
+        </a:xfrm>
+      </p:grpSpPr>
+      <p:sp>
+        <p:nvSpPr>
+          <p:cNvPr id="2" name="Slide Number Placeholder 1"/>
+          <p:cNvSpPr>
+            <a:spLocks noGrp="1"/>
+          </p:cNvSpPr>
+          <p:nvPr>
+            <p:ph type="sldNum" sz="quarter" idx="10"/>
+          </p:nvPr>
+        </p:nvSpPr>
+        <p:spPr/>
+        <p:txBody>
+          <a:bodyPr/>
+          <a:lstStyle/>
+          <a:p>
+            <a:pPr>
+              <a:defRPr/>
+            </a:pPr>
+            <a:r>
+              <a:rPr lang="en-US" smtClean="0"/>
+              <a:t>testing.</a:t>
+            </a:r>
+            <a:fld id="{B6F1E441-844C-41E3-A135-77978BB3664F}" type="slidenum">
+              <a:rPr lang="en-US" smtClean="0"/>
+              <a:pPr>
+                <a:defRPr/>
+              </a:pPr>
+              <a:t>4</a:t>
+            </a:fld>
+            <a:endParaRPr lang="en-US" dirty="0"/>
+          </a:p>
+        </p:txBody>
+      </p:sp>
+      <p:sp>
+        <p:nvSpPr>
+          <p:cNvPr id="4" name="TextBox 3"/>
+          <p:cNvSpPr txBox="1"/>
+          <p:nvPr/>
+        </p:nvSpPr>
+        <p:spPr>
+          <a:xfrm>
+            <a:off x="295257" y="1111508"/>
+            <a:ext cx="8620143" cy="4832092"/>
+          </a:xfrm>
+          <a:prstGeom prst="rect">
+            <a:avLst/>
+          </a:prstGeom>
+          <a:noFill/>
+        </p:spPr>
+        <p:txBody>
+          <a:bodyPr wrap="none" rtlCol="0">
+            <a:spAutoFit/>
+          </a:bodyPr>
+          <a:lstStyle/>
+          <a:p>
+            <a:r>
+              <a:rPr lang="en-US" sz="4400" dirty="0" smtClean="0">
+                <a:latin typeface="Comic Sans MS"/>
+                <a:cs typeface="Comic Sans MS"/>
+              </a:rPr>
+              <a:t>Since prior test </a:t>
+            </a:r>
+            <a:r>
+              <a:rPr lang="en-US" sz="4400" dirty="0" smtClean="0">
+                <a:latin typeface="Comic Sans MS"/>
+                <a:cs typeface="Comic Sans MS"/>
+              </a:rPr>
+              <a:t>is 98% correct</a:t>
+            </a:r>
+            <a:r>
+              <a:rPr lang="en-US" sz="4400" dirty="0" smtClean="0">
+                <a:latin typeface="Comic Sans MS"/>
+                <a:cs typeface="Comic Sans MS"/>
+              </a:rPr>
+              <a:t>,</a:t>
+            </a:r>
+          </a:p>
+          <a:p>
+            <a:r>
+              <a:rPr lang="en-US" sz="4400" dirty="0" smtClean="0">
+                <a:latin typeface="Comic Sans MS"/>
+                <a:cs typeface="Comic Sans MS"/>
+              </a:rPr>
+              <a:t>managers think their retest</a:t>
+            </a:r>
+            <a:endParaRPr lang="en-US" sz="4400" dirty="0" smtClean="0">
+              <a:latin typeface="Comic Sans MS"/>
+              <a:cs typeface="Comic Sans MS"/>
+            </a:endParaRPr>
+          </a:p>
+          <a:p>
+            <a:r>
+              <a:rPr lang="en-US" sz="4400" dirty="0" smtClean="0">
+                <a:latin typeface="Comic Sans MS"/>
+                <a:cs typeface="Comic Sans MS"/>
+              </a:rPr>
+              <a:t>should show about 2% errors. </a:t>
+            </a:r>
+            <a:endParaRPr lang="en-US" sz="4400" dirty="0" smtClean="0">
+              <a:solidFill>
+                <a:prstClr val="black"/>
+              </a:solidFill>
+              <a:latin typeface="Comic Sans MS"/>
+              <a:cs typeface="Comic Sans MS"/>
+            </a:endParaRPr>
+          </a:p>
+          <a:p>
+            <a:r>
+              <a:rPr lang="en-US" sz="4400" dirty="0" smtClean="0">
+                <a:solidFill>
+                  <a:prstClr val="black"/>
+                </a:solidFill>
+                <a:latin typeface="Comic Sans MS"/>
+                <a:cs typeface="Comic Sans MS"/>
+              </a:rPr>
+              <a:t>They are upset when nearly </a:t>
+            </a:r>
+            <a:r>
+              <a:rPr lang="en-US" sz="4400" dirty="0" smtClean="0">
+                <a:solidFill>
+                  <a:prstClr val="black"/>
+                </a:solidFill>
+                <a:latin typeface="Comic Sans MS"/>
+                <a:cs typeface="Comic Sans MS"/>
+              </a:rPr>
+              <a:t>all</a:t>
+            </a:r>
+          </a:p>
+          <a:p>
+            <a:r>
+              <a:rPr lang="en-US" sz="4400" dirty="0" smtClean="0">
+                <a:solidFill>
+                  <a:prstClr val="black"/>
+                </a:solidFill>
+                <a:latin typeface="Comic Sans MS"/>
+                <a:cs typeface="Comic Sans MS"/>
+              </a:rPr>
+              <a:t>their retests </a:t>
+            </a:r>
+            <a:r>
+              <a:rPr lang="en-US" sz="4400" dirty="0" smtClean="0">
+                <a:solidFill>
+                  <a:prstClr val="black"/>
+                </a:solidFill>
+                <a:latin typeface="Comic Sans MS"/>
+                <a:cs typeface="Comic Sans MS"/>
+              </a:rPr>
+              <a:t>disagree</a:t>
+            </a:r>
+            <a:r>
+              <a:rPr lang="en-US" sz="4400" dirty="0" smtClean="0">
+                <a:solidFill>
+                  <a:prstClr val="black"/>
+                </a:solidFill>
+                <a:latin typeface="Comic Sans MS"/>
+                <a:cs typeface="Comic Sans MS"/>
+              </a:rPr>
+              <a:t> with the</a:t>
+            </a:r>
+          </a:p>
+          <a:p>
+            <a:r>
+              <a:rPr lang="en-US" sz="4400" dirty="0" smtClean="0">
+                <a:solidFill>
+                  <a:prstClr val="black"/>
+                </a:solidFill>
+                <a:latin typeface="Comic Sans MS"/>
+                <a:cs typeface="Comic Sans MS"/>
+              </a:rPr>
+              <a:t>prior test</a:t>
+            </a:r>
+            <a:r>
+              <a:rPr lang="en-US" sz="4400" dirty="0" smtClean="0">
+                <a:solidFill>
+                  <a:prstClr val="black"/>
+                </a:solidFill>
+                <a:latin typeface="Comic Sans MS"/>
+                <a:cs typeface="Comic Sans MS"/>
+              </a:rPr>
+              <a:t>.</a:t>
+            </a:r>
+            <a:endParaRPr lang="en-US" sz="4400" dirty="0">
+              <a:latin typeface="Comic Sans MS"/>
+              <a:cs typeface="Comic Sans MS"/>
+            </a:endParaRPr>
+          </a:p>
+        </p:txBody>
+      </p:sp>
+      <p:sp>
+        <p:nvSpPr>
+          <p:cNvPr id="5" name="Rectangle 3"/>
+          <p:cNvSpPr txBox="1">
+            <a:spLocks noChangeArrowheads="1"/>
+          </p:cNvSpPr>
+          <p:nvPr/>
+        </p:nvSpPr>
+        <p:spPr>
+          <a:xfrm>
+            <a:off x="2133600" y="304800"/>
+            <a:ext cx="5334000" cy="990600"/>
+          </a:xfrm>
+          <a:prstGeom prst="rect">
+            <a:avLst/>
+          </a:prstGeom>
+          <a:noFill/>
+        </p:spPr>
+        <p:txBody>
+          <a:bodyPr/>
+          <a:lstStyle>
+            <a:lvl1pPr algn="l" rtl="0" eaLnBrk="0" fontAlgn="base" hangingPunct="0">
+              <a:spcBef>
+                <a:spcPct val="0"/>
+              </a:spcBef>
+              <a:spcAft>
+                <a:spcPct val="0"/>
+              </a:spcAft>
+              <a:defRPr sz="4000" b="1">
+                <a:solidFill>
+                  <a:schemeClr val="tx2"/>
+                </a:solidFill>
+                <a:latin typeface="Comic Sans MS" pitchFamily="66" charset="0"/>
+                <a:ea typeface="+mj-ea"/>
+                <a:cs typeface="+mj-cs"/>
+              </a:defRPr>
+            </a:lvl1pPr>
+            <a:lvl2pPr algn="l" rtl="0" eaLnBrk="0" fontAlgn="base" hangingPunct="0">
+              <a:spcBef>
+                <a:spcPct val="0"/>
+              </a:spcBef>
+              <a:spcAft>
+                <a:spcPct val="0"/>
+              </a:spcAft>
+              <a:defRPr sz="4000" b="1">
+                <a:solidFill>
+                  <a:schemeClr val="tx2"/>
+                </a:solidFill>
+                <a:latin typeface="Comic Sans MS" pitchFamily="66" charset="0"/>
+              </a:defRPr>
+            </a:lvl2pPr>
+            <a:lvl3pPr algn="l" rtl="0" eaLnBrk="0" fontAlgn="base" hangingPunct="0">
+              <a:spcBef>
+                <a:spcPct val="0"/>
+              </a:spcBef>
+              <a:spcAft>
+                <a:spcPct val="0"/>
+              </a:spcAft>
+              <a:defRPr sz="4000" b="1">
+                <a:solidFill>
+                  <a:schemeClr val="tx2"/>
+                </a:solidFill>
+                <a:latin typeface="Comic Sans MS" pitchFamily="66" charset="0"/>
+              </a:defRPr>
+            </a:lvl3pPr>
+            <a:lvl4pPr algn="l" rtl="0" eaLnBrk="0" fontAlgn="base" hangingPunct="0">
+              <a:spcBef>
+                <a:spcPct val="0"/>
+              </a:spcBef>
+              <a:spcAft>
+                <a:spcPct val="0"/>
+              </a:spcAft>
+              <a:defRPr sz="4000" b="1">
+                <a:solidFill>
+                  <a:schemeClr val="tx2"/>
+                </a:solidFill>
+                <a:latin typeface="Comic Sans MS" pitchFamily="66" charset="0"/>
+              </a:defRPr>
+            </a:lvl4pPr>
+            <a:lvl5pPr algn="l" rtl="0" eaLnBrk="0" fontAlgn="base" hangingPunct="0">
+              <a:spcBef>
+                <a:spcPct val="0"/>
+              </a:spcBef>
+              <a:spcAft>
+                <a:spcPct val="0"/>
+              </a:spcAft>
+              <a:defRPr sz="4000" b="1">
+                <a:solidFill>
+                  <a:schemeClr val="tx2"/>
+                </a:solidFill>
+                <a:latin typeface="Comic Sans MS" pitchFamily="66" charset="0"/>
+              </a:defRPr>
+            </a:lvl5pPr>
+            <a:lvl6pPr marL="457200" algn="l" rtl="0" fontAlgn="base">
+              <a:spcBef>
+                <a:spcPct val="0"/>
+              </a:spcBef>
+              <a:spcAft>
+                <a:spcPct val="0"/>
+              </a:spcAft>
+              <a:defRPr sz="4000" b="1">
+                <a:solidFill>
+                  <a:schemeClr val="tx2"/>
+                </a:solidFill>
+                <a:latin typeface="Times New Roman" pitchFamily="18" charset="0"/>
+              </a:defRPr>
+            </a:lvl6pPr>
+            <a:lvl7pPr marL="914400" algn="l" rtl="0" fontAlgn="base">
+              <a:spcBef>
+                <a:spcPct val="0"/>
+              </a:spcBef>
+              <a:spcAft>
+                <a:spcPct val="0"/>
+              </a:spcAft>
+              <a:defRPr sz="4000" b="1">
+                <a:solidFill>
+                  <a:schemeClr val="tx2"/>
+                </a:solidFill>
+                <a:latin typeface="Times New Roman" pitchFamily="18" charset="0"/>
+              </a:defRPr>
+            </a:lvl7pPr>
+            <a:lvl8pPr marL="1371600" algn="l" rtl="0" fontAlgn="base">
+              <a:spcBef>
+                <a:spcPct val="0"/>
+              </a:spcBef>
+              <a:spcAft>
+                <a:spcPct val="0"/>
+              </a:spcAft>
+              <a:defRPr sz="4000" b="1">
+                <a:solidFill>
+                  <a:schemeClr val="tx2"/>
+                </a:solidFill>
+                <a:latin typeface="Times New Roman" pitchFamily="18" charset="0"/>
+              </a:defRPr>
+            </a:lvl8pPr>
+            <a:lvl9pPr marL="1828800" algn="l" rtl="0" fontAlgn="base">
+              <a:spcBef>
+                <a:spcPct val="0"/>
+              </a:spcBef>
+              <a:spcAft>
+                <a:spcPct val="0"/>
+              </a:spcAft>
+              <a:defRPr sz="4000" b="1">
+                <a:solidFill>
+                  <a:schemeClr val="tx2"/>
+                </a:solidFill>
+                <a:latin typeface="Times New Roman" pitchFamily="18" charset="0"/>
+              </a:defRPr>
+            </a:lvl9pPr>
+          </a:lstStyle>
+          <a:p>
+            <a:pPr eaLnBrk="1" hangingPunct="1"/>
+            <a:r>
+              <a:rPr lang="en-US" sz="4800" dirty="0" smtClean="0">
+                <a:solidFill>
+                  <a:schemeClr val="tx1"/>
+                </a:solidFill>
+              </a:rPr>
+              <a:t>TB LAB test</a:t>
+            </a:r>
+          </a:p>
+        </p:txBody>
+      </p:sp>
+    </p:spTree>
+    <p:extLst>
+      <p:ext uri="{BB962C8B-B14F-4D97-AF65-F5344CB8AC3E}">
+        <p14:creationId xmlns:p14="http://schemas.microsoft.com/office/powerpoint/2010/main" val="47568910"/>
+      </p:ext>
+    </p:extLst>
+  </p:cSld>
+  <p:clrMapOvr>
+    <a:masterClrMapping/>
+  </p:clrMapOvr>
+  <mc:AlternateContent xmlns:mc="http://schemas.openxmlformats.org/markup-compatibility/2006" xmlns:p14="http://schemas.microsoft.com/office/powerpoint/2010/main">
+    <mc:Choice Requires="p14">
+      <p:transition spd="slow" p14:dur="900" advClick="0">
+        <p:fade/>
+      </p:transition>
+    </mc:Choice>
+    <mc:Fallback xmlns="">
+      <p:transition xmlns:p14="http://schemas.microsoft.com/office/powerpoint/2010/main" spd="slow" advClick="0">
+        <p:fade/>
+      </p:transition>
+    </mc:Fallback>
+  </mc:AlternateContent>
+  <p:timing>
+    <p:tnLst>
+      <p:par>
+        <p:cTn xmlns:p14="http://schemas.microsoft.com/office/powerpoint/2010/main" id="1" dur="indefinite" restart="never" nodeType="tmRoot"/>
       </p:par>
     </p:tnLst>
   </p:timing>
@@ -4787,12 +5386,55 @@
             <a:r>
               <a:rPr lang="en-US" sz="4000" dirty="0" smtClean="0">
                 <a:solidFill>
+                  <a:srgbClr val="008000"/>
+                </a:solidFill>
+                <a:latin typeface="Comic Sans MS"/>
+                <a:cs typeface="Comic Sans MS"/>
+              </a:rPr>
+              <a:t>random </a:t>
+            </a:r>
+            <a:r>
+              <a:rPr lang="en-US" sz="4000" dirty="0">
+                <a:solidFill>
+                  <a:srgbClr val="008000"/>
+                </a:solidFill>
+                <a:latin typeface="Comic Sans MS"/>
+                <a:cs typeface="Comic Sans MS"/>
+              </a:rPr>
+              <a:t>sample</a:t>
+            </a:r>
+            <a:r>
+              <a:rPr lang="en-US" sz="4000" dirty="0">
+                <a:solidFill>
                   <a:srgbClr val="000000"/>
                 </a:solidFill>
                 <a:latin typeface="Comic Sans MS"/>
                 <a:cs typeface="Comic Sans MS"/>
               </a:rPr>
-              <a:t>random </a:t>
+              <a:t> </a:t>
+            </a:r>
+            <a:r>
+              <a:rPr lang="en-US" sz="4000" dirty="0" smtClean="0">
+                <a:solidFill>
+                  <a:srgbClr val="000000"/>
+                </a:solidFill>
+                <a:latin typeface="Comic Sans MS"/>
+                <a:cs typeface="Comic Sans MS"/>
+              </a:rPr>
+              <a:t>of</a:t>
+            </a:r>
+          </a:p>
+          <a:p>
+            <a:pPr lvl="0"/>
+            <a:r>
+              <a:rPr lang="en-US" sz="4000" dirty="0" smtClean="0">
+                <a:solidFill>
+                  <a:srgbClr val="000000"/>
+                </a:solidFill>
+                <a:latin typeface="Comic Sans MS"/>
+                <a:cs typeface="Comic Sans MS"/>
+              </a:rPr>
+              <a:t>prior </a:t>
             </a:r>
             <a:r>
               <a:rPr lang="en-US" sz="4000" dirty="0">
@@ -4802,50 +5444,37 @@
                 <a:latin typeface="Comic Sans MS"/>
                 <a:cs typeface="Comic Sans MS"/>
               </a:rPr>
-              <a:t>sample </a:t>
+              <a:t>test results</a:t>
+            </a:r>
+            <a:r>
+              <a:rPr lang="en-US" sz="4000" dirty="0">
+                <a:solidFill>
+                  <a:srgbClr val="008000"/>
+                </a:solidFill>
+                <a:latin typeface="Comic Sans MS"/>
+                <a:cs typeface="Comic Sans MS"/>
+              </a:rPr>
+              <a:t> </a:t>
             </a:r>
             <a:r>
               <a:rPr lang="en-US" sz="4000" dirty="0" smtClean="0">
                 <a:solidFill>
+                  <a:srgbClr val="008000"/>
+                </a:solidFill>
+                <a:latin typeface="Comic Sans MS"/>
+                <a:cs typeface="Comic Sans MS"/>
+              </a:rPr>
+              <a:t>from</a:t>
+            </a:r>
+            <a:r>
+              <a:rPr lang="en-US" sz="4000" dirty="0" smtClean="0">
+                <a:solidFill>
                   <a:srgbClr val="000000"/>
                 </a:solidFill>
                 <a:latin typeface="Comic Sans MS"/>
                 <a:cs typeface="Comic Sans MS"/>
               </a:rPr>
-              <a:t>of</a:t>
-            </a:r>
-          </a:p>
-          <a:p>
-            <a:pPr lvl="0"/>
-            <a:r>
-              <a:rPr lang="en-US" sz="4000" dirty="0" smtClean="0">
-                <a:solidFill>
-                  <a:srgbClr val="000000"/>
-                </a:solidFill>
-                <a:latin typeface="Comic Sans MS"/>
-                <a:cs typeface="Comic Sans MS"/>
-              </a:rPr>
-              <a:t>prior </a:t>
-            </a:r>
-            <a:r>
-              <a:rPr lang="en-US" sz="4000" dirty="0">
-                <a:solidFill>
-                  <a:srgbClr val="000000"/>
-                </a:solidFill>
-                <a:latin typeface="Comic Sans MS"/>
-                <a:cs typeface="Comic Sans MS"/>
-              </a:rPr>
-              <a:t>test results </a:t>
-            </a:r>
-            <a:r>
-              <a:rPr lang="en-US" sz="4000" dirty="0" smtClean="0">
-                <a:solidFill>
-                  <a:srgbClr val="000000"/>
-                </a:solidFill>
-                <a:latin typeface="Comic Sans MS"/>
-                <a:cs typeface="Comic Sans MS"/>
-              </a:rPr>
-              <a:t>from </a:t>
+              <a:t> </a:t>
             </a:r>
             <a:r>
               <a:rPr lang="en-US" sz="4000" dirty="0" smtClean="0">
@@ -5105,8 +5734,8 @@
         </p:nvSpPr>
         <p:spPr>
           <a:xfrm>
-            <a:off x="228600" y="1295400"/>
-            <a:ext cx="8534400" cy="4745915"/>
+            <a:off x="228600" y="1295401"/>
+            <a:ext cx="8686800" cy="4745915"/>
           </a:xfrm>
           <a:prstGeom prst="rect">
             <a:avLst/>
@@ -5133,12 +5762,55 @@
             <a:r>
               <a:rPr lang="en-US" sz="4000" dirty="0" smtClean="0">
                 <a:solidFill>
+                  <a:srgbClr val="008000"/>
+                </a:solidFill>
+                <a:latin typeface="Comic Sans MS"/>
+                <a:cs typeface="Comic Sans MS"/>
+              </a:rPr>
+              <a:t>random </a:t>
+            </a:r>
+            <a:r>
+              <a:rPr lang="en-US" sz="4000" dirty="0">
+                <a:solidFill>
+                  <a:srgbClr val="008000"/>
+                </a:solidFill>
+                <a:latin typeface="Comic Sans MS"/>
+                <a:cs typeface="Comic Sans MS"/>
+              </a:rPr>
+              <a:t>sample</a:t>
+            </a:r>
+            <a:r>
+              <a:rPr lang="en-US" sz="4000" dirty="0">
+                <a:solidFill>
                   <a:srgbClr val="000000"/>
                 </a:solidFill>
                 <a:latin typeface="Comic Sans MS"/>
                 <a:cs typeface="Comic Sans MS"/>
               </a:rPr>
-              <a:t>random </a:t>
+              <a:t> </a:t>
+            </a:r>
+            <a:r>
+              <a:rPr lang="en-US" sz="4000" dirty="0" smtClean="0">
+                <a:solidFill>
+                  <a:srgbClr val="000000"/>
+                </a:solidFill>
+                <a:latin typeface="Comic Sans MS"/>
+                <a:cs typeface="Comic Sans MS"/>
+              </a:rPr>
+              <a:t>of</a:t>
+            </a:r>
+          </a:p>
+          <a:p>
+            <a:pPr lvl="0"/>
+            <a:r>
+              <a:rPr lang="en-US" sz="4000" dirty="0" smtClean="0">
+                <a:solidFill>
+                  <a:srgbClr val="000000"/>
+                </a:solidFill>
+                <a:latin typeface="Comic Sans MS"/>
+                <a:cs typeface="Comic Sans MS"/>
+              </a:rPr>
+              <a:t>prior </a:t>
             </a:r>
             <a:r>
               <a:rPr lang="en-US" sz="4000" dirty="0">
@@ -5148,17 +5820,87 @@
                 <a:latin typeface="Comic Sans MS"/>
                 <a:cs typeface="Comic Sans MS"/>
               </a:rPr>
-              <a:t>sample </a:t>
+              <a:t>test results </a:t>
             </a:r>
             <a:r>
               <a:rPr lang="en-US" sz="4000" dirty="0" smtClean="0">
                 <a:solidFill>
+                  <a:srgbClr val="008000"/>
+                </a:solidFill>
+                <a:latin typeface="Comic Sans MS"/>
+                <a:cs typeface="Comic Sans MS"/>
+              </a:rPr>
+              <a:t>from</a:t>
+            </a:r>
+            <a:r>
+              <a:rPr lang="en-US" sz="4000" dirty="0" smtClean="0">
+                <a:solidFill>
                   <a:srgbClr val="000000"/>
                 </a:solidFill>
                 <a:latin typeface="Comic Sans MS"/>
                 <a:cs typeface="Comic Sans MS"/>
               </a:rPr>
-              <a:t>of</a:t>
+              <a:t> </a:t>
+            </a:r>
+            <a:r>
+              <a:rPr lang="en-US" sz="4000" dirty="0" smtClean="0">
+                <a:solidFill>
+                  <a:srgbClr val="008000"/>
+                </a:solidFill>
+                <a:latin typeface="Comic Sans MS"/>
+                <a:cs typeface="Comic Sans MS"/>
+              </a:rPr>
+              <a:t>everyone</a:t>
+            </a:r>
+            <a:r>
+              <a:rPr lang="en-US" sz="4000" dirty="0" smtClean="0">
+                <a:solidFill>
+                  <a:srgbClr val="000000"/>
+                </a:solidFill>
+                <a:latin typeface="Comic Sans MS"/>
+                <a:cs typeface="Comic Sans MS"/>
+              </a:rPr>
+              <a:t>, </a:t>
+            </a:r>
+            <a:r>
+              <a:rPr lang="en-US" sz="4000" dirty="0">
+                <a:solidFill>
+                  <a:srgbClr val="000000"/>
+                </a:solidFill>
+                <a:latin typeface="Comic Sans MS"/>
+                <a:cs typeface="Comic Sans MS"/>
+              </a:rPr>
+              <a:t>then they </a:t>
+            </a:r>
+            <a:r>
+              <a:rPr lang="en-US" sz="4000" dirty="0" smtClean="0">
+                <a:solidFill>
+                  <a:srgbClr val="000000"/>
+                </a:solidFill>
+                <a:latin typeface="Comic Sans MS"/>
+                <a:cs typeface="Comic Sans MS"/>
+              </a:rPr>
+              <a:t>should indeed expect </a:t>
+            </a:r>
+            <a:r>
+              <a:rPr lang="en-US" sz="4000" dirty="0">
+                <a:solidFill>
+                  <a:srgbClr val="000000"/>
+                </a:solidFill>
+                <a:latin typeface="Comic Sans MS"/>
+                <a:cs typeface="Comic Sans MS"/>
+              </a:rPr>
+              <a:t>98% </a:t>
+            </a:r>
+            <a:r>
+              <a:rPr lang="en-US" sz="4000" dirty="0" smtClean="0">
+                <a:solidFill>
+                  <a:srgbClr val="000000"/>
+                </a:solidFill>
+                <a:latin typeface="Comic Sans MS"/>
+                <a:cs typeface="Comic Sans MS"/>
+              </a:rPr>
+              <a:t>prior correct.</a:t>
             </a:r>
           </a:p>
           <a:p>
@@ -5171,113 +5913,47 @@
                 <a:latin typeface="Comic Sans MS"/>
                 <a:cs typeface="Comic Sans MS"/>
               </a:rPr>
-              <a:t>prior </a:t>
-            </a:r>
-            <a:r>
-              <a:rPr lang="en-US" sz="4000" dirty="0">
+              <a:t>But they get </a:t>
+            </a:r>
+            <a:r>
+              <a:rPr lang="en-US" sz="4000" dirty="0" smtClean="0">
+                <a:solidFill>
+                  <a:srgbClr val="FF00FF"/>
+                </a:solidFill>
+                <a:latin typeface="Comic Sans MS"/>
+                <a:cs typeface="Comic Sans MS"/>
+              </a:rPr>
+              <a:t>sample from</a:t>
+            </a:r>
+            <a:r>
+              <a:rPr lang="en-US" sz="4000" dirty="0" smtClean="0">
                 <a:solidFill>
                   <a:srgbClr val="000000"/>
                 </a:solidFill>
                 <a:latin typeface="Comic Sans MS"/>
                 <a:cs typeface="Comic Sans MS"/>
               </a:rPr>
-              <a:t>test results </a:t>
-            </a:r>
+              <a:t> worried</a:t>
+            </a:r>
+          </a:p>
+          <a:p>
+            <a:pPr lvl="0"/>
             <a:r>
               <a:rPr lang="en-US" sz="4000" dirty="0" smtClean="0">
-                <a:solidFill>
-                  <a:srgbClr val="000000"/>
-                </a:solidFill>
-                <a:latin typeface="Comic Sans MS"/>
-                <a:cs typeface="Comic Sans MS"/>
-              </a:rPr>
-              <a:t>from </a:t>
+                <a:latin typeface="Comic Sans MS"/>
+                <a:cs typeface="Comic Sans MS"/>
+              </a:rPr>
+              <a:t>people with</a:t>
             </a:r>
             <a:r>
               <a:rPr lang="en-US" sz="4000" dirty="0" smtClean="0">
                 <a:solidFill>
-                  <a:srgbClr val="008000"/>
-                </a:solidFill>
-                <a:latin typeface="Comic Sans MS"/>
-                <a:cs typeface="Comic Sans MS"/>
-              </a:rPr>
-              <a:t>everyone</a:t>
-            </a:r>
-            <a:r>
-              <a:rPr lang="en-US" sz="4000" dirty="0" smtClean="0">
-                <a:solidFill>
-                  <a:srgbClr val="000000"/>
-                </a:solidFill>
-                <a:latin typeface="Comic Sans MS"/>
-                <a:cs typeface="Comic Sans MS"/>
-              </a:rPr>
-              <a:t>, </a:t>
-            </a:r>
-            <a:r>
-              <a:rPr lang="en-US" sz="4000" dirty="0">
-                <a:solidFill>
-                  <a:srgbClr val="000000"/>
-                </a:solidFill>
-                <a:latin typeface="Comic Sans MS"/>
-                <a:cs typeface="Comic Sans MS"/>
-              </a:rPr>
-              <a:t>then they </a:t>
-            </a:r>
-            <a:r>
-              <a:rPr lang="en-US" sz="4000" dirty="0" smtClean="0">
-                <a:solidFill>
-                  <a:srgbClr val="000000"/>
-                </a:solidFill>
-                <a:latin typeface="Comic Sans MS"/>
-                <a:cs typeface="Comic Sans MS"/>
-              </a:rPr>
-              <a:t>should indeed expect </a:t>
-            </a:r>
-            <a:r>
-              <a:rPr lang="en-US" sz="4000" dirty="0">
-                <a:solidFill>
-                  <a:srgbClr val="000000"/>
-                </a:solidFill>
-                <a:latin typeface="Comic Sans MS"/>
-                <a:cs typeface="Comic Sans MS"/>
-              </a:rPr>
-              <a:t>98% </a:t>
-            </a:r>
-            <a:r>
-              <a:rPr lang="en-US" sz="4000" dirty="0" smtClean="0">
-                <a:solidFill>
-                  <a:srgbClr val="000000"/>
-                </a:solidFill>
-                <a:latin typeface="Comic Sans MS"/>
-                <a:cs typeface="Comic Sans MS"/>
-              </a:rPr>
-              <a:t>prior correct.</a:t>
-            </a:r>
-          </a:p>
-          <a:p>
-            <a:pPr lvl="0"/>
-            <a:r>
-              <a:rPr lang="en-US" sz="4000" dirty="0" smtClean="0">
-                <a:solidFill>
-                  <a:srgbClr val="000000"/>
-                </a:solidFill>
-                <a:latin typeface="Comic Sans MS"/>
-                <a:cs typeface="Comic Sans MS"/>
-              </a:rPr>
-              <a:t>But they get sample from worried</a:t>
-            </a:r>
-          </a:p>
-          <a:p>
-            <a:pPr lvl="0"/>
-            <a:r>
-              <a:rPr lang="en-US" sz="4000" dirty="0" smtClean="0">
-                <a:solidFill>
                   <a:srgbClr val="FF00FF"/>
                 </a:solidFill>
                 <a:latin typeface="Comic Sans MS"/>
                 <a:cs typeface="Comic Sans MS"/>
               </a:rPr>
-              <a:t>people with TB+ prior test</a:t>
+              <a:t> TB+ prior test</a:t>
             </a:r>
             <a:r>
               <a:rPr lang="en-US" sz="4000" dirty="0" smtClean="0">
@@ -5701,7 +6377,7 @@
         <p:spPr>
           <a:xfrm>
             <a:off x="228600" y="1295400"/>
-            <a:ext cx="8534400" cy="3908762"/>
+            <a:ext cx="8915400" cy="4290405"/>
           </a:xfrm>
           <a:prstGeom prst="rect">
             <a:avLst/>
@@ -5716,7 +6392,7 @@
           <a:p>
             <a:pPr lvl="0"/>
             <a:r>
-              <a:rPr lang="en-US" sz="4000" dirty="0" smtClean="0">
+              <a:rPr lang="en-US" sz="4400" dirty="0" smtClean="0">
                 <a:solidFill>
                   <a:srgbClr val="000000"/>
                 </a:solidFill>
@@ -5726,7 +6402,7 @@
               <a:t>Sample from people with a </a:t>
             </a:r>
             <a:r>
-              <a:rPr lang="en-US" sz="4000" dirty="0" smtClean="0">
+              <a:rPr lang="en-US" sz="4400" dirty="0" smtClean="0">
                 <a:solidFill>
                   <a:srgbClr val="FF00FF"/>
                 </a:solidFill>
@@ -5736,7 +6412,7 @@
               <a:t>TB+ prior test result </a:t>
             </a:r>
             <a:r>
-              <a:rPr lang="en-US" sz="4000" dirty="0" smtClean="0">
+              <a:rPr lang="en-US" sz="4400" dirty="0" smtClean="0">
                 <a:solidFill>
                   <a:srgbClr val="000000"/>
                 </a:solidFill>
@@ -5746,7 +6422,7 @@
               <a:t>will be mistaken about 99.5% of the time</a:t>
             </a:r>
             <a:r>
-              <a:rPr lang="is-IS" sz="4000" dirty="0" smtClean="0">
+              <a:rPr lang="is-IS" sz="4400" dirty="0" smtClean="0">
                 <a:solidFill>
                   <a:srgbClr val="000000"/>
                 </a:solidFill>
@@ -5755,7 +6431,7 @@
               </a:rPr>
               <a:t>…</a:t>
             </a:r>
-            <a:endParaRPr lang="en-US" sz="4000" dirty="0" smtClean="0">
+            <a:endParaRPr lang="en-US" sz="4400" dirty="0" smtClean="0">
               <a:solidFill>
                 <a:srgbClr val="000000"/>
               </a:solidFill>
@@ -5766,7 +6442,7 @@
           <a:p>
             <a:pPr lvl="0"/>
             <a:r>
-              <a:rPr lang="en-US" sz="4000" dirty="0">
+              <a:rPr lang="en-US" sz="4400" dirty="0">
                 <a:solidFill>
                   <a:srgbClr val="000000"/>
                 </a:solidFill>
@@ -5776,7 +6452,7 @@
               <a:t>b</a:t>
             </a:r>
             <a:r>
-              <a:rPr lang="en-US" sz="4000" dirty="0" smtClean="0">
+              <a:rPr lang="en-US" sz="4400" dirty="0" smtClean="0">
                 <a:solidFill>
                   <a:srgbClr val="000000"/>
                 </a:solidFill>
@@ -5786,7 +6462,7 @@
               <a:t>ecause the 2% false positive rate for prior test </a:t>
             </a:r>
             <a:r>
-              <a:rPr lang="en-US" sz="4000" dirty="0">
+              <a:rPr lang="en-US" sz="4400" dirty="0">
                 <a:solidFill>
                   <a:srgbClr val="000000"/>
                 </a:solidFill>
@@ -5796,7 +6472,7 @@
               <a:t>is  200</a:t>
             </a:r>
             <a:r>
-              <a:rPr lang="en-US" sz="4000" b="1" dirty="0" smtClean="0">
+              <a:rPr lang="en-US" sz="4400" b="1" dirty="0" smtClean="0">
                 <a:solidFill>
                   <a:srgbClr val="000000"/>
                 </a:solidFill>
@@ -5806,7 +6482,7 @@
               <a:t>×</a:t>
             </a:r>
             <a:r>
-              <a:rPr lang="en-US" sz="4000" dirty="0" smtClean="0">
+              <a:rPr lang="en-US" sz="4400" dirty="0" smtClean="0">
                 <a:solidFill>
                   <a:srgbClr val="000000"/>
                 </a:solidFill>
@@ -5815,7 +6491,7 @@
               </a:rPr>
               <a:t> larger than  TB rate.</a:t>
             </a:r>
-            <a:endParaRPr lang="en-US" dirty="0"/>
+            <a:endParaRPr lang="en-US" sz="3600" dirty="0"/>
           </a:p>
         </p:txBody>
       </p:sp>
@@ -5994,7 +6670,7 @@
         <p:spPr>
           <a:xfrm>
             <a:off x="430814" y="1371600"/>
-            <a:ext cx="8255986" cy="3490186"/>
+            <a:ext cx="8255986" cy="2603790"/>
           </a:xfrm>
           <a:prstGeom prst="rect">
             <a:avLst/>
@@ -6040,46 +6716,6 @@
               <a:cs typeface="Comic Sans MS"/>
             </a:endParaRPr>
           </a:p>
-          <a:p>
-            <a:r>
-              <a:rPr lang="en-US" sz="4800" dirty="0" smtClean="0">
-                <a:latin typeface="Comic Sans MS"/>
-                <a:cs typeface="Comic Sans MS"/>
-              </a:rPr>
-              <a:t>with </a:t>
-            </a:r>
-            <a:r>
-              <a:rPr lang="en-US" sz="4800" dirty="0" smtClean="0">
-                <a:solidFill>
-                  <a:srgbClr val="008000"/>
-                </a:solidFill>
-                <a:latin typeface="Comic Sans MS"/>
-                <a:cs typeface="Comic Sans MS"/>
-              </a:rPr>
-              <a:t>predictive probability</a:t>
-            </a:r>
-            <a:r>
-              <a:rPr lang="en-US" sz="4800" dirty="0" smtClean="0">
-                <a:solidFill>
-                  <a:srgbClr val="FF00FF"/>
-                </a:solidFill>
-                <a:latin typeface="Comic Sans MS"/>
-                <a:cs typeface="Comic Sans MS"/>
-              </a:rPr>
-              <a:t> </a:t>
-            </a:r>
-            <a:r>
-              <a:rPr lang="en-US" sz="4800" dirty="0" smtClean="0">
-                <a:latin typeface="Comic Sans MS"/>
-                <a:cs typeface="Comic Sans MS"/>
-              </a:rPr>
-              <a:t> </a:t>
-            </a:r>
-            <a:endParaRPr lang="en-US" sz="4800" dirty="0">
-              <a:latin typeface="Comic Sans MS"/>
-              <a:cs typeface="Comic Sans MS"/>
-            </a:endParaRPr>
-          </a:p>
         </p:txBody>
       </p:sp>
       <p:graphicFrame>
@@ -6091,25 +6727,25 @@
           <p:nvPr>
             <p:extLst>
               <p:ext uri="{D42A27DB-BD31-4B8C-83A1-F6EECF244321}">
-                <p14:modId xmlns:p14="http://schemas.microsoft.com/office/powerpoint/2010/main" val="465291071"/>
+                <p14:modId xmlns:p14="http://schemas.microsoft.com/office/powerpoint/2010/main" val="752032920"/>
               </p:ext>
             </p:extLst>
           </p:nvPr>
         </p:nvGraphicFramePr>
         <p:xfrm>
-          <a:off x="1526189" y="2903538"/>
-          <a:ext cx="5910263" cy="969962"/>
+          <a:off x="1333500" y="2927350"/>
+          <a:ext cx="6296025" cy="920750"/>
         </p:xfrm>
         <a:graphic>
           <a:graphicData uri="http://schemas.openxmlformats.org/presentationml/2006/ole">
             <mc:AlternateContent xmlns:mc="http://schemas.openxmlformats.org/markup-compatibility/2006">
               <mc:Choice xmlns:v="urn:schemas-microsoft-com:vml" Requires="v">
-                <p:oleObj spid="_x0000_s1042" name="Equation" r:id="rId3" imgW="1549400" imgH="254000" progId="Equation.DSMT4">
+                <p:oleObj spid="_x0000_s1048" name="Equation" r:id="rId3" imgW="1651000" imgH="241300" progId="Equation.DSMT4">
                   <p:embed/>
                 </p:oleObj>
               </mc:Choice>
               <mc:Fallback>
-                <p:oleObj name="Equation" r:id="rId3" imgW="1549400" imgH="254000" progId="Equation.DSMT4">
+                <p:oleObj name="Equation" r:id="rId3" imgW="1651000" imgH="241300" progId="Equation.DSMT4">
                   <p:embed/>
                   <p:pic>
                     <p:nvPicPr>
@@ -6125,65 +6761,8 @@
                     </p:blipFill>
                     <p:spPr>
                       <a:xfrm>
-                        <a:off x="1526189" y="2903538"/>
-                        <a:ext cx="5910263" cy="969962"/>
-                      </a:xfrm>
-                      <a:prstGeom prst="rect">
-                        <a:avLst/>
-                      </a:prstGeom>
-                    </p:spPr>
-                  </p:pic>
-                </p:oleObj>
-              </mc:Fallback>
-            </mc:AlternateContent>
-          </a:graphicData>
-        </a:graphic>
-      </p:graphicFrame>
-      <p:graphicFrame>
-        <p:nvGraphicFramePr>
-          <p:cNvPr id="5" name="Object 4"/>
-          <p:cNvGraphicFramePr>
-            <a:graphicFrameLocks noChangeAspect="1"/>
-          </p:cNvGraphicFramePr>
-          <p:nvPr>
-            <p:extLst>
-              <p:ext uri="{D42A27DB-BD31-4B8C-83A1-F6EECF244321}">
-                <p14:modId xmlns:p14="http://schemas.microsoft.com/office/powerpoint/2010/main" val="1604153726"/>
-              </p:ext>
-            </p:extLst>
-          </p:nvPr>
-        </p:nvGraphicFramePr>
-        <p:xfrm>
-          <a:off x="1454752" y="4724400"/>
-          <a:ext cx="6824662" cy="1136650"/>
-        </p:xfrm>
-        <a:graphic>
-          <a:graphicData uri="http://schemas.openxmlformats.org/presentationml/2006/ole">
-            <mc:AlternateContent xmlns:mc="http://schemas.openxmlformats.org/markup-compatibility/2006">
-              <mc:Choice xmlns:v="urn:schemas-microsoft-com:vml" Requires="v">
-                <p:oleObj spid="_x0000_s1043" name="Equation" r:id="rId5" imgW="1447800" imgH="241300" progId="Equation.DSMT4">
-                  <p:embed/>
-                </p:oleObj>
-              </mc:Choice>
-              <mc:Fallback>
-                <p:oleObj name="Equation" r:id="rId5" imgW="1447800" imgH="241300" progId="Equation.DSMT4">
-                  <p:embed/>
-                  <p:pic>
-                    <p:nvPicPr>
-                      <p:cNvPr id="0" name=""/>
-                      <p:cNvPicPr/>
-                      <p:nvPr/>
-                    </p:nvPicPr>
-                    <p:blipFill>
-                      <a:blip r:embed="rId6"/>
-                      <a:stretch>
-                        <a:fillRect/>
-                      </a:stretch>
-                    </p:blipFill>
-                    <p:spPr>
-                      <a:xfrm>
-                        <a:off x="1454752" y="4724400"/>
-                        <a:ext cx="6824662" cy="1136650"/>
+                        <a:off x="1333500" y="2927350"/>
+                        <a:ext cx="6296025" cy="920750"/>
                       </a:xfrm>
                       <a:prstGeom prst="rect">
                         <a:avLst/>
@@ -6431,11 +7010,7 @@
                                           </p:stCondLst>
                                         </p:cTn>
                                         <p:tgtEl>
-                                          <p:spTgt spid="3">
-                                            <p:txEl>
-                                              <p:pRg st="0" end="0"/>
-                                            </p:txEl>
-                                          </p:spTgt>
+                                          <p:spTgt spid="4"/>
                                         </p:tgtEl>
                                         <p:attrNameLst>
                                           <p:attrName>style.visibility</p:attrName>
@@ -6449,203 +7024,7 @@
                                       <p:cBhvr>
                                         <p:cTn id="7" dur="500"/>
                                         <p:tgtEl>
-                                          <p:spTgt spid="3">
-                                            <p:txEl>
-                                              <p:pRg st="0" end="0"/>
-                                            </p:txEl>
-                                          </p:spTgt>
-                                        </p:tgtEl>
-                                      </p:cBhvr>
-                                    </p:animEffect>
-                                  </p:childTnLst>
-                                </p:cTn>
-                              </p:par>
-                              <p:par>
-                                <p:cTn id="8" presetID="10" presetClass="entr" presetSubtype="0" fill="hold" nodeType="withEffect">
-                                  <p:stCondLst>
-                                    <p:cond delay="0"/>
-                                  </p:stCondLst>
-                                  <p:childTnLst>
-                                    <p:set>
-                                      <p:cBhvr>
-                                        <p:cTn id="9" dur="1" fill="hold">
-                                          <p:stCondLst>
-                                            <p:cond delay="0"/>
-                                          </p:stCondLst>
-                                        </p:cTn>
-                                        <p:tgtEl>
-                                          <p:spTgt spid="3">
-                                            <p:txEl>
-                                              <p:pRg st="1" end="1"/>
-                                            </p:txEl>
-                                          </p:spTgt>
-                                        </p:tgtEl>
-                                        <p:attrNameLst>
-                                          <p:attrName>style.visibility</p:attrName>
-                                        </p:attrNameLst>
-                                      </p:cBhvr>
-                                      <p:to>
-                                        <p:strVal val="visible"/>
-                                      </p:to>
-                                    </p:set>
-                                    <p:animEffect transition="in" filter="fade">
-                                      <p:cBhvr>
-                                        <p:cTn id="10" dur="500"/>
-                                        <p:tgtEl>
-                                          <p:spTgt spid="3">
-                                            <p:txEl>
-                                              <p:pRg st="1" end="1"/>
-                                            </p:txEl>
-                                          </p:spTgt>
-                                        </p:tgtEl>
-                                      </p:cBhvr>
-                                    </p:animEffect>
-                                  </p:childTnLst>
-                                </p:cTn>
-                              </p:par>
-                            </p:childTnLst>
-                          </p:cTn>
-                        </p:par>
-                        <p:par>
-                          <p:cTn id="11" fill="hold">
-                            <p:stCondLst>
-                              <p:cond delay="500"/>
-                            </p:stCondLst>
-                            <p:childTnLst>
-                              <p:par>
-                                <p:cTn id="12" presetID="22" presetClass="entr" presetSubtype="8" fill="hold" nodeType="afterEffect">
-                                  <p:stCondLst>
-                                    <p:cond delay="0"/>
-                                  </p:stCondLst>
-                                  <p:childTnLst>
-                                    <p:set>
-                                      <p:cBhvr>
-                                        <p:cTn id="13" dur="1" fill="hold">
-                                          <p:stCondLst>
-                                            <p:cond delay="0"/>
-                                          </p:stCondLst>
-                                        </p:cTn>
-                                        <p:tgtEl>
                                           <p:spTgt spid="4"/>
-                                        </p:tgtEl>
-                                        <p:attrNameLst>
-                                          <p:attrName>style.visibility</p:attrName>
-                                        </p:attrNameLst>
-                                      </p:cBhvr>
-                                      <p:to>
-                                        <p:strVal val="visible"/>
-                                      </p:to>
-                                    </p:set>
-                                    <p:animEffect transition="in" filter="wipe(left)">
-                                      <p:cBhvr>
-                                        <p:cTn id="14" dur="1000"/>
-                                        <p:tgtEl>
-                                          <p:spTgt spid="4"/>
-                                        </p:tgtEl>
-                                      </p:cBhvr>
-                                    </p:animEffect>
-                                  </p:childTnLst>
-                                </p:cTn>
-                              </p:par>
-                            </p:childTnLst>
-                          </p:cTn>
-                        </p:par>
-                      </p:childTnLst>
-                    </p:cTn>
-                  </p:par>
-                  <p:par>
-                    <p:cTn id="15" fill="hold">
-                      <p:stCondLst>
-                        <p:cond delay="indefinite"/>
-                      </p:stCondLst>
-                      <p:childTnLst>
-                        <p:par>
-                          <p:cTn id="16" fill="hold">
-                            <p:stCondLst>
-                              <p:cond delay="0"/>
-                            </p:stCondLst>
-                            <p:childTnLst>
-                              <p:par>
-                                <p:cTn id="17" presetID="10" presetClass="entr" presetSubtype="0" fill="hold" nodeType="clickEffect">
-                                  <p:stCondLst>
-                                    <p:cond delay="0"/>
-                                  </p:stCondLst>
-                                  <p:childTnLst>
-                                    <p:set>
-                                      <p:cBhvr>
-                                        <p:cTn id="18" dur="1" fill="hold">
-                                          <p:stCondLst>
-                                            <p:cond delay="0"/>
-                                          </p:stCondLst>
-                                        </p:cTn>
-                                        <p:tgtEl>
-                                          <p:spTgt spid="3">
-                                            <p:txEl>
-                                              <p:pRg st="3" end="3"/>
-                                            </p:txEl>
-                                          </p:spTgt>
-                                        </p:tgtEl>
-                                        <p:attrNameLst>
-                                          <p:attrName>style.visibility</p:attrName>
-                                        </p:attrNameLst>
-                                      </p:cBhvr>
-                                      <p:to>
-                                        <p:strVal val="visible"/>
-                                      </p:to>
-                                    </p:set>
-                                    <p:animEffect transition="in" filter="fade">
-                                      <p:cBhvr>
-                                        <p:cTn id="19" dur="500"/>
-                                        <p:tgtEl>
-                                          <p:spTgt spid="3">
-                                            <p:txEl>
-                                              <p:pRg st="3" end="3"/>
-                                            </p:txEl>
-                                          </p:spTgt>
-                                        </p:tgtEl>
-                                      </p:cBhvr>
-                                    </p:animEffect>
-                                  </p:childTnLst>
-                                </p:cTn>
-                              </p:par>
-                            </p:childTnLst>
-                          </p:cTn>
-                        </p:par>
-                        <p:par>
-                          <p:cTn id="20" fill="hold">
-                            <p:stCondLst>
-                              <p:cond delay="500"/>
-                            </p:stCondLst>
-                            <p:childTnLst>
-                              <p:par>
-                                <p:cTn id="21" presetID="22" presetClass="entr" presetSubtype="8" fill="hold" nodeType="afterEffect">
-                                  <p:stCondLst>
-                                    <p:cond delay="0"/>
-                                  </p:stCondLst>
-                                  <p:childTnLst>
-                                    <p:set>
-                                      <p:cBhvr>
-                                        <p:cTn id="22" dur="1" fill="hold">
-                                          <p:stCondLst>
-                                            <p:cond delay="0"/>
-                                          </p:stCondLst>
-                                        </p:cTn>
-                                        <p:tgtEl>
-                                          <p:spTgt spid="5"/>
-                                        </p:tgtEl>
-                                        <p:attrNameLst>
-                                          <p:attrName>style.visibility</p:attrName>
-                                        </p:attrNameLst>
-                                      </p:cBhvr>
-                                      <p:to>
-                                        <p:strVal val="visible"/>
-                                      </p:to>
-                                    </p:set>
-                                    <p:animEffect transition="in" filter="wipe(left)">
-                                      <p:cBhvr>
-                                        <p:cTn id="23" dur="1000"/>
-                                        <p:tgtEl>
-                                          <p:spTgt spid="5"/>
                                         </p:tgtEl>
                                       </p:cBhvr>
                                     </p:animEffect>

--- a/spring16/slidesS16/confidence-vs-prediction.pptx
+++ b/spring16/slidesS16/confidence-vs-prediction.pptx
@@ -5,10 +5,10 @@
     <p:sldMasterId id="2147483650" r:id="rId1"/>
   </p:sldMasterIdLst>
   <p:notesMasterIdLst>
-    <p:notesMasterId r:id="rId12"/>
+    <p:notesMasterId r:id="rId15"/>
   </p:notesMasterIdLst>
   <p:handoutMasterIdLst>
-    <p:handoutMasterId r:id="rId13"/>
+    <p:handoutMasterId r:id="rId16"/>
   </p:handoutMasterIdLst>
   <p:sldIdLst>
     <p:sldId id="322" r:id="rId2"/>
@@ -21,11 +21,14 @@
     <p:sldId id="430" r:id="rId9"/>
     <p:sldId id="434" r:id="rId10"/>
     <p:sldId id="437" r:id="rId11"/>
+    <p:sldId id="438" r:id="rId12"/>
+    <p:sldId id="439" r:id="rId13"/>
+    <p:sldId id="440" r:id="rId14"/>
   </p:sldIdLst>
   <p:sldSz cx="9144000" cy="6858000" type="screen4x3"/>
   <p:notesSz cx="9601200" cy="7315200"/>
   <p:custDataLst>
-    <p:tags r:id="rId15"/>
+    <p:tags r:id="rId18"/>
   </p:custDataLst>
   <p:defaultTextStyle>
     <a:defPPr>
@@ -943,6 +946,180 @@
 </p:notes>
 </file>
 
+<file path=ppt/notesSlides/notesSlide2.xml><?xml version="1.0" encoding="utf-8"?>
+<p:notes xmlns:a="http://schemas.openxmlformats.org/drawingml/2006/main" xmlns:r="http://schemas.openxmlformats.org/officeDocument/2006/relationships" xmlns:p="http://schemas.openxmlformats.org/presentationml/2006/main">
+  <p:cSld>
+    <p:spTree>
+      <p:nvGrpSpPr>
+        <p:cNvPr id="1" name=""/>
+        <p:cNvGrpSpPr/>
+        <p:nvPr/>
+      </p:nvGrpSpPr>
+      <p:grpSpPr>
+        <a:xfrm>
+          <a:off x="0" y="0"/>
+          <a:ext cx="0" cy="0"/>
+          <a:chOff x="0" y="0"/>
+          <a:chExt cx="0" cy="0"/>
+        </a:xfrm>
+      </p:grpSpPr>
+      <p:sp>
+        <p:nvSpPr>
+          <p:cNvPr id="2" name="Slide Image Placeholder 1"/>
+          <p:cNvSpPr>
+            <a:spLocks noGrp="1" noRot="1" noChangeAspect="1"/>
+          </p:cNvSpPr>
+          <p:nvPr>
+            <p:ph type="sldImg"/>
+          </p:nvPr>
+        </p:nvSpPr>
+        <p:spPr/>
+      </p:sp>
+      <p:sp>
+        <p:nvSpPr>
+          <p:cNvPr id="3" name="Notes Placeholder 2"/>
+          <p:cNvSpPr>
+            <a:spLocks noGrp="1"/>
+          </p:cNvSpPr>
+          <p:nvPr>
+            <p:ph type="body" idx="1"/>
+          </p:nvPr>
+        </p:nvSpPr>
+        <p:spPr/>
+        <p:txBody>
+          <a:bodyPr>
+            <a:normAutofit/>
+          </a:bodyPr>
+          <a:lstStyle/>
+          <a:p>
+            <a:endParaRPr lang="en-US"/>
+          </a:p>
+        </p:txBody>
+      </p:sp>
+      <p:sp>
+        <p:nvSpPr>
+          <p:cNvPr id="4" name="Slide Number Placeholder 3"/>
+          <p:cNvSpPr>
+            <a:spLocks noGrp="1"/>
+          </p:cNvSpPr>
+          <p:nvPr>
+            <p:ph type="sldNum" sz="quarter" idx="10"/>
+          </p:nvPr>
+        </p:nvSpPr>
+        <p:spPr/>
+        <p:txBody>
+          <a:bodyPr/>
+          <a:lstStyle/>
+          <a:p>
+            <a:pPr>
+              <a:defRPr/>
+            </a:pPr>
+            <a:fld id="{441E3F6F-A8F9-4C39-8C62-F077DEAEAA0F}" type="slidenum">
+              <a:rPr lang="en-US" smtClean="0"/>
+              <a:pPr>
+                <a:defRPr/>
+              </a:pPr>
+              <a:t>12</a:t>
+            </a:fld>
+            <a:endParaRPr lang="en-US"/>
+          </a:p>
+        </p:txBody>
+      </p:sp>
+    </p:spTree>
+  </p:cSld>
+  <p:clrMapOvr>
+    <a:masterClrMapping/>
+  </p:clrMapOvr>
+</p:notes>
+</file>
+
+<file path=ppt/notesSlides/notesSlide3.xml><?xml version="1.0" encoding="utf-8"?>
+<p:notes xmlns:a="http://schemas.openxmlformats.org/drawingml/2006/main" xmlns:r="http://schemas.openxmlformats.org/officeDocument/2006/relationships" xmlns:p="http://schemas.openxmlformats.org/presentationml/2006/main">
+  <p:cSld>
+    <p:spTree>
+      <p:nvGrpSpPr>
+        <p:cNvPr id="1" name=""/>
+        <p:cNvGrpSpPr/>
+        <p:nvPr/>
+      </p:nvGrpSpPr>
+      <p:grpSpPr>
+        <a:xfrm>
+          <a:off x="0" y="0"/>
+          <a:ext cx="0" cy="0"/>
+          <a:chOff x="0" y="0"/>
+          <a:chExt cx="0" cy="0"/>
+        </a:xfrm>
+      </p:grpSpPr>
+      <p:sp>
+        <p:nvSpPr>
+          <p:cNvPr id="2" name="Slide Image Placeholder 1"/>
+          <p:cNvSpPr>
+            <a:spLocks noGrp="1" noRot="1" noChangeAspect="1"/>
+          </p:cNvSpPr>
+          <p:nvPr>
+            <p:ph type="sldImg"/>
+          </p:nvPr>
+        </p:nvSpPr>
+        <p:spPr/>
+      </p:sp>
+      <p:sp>
+        <p:nvSpPr>
+          <p:cNvPr id="3" name="Notes Placeholder 2"/>
+          <p:cNvSpPr>
+            <a:spLocks noGrp="1"/>
+          </p:cNvSpPr>
+          <p:nvPr>
+            <p:ph type="body" idx="1"/>
+          </p:nvPr>
+        </p:nvSpPr>
+        <p:spPr/>
+        <p:txBody>
+          <a:bodyPr>
+            <a:normAutofit/>
+          </a:bodyPr>
+          <a:lstStyle/>
+          <a:p>
+            <a:endParaRPr lang="en-US"/>
+          </a:p>
+        </p:txBody>
+      </p:sp>
+      <p:sp>
+        <p:nvSpPr>
+          <p:cNvPr id="4" name="Slide Number Placeholder 3"/>
+          <p:cNvSpPr>
+            <a:spLocks noGrp="1"/>
+          </p:cNvSpPr>
+          <p:nvPr>
+            <p:ph type="sldNum" sz="quarter" idx="10"/>
+          </p:nvPr>
+        </p:nvSpPr>
+        <p:spPr/>
+        <p:txBody>
+          <a:bodyPr/>
+          <a:lstStyle/>
+          <a:p>
+            <a:pPr>
+              <a:defRPr/>
+            </a:pPr>
+            <a:fld id="{441E3F6F-A8F9-4C39-8C62-F077DEAEAA0F}" type="slidenum">
+              <a:rPr lang="en-US" smtClean="0"/>
+              <a:pPr>
+                <a:defRPr/>
+              </a:pPr>
+              <a:t>13</a:t>
+            </a:fld>
+            <a:endParaRPr lang="en-US"/>
+          </a:p>
+        </p:txBody>
+      </p:sp>
+    </p:spTree>
+  </p:cSld>
+  <p:clrMapOvr>
+    <a:masterClrMapping/>
+  </p:clrMapOvr>
+</p:notes>
+</file>
+
 <file path=ppt/slideLayouts/slideLayout1.xml><?xml version="1.0" encoding="utf-8"?>
 <p:sldLayout xmlns:a="http://schemas.openxmlformats.org/drawingml/2006/main" xmlns:r="http://schemas.openxmlformats.org/officeDocument/2006/relationships" xmlns:p="http://schemas.openxmlformats.org/presentationml/2006/main" type="title" preserve="1">
   <p:cSld name="Title Slide">
@@ -1055,20 +1232,46 @@
       </p:sp>
       <p:sp>
         <p:nvSpPr>
-          <p:cNvPr id="4" name="Rectangle 11"/>
+          <p:cNvPr id="5" name="Rectangle 11"/>
           <p:cNvSpPr>
             <a:spLocks noGrp="1" noChangeArrowheads="1"/>
           </p:cNvSpPr>
           <p:nvPr>
-            <p:ph type="sldNum" sz="quarter" idx="10"/>
+            <p:ph type="sldNum" sz="quarter" idx="4"/>
           </p:nvPr>
         </p:nvSpPr>
-        <p:spPr/>
+        <p:spPr bwMode="auto">
+          <a:xfrm>
+            <a:off x="7620000" y="6597650"/>
+            <a:ext cx="1524000" cy="274638"/>
+          </a:xfrm>
+          <a:prstGeom prst="rect">
+            <a:avLst/>
+          </a:prstGeom>
+          <a:noFill/>
+          <a:ln w="9525">
+            <a:noFill/>
+            <a:miter lim="800000"/>
+            <a:headEnd/>
+            <a:tailEnd/>
+          </a:ln>
+          <a:effectLst/>
+        </p:spPr>
         <p:txBody>
-          <a:bodyPr/>
+          <a:bodyPr vert="horz" wrap="square" lIns="91440" tIns="45720" rIns="91440" bIns="45720" numCol="1" anchor="t" anchorCtr="0" compatLnSpc="1">
+            <a:prstTxWarp prst="textNoShape">
+              <a:avLst/>
+            </a:prstTxWarp>
+            <a:spAutoFit/>
+          </a:bodyPr>
           <a:lstStyle>
-            <a:lvl1pPr>
-              <a:defRPr/>
+            <a:lvl1pPr algn="r">
+              <a:spcBef>
+                <a:spcPct val="0"/>
+              </a:spcBef>
+              <a:defRPr sz="1200" smtClean="0">
+                <a:latin typeface="Comic Sans MS" pitchFamily="66" charset="0"/>
+              </a:defRPr>
             </a:lvl1pPr>
           </a:lstStyle>
           <a:p>
@@ -1077,10 +1280,10 @@
             </a:pPr>
             <a:r>
               <a:rPr lang="en-US" dirty="0" smtClean="0"/>
-              <a:t>testing.</a:t>
-            </a:r>
-            <a:fld id="{B971C7D4-D9BD-4A1F-AB94-94E3F5A0DDEC}" type="slidenum">
-              <a:rPr lang="en-US" smtClean="0"/>
+              <a:t>predict.</a:t>
+            </a:r>
+            <a:fld id="{5F0958A0-D934-47E4-8648-CFFBC09FF018}" type="slidenum">
+              <a:rPr lang="en-US"/>
               <a:pPr>
                 <a:defRPr/>
               </a:pPr>
@@ -1211,20 +1414,46 @@
       </p:sp>
       <p:sp>
         <p:nvSpPr>
-          <p:cNvPr id="4" name="Rectangle 11"/>
+          <p:cNvPr id="5" name="Rectangle 11"/>
           <p:cNvSpPr>
             <a:spLocks noGrp="1" noChangeArrowheads="1"/>
           </p:cNvSpPr>
           <p:nvPr>
-            <p:ph type="sldNum" sz="quarter" idx="10"/>
+            <p:ph type="sldNum" sz="quarter" idx="4"/>
           </p:nvPr>
         </p:nvSpPr>
-        <p:spPr/>
+        <p:spPr bwMode="auto">
+          <a:xfrm>
+            <a:off x="7620000" y="6597650"/>
+            <a:ext cx="1524000" cy="274638"/>
+          </a:xfrm>
+          <a:prstGeom prst="rect">
+            <a:avLst/>
+          </a:prstGeom>
+          <a:noFill/>
+          <a:ln w="9525">
+            <a:noFill/>
+            <a:miter lim="800000"/>
+            <a:headEnd/>
+            <a:tailEnd/>
+          </a:ln>
+          <a:effectLst/>
+        </p:spPr>
         <p:txBody>
-          <a:bodyPr/>
+          <a:bodyPr vert="horz" wrap="square" lIns="91440" tIns="45720" rIns="91440" bIns="45720" numCol="1" anchor="t" anchorCtr="0" compatLnSpc="1">
+            <a:prstTxWarp prst="textNoShape">
+              <a:avLst/>
+            </a:prstTxWarp>
+            <a:spAutoFit/>
+          </a:bodyPr>
           <a:lstStyle>
-            <a:lvl1pPr>
-              <a:defRPr/>
+            <a:lvl1pPr algn="r">
+              <a:spcBef>
+                <a:spcPct val="0"/>
+              </a:spcBef>
+              <a:defRPr sz="1200" smtClean="0">
+                <a:latin typeface="Comic Sans MS" pitchFamily="66" charset="0"/>
+              </a:defRPr>
             </a:lvl1pPr>
           </a:lstStyle>
           <a:p>
@@ -1233,10 +1462,10 @@
             </a:pPr>
             <a:r>
               <a:rPr lang="en-US" dirty="0" smtClean="0"/>
-              <a:t>testing.</a:t>
-            </a:r>
-            <a:fld id="{9C0B6E0F-EDA7-4496-A72F-8E0EBD3F01E4}" type="slidenum">
-              <a:rPr lang="en-US" smtClean="0"/>
+              <a:t>predict.</a:t>
+            </a:r>
+            <a:fld id="{5F0958A0-D934-47E4-8648-CFFBC09FF018}" type="slidenum">
+              <a:rPr lang="en-US"/>
               <a:pPr>
                 <a:defRPr/>
               </a:pPr>
@@ -1315,20 +1544,46 @@
       </p:sp>
       <p:sp>
         <p:nvSpPr>
-          <p:cNvPr id="3" name="Rectangle 11"/>
+          <p:cNvPr id="4" name="Rectangle 11"/>
           <p:cNvSpPr>
             <a:spLocks noGrp="1" noChangeArrowheads="1"/>
           </p:cNvSpPr>
           <p:nvPr>
-            <p:ph type="sldNum" sz="quarter" idx="10"/>
+            <p:ph type="sldNum" sz="quarter" idx="4"/>
           </p:nvPr>
         </p:nvSpPr>
-        <p:spPr/>
+        <p:spPr bwMode="auto">
+          <a:xfrm>
+            <a:off x="7620000" y="6597650"/>
+            <a:ext cx="1524000" cy="274638"/>
+          </a:xfrm>
+          <a:prstGeom prst="rect">
+            <a:avLst/>
+          </a:prstGeom>
+          <a:noFill/>
+          <a:ln w="9525">
+            <a:noFill/>
+            <a:miter lim="800000"/>
+            <a:headEnd/>
+            <a:tailEnd/>
+          </a:ln>
+          <a:effectLst/>
+        </p:spPr>
         <p:txBody>
-          <a:bodyPr/>
+          <a:bodyPr vert="horz" wrap="square" lIns="91440" tIns="45720" rIns="91440" bIns="45720" numCol="1" anchor="t" anchorCtr="0" compatLnSpc="1">
+            <a:prstTxWarp prst="textNoShape">
+              <a:avLst/>
+            </a:prstTxWarp>
+            <a:spAutoFit/>
+          </a:bodyPr>
           <a:lstStyle>
-            <a:lvl1pPr>
-              <a:defRPr/>
+            <a:lvl1pPr algn="r">
+              <a:spcBef>
+                <a:spcPct val="0"/>
+              </a:spcBef>
+              <a:defRPr sz="1200" smtClean="0">
+                <a:latin typeface="Comic Sans MS" pitchFamily="66" charset="0"/>
+              </a:defRPr>
             </a:lvl1pPr>
           </a:lstStyle>
           <a:p>
@@ -1337,10 +1592,10 @@
             </a:pPr>
             <a:r>
               <a:rPr lang="en-US" dirty="0" smtClean="0"/>
-              <a:t>testing.</a:t>
-            </a:r>
-            <a:fld id="{88EF8437-3F51-4B27-A37C-59DA587AFCDF}" type="slidenum">
-              <a:rPr lang="en-US" smtClean="0"/>
+              <a:t>predict.</a:t>
+            </a:r>
+            <a:fld id="{5F0958A0-D934-47E4-8648-CFFBC09FF018}" type="slidenum">
+              <a:rPr lang="en-US"/>
               <a:pPr>
                 <a:defRPr/>
               </a:pPr>
@@ -1394,43 +1649,6 @@
           <a:chExt cx="0" cy="0"/>
         </a:xfrm>
       </p:grpSpPr>
-      <p:sp>
-        <p:nvSpPr>
-          <p:cNvPr id="2" name="Rectangle 11"/>
-          <p:cNvSpPr>
-            <a:spLocks noGrp="1" noChangeArrowheads="1"/>
-          </p:cNvSpPr>
-          <p:nvPr>
-            <p:ph type="sldNum" sz="quarter" idx="10"/>
-          </p:nvPr>
-        </p:nvSpPr>
-        <p:spPr/>
-        <p:txBody>
-          <a:bodyPr/>
-          <a:lstStyle>
-            <a:lvl1pPr>
-              <a:defRPr/>
-            </a:lvl1pPr>
-          </a:lstStyle>
-          <a:p>
-            <a:pPr>
-              <a:defRPr/>
-            </a:pPr>
-            <a:r>
-              <a:rPr lang="en-US" dirty="0" smtClean="0"/>
-              <a:t>testing.</a:t>
-            </a:r>
-            <a:fld id="{B6F1E441-844C-41E3-A135-77978BB3664F}" type="slidenum">
-              <a:rPr lang="en-US" smtClean="0"/>
-              <a:pPr>
-                <a:defRPr/>
-              </a:pPr>
-              <a:t>‹#›</a:t>
-            </a:fld>
-            <a:endParaRPr lang="en-US" dirty="0"/>
-          </a:p>
-        </p:txBody>
-      </p:sp>
       <p:pic>
         <p:nvPicPr>
           <p:cNvPr id="3" name="Picture 2"/>
@@ -1455,6 +1673,69 @@
           </a:prstGeom>
         </p:spPr>
       </p:pic>
+      <p:sp>
+        <p:nvSpPr>
+          <p:cNvPr id="4" name="Rectangle 11"/>
+          <p:cNvSpPr>
+            <a:spLocks noGrp="1" noChangeArrowheads="1"/>
+          </p:cNvSpPr>
+          <p:nvPr>
+            <p:ph type="sldNum" sz="quarter" idx="4"/>
+          </p:nvPr>
+        </p:nvSpPr>
+        <p:spPr bwMode="auto">
+          <a:xfrm>
+            <a:off x="7620000" y="6597650"/>
+            <a:ext cx="1524000" cy="274638"/>
+          </a:xfrm>
+          <a:prstGeom prst="rect">
+            <a:avLst/>
+          </a:prstGeom>
+          <a:noFill/>
+          <a:ln w="9525">
+            <a:noFill/>
+            <a:miter lim="800000"/>
+            <a:headEnd/>
+            <a:tailEnd/>
+          </a:ln>
+          <a:effectLst/>
+        </p:spPr>
+        <p:txBody>
+          <a:bodyPr vert="horz" wrap="square" lIns="91440" tIns="45720" rIns="91440" bIns="45720" numCol="1" anchor="t" anchorCtr="0" compatLnSpc="1">
+            <a:prstTxWarp prst="textNoShape">
+              <a:avLst/>
+            </a:prstTxWarp>
+            <a:spAutoFit/>
+          </a:bodyPr>
+          <a:lstStyle>
+            <a:lvl1pPr algn="r">
+              <a:spcBef>
+                <a:spcPct val="0"/>
+              </a:spcBef>
+              <a:defRPr sz="1200" smtClean="0">
+                <a:latin typeface="Comic Sans MS" pitchFamily="66" charset="0"/>
+              </a:defRPr>
+            </a:lvl1pPr>
+          </a:lstStyle>
+          <a:p>
+            <a:pPr>
+              <a:defRPr/>
+            </a:pPr>
+            <a:r>
+              <a:rPr lang="en-US" dirty="0" smtClean="0"/>
+              <a:t>predict.</a:t>
+            </a:r>
+            <a:fld id="{5F0958A0-D934-47E4-8648-CFFBC09FF018}" type="slidenum">
+              <a:rPr lang="en-US"/>
+              <a:pPr>
+                <a:defRPr/>
+              </a:pPr>
+              <a:t>‹#›</a:t>
+            </a:fld>
+            <a:endParaRPr lang="en-US" dirty="0"/>
+          </a:p>
+        </p:txBody>
+      </p:sp>
     </p:spTree>
   </p:cSld>
   <p:clrMapOvr>
@@ -2223,10 +2504,14 @@
             <a:spLocks noGrp="1"/>
           </p:cNvSpPr>
           <p:nvPr>
-            <p:ph type="sldNum" sz="quarter" idx="10"/>
+            <p:ph type="sldNum" sz="quarter" idx="4"/>
           </p:nvPr>
         </p:nvSpPr>
         <p:spPr>
+          <a:xfrm>
+            <a:off x="7620000" y="6597650"/>
+            <a:ext cx="1524000" cy="274638"/>
+          </a:xfrm>
           <a:noFill/>
         </p:spPr>
         <p:txBody>
@@ -2235,7 +2520,7 @@
           <a:p>
             <a:r>
               <a:rPr lang="en-US" dirty="0" smtClean="0"/>
-              <a:t>testing.</a:t>
+              <a:t>predict.</a:t>
             </a:r>
             <a:fld id="{FA37E6F2-F2EB-4CD5-AFBF-DAF43A4D56E9}" type="slidenum">
               <a:rPr lang="en-US" smtClean="0"/>
@@ -2455,10 +2740,15 @@
             <a:spLocks noGrp="1"/>
           </p:cNvSpPr>
           <p:nvPr>
-            <p:ph type="sldNum" sz="quarter" idx="10"/>
+            <p:ph type="sldNum" sz="quarter" idx="4"/>
           </p:nvPr>
         </p:nvSpPr>
-        <p:spPr/>
+        <p:spPr>
+          <a:xfrm>
+            <a:off x="7620000" y="6597650"/>
+            <a:ext cx="1524000" cy="274638"/>
+          </a:xfrm>
+        </p:spPr>
         <p:txBody>
           <a:bodyPr/>
           <a:lstStyle/>
@@ -2467,8 +2757,8 @@
               <a:defRPr/>
             </a:pPr>
             <a:r>
-              <a:rPr lang="en-US" smtClean="0"/>
-              <a:t>testing.</a:t>
+              <a:rPr lang="en-US" dirty="0" smtClean="0"/>
+              <a:t>predict.</a:t>
             </a:r>
             <a:fld id="{B6F1E441-844C-41E3-A135-77978BB3664F}" type="slidenum">
               <a:rPr lang="en-US" smtClean="0"/>
@@ -2600,7 +2890,7 @@
           <a:graphicData uri="http://schemas.openxmlformats.org/presentationml/2006/ole">
             <mc:AlternateContent xmlns:mc="http://schemas.openxmlformats.org/markup-compatibility/2006">
               <mc:Choice xmlns:v="urn:schemas-microsoft-com:vml" Requires="v">
-                <p:oleObj spid="_x0000_s2051" name="Equation" r:id="rId3" imgW="1549400" imgH="254000" progId="Equation.DSMT4">
+                <p:oleObj spid="_x0000_s2063" name="Equation" r:id="rId3" imgW="1549400" imgH="254000" progId="Equation.DSMT4">
                   <p:embed/>
                 </p:oleObj>
               </mc:Choice>
@@ -2657,7 +2947,7 @@
           <a:graphicData uri="http://schemas.openxmlformats.org/presentationml/2006/ole">
             <mc:AlternateContent xmlns:mc="http://schemas.openxmlformats.org/markup-compatibility/2006">
               <mc:Choice xmlns:v="urn:schemas-microsoft-com:vml" Requires="v">
-                <p:oleObj spid="_x0000_s2052" name="Equation" r:id="rId5" imgW="1447800" imgH="241300" progId="Equation.DSMT4">
+                <p:oleObj spid="_x0000_s2064" name="Equation" r:id="rId5" imgW="1447800" imgH="241300" progId="Equation.DSMT4">
                   <p:embed/>
                 </p:oleObj>
               </mc:Choice>
@@ -2881,13 +3171,13 @@
   <p:clrMapOvr>
     <a:masterClrMapping/>
   </p:clrMapOvr>
-  <mc:AlternateContent xmlns:mc="http://schemas.openxmlformats.org/markup-compatibility/2006">
-    <mc:Choice xmlns:p14="http://schemas.microsoft.com/office/powerpoint/2010/main" Requires="p14">
+  <mc:AlternateContent xmlns:mc="http://schemas.openxmlformats.org/markup-compatibility/2006" xmlns:p14="http://schemas.microsoft.com/office/powerpoint/2010/main">
+    <mc:Choice Requires="p14">
       <p:transition spd="med" p14:dur="600" advClick="0">
         <p:fade/>
       </p:transition>
     </mc:Choice>
-    <mc:Fallback>
+    <mc:Fallback xmlns="">
       <p:transition xmlns:p14="http://schemas.microsoft.com/office/powerpoint/2010/main" spd="med" advClick="0">
         <p:fade/>
       </p:transition>
@@ -3031,6 +3321,1296 @@
 </p:sld>
 </file>
 
+<file path=ppt/slides/slide11.xml><?xml version="1.0" encoding="utf-8"?>
+<p:sld xmlns:a="http://schemas.openxmlformats.org/drawingml/2006/main" xmlns:r="http://schemas.openxmlformats.org/officeDocument/2006/relationships" xmlns:p="http://schemas.openxmlformats.org/presentationml/2006/main">
+  <p:cSld>
+    <p:spTree>
+      <p:nvGrpSpPr>
+        <p:cNvPr id="1" name=""/>
+        <p:cNvGrpSpPr/>
+        <p:nvPr/>
+      </p:nvGrpSpPr>
+      <p:grpSpPr>
+        <a:xfrm>
+          <a:off x="0" y="0"/>
+          <a:ext cx="0" cy="0"/>
+          <a:chOff x="0" y="0"/>
+          <a:chExt cx="0" cy="0"/>
+        </a:xfrm>
+      </p:grpSpPr>
+      <p:sp>
+        <p:nvSpPr>
+          <p:cNvPr id="2" name="Slide Number Placeholder 1"/>
+          <p:cNvSpPr>
+            <a:spLocks noGrp="1"/>
+          </p:cNvSpPr>
+          <p:nvPr>
+            <p:ph type="sldNum" sz="quarter" idx="4"/>
+          </p:nvPr>
+        </p:nvSpPr>
+        <p:spPr>
+          <a:xfrm>
+            <a:off x="7620000" y="6597650"/>
+            <a:ext cx="1524000" cy="274638"/>
+          </a:xfrm>
+        </p:spPr>
+        <p:txBody>
+          <a:bodyPr/>
+          <a:lstStyle/>
+          <a:p>
+            <a:pPr>
+              <a:defRPr/>
+            </a:pPr>
+            <a:r>
+              <a:rPr lang="en-US" dirty="0" smtClean="0"/>
+              <a:t>predict.</a:t>
+            </a:r>
+            <a:fld id="{B6F1E441-844C-41E3-A135-77978BB3664F}" type="slidenum">
+              <a:rPr lang="en-US" smtClean="0"/>
+              <a:pPr>
+                <a:defRPr/>
+              </a:pPr>
+              <a:t>11</a:t>
+            </a:fld>
+            <a:endParaRPr lang="en-US" dirty="0"/>
+          </a:p>
+        </p:txBody>
+      </p:sp>
+      <p:sp>
+        <p:nvSpPr>
+          <p:cNvPr id="6" name="Rectangle 3"/>
+          <p:cNvSpPr txBox="1">
+            <a:spLocks noChangeArrowheads="1"/>
+          </p:cNvSpPr>
+          <p:nvPr/>
+        </p:nvSpPr>
+        <p:spPr>
+          <a:xfrm>
+            <a:off x="1219200" y="457200"/>
+            <a:ext cx="7391400" cy="914400"/>
+          </a:xfrm>
+          <a:prstGeom prst="rect">
+            <a:avLst/>
+          </a:prstGeom>
+          <a:noFill/>
+        </p:spPr>
+        <p:txBody>
+          <a:bodyPr/>
+          <a:lstStyle>
+            <a:lvl1pPr algn="l" rtl="0" eaLnBrk="0" fontAlgn="base" hangingPunct="0">
+              <a:spcBef>
+                <a:spcPct val="0"/>
+              </a:spcBef>
+              <a:spcAft>
+                <a:spcPct val="0"/>
+              </a:spcAft>
+              <a:defRPr sz="4000" b="1">
+                <a:solidFill>
+                  <a:schemeClr val="tx2"/>
+                </a:solidFill>
+                <a:latin typeface="Comic Sans MS" pitchFamily="66" charset="0"/>
+                <a:ea typeface="+mj-ea"/>
+                <a:cs typeface="+mj-cs"/>
+              </a:defRPr>
+            </a:lvl1pPr>
+            <a:lvl2pPr algn="l" rtl="0" eaLnBrk="0" fontAlgn="base" hangingPunct="0">
+              <a:spcBef>
+                <a:spcPct val="0"/>
+              </a:spcBef>
+              <a:spcAft>
+                <a:spcPct val="0"/>
+              </a:spcAft>
+              <a:defRPr sz="4000" b="1">
+                <a:solidFill>
+                  <a:schemeClr val="tx2"/>
+                </a:solidFill>
+                <a:latin typeface="Comic Sans MS" pitchFamily="66" charset="0"/>
+              </a:defRPr>
+            </a:lvl2pPr>
+            <a:lvl3pPr algn="l" rtl="0" eaLnBrk="0" fontAlgn="base" hangingPunct="0">
+              <a:spcBef>
+                <a:spcPct val="0"/>
+              </a:spcBef>
+              <a:spcAft>
+                <a:spcPct val="0"/>
+              </a:spcAft>
+              <a:defRPr sz="4000" b="1">
+                <a:solidFill>
+                  <a:schemeClr val="tx2"/>
+                </a:solidFill>
+                <a:latin typeface="Comic Sans MS" pitchFamily="66" charset="0"/>
+              </a:defRPr>
+            </a:lvl3pPr>
+            <a:lvl4pPr algn="l" rtl="0" eaLnBrk="0" fontAlgn="base" hangingPunct="0">
+              <a:spcBef>
+                <a:spcPct val="0"/>
+              </a:spcBef>
+              <a:spcAft>
+                <a:spcPct val="0"/>
+              </a:spcAft>
+              <a:defRPr sz="4000" b="1">
+                <a:solidFill>
+                  <a:schemeClr val="tx2"/>
+                </a:solidFill>
+                <a:latin typeface="Comic Sans MS" pitchFamily="66" charset="0"/>
+              </a:defRPr>
+            </a:lvl4pPr>
+            <a:lvl5pPr algn="l" rtl="0" eaLnBrk="0" fontAlgn="base" hangingPunct="0">
+              <a:spcBef>
+                <a:spcPct val="0"/>
+              </a:spcBef>
+              <a:spcAft>
+                <a:spcPct val="0"/>
+              </a:spcAft>
+              <a:defRPr sz="4000" b="1">
+                <a:solidFill>
+                  <a:schemeClr val="tx2"/>
+                </a:solidFill>
+                <a:latin typeface="Comic Sans MS" pitchFamily="66" charset="0"/>
+              </a:defRPr>
+            </a:lvl5pPr>
+            <a:lvl6pPr marL="457200" algn="l" rtl="0" fontAlgn="base">
+              <a:spcBef>
+                <a:spcPct val="0"/>
+              </a:spcBef>
+              <a:spcAft>
+                <a:spcPct val="0"/>
+              </a:spcAft>
+              <a:defRPr sz="4000" b="1">
+                <a:solidFill>
+                  <a:schemeClr val="tx2"/>
+                </a:solidFill>
+                <a:latin typeface="Times New Roman" pitchFamily="18" charset="0"/>
+              </a:defRPr>
+            </a:lvl6pPr>
+            <a:lvl7pPr marL="914400" algn="l" rtl="0" fontAlgn="base">
+              <a:spcBef>
+                <a:spcPct val="0"/>
+              </a:spcBef>
+              <a:spcAft>
+                <a:spcPct val="0"/>
+              </a:spcAft>
+              <a:defRPr sz="4000" b="1">
+                <a:solidFill>
+                  <a:schemeClr val="tx2"/>
+                </a:solidFill>
+                <a:latin typeface="Times New Roman" pitchFamily="18" charset="0"/>
+              </a:defRPr>
+            </a:lvl7pPr>
+            <a:lvl8pPr marL="1371600" algn="l" rtl="0" fontAlgn="base">
+              <a:spcBef>
+                <a:spcPct val="0"/>
+              </a:spcBef>
+              <a:spcAft>
+                <a:spcPct val="0"/>
+              </a:spcAft>
+              <a:defRPr sz="4000" b="1">
+                <a:solidFill>
+                  <a:schemeClr val="tx2"/>
+                </a:solidFill>
+                <a:latin typeface="Times New Roman" pitchFamily="18" charset="0"/>
+              </a:defRPr>
+            </a:lvl8pPr>
+            <a:lvl9pPr marL="1828800" algn="l" rtl="0" fontAlgn="base">
+              <a:spcBef>
+                <a:spcPct val="0"/>
+              </a:spcBef>
+              <a:spcAft>
+                <a:spcPct val="0"/>
+              </a:spcAft>
+              <a:defRPr sz="4000" b="1">
+                <a:solidFill>
+                  <a:schemeClr val="tx2"/>
+                </a:solidFill>
+                <a:latin typeface="Times New Roman" pitchFamily="18" charset="0"/>
+              </a:defRPr>
+            </a:lvl9pPr>
+          </a:lstStyle>
+          <a:p>
+            <a:pPr eaLnBrk="1" hangingPunct="1"/>
+            <a:r>
+              <a:rPr lang="en-US" sz="3600" dirty="0" smtClean="0">
+                <a:solidFill>
+                  <a:schemeClr val="tx1"/>
+                </a:solidFill>
+              </a:rPr>
+              <a:t>Cherry </a:t>
+            </a:r>
+            <a:r>
+              <a:rPr lang="en-US" sz="3600" dirty="0">
+                <a:solidFill>
+                  <a:schemeClr val="tx1"/>
+                </a:solidFill>
+              </a:rPr>
+              <a:t>Picking voids </a:t>
+            </a:r>
+            <a:r>
+              <a:rPr lang="en-US" sz="3600" dirty="0" smtClean="0">
+                <a:solidFill>
+                  <a:schemeClr val="tx1"/>
+                </a:solidFill>
+              </a:rPr>
+              <a:t>Confidence</a:t>
+            </a:r>
+          </a:p>
+        </p:txBody>
+      </p:sp>
+      <p:sp>
+        <p:nvSpPr>
+          <p:cNvPr id="7" name="TextBox 6"/>
+          <p:cNvSpPr txBox="1"/>
+          <p:nvPr/>
+        </p:nvSpPr>
+        <p:spPr>
+          <a:xfrm>
+            <a:off x="514350" y="1371600"/>
+            <a:ext cx="4496543" cy="2917722"/>
+          </a:xfrm>
+          <a:prstGeom prst="rect">
+            <a:avLst/>
+          </a:prstGeom>
+          <a:noFill/>
+        </p:spPr>
+        <p:txBody>
+          <a:bodyPr wrap="none" rtlCol="0">
+            <a:spAutoFit/>
+          </a:bodyPr>
+          <a:lstStyle/>
+          <a:p>
+            <a:r>
+              <a:rPr lang="en-US" sz="5400" dirty="0" smtClean="0">
+                <a:latin typeface="Comic Sans MS"/>
+                <a:cs typeface="Comic Sans MS"/>
+              </a:rPr>
+              <a:t>Confidence is</a:t>
+            </a:r>
+          </a:p>
+          <a:p>
+            <a:endParaRPr lang="en-US" sz="5400" dirty="0">
+              <a:latin typeface="Comic Sans MS"/>
+              <a:cs typeface="Comic Sans MS"/>
+            </a:endParaRPr>
+          </a:p>
+          <a:p>
+            <a:r>
+              <a:rPr lang="en-US" sz="5400" dirty="0" smtClean="0">
+                <a:latin typeface="Comic Sans MS"/>
+                <a:cs typeface="Comic Sans MS"/>
+              </a:rPr>
+              <a:t>Not same as</a:t>
+            </a:r>
+            <a:endParaRPr lang="en-US" sz="5400" dirty="0">
+              <a:latin typeface="Comic Sans MS"/>
+              <a:cs typeface="Comic Sans MS"/>
+            </a:endParaRPr>
+          </a:p>
+        </p:txBody>
+      </p:sp>
+      <p:graphicFrame>
+        <p:nvGraphicFramePr>
+          <p:cNvPr id="8" name="Object 7"/>
+          <p:cNvGraphicFramePr>
+            <a:graphicFrameLocks noChangeAspect="1"/>
+          </p:cNvGraphicFramePr>
+          <p:nvPr>
+            <p:extLst>
+              <p:ext uri="{D42A27DB-BD31-4B8C-83A1-F6EECF244321}">
+                <p14:modId xmlns:p14="http://schemas.microsoft.com/office/powerpoint/2010/main" val="1932565222"/>
+              </p:ext>
+            </p:extLst>
+          </p:nvPr>
+        </p:nvGraphicFramePr>
+        <p:xfrm>
+          <a:off x="898525" y="2438400"/>
+          <a:ext cx="7167563" cy="920750"/>
+        </p:xfrm>
+        <a:graphic>
+          <a:graphicData uri="http://schemas.openxmlformats.org/presentationml/2006/ole">
+            <mc:AlternateContent xmlns:mc="http://schemas.openxmlformats.org/markup-compatibility/2006">
+              <mc:Choice xmlns:v="urn:schemas-microsoft-com:vml" Requires="v">
+                <p:oleObj spid="_x0000_s3085" name="Equation" r:id="rId3" imgW="1879600" imgH="241300" progId="Equation.DSMT4">
+                  <p:embed/>
+                </p:oleObj>
+              </mc:Choice>
+              <mc:Fallback>
+                <p:oleObj name="Equation" r:id="rId3" imgW="1879600" imgH="241300" progId="Equation.DSMT4">
+                  <p:embed/>
+                  <p:pic>
+                    <p:nvPicPr>
+                      <p:cNvPr id="0" name=""/>
+                      <p:cNvPicPr/>
+                      <p:nvPr/>
+                    </p:nvPicPr>
+                    <p:blipFill>
+                      <a:blip r:embed="rId4"/>
+                      <a:stretch>
+                        <a:fillRect/>
+                      </a:stretch>
+                    </p:blipFill>
+                    <p:spPr>
+                      <a:xfrm>
+                        <a:off x="898525" y="2438400"/>
+                        <a:ext cx="7167563" cy="920750"/>
+                      </a:xfrm>
+                      <a:prstGeom prst="rect">
+                        <a:avLst/>
+                      </a:prstGeom>
+                    </p:spPr>
+                  </p:pic>
+                </p:oleObj>
+              </mc:Fallback>
+            </mc:AlternateContent>
+          </a:graphicData>
+        </a:graphic>
+      </p:graphicFrame>
+      <p:graphicFrame>
+        <p:nvGraphicFramePr>
+          <p:cNvPr id="9" name="Object 8"/>
+          <p:cNvGraphicFramePr>
+            <a:graphicFrameLocks noChangeAspect="1"/>
+          </p:cNvGraphicFramePr>
+          <p:nvPr>
+            <p:extLst>
+              <p:ext uri="{D42A27DB-BD31-4B8C-83A1-F6EECF244321}">
+                <p14:modId xmlns:p14="http://schemas.microsoft.com/office/powerpoint/2010/main" val="2220554116"/>
+              </p:ext>
+            </p:extLst>
+          </p:nvPr>
+        </p:nvGraphicFramePr>
+        <p:xfrm>
+          <a:off x="514350" y="4343400"/>
+          <a:ext cx="8232775" cy="920750"/>
+        </p:xfrm>
+        <a:graphic>
+          <a:graphicData uri="http://schemas.openxmlformats.org/presentationml/2006/ole">
+            <mc:AlternateContent xmlns:mc="http://schemas.openxmlformats.org/markup-compatibility/2006">
+              <mc:Choice xmlns:v="urn:schemas-microsoft-com:vml" Requires="v">
+                <p:oleObj spid="_x0000_s3086" name="Equation" r:id="rId5" imgW="2159000" imgH="241300" progId="Equation.DSMT4">
+                  <p:embed/>
+                </p:oleObj>
+              </mc:Choice>
+              <mc:Fallback>
+                <p:oleObj name="Equation" r:id="rId5" imgW="2159000" imgH="241300" progId="Equation.DSMT4">
+                  <p:embed/>
+                  <p:pic>
+                    <p:nvPicPr>
+                      <p:cNvPr id="0" name=""/>
+                      <p:cNvPicPr/>
+                      <p:nvPr/>
+                    </p:nvPicPr>
+                    <p:blipFill>
+                      <a:blip r:embed="rId6"/>
+                      <a:stretch>
+                        <a:fillRect/>
+                      </a:stretch>
+                    </p:blipFill>
+                    <p:spPr>
+                      <a:xfrm>
+                        <a:off x="514350" y="4343400"/>
+                        <a:ext cx="8232775" cy="920750"/>
+                      </a:xfrm>
+                      <a:prstGeom prst="rect">
+                        <a:avLst/>
+                      </a:prstGeom>
+                    </p:spPr>
+                  </p:pic>
+                </p:oleObj>
+              </mc:Fallback>
+            </mc:AlternateContent>
+          </a:graphicData>
+        </a:graphic>
+      </p:graphicFrame>
+    </p:spTree>
+    <p:extLst>
+      <p:ext uri="{BB962C8B-B14F-4D97-AF65-F5344CB8AC3E}">
+        <p14:creationId xmlns:p14="http://schemas.microsoft.com/office/powerpoint/2010/main" val="2497226306"/>
+      </p:ext>
+    </p:extLst>
+  </p:cSld>
+  <p:clrMapOvr>
+    <a:masterClrMapping/>
+  </p:clrMapOvr>
+  <mc:AlternateContent xmlns:mc="http://schemas.openxmlformats.org/markup-compatibility/2006" xmlns:p14="http://schemas.microsoft.com/office/powerpoint/2010/main">
+    <mc:Choice Requires="p14">
+      <p:transition spd="med" p14:dur="600" advClick="0">
+        <p:fade/>
+      </p:transition>
+    </mc:Choice>
+    <mc:Fallback xmlns="">
+      <p:transition xmlns:p14="http://schemas.microsoft.com/office/powerpoint/2010/main" spd="med" advClick="0">
+        <p:fade/>
+      </p:transition>
+    </mc:Fallback>
+  </mc:AlternateContent>
+  <p:timing>
+    <p:tnLst>
+      <p:par>
+        <p:cTn xmlns:p14="http://schemas.microsoft.com/office/powerpoint/2010/main" id="1" dur="indefinite" restart="never" nodeType="tmRoot">
+          <p:childTnLst>
+            <p:seq concurrent="1" nextAc="seek">
+              <p:cTn id="2" dur="indefinite" nodeType="mainSeq">
+                <p:childTnLst>
+                  <p:par>
+                    <p:cTn id="3" fill="hold">
+                      <p:stCondLst>
+                        <p:cond delay="indefinite"/>
+                      </p:stCondLst>
+                      <p:childTnLst>
+                        <p:par>
+                          <p:cTn id="4" fill="hold">
+                            <p:stCondLst>
+                              <p:cond delay="0"/>
+                            </p:stCondLst>
+                            <p:childTnLst>
+                              <p:par>
+                                <p:cTn id="5" presetID="10" presetClass="entr" presetSubtype="0" fill="hold" nodeType="clickEffect">
+                                  <p:stCondLst>
+                                    <p:cond delay="0"/>
+                                  </p:stCondLst>
+                                  <p:childTnLst>
+                                    <p:set>
+                                      <p:cBhvr>
+                                        <p:cTn id="6" dur="1" fill="hold">
+                                          <p:stCondLst>
+                                            <p:cond delay="0"/>
+                                          </p:stCondLst>
+                                        </p:cTn>
+                                        <p:tgtEl>
+                                          <p:spTgt spid="8"/>
+                                        </p:tgtEl>
+                                        <p:attrNameLst>
+                                          <p:attrName>style.visibility</p:attrName>
+                                        </p:attrNameLst>
+                                      </p:cBhvr>
+                                      <p:to>
+                                        <p:strVal val="visible"/>
+                                      </p:to>
+                                    </p:set>
+                                    <p:animEffect transition="in" filter="fade">
+                                      <p:cBhvr>
+                                        <p:cTn id="7" dur="500"/>
+                                        <p:tgtEl>
+                                          <p:spTgt spid="8"/>
+                                        </p:tgtEl>
+                                      </p:cBhvr>
+                                    </p:animEffect>
+                                  </p:childTnLst>
+                                </p:cTn>
+                              </p:par>
+                            </p:childTnLst>
+                          </p:cTn>
+                        </p:par>
+                      </p:childTnLst>
+                    </p:cTn>
+                  </p:par>
+                  <p:par>
+                    <p:cTn id="8" fill="hold">
+                      <p:stCondLst>
+                        <p:cond delay="indefinite"/>
+                      </p:stCondLst>
+                      <p:childTnLst>
+                        <p:par>
+                          <p:cTn id="9" fill="hold">
+                            <p:stCondLst>
+                              <p:cond delay="0"/>
+                            </p:stCondLst>
+                            <p:childTnLst>
+                              <p:par>
+                                <p:cTn id="10" presetID="10" presetClass="entr" presetSubtype="0" fill="hold" nodeType="clickEffect">
+                                  <p:stCondLst>
+                                    <p:cond delay="0"/>
+                                  </p:stCondLst>
+                                  <p:childTnLst>
+                                    <p:set>
+                                      <p:cBhvr>
+                                        <p:cTn id="11" dur="1" fill="hold">
+                                          <p:stCondLst>
+                                            <p:cond delay="0"/>
+                                          </p:stCondLst>
+                                        </p:cTn>
+                                        <p:tgtEl>
+                                          <p:spTgt spid="9"/>
+                                        </p:tgtEl>
+                                        <p:attrNameLst>
+                                          <p:attrName>style.visibility</p:attrName>
+                                        </p:attrNameLst>
+                                      </p:cBhvr>
+                                      <p:to>
+                                        <p:strVal val="visible"/>
+                                      </p:to>
+                                    </p:set>
+                                    <p:animEffect transition="in" filter="fade">
+                                      <p:cBhvr>
+                                        <p:cTn id="12" dur="500"/>
+                                        <p:tgtEl>
+                                          <p:spTgt spid="9"/>
+                                        </p:tgtEl>
+                                      </p:cBhvr>
+                                    </p:animEffect>
+                                  </p:childTnLst>
+                                </p:cTn>
+                              </p:par>
+                            </p:childTnLst>
+                          </p:cTn>
+                        </p:par>
+                      </p:childTnLst>
+                    </p:cTn>
+                  </p:par>
+                </p:childTnLst>
+              </p:cTn>
+              <p:prevCondLst>
+                <p:cond evt="onPrev" delay="0">
+                  <p:tgtEl>
+                    <p:sldTgt/>
+                  </p:tgtEl>
+                </p:cond>
+              </p:prevCondLst>
+              <p:nextCondLst>
+                <p:cond evt="onNext" delay="0">
+                  <p:tgtEl>
+                    <p:sldTgt/>
+                  </p:tgtEl>
+                </p:cond>
+              </p:nextCondLst>
+            </p:seq>
+          </p:childTnLst>
+        </p:cTn>
+      </p:par>
+    </p:tnLst>
+  </p:timing>
+</p:sld>
+</file>
+
+<file path=ppt/slides/slide12.xml><?xml version="1.0" encoding="utf-8"?>
+<p:sld xmlns:a="http://schemas.openxmlformats.org/drawingml/2006/main" xmlns:r="http://schemas.openxmlformats.org/officeDocument/2006/relationships" xmlns:p="http://schemas.openxmlformats.org/presentationml/2006/main">
+  <p:cSld>
+    <p:spTree>
+      <p:nvGrpSpPr>
+        <p:cNvPr id="1" name=""/>
+        <p:cNvGrpSpPr/>
+        <p:nvPr/>
+      </p:nvGrpSpPr>
+      <p:grpSpPr>
+        <a:xfrm>
+          <a:off x="0" y="0"/>
+          <a:ext cx="0" cy="0"/>
+          <a:chOff x="0" y="0"/>
+          <a:chExt cx="0" cy="0"/>
+        </a:xfrm>
+      </p:grpSpPr>
+      <p:sp>
+        <p:nvSpPr>
+          <p:cNvPr id="3" name="Content Placeholder 2"/>
+          <p:cNvSpPr>
+            <a:spLocks noGrp="1"/>
+          </p:cNvSpPr>
+          <p:nvPr>
+            <p:ph idx="1"/>
+          </p:nvPr>
+        </p:nvSpPr>
+        <p:spPr>
+          <a:xfrm>
+            <a:off x="152400" y="1066800"/>
+            <a:ext cx="8839200" cy="5334000"/>
+          </a:xfrm>
+        </p:spPr>
+        <p:txBody>
+          <a:bodyPr/>
+          <a:lstStyle/>
+          <a:p>
+            <a:r>
+              <a:rPr lang="en-US" sz="4800" dirty="0" smtClean="0"/>
+              <a:t>Do 50 tests with 98% confidence, but only report the one that shows positive.</a:t>
+            </a:r>
+          </a:p>
+          <a:p>
+            <a:r>
+              <a:rPr lang="en-US" sz="4800" dirty="0" smtClean="0"/>
+              <a:t>Silly to assert confidence in that one report.</a:t>
+            </a:r>
+          </a:p>
+          <a:p>
+            <a:pPr algn="ctr"/>
+            <a:r>
+              <a:rPr lang="en-US" sz="4800" dirty="0"/>
+              <a:t>See </a:t>
+            </a:r>
+            <a:r>
+              <a:rPr lang="en-US" sz="4800" dirty="0">
+                <a:solidFill>
+                  <a:srgbClr val="660066"/>
+                </a:solidFill>
+              </a:rPr>
+              <a:t>http://</a:t>
+            </a:r>
+            <a:r>
+              <a:rPr lang="en-US" sz="4800" dirty="0" err="1">
+                <a:solidFill>
+                  <a:srgbClr val="660066"/>
+                </a:solidFill>
+              </a:rPr>
+              <a:t>xkcd.com</a:t>
+            </a:r>
+            <a:r>
+              <a:rPr lang="en-US" sz="4800" dirty="0">
+                <a:solidFill>
+                  <a:srgbClr val="660066"/>
+                </a:solidFill>
+              </a:rPr>
+              <a:t>/882/</a:t>
+            </a:r>
+          </a:p>
+        </p:txBody>
+      </p:sp>
+      <p:sp>
+        <p:nvSpPr>
+          <p:cNvPr id="6" name="Rectangle 3"/>
+          <p:cNvSpPr txBox="1">
+            <a:spLocks noChangeArrowheads="1"/>
+          </p:cNvSpPr>
+          <p:nvPr/>
+        </p:nvSpPr>
+        <p:spPr>
+          <a:xfrm>
+            <a:off x="1219200" y="457200"/>
+            <a:ext cx="7391400" cy="914400"/>
+          </a:xfrm>
+          <a:prstGeom prst="rect">
+            <a:avLst/>
+          </a:prstGeom>
+          <a:noFill/>
+        </p:spPr>
+        <p:txBody>
+          <a:bodyPr/>
+          <a:lstStyle>
+            <a:lvl1pPr algn="l" rtl="0" eaLnBrk="0" fontAlgn="base" hangingPunct="0">
+              <a:spcBef>
+                <a:spcPct val="0"/>
+              </a:spcBef>
+              <a:spcAft>
+                <a:spcPct val="0"/>
+              </a:spcAft>
+              <a:defRPr sz="4000" b="1">
+                <a:solidFill>
+                  <a:schemeClr val="tx2"/>
+                </a:solidFill>
+                <a:latin typeface="Comic Sans MS" pitchFamily="66" charset="0"/>
+                <a:ea typeface="+mj-ea"/>
+                <a:cs typeface="+mj-cs"/>
+              </a:defRPr>
+            </a:lvl1pPr>
+            <a:lvl2pPr algn="l" rtl="0" eaLnBrk="0" fontAlgn="base" hangingPunct="0">
+              <a:spcBef>
+                <a:spcPct val="0"/>
+              </a:spcBef>
+              <a:spcAft>
+                <a:spcPct val="0"/>
+              </a:spcAft>
+              <a:defRPr sz="4000" b="1">
+                <a:solidFill>
+                  <a:schemeClr val="tx2"/>
+                </a:solidFill>
+                <a:latin typeface="Comic Sans MS" pitchFamily="66" charset="0"/>
+              </a:defRPr>
+            </a:lvl2pPr>
+            <a:lvl3pPr algn="l" rtl="0" eaLnBrk="0" fontAlgn="base" hangingPunct="0">
+              <a:spcBef>
+                <a:spcPct val="0"/>
+              </a:spcBef>
+              <a:spcAft>
+                <a:spcPct val="0"/>
+              </a:spcAft>
+              <a:defRPr sz="4000" b="1">
+                <a:solidFill>
+                  <a:schemeClr val="tx2"/>
+                </a:solidFill>
+                <a:latin typeface="Comic Sans MS" pitchFamily="66" charset="0"/>
+              </a:defRPr>
+            </a:lvl3pPr>
+            <a:lvl4pPr algn="l" rtl="0" eaLnBrk="0" fontAlgn="base" hangingPunct="0">
+              <a:spcBef>
+                <a:spcPct val="0"/>
+              </a:spcBef>
+              <a:spcAft>
+                <a:spcPct val="0"/>
+              </a:spcAft>
+              <a:defRPr sz="4000" b="1">
+                <a:solidFill>
+                  <a:schemeClr val="tx2"/>
+                </a:solidFill>
+                <a:latin typeface="Comic Sans MS" pitchFamily="66" charset="0"/>
+              </a:defRPr>
+            </a:lvl4pPr>
+            <a:lvl5pPr algn="l" rtl="0" eaLnBrk="0" fontAlgn="base" hangingPunct="0">
+              <a:spcBef>
+                <a:spcPct val="0"/>
+              </a:spcBef>
+              <a:spcAft>
+                <a:spcPct val="0"/>
+              </a:spcAft>
+              <a:defRPr sz="4000" b="1">
+                <a:solidFill>
+                  <a:schemeClr val="tx2"/>
+                </a:solidFill>
+                <a:latin typeface="Comic Sans MS" pitchFamily="66" charset="0"/>
+              </a:defRPr>
+            </a:lvl5pPr>
+            <a:lvl6pPr marL="457200" algn="l" rtl="0" fontAlgn="base">
+              <a:spcBef>
+                <a:spcPct val="0"/>
+              </a:spcBef>
+              <a:spcAft>
+                <a:spcPct val="0"/>
+              </a:spcAft>
+              <a:defRPr sz="4000" b="1">
+                <a:solidFill>
+                  <a:schemeClr val="tx2"/>
+                </a:solidFill>
+                <a:latin typeface="Times New Roman" pitchFamily="18" charset="0"/>
+              </a:defRPr>
+            </a:lvl6pPr>
+            <a:lvl7pPr marL="914400" algn="l" rtl="0" fontAlgn="base">
+              <a:spcBef>
+                <a:spcPct val="0"/>
+              </a:spcBef>
+              <a:spcAft>
+                <a:spcPct val="0"/>
+              </a:spcAft>
+              <a:defRPr sz="4000" b="1">
+                <a:solidFill>
+                  <a:schemeClr val="tx2"/>
+                </a:solidFill>
+                <a:latin typeface="Times New Roman" pitchFamily="18" charset="0"/>
+              </a:defRPr>
+            </a:lvl7pPr>
+            <a:lvl8pPr marL="1371600" algn="l" rtl="0" fontAlgn="base">
+              <a:spcBef>
+                <a:spcPct val="0"/>
+              </a:spcBef>
+              <a:spcAft>
+                <a:spcPct val="0"/>
+              </a:spcAft>
+              <a:defRPr sz="4000" b="1">
+                <a:solidFill>
+                  <a:schemeClr val="tx2"/>
+                </a:solidFill>
+                <a:latin typeface="Times New Roman" pitchFamily="18" charset="0"/>
+              </a:defRPr>
+            </a:lvl8pPr>
+            <a:lvl9pPr marL="1828800" algn="l" rtl="0" fontAlgn="base">
+              <a:spcBef>
+                <a:spcPct val="0"/>
+              </a:spcBef>
+              <a:spcAft>
+                <a:spcPct val="0"/>
+              </a:spcAft>
+              <a:defRPr sz="4000" b="1">
+                <a:solidFill>
+                  <a:schemeClr val="tx2"/>
+                </a:solidFill>
+                <a:latin typeface="Times New Roman" pitchFamily="18" charset="0"/>
+              </a:defRPr>
+            </a:lvl9pPr>
+          </a:lstStyle>
+          <a:p>
+            <a:pPr eaLnBrk="1" hangingPunct="1"/>
+            <a:r>
+              <a:rPr lang="en-US" sz="3600" dirty="0" smtClean="0">
+                <a:solidFill>
+                  <a:schemeClr val="tx1"/>
+                </a:solidFill>
+              </a:rPr>
+              <a:t>Cherry </a:t>
+            </a:r>
+            <a:r>
+              <a:rPr lang="en-US" sz="3600" dirty="0">
+                <a:solidFill>
+                  <a:schemeClr val="tx1"/>
+                </a:solidFill>
+              </a:rPr>
+              <a:t>Picking voids </a:t>
+            </a:r>
+            <a:r>
+              <a:rPr lang="en-US" sz="3600" dirty="0" smtClean="0">
+                <a:solidFill>
+                  <a:schemeClr val="tx1"/>
+                </a:solidFill>
+              </a:rPr>
+              <a:t>Confidence</a:t>
+            </a:r>
+          </a:p>
+        </p:txBody>
+      </p:sp>
+      <p:sp>
+        <p:nvSpPr>
+          <p:cNvPr id="5" name="Slide Number Placeholder 1"/>
+          <p:cNvSpPr>
+            <a:spLocks noGrp="1"/>
+          </p:cNvSpPr>
+          <p:nvPr>
+            <p:ph type="sldNum" sz="quarter" idx="4"/>
+          </p:nvPr>
+        </p:nvSpPr>
+        <p:spPr>
+          <a:xfrm>
+            <a:off x="7620000" y="6597650"/>
+            <a:ext cx="1524000" cy="274638"/>
+          </a:xfrm>
+        </p:spPr>
+        <p:txBody>
+          <a:bodyPr/>
+          <a:lstStyle/>
+          <a:p>
+            <a:pPr>
+              <a:defRPr/>
+            </a:pPr>
+            <a:r>
+              <a:rPr lang="en-US" dirty="0" smtClean="0"/>
+              <a:t>predict.</a:t>
+            </a:r>
+            <a:fld id="{B6F1E441-844C-41E3-A135-77978BB3664F}" type="slidenum">
+              <a:rPr lang="en-US" smtClean="0"/>
+              <a:pPr>
+                <a:defRPr/>
+              </a:pPr>
+              <a:t>12</a:t>
+            </a:fld>
+            <a:endParaRPr lang="en-US" dirty="0"/>
+          </a:p>
+        </p:txBody>
+      </p:sp>
+    </p:spTree>
+    <p:extLst>
+      <p:ext uri="{BB962C8B-B14F-4D97-AF65-F5344CB8AC3E}">
+        <p14:creationId xmlns:p14="http://schemas.microsoft.com/office/powerpoint/2010/main" val="3411430083"/>
+      </p:ext>
+    </p:extLst>
+  </p:cSld>
+  <p:clrMapOvr>
+    <a:masterClrMapping/>
+  </p:clrMapOvr>
+  <p:transition xmlns:p14="http://schemas.microsoft.com/office/powerpoint/2010/main">
+    <p:fade/>
+  </p:transition>
+  <p:timing>
+    <p:tnLst>
+      <p:par>
+        <p:cTn xmlns:p14="http://schemas.microsoft.com/office/powerpoint/2010/main" id="1" dur="indefinite" restart="never" nodeType="tmRoot">
+          <p:childTnLst>
+            <p:seq concurrent="1" nextAc="seek">
+              <p:cTn id="2" dur="indefinite" nodeType="mainSeq">
+                <p:childTnLst>
+                  <p:par>
+                    <p:cTn id="3" fill="hold">
+                      <p:stCondLst>
+                        <p:cond delay="indefinite"/>
+                      </p:stCondLst>
+                      <p:childTnLst>
+                        <p:par>
+                          <p:cTn id="4" fill="hold">
+                            <p:stCondLst>
+                              <p:cond delay="0"/>
+                            </p:stCondLst>
+                            <p:childTnLst>
+                              <p:par>
+                                <p:cTn id="5" presetID="10" presetClass="entr" presetSubtype="0" fill="hold" nodeType="clickEffect">
+                                  <p:stCondLst>
+                                    <p:cond delay="0"/>
+                                  </p:stCondLst>
+                                  <p:childTnLst>
+                                    <p:set>
+                                      <p:cBhvr>
+                                        <p:cTn id="6" dur="1" fill="hold">
+                                          <p:stCondLst>
+                                            <p:cond delay="0"/>
+                                          </p:stCondLst>
+                                        </p:cTn>
+                                        <p:tgtEl>
+                                          <p:spTgt spid="3">
+                                            <p:txEl>
+                                              <p:pRg st="2" end="2"/>
+                                            </p:txEl>
+                                          </p:spTgt>
+                                        </p:tgtEl>
+                                        <p:attrNameLst>
+                                          <p:attrName>style.visibility</p:attrName>
+                                        </p:attrNameLst>
+                                      </p:cBhvr>
+                                      <p:to>
+                                        <p:strVal val="visible"/>
+                                      </p:to>
+                                    </p:set>
+                                    <p:animEffect transition="in" filter="fade">
+                                      <p:cBhvr>
+                                        <p:cTn id="7" dur="500"/>
+                                        <p:tgtEl>
+                                          <p:spTgt spid="3">
+                                            <p:txEl>
+                                              <p:pRg st="2" end="2"/>
+                                            </p:txEl>
+                                          </p:spTgt>
+                                        </p:tgtEl>
+                                      </p:cBhvr>
+                                    </p:animEffect>
+                                  </p:childTnLst>
+                                </p:cTn>
+                              </p:par>
+                            </p:childTnLst>
+                          </p:cTn>
+                        </p:par>
+                      </p:childTnLst>
+                    </p:cTn>
+                  </p:par>
+                </p:childTnLst>
+              </p:cTn>
+              <p:prevCondLst>
+                <p:cond evt="onPrev" delay="0">
+                  <p:tgtEl>
+                    <p:sldTgt/>
+                  </p:tgtEl>
+                </p:cond>
+              </p:prevCondLst>
+              <p:nextCondLst>
+                <p:cond evt="onNext" delay="0">
+                  <p:tgtEl>
+                    <p:sldTgt/>
+                  </p:tgtEl>
+                </p:cond>
+              </p:nextCondLst>
+            </p:seq>
+          </p:childTnLst>
+        </p:cTn>
+      </p:par>
+    </p:tnLst>
+  </p:timing>
+</p:sld>
+</file>
+
+<file path=ppt/slides/slide13.xml><?xml version="1.0" encoding="utf-8"?>
+<p:sld xmlns:a="http://schemas.openxmlformats.org/drawingml/2006/main" xmlns:r="http://schemas.openxmlformats.org/officeDocument/2006/relationships" xmlns:p="http://schemas.openxmlformats.org/presentationml/2006/main">
+  <p:cSld>
+    <p:spTree>
+      <p:nvGrpSpPr>
+        <p:cNvPr id="1" name=""/>
+        <p:cNvGrpSpPr/>
+        <p:nvPr/>
+      </p:nvGrpSpPr>
+      <p:grpSpPr>
+        <a:xfrm>
+          <a:off x="0" y="0"/>
+          <a:ext cx="0" cy="0"/>
+          <a:chOff x="0" y="0"/>
+          <a:chExt cx="0" cy="0"/>
+        </a:xfrm>
+      </p:grpSpPr>
+      <p:sp>
+        <p:nvSpPr>
+          <p:cNvPr id="3" name="Content Placeholder 2"/>
+          <p:cNvSpPr>
+            <a:spLocks noGrp="1"/>
+          </p:cNvSpPr>
+          <p:nvPr>
+            <p:ph idx="1"/>
+          </p:nvPr>
+        </p:nvSpPr>
+        <p:spPr>
+          <a:xfrm>
+            <a:off x="304800" y="1143000"/>
+            <a:ext cx="8686800" cy="4648200"/>
+          </a:xfrm>
+        </p:spPr>
+        <p:txBody>
+          <a:bodyPr/>
+          <a:lstStyle/>
+          <a:p>
+            <a:r>
+              <a:rPr lang="en-US" sz="4800" dirty="0" smtClean="0">
+                <a:solidFill>
+                  <a:srgbClr val="006600"/>
+                </a:solidFill>
+              </a:rPr>
+              <a:t>Moral:</a:t>
+            </a:r>
+            <a:r>
+              <a:rPr lang="en-US" sz="4800" dirty="0" smtClean="0"/>
+              <a:t> Ask </a:t>
+            </a:r>
+            <a:r>
+              <a:rPr lang="en-US" sz="4800" dirty="0"/>
+              <a:t>“Why am I</a:t>
+            </a:r>
+          </a:p>
+          <a:p>
+            <a:r>
+              <a:rPr lang="en-US" sz="4800" dirty="0"/>
+              <a:t>hearing about this particular </a:t>
+            </a:r>
+          </a:p>
+          <a:p>
+            <a:r>
+              <a:rPr lang="en-US" sz="4800" dirty="0" smtClean="0"/>
+              <a:t>outcome?  </a:t>
+            </a:r>
+            <a:r>
+              <a:rPr lang="en-US" sz="4800" dirty="0"/>
+              <a:t>How many </a:t>
+            </a:r>
+          </a:p>
+          <a:p>
+            <a:r>
+              <a:rPr lang="en-US" sz="4800" dirty="0"/>
+              <a:t>others were tried and not</a:t>
+            </a:r>
+          </a:p>
+          <a:p>
+            <a:r>
+              <a:rPr lang="en-US" sz="4800" dirty="0"/>
+              <a:t>reported?” </a:t>
+            </a:r>
+            <a:endParaRPr lang="en-US" sz="4800" dirty="0" smtClean="0"/>
+          </a:p>
+        </p:txBody>
+      </p:sp>
+      <p:sp>
+        <p:nvSpPr>
+          <p:cNvPr id="6" name="Rectangle 3"/>
+          <p:cNvSpPr txBox="1">
+            <a:spLocks noChangeArrowheads="1"/>
+          </p:cNvSpPr>
+          <p:nvPr/>
+        </p:nvSpPr>
+        <p:spPr>
+          <a:xfrm>
+            <a:off x="1219200" y="457200"/>
+            <a:ext cx="7391400" cy="914400"/>
+          </a:xfrm>
+          <a:prstGeom prst="rect">
+            <a:avLst/>
+          </a:prstGeom>
+          <a:noFill/>
+        </p:spPr>
+        <p:txBody>
+          <a:bodyPr/>
+          <a:lstStyle>
+            <a:lvl1pPr algn="l" rtl="0" eaLnBrk="0" fontAlgn="base" hangingPunct="0">
+              <a:spcBef>
+                <a:spcPct val="0"/>
+              </a:spcBef>
+              <a:spcAft>
+                <a:spcPct val="0"/>
+              </a:spcAft>
+              <a:defRPr sz="4000" b="1">
+                <a:solidFill>
+                  <a:schemeClr val="tx2"/>
+                </a:solidFill>
+                <a:latin typeface="Comic Sans MS" pitchFamily="66" charset="0"/>
+                <a:ea typeface="+mj-ea"/>
+                <a:cs typeface="+mj-cs"/>
+              </a:defRPr>
+            </a:lvl1pPr>
+            <a:lvl2pPr algn="l" rtl="0" eaLnBrk="0" fontAlgn="base" hangingPunct="0">
+              <a:spcBef>
+                <a:spcPct val="0"/>
+              </a:spcBef>
+              <a:spcAft>
+                <a:spcPct val="0"/>
+              </a:spcAft>
+              <a:defRPr sz="4000" b="1">
+                <a:solidFill>
+                  <a:schemeClr val="tx2"/>
+                </a:solidFill>
+                <a:latin typeface="Comic Sans MS" pitchFamily="66" charset="0"/>
+              </a:defRPr>
+            </a:lvl2pPr>
+            <a:lvl3pPr algn="l" rtl="0" eaLnBrk="0" fontAlgn="base" hangingPunct="0">
+              <a:spcBef>
+                <a:spcPct val="0"/>
+              </a:spcBef>
+              <a:spcAft>
+                <a:spcPct val="0"/>
+              </a:spcAft>
+              <a:defRPr sz="4000" b="1">
+                <a:solidFill>
+                  <a:schemeClr val="tx2"/>
+                </a:solidFill>
+                <a:latin typeface="Comic Sans MS" pitchFamily="66" charset="0"/>
+              </a:defRPr>
+            </a:lvl3pPr>
+            <a:lvl4pPr algn="l" rtl="0" eaLnBrk="0" fontAlgn="base" hangingPunct="0">
+              <a:spcBef>
+                <a:spcPct val="0"/>
+              </a:spcBef>
+              <a:spcAft>
+                <a:spcPct val="0"/>
+              </a:spcAft>
+              <a:defRPr sz="4000" b="1">
+                <a:solidFill>
+                  <a:schemeClr val="tx2"/>
+                </a:solidFill>
+                <a:latin typeface="Comic Sans MS" pitchFamily="66" charset="0"/>
+              </a:defRPr>
+            </a:lvl4pPr>
+            <a:lvl5pPr algn="l" rtl="0" eaLnBrk="0" fontAlgn="base" hangingPunct="0">
+              <a:spcBef>
+                <a:spcPct val="0"/>
+              </a:spcBef>
+              <a:spcAft>
+                <a:spcPct val="0"/>
+              </a:spcAft>
+              <a:defRPr sz="4000" b="1">
+                <a:solidFill>
+                  <a:schemeClr val="tx2"/>
+                </a:solidFill>
+                <a:latin typeface="Comic Sans MS" pitchFamily="66" charset="0"/>
+              </a:defRPr>
+            </a:lvl5pPr>
+            <a:lvl6pPr marL="457200" algn="l" rtl="0" fontAlgn="base">
+              <a:spcBef>
+                <a:spcPct val="0"/>
+              </a:spcBef>
+              <a:spcAft>
+                <a:spcPct val="0"/>
+              </a:spcAft>
+              <a:defRPr sz="4000" b="1">
+                <a:solidFill>
+                  <a:schemeClr val="tx2"/>
+                </a:solidFill>
+                <a:latin typeface="Times New Roman" pitchFamily="18" charset="0"/>
+              </a:defRPr>
+            </a:lvl6pPr>
+            <a:lvl7pPr marL="914400" algn="l" rtl="0" fontAlgn="base">
+              <a:spcBef>
+                <a:spcPct val="0"/>
+              </a:spcBef>
+              <a:spcAft>
+                <a:spcPct val="0"/>
+              </a:spcAft>
+              <a:defRPr sz="4000" b="1">
+                <a:solidFill>
+                  <a:schemeClr val="tx2"/>
+                </a:solidFill>
+                <a:latin typeface="Times New Roman" pitchFamily="18" charset="0"/>
+              </a:defRPr>
+            </a:lvl7pPr>
+            <a:lvl8pPr marL="1371600" algn="l" rtl="0" fontAlgn="base">
+              <a:spcBef>
+                <a:spcPct val="0"/>
+              </a:spcBef>
+              <a:spcAft>
+                <a:spcPct val="0"/>
+              </a:spcAft>
+              <a:defRPr sz="4000" b="1">
+                <a:solidFill>
+                  <a:schemeClr val="tx2"/>
+                </a:solidFill>
+                <a:latin typeface="Times New Roman" pitchFamily="18" charset="0"/>
+              </a:defRPr>
+            </a:lvl8pPr>
+            <a:lvl9pPr marL="1828800" algn="l" rtl="0" fontAlgn="base">
+              <a:spcBef>
+                <a:spcPct val="0"/>
+              </a:spcBef>
+              <a:spcAft>
+                <a:spcPct val="0"/>
+              </a:spcAft>
+              <a:defRPr sz="4000" b="1">
+                <a:solidFill>
+                  <a:schemeClr val="tx2"/>
+                </a:solidFill>
+                <a:latin typeface="Times New Roman" pitchFamily="18" charset="0"/>
+              </a:defRPr>
+            </a:lvl9pPr>
+          </a:lstStyle>
+          <a:p>
+            <a:pPr eaLnBrk="1" hangingPunct="1"/>
+            <a:r>
+              <a:rPr lang="en-US" sz="3600" dirty="0" smtClean="0">
+                <a:solidFill>
+                  <a:schemeClr val="tx1"/>
+                </a:solidFill>
+              </a:rPr>
+              <a:t>Cherry </a:t>
+            </a:r>
+            <a:r>
+              <a:rPr lang="en-US" sz="3600" dirty="0">
+                <a:solidFill>
+                  <a:schemeClr val="tx1"/>
+                </a:solidFill>
+              </a:rPr>
+              <a:t>Picking voids </a:t>
+            </a:r>
+            <a:r>
+              <a:rPr lang="en-US" sz="3600" dirty="0" smtClean="0">
+                <a:solidFill>
+                  <a:schemeClr val="tx1"/>
+                </a:solidFill>
+              </a:rPr>
+              <a:t>Confidence</a:t>
+            </a:r>
+          </a:p>
+        </p:txBody>
+      </p:sp>
+      <p:sp>
+        <p:nvSpPr>
+          <p:cNvPr id="5" name="Slide Number Placeholder 1"/>
+          <p:cNvSpPr>
+            <a:spLocks noGrp="1"/>
+          </p:cNvSpPr>
+          <p:nvPr>
+            <p:ph type="sldNum" sz="quarter" idx="4"/>
+          </p:nvPr>
+        </p:nvSpPr>
+        <p:spPr>
+          <a:xfrm>
+            <a:off x="7620000" y="6597650"/>
+            <a:ext cx="1524000" cy="274638"/>
+          </a:xfrm>
+        </p:spPr>
+        <p:txBody>
+          <a:bodyPr/>
+          <a:lstStyle/>
+          <a:p>
+            <a:pPr>
+              <a:defRPr/>
+            </a:pPr>
+            <a:r>
+              <a:rPr lang="en-US" dirty="0" smtClean="0"/>
+              <a:t>predict.</a:t>
+            </a:r>
+            <a:fld id="{B6F1E441-844C-41E3-A135-77978BB3664F}" type="slidenum">
+              <a:rPr lang="en-US" smtClean="0"/>
+              <a:pPr>
+                <a:defRPr/>
+              </a:pPr>
+              <a:t>13</a:t>
+            </a:fld>
+            <a:endParaRPr lang="en-US" dirty="0"/>
+          </a:p>
+        </p:txBody>
+      </p:sp>
+    </p:spTree>
+    <p:extLst>
+      <p:ext uri="{BB962C8B-B14F-4D97-AF65-F5344CB8AC3E}">
+        <p14:creationId xmlns:p14="http://schemas.microsoft.com/office/powerpoint/2010/main" val="757896397"/>
+      </p:ext>
+    </p:extLst>
+  </p:cSld>
+  <p:clrMapOvr>
+    <a:masterClrMapping/>
+  </p:clrMapOvr>
+  <p:transition xmlns:p14="http://schemas.microsoft.com/office/powerpoint/2010/main">
+    <p:fade/>
+  </p:transition>
+  <p:timing>
+    <p:tnLst>
+      <p:par>
+        <p:cTn xmlns:p14="http://schemas.microsoft.com/office/powerpoint/2010/main" id="1" dur="indefinite" restart="never" nodeType="tmRoot"/>
+      </p:par>
+    </p:tnLst>
+  </p:timing>
+</p:sld>
+</file>
+
 <file path=ppt/slides/slide2.xml><?xml version="1.0" encoding="utf-8"?>
 <p:sld xmlns:a="http://schemas.openxmlformats.org/drawingml/2006/main" xmlns:r="http://schemas.openxmlformats.org/officeDocument/2006/relationships" xmlns:p="http://schemas.openxmlformats.org/presentationml/2006/main">
   <p:cSld>
@@ -3055,10 +4635,15 @@
             <a:spLocks noGrp="1"/>
           </p:cNvSpPr>
           <p:nvPr>
-            <p:ph type="sldNum" sz="quarter" idx="10"/>
+            <p:ph type="sldNum" sz="quarter" idx="4"/>
           </p:nvPr>
         </p:nvSpPr>
-        <p:spPr/>
+        <p:spPr>
+          <a:xfrm>
+            <a:off x="7620000" y="6597650"/>
+            <a:ext cx="1524000" cy="274638"/>
+          </a:xfrm>
+        </p:spPr>
         <p:txBody>
           <a:bodyPr/>
           <a:lstStyle/>
@@ -3067,8 +4652,8 @@
               <a:defRPr/>
             </a:pPr>
             <a:r>
-              <a:rPr lang="en-US" smtClean="0"/>
-              <a:t>testing.</a:t>
+              <a:rPr lang="en-US" dirty="0" smtClean="0"/>
+              <a:t>predict.</a:t>
             </a:r>
             <a:fld id="{B6F1E441-844C-41E3-A135-77978BB3664F}" type="slidenum">
               <a:rPr lang="en-US" smtClean="0"/>
@@ -3271,14 +4856,16 @@
                 <a:latin typeface="Comic Sans MS"/>
                 <a:cs typeface="Comic Sans MS"/>
               </a:rPr>
-              <a:t>Lab offers alternative </a:t>
-            </a:r>
+              <a:t>Lab offers alternative TB test</a:t>
+            </a:r>
+          </a:p>
+          <a:p>
             <a:r>
               <a:rPr lang="en-US" sz="4800" dirty="0" smtClean="0">
                 <a:latin typeface="Comic Sans MS"/>
                 <a:cs typeface="Comic Sans MS"/>
               </a:rPr>
-              <a:t>TB test</a:t>
+              <a:t>that managers believe is </a:t>
             </a:r>
           </a:p>
           <a:p>
@@ -3287,7 +4874,7 @@
                 <a:latin typeface="Comic Sans MS"/>
                 <a:cs typeface="Comic Sans MS"/>
               </a:rPr>
-              <a:t>that managers believe is </a:t>
+              <a:t>95% accurate.</a:t>
             </a:r>
           </a:p>
           <a:p>
@@ -3296,60 +4883,16 @@
                 <a:latin typeface="Comic Sans MS"/>
                 <a:cs typeface="Comic Sans MS"/>
               </a:rPr>
-              <a:t>95</a:t>
-            </a:r>
+              <a:t>It’s independent of prior test,</a:t>
+            </a:r>
+          </a:p>
+          <a:p>
             <a:r>
               <a:rPr lang="en-US" sz="4800" dirty="0" smtClean="0">
                 <a:latin typeface="Comic Sans MS"/>
                 <a:cs typeface="Comic Sans MS"/>
               </a:rPr>
-              <a:t>% accurate</a:t>
-            </a:r>
-            <a:r>
-              <a:rPr lang="en-US" sz="4800" dirty="0" smtClean="0">
-                <a:latin typeface="Comic Sans MS"/>
-                <a:cs typeface="Comic Sans MS"/>
-              </a:rPr>
-              <a:t>.</a:t>
-            </a:r>
-          </a:p>
-          <a:p>
-            <a:r>
-              <a:rPr lang="en-US" sz="4800" dirty="0" smtClean="0">
-                <a:latin typeface="Comic Sans MS"/>
-                <a:cs typeface="Comic Sans MS"/>
-              </a:rPr>
-              <a:t>It’s independent of </a:t>
-            </a:r>
-            <a:r>
-              <a:rPr lang="en-US" sz="4800" dirty="0" smtClean="0">
-                <a:latin typeface="Comic Sans MS"/>
-                <a:cs typeface="Comic Sans MS"/>
-              </a:rPr>
-              <a:t>prior test</a:t>
-            </a:r>
-            <a:r>
-              <a:rPr lang="en-US" sz="4800" dirty="0" smtClean="0">
-                <a:latin typeface="Comic Sans MS"/>
-                <a:cs typeface="Comic Sans MS"/>
-              </a:rPr>
-              <a:t>,</a:t>
-            </a:r>
-          </a:p>
-          <a:p>
-            <a:r>
-              <a:rPr lang="en-US" sz="4800" dirty="0" smtClean="0">
-                <a:latin typeface="Comic Sans MS"/>
-                <a:cs typeface="Comic Sans MS"/>
-              </a:rPr>
-              <a:t>so useful to confirm </a:t>
-            </a:r>
-            <a:r>
-              <a:rPr lang="en-US" sz="4800" dirty="0" smtClean="0">
-                <a:latin typeface="Comic Sans MS"/>
-                <a:cs typeface="Comic Sans MS"/>
-              </a:rPr>
-              <a:t>diagnoses.</a:t>
+              <a:t>so useful to confirm diagnoses.</a:t>
             </a:r>
             <a:endParaRPr lang="en-US" sz="4800" dirty="0">
               <a:latin typeface="Comic Sans MS"/>
@@ -3532,10 +5075,15 @@
             <a:spLocks noGrp="1"/>
           </p:cNvSpPr>
           <p:nvPr>
-            <p:ph type="sldNum" sz="quarter" idx="10"/>
+            <p:ph type="sldNum" sz="quarter" idx="4"/>
           </p:nvPr>
         </p:nvSpPr>
-        <p:spPr/>
+        <p:spPr>
+          <a:xfrm>
+            <a:off x="7620000" y="6597650"/>
+            <a:ext cx="1524000" cy="274638"/>
+          </a:xfrm>
+        </p:spPr>
         <p:txBody>
           <a:bodyPr/>
           <a:lstStyle/>
@@ -3544,8 +5092,8 @@
               <a:defRPr/>
             </a:pPr>
             <a:r>
-              <a:rPr lang="en-US" smtClean="0"/>
-              <a:t>testing.</a:t>
+              <a:rPr lang="en-US" dirty="0" smtClean="0"/>
+              <a:t>predict.</a:t>
             </a:r>
             <a:fld id="{B6F1E441-844C-41E3-A135-77978BB3664F}" type="slidenum">
               <a:rPr lang="en-US" smtClean="0"/>
@@ -3585,50 +5133,25 @@
                 <a:latin typeface="Comic Sans MS"/>
                 <a:cs typeface="Comic Sans MS"/>
               </a:rPr>
-              <a:t>Since prior test </a:t>
-            </a:r>
+              <a:t>Since prior test is 98% correct,</a:t>
+            </a:r>
+          </a:p>
+          <a:p>
             <a:r>
               <a:rPr lang="en-US" sz="4400" dirty="0" smtClean="0">
                 <a:latin typeface="Comic Sans MS"/>
                 <a:cs typeface="Comic Sans MS"/>
               </a:rPr>
-              <a:t>is 98% correct</a:t>
-            </a:r>
+              <a:t>managers think their retest</a:t>
+            </a:r>
+          </a:p>
+          <a:p>
             <a:r>
               <a:rPr lang="en-US" sz="4400" dirty="0" smtClean="0">
                 <a:latin typeface="Comic Sans MS"/>
                 <a:cs typeface="Comic Sans MS"/>
               </a:rPr>
-              <a:t>,</a:t>
-            </a:r>
-          </a:p>
-          <a:p>
-            <a:r>
-              <a:rPr lang="en-US" sz="4400" dirty="0" smtClean="0">
-                <a:latin typeface="Comic Sans MS"/>
-                <a:cs typeface="Comic Sans MS"/>
-              </a:rPr>
-              <a:t>managers think their retest</a:t>
-            </a:r>
-            <a:endParaRPr lang="en-US" sz="4400" dirty="0" smtClean="0">
-              <a:latin typeface="Comic Sans MS"/>
-              <a:cs typeface="Comic Sans MS"/>
-            </a:endParaRPr>
-          </a:p>
-          <a:p>
-            <a:r>
-              <a:rPr lang="en-US" sz="4400" dirty="0" smtClean="0">
-                <a:latin typeface="Comic Sans MS"/>
-                <a:cs typeface="Comic Sans MS"/>
-              </a:rPr>
-              <a:t>should show about 2% errors</a:t>
-            </a:r>
-            <a:r>
-              <a:rPr lang="en-US" sz="4400" dirty="0" smtClean="0">
-                <a:latin typeface="Comic Sans MS"/>
-                <a:cs typeface="Comic Sans MS"/>
-              </a:rPr>
-              <a:t>.</a:t>
+              <a:t>should show about 2% errors.</a:t>
             </a:r>
           </a:p>
           <a:p>
@@ -4005,10 +5528,15 @@
             <a:spLocks noGrp="1"/>
           </p:cNvSpPr>
           <p:nvPr>
-            <p:ph type="sldNum" sz="quarter" idx="10"/>
+            <p:ph type="sldNum" sz="quarter" idx="4"/>
           </p:nvPr>
         </p:nvSpPr>
-        <p:spPr/>
+        <p:spPr>
+          <a:xfrm>
+            <a:off x="7620000" y="6597650"/>
+            <a:ext cx="1524000" cy="274638"/>
+          </a:xfrm>
+        </p:spPr>
         <p:txBody>
           <a:bodyPr/>
           <a:lstStyle/>
@@ -4017,8 +5545,8 @@
               <a:defRPr/>
             </a:pPr>
             <a:r>
-              <a:rPr lang="en-US" smtClean="0"/>
-              <a:t>testing.</a:t>
+              <a:rPr lang="en-US" dirty="0" smtClean="0"/>
+              <a:t>predict.</a:t>
             </a:r>
             <a:fld id="{B6F1E441-844C-41E3-A135-77978BB3664F}" type="slidenum">
               <a:rPr lang="en-US" smtClean="0"/>
@@ -4058,35 +5586,17 @@
                 <a:latin typeface="Comic Sans MS"/>
                 <a:cs typeface="Comic Sans MS"/>
               </a:rPr>
-              <a:t>Since prior test </a:t>
-            </a:r>
+              <a:t>Since prior test is 98% correct,</a:t>
+            </a:r>
+          </a:p>
+          <a:p>
             <a:r>
               <a:rPr lang="en-US" sz="4400" dirty="0" smtClean="0">
                 <a:latin typeface="Comic Sans MS"/>
                 <a:cs typeface="Comic Sans MS"/>
               </a:rPr>
-              <a:t>is 98% correct</a:t>
-            </a:r>
-            <a:r>
-              <a:rPr lang="en-US" sz="4400" dirty="0" smtClean="0">
-                <a:latin typeface="Comic Sans MS"/>
-                <a:cs typeface="Comic Sans MS"/>
-              </a:rPr>
-              <a:t>,</a:t>
-            </a:r>
-          </a:p>
-          <a:p>
-            <a:r>
-              <a:rPr lang="en-US" sz="4400" dirty="0" smtClean="0">
-                <a:latin typeface="Comic Sans MS"/>
-                <a:cs typeface="Comic Sans MS"/>
-              </a:rPr>
               <a:t>managers think their retest</a:t>
             </a:r>
-            <a:endParaRPr lang="en-US" sz="4400" dirty="0" smtClean="0">
-              <a:latin typeface="Comic Sans MS"/>
-              <a:cs typeface="Comic Sans MS"/>
-            </a:endParaRPr>
           </a:p>
           <a:p>
             <a:r>
@@ -4113,8 +5623,10 @@
                 <a:latin typeface="Comic Sans MS"/>
                 <a:cs typeface="Comic Sans MS"/>
               </a:rPr>
-              <a:t>They are upset when nearly </a:t>
-            </a:r>
+              <a:t>They are upset when nearly all</a:t>
+            </a:r>
+          </a:p>
+          <a:p>
             <a:r>
               <a:rPr lang="en-US" sz="4400" dirty="0" smtClean="0">
                 <a:solidFill>
@@ -4123,7 +5635,7 @@
                 <a:latin typeface="Comic Sans MS"/>
                 <a:cs typeface="Comic Sans MS"/>
               </a:rPr>
-              <a:t>all</a:t>
+              <a:t>their retests disagree with the</a:t>
             </a:r>
           </a:p>
           <a:p>
@@ -4135,49 +5647,7 @@
                 <a:latin typeface="Comic Sans MS"/>
                 <a:cs typeface="Comic Sans MS"/>
               </a:rPr>
-              <a:t>their retests </a:t>
-            </a:r>
-            <a:r>
-              <a:rPr lang="en-US" sz="4400" dirty="0" smtClean="0">
-                <a:solidFill>
-                  <a:prstClr val="black"/>
-                </a:solidFill>
-                <a:latin typeface="Comic Sans MS"/>
-                <a:cs typeface="Comic Sans MS"/>
-              </a:rPr>
-              <a:t>disagree</a:t>
-            </a:r>
-            <a:r>
-              <a:rPr lang="en-US" sz="4400" dirty="0" smtClean="0">
-                <a:solidFill>
-                  <a:prstClr val="black"/>
-                </a:solidFill>
-                <a:latin typeface="Comic Sans MS"/>
-                <a:cs typeface="Comic Sans MS"/>
-              </a:rPr>
-              <a:t> with the</a:t>
-            </a:r>
-          </a:p>
-          <a:p>
-            <a:r>
-              <a:rPr lang="en-US" sz="4400" dirty="0" smtClean="0">
-                <a:solidFill>
-                  <a:prstClr val="black"/>
-                </a:solidFill>
-                <a:latin typeface="Comic Sans MS"/>
-                <a:cs typeface="Comic Sans MS"/>
-              </a:rPr>
-              <a:t>prior test</a:t>
-            </a:r>
-            <a:r>
-              <a:rPr lang="en-US" sz="4400" dirty="0" smtClean="0">
-                <a:solidFill>
-                  <a:prstClr val="black"/>
-                </a:solidFill>
-                <a:latin typeface="Comic Sans MS"/>
-                <a:cs typeface="Comic Sans MS"/>
-              </a:rPr>
-              <a:t>.</a:t>
+              <a:t>prior test.</a:t>
             </a:r>
             <a:endParaRPr lang="en-US" sz="4400" dirty="0">
               <a:latin typeface="Comic Sans MS"/>
@@ -4405,10 +5875,15 @@
             <a:spLocks noGrp="1"/>
           </p:cNvSpPr>
           <p:nvPr>
-            <p:ph type="sldNum" sz="quarter" idx="10"/>
+            <p:ph type="sldNum" sz="quarter" idx="4"/>
           </p:nvPr>
         </p:nvSpPr>
-        <p:spPr/>
+        <p:spPr>
+          <a:xfrm>
+            <a:off x="7620000" y="6597650"/>
+            <a:ext cx="1524000" cy="274638"/>
+          </a:xfrm>
+        </p:spPr>
         <p:txBody>
           <a:bodyPr/>
           <a:lstStyle/>
@@ -4417,8 +5892,8 @@
               <a:defRPr/>
             </a:pPr>
             <a:r>
-              <a:rPr lang="en-US" smtClean="0"/>
-              <a:t>testing.</a:t>
+              <a:rPr lang="en-US" dirty="0" smtClean="0"/>
+              <a:t>predict.</a:t>
             </a:r>
             <a:fld id="{B6F1E441-844C-41E3-A135-77978BB3664F}" type="slidenum">
               <a:rPr lang="en-US" smtClean="0"/>
@@ -5161,10 +6636,15 @@
             <a:spLocks noGrp="1"/>
           </p:cNvSpPr>
           <p:nvPr>
-            <p:ph type="sldNum" sz="quarter" idx="10"/>
+            <p:ph type="sldNum" sz="quarter" idx="4"/>
           </p:nvPr>
         </p:nvSpPr>
-        <p:spPr/>
+        <p:spPr>
+          <a:xfrm>
+            <a:off x="7620000" y="6597650"/>
+            <a:ext cx="1524000" cy="274638"/>
+          </a:xfrm>
+        </p:spPr>
         <p:txBody>
           <a:bodyPr/>
           <a:lstStyle/>
@@ -5173,8 +6653,8 @@
               <a:defRPr/>
             </a:pPr>
             <a:r>
-              <a:rPr lang="en-US" smtClean="0"/>
-              <a:t>testing.</a:t>
+              <a:rPr lang="en-US" dirty="0" smtClean="0"/>
+              <a:t>predict.</a:t>
             </a:r>
             <a:fld id="{B6F1E441-844C-41E3-A135-77978BB3664F}" type="slidenum">
               <a:rPr lang="en-US" smtClean="0"/>
@@ -5537,10 +7017,15 @@
             <a:spLocks noGrp="1"/>
           </p:cNvSpPr>
           <p:nvPr>
-            <p:ph type="sldNum" sz="quarter" idx="10"/>
+            <p:ph type="sldNum" sz="quarter" idx="4"/>
           </p:nvPr>
         </p:nvSpPr>
-        <p:spPr/>
+        <p:spPr>
+          <a:xfrm>
+            <a:off x="7620000" y="6597650"/>
+            <a:ext cx="1524000" cy="274638"/>
+          </a:xfrm>
+        </p:spPr>
         <p:txBody>
           <a:bodyPr/>
           <a:lstStyle/>
@@ -5549,8 +7034,8 @@
               <a:defRPr/>
             </a:pPr>
             <a:r>
-              <a:rPr lang="en-US" smtClean="0"/>
-              <a:t>testing.</a:t>
+              <a:rPr lang="en-US" dirty="0" smtClean="0"/>
+              <a:t>predict.</a:t>
             </a:r>
             <a:fld id="{B6F1E441-844C-41E3-A135-77978BB3664F}" type="slidenum">
               <a:rPr lang="en-US" smtClean="0"/>
@@ -6179,10 +7664,15 @@
             <a:spLocks noGrp="1"/>
           </p:cNvSpPr>
           <p:nvPr>
-            <p:ph type="sldNum" sz="quarter" idx="10"/>
+            <p:ph type="sldNum" sz="quarter" idx="4"/>
           </p:nvPr>
         </p:nvSpPr>
-        <p:spPr/>
+        <p:spPr>
+          <a:xfrm>
+            <a:off x="7620000" y="6597650"/>
+            <a:ext cx="1524000" cy="274638"/>
+          </a:xfrm>
+        </p:spPr>
         <p:txBody>
           <a:bodyPr/>
           <a:lstStyle/>
@@ -6191,8 +7681,8 @@
               <a:defRPr/>
             </a:pPr>
             <a:r>
-              <a:rPr lang="en-US" smtClean="0"/>
-              <a:t>testing.</a:t>
+              <a:rPr lang="en-US" dirty="0" smtClean="0"/>
+              <a:t>predict.</a:t>
             </a:r>
             <a:fld id="{B6F1E441-844C-41E3-A135-77978BB3664F}" type="slidenum">
               <a:rPr lang="en-US" smtClean="0"/>
@@ -6635,10 +8125,15 @@
             <a:spLocks noGrp="1"/>
           </p:cNvSpPr>
           <p:nvPr>
-            <p:ph type="sldNum" sz="quarter" idx="10"/>
+            <p:ph type="sldNum" sz="quarter" idx="4"/>
           </p:nvPr>
         </p:nvSpPr>
-        <p:spPr/>
+        <p:spPr>
+          <a:xfrm>
+            <a:off x="7620000" y="6597650"/>
+            <a:ext cx="1524000" cy="274638"/>
+          </a:xfrm>
+        </p:spPr>
         <p:txBody>
           <a:bodyPr/>
           <a:lstStyle/>
@@ -6647,8 +8142,8 @@
               <a:defRPr/>
             </a:pPr>
             <a:r>
-              <a:rPr lang="en-US" smtClean="0"/>
-              <a:t>testing.</a:t>
+              <a:rPr lang="en-US" dirty="0" smtClean="0"/>
+              <a:t>predict.</a:t>
             </a:r>
             <a:fld id="{B6F1E441-844C-41E3-A135-77978BB3664F}" type="slidenum">
               <a:rPr lang="en-US" smtClean="0"/>
@@ -6740,7 +8235,7 @@
           <a:graphicData uri="http://schemas.openxmlformats.org/presentationml/2006/ole">
             <mc:AlternateContent xmlns:mc="http://schemas.openxmlformats.org/markup-compatibility/2006">
               <mc:Choice xmlns:v="urn:schemas-microsoft-com:vml" Requires="v">
-                <p:oleObj spid="_x0000_s1048" name="Equation" r:id="rId3" imgW="1651000" imgH="241300" progId="Equation.DSMT4">
+                <p:oleObj spid="_x0000_s1055" name="Equation" r:id="rId3" imgW="1651000" imgH="241300" progId="Equation.DSMT4">
                   <p:embed/>
                 </p:oleObj>
               </mc:Choice>
